--- a/IC量測誤差檢測系統.pptx
+++ b/IC量測誤差檢測系統.pptx
@@ -17,6 +17,9 @@
     <p:sldId id="262" r:id="rId12"/>
     <p:sldId id="263" r:id="rId13"/>
     <p:sldId id="264" r:id="rId14"/>
+    <p:sldId id="265" r:id="rId15"/>
+    <p:sldId id="266" r:id="rId16"/>
+    <p:sldId id="267" r:id="rId17"/>
   </p:sldIdLst>
   <p:sldSz cy="5143500" cx="9144000"/>
   <p:notesSz cx="6858000" cy="9144000"/>
@@ -793,12 +796,12 @@
 </p:notes>
 </file>
 
-<file path=ppt/notesSlides/notesSlide2.xml><?xml version="1.0" encoding="utf-8"?>
+<file path=ppt/notesSlides/notesSlide10.xml><?xml version="1.0" encoding="utf-8"?>
 <p:notes xmlns:a="http://schemas.openxmlformats.org/drawingml/2006/main" xmlns:r="http://schemas.openxmlformats.org/officeDocument/2006/relationships" xmlns:mc="http://schemas.openxmlformats.org/markup-compatibility/2006" xmlns:mv="urn:schemas-microsoft-com:mac:vml" xmlns:p="http://schemas.openxmlformats.org/presentationml/2006/main" xmlns:c="http://schemas.openxmlformats.org/drawingml/2006/chart" xmlns:dgm="http://schemas.openxmlformats.org/drawingml/2006/diagram" xmlns:o="urn:schemas-microsoft-com:office:office" xmlns:v="urn:schemas-microsoft-com:vml" xmlns:pvml="urn:schemas-microsoft-com:office:powerpoint" xmlns:com="http://schemas.openxmlformats.org/drawingml/2006/compatibility" xmlns:p14="http://schemas.microsoft.com/office/powerpoint/2010/main" xmlns:p15="http://schemas.microsoft.com/office/powerpoint/2012/main" xmlns:ahyp="http://schemas.microsoft.com/office/drawing/2018/hyperlinkcolor" showMasterPhAnim="0" showMasterSp="0">
   <p:cSld>
     <p:spTree>
       <p:nvGrpSpPr>
-        <p:cNvPr id="56" name="Shape 56"/>
+        <p:cNvPr id="113" name="Shape 113"/>
         <p:cNvGrpSpPr/>
         <p:nvPr/>
       </p:nvGrpSpPr>
@@ -812,7 +815,7 @@
       </p:grpSpPr>
       <p:sp>
         <p:nvSpPr>
-          <p:cNvPr id="57" name="Google Shape;57;gd4e2b6b590_0_6:notes"/>
+          <p:cNvPr id="114" name="Google Shape;114;gd9e7ea8b69_2_0:notes"/>
           <p:cNvSpPr/>
           <p:nvPr>
             <p:ph idx="2" type="sldImg"/>
@@ -847,7 +850,7 @@
       </p:sp>
       <p:sp>
         <p:nvSpPr>
-          <p:cNvPr id="58" name="Google Shape;58;gd4e2b6b590_0_6:notes"/>
+          <p:cNvPr id="115" name="Google Shape;115;gd9e7ea8b69_2_0:notes"/>
           <p:cNvSpPr txBox="1"/>
           <p:nvPr>
             <p:ph idx="1" type="body"/>
@@ -892,12 +895,12 @@
 </p:notes>
 </file>
 
-<file path=ppt/notesSlides/notesSlide3.xml><?xml version="1.0" encoding="utf-8"?>
+<file path=ppt/notesSlides/notesSlide11.xml><?xml version="1.0" encoding="utf-8"?>
 <p:notes xmlns:a="http://schemas.openxmlformats.org/drawingml/2006/main" xmlns:r="http://schemas.openxmlformats.org/officeDocument/2006/relationships" xmlns:mc="http://schemas.openxmlformats.org/markup-compatibility/2006" xmlns:mv="urn:schemas-microsoft-com:mac:vml" xmlns:p="http://schemas.openxmlformats.org/presentationml/2006/main" xmlns:c="http://schemas.openxmlformats.org/drawingml/2006/chart" xmlns:dgm="http://schemas.openxmlformats.org/drawingml/2006/diagram" xmlns:o="urn:schemas-microsoft-com:office:office" xmlns:v="urn:schemas-microsoft-com:vml" xmlns:pvml="urn:schemas-microsoft-com:office:powerpoint" xmlns:com="http://schemas.openxmlformats.org/drawingml/2006/compatibility" xmlns:p14="http://schemas.microsoft.com/office/powerpoint/2010/main" xmlns:p15="http://schemas.microsoft.com/office/powerpoint/2012/main" xmlns:ahyp="http://schemas.microsoft.com/office/drawing/2018/hyperlinkcolor" showMasterPhAnim="0" showMasterSp="0">
   <p:cSld>
     <p:spTree>
       <p:nvGrpSpPr>
-        <p:cNvPr id="63" name="Shape 63"/>
+        <p:cNvPr id="119" name="Shape 119"/>
         <p:cNvGrpSpPr/>
         <p:nvPr/>
       </p:nvGrpSpPr>
@@ -911,7 +914,7 @@
       </p:grpSpPr>
       <p:sp>
         <p:nvSpPr>
-          <p:cNvPr id="64" name="Google Shape;64;gd4e2b6b590_0_0:notes"/>
+          <p:cNvPr id="120" name="Google Shape;120;gd9e7ea8b69_1_37:notes"/>
           <p:cNvSpPr/>
           <p:nvPr>
             <p:ph idx="2" type="sldImg"/>
@@ -946,7 +949,7 @@
       </p:sp>
       <p:sp>
         <p:nvSpPr>
-          <p:cNvPr id="65" name="Google Shape;65;gd4e2b6b590_0_0:notes"/>
+          <p:cNvPr id="121" name="Google Shape;121;gd9e7ea8b69_1_37:notes"/>
           <p:cNvSpPr txBox="1"/>
           <p:nvPr>
             <p:ph idx="1" type="body"/>
@@ -991,12 +994,12 @@
 </p:notes>
 </file>
 
-<file path=ppt/notesSlides/notesSlide4.xml><?xml version="1.0" encoding="utf-8"?>
+<file path=ppt/notesSlides/notesSlide12.xml><?xml version="1.0" encoding="utf-8"?>
 <p:notes xmlns:a="http://schemas.openxmlformats.org/drawingml/2006/main" xmlns:r="http://schemas.openxmlformats.org/officeDocument/2006/relationships" xmlns:mc="http://schemas.openxmlformats.org/markup-compatibility/2006" xmlns:mv="urn:schemas-microsoft-com:mac:vml" xmlns:p="http://schemas.openxmlformats.org/presentationml/2006/main" xmlns:c="http://schemas.openxmlformats.org/drawingml/2006/chart" xmlns:dgm="http://schemas.openxmlformats.org/drawingml/2006/diagram" xmlns:o="urn:schemas-microsoft-com:office:office" xmlns:v="urn:schemas-microsoft-com:vml" xmlns:pvml="urn:schemas-microsoft-com:office:powerpoint" xmlns:com="http://schemas.openxmlformats.org/drawingml/2006/compatibility" xmlns:p14="http://schemas.microsoft.com/office/powerpoint/2010/main" xmlns:p15="http://schemas.microsoft.com/office/powerpoint/2012/main" xmlns:ahyp="http://schemas.microsoft.com/office/drawing/2018/hyperlinkcolor" showMasterPhAnim="0" showMasterSp="0">
   <p:cSld>
     <p:spTree>
       <p:nvGrpSpPr>
-        <p:cNvPr id="70" name="Shape 70"/>
+        <p:cNvPr id="125" name="Shape 125"/>
         <p:cNvGrpSpPr/>
         <p:nvPr/>
       </p:nvGrpSpPr>
@@ -1010,7 +1013,7 @@
       </p:grpSpPr>
       <p:sp>
         <p:nvSpPr>
-          <p:cNvPr id="71" name="Google Shape;71;gd4e2b6b590_0_12:notes"/>
+          <p:cNvPr id="126" name="Google Shape;126;gd9e7ea8b69_1_43:notes"/>
           <p:cNvSpPr/>
           <p:nvPr>
             <p:ph idx="2" type="sldImg"/>
@@ -1045,7 +1048,7 @@
       </p:sp>
       <p:sp>
         <p:nvSpPr>
-          <p:cNvPr id="72" name="Google Shape;72;gd4e2b6b590_0_12:notes"/>
+          <p:cNvPr id="127" name="Google Shape;127;gd9e7ea8b69_1_43:notes"/>
           <p:cNvSpPr txBox="1"/>
           <p:nvPr>
             <p:ph idx="1" type="body"/>
@@ -1090,12 +1093,12 @@
 </p:notes>
 </file>
 
-<file path=ppt/notesSlides/notesSlide5.xml><?xml version="1.0" encoding="utf-8"?>
+<file path=ppt/notesSlides/notesSlide2.xml><?xml version="1.0" encoding="utf-8"?>
 <p:notes xmlns:a="http://schemas.openxmlformats.org/drawingml/2006/main" xmlns:r="http://schemas.openxmlformats.org/officeDocument/2006/relationships" xmlns:mc="http://schemas.openxmlformats.org/markup-compatibility/2006" xmlns:mv="urn:schemas-microsoft-com:mac:vml" xmlns:p="http://schemas.openxmlformats.org/presentationml/2006/main" xmlns:c="http://schemas.openxmlformats.org/drawingml/2006/chart" xmlns:dgm="http://schemas.openxmlformats.org/drawingml/2006/diagram" xmlns:o="urn:schemas-microsoft-com:office:office" xmlns:v="urn:schemas-microsoft-com:vml" xmlns:pvml="urn:schemas-microsoft-com:office:powerpoint" xmlns:com="http://schemas.openxmlformats.org/drawingml/2006/compatibility" xmlns:p14="http://schemas.microsoft.com/office/powerpoint/2010/main" xmlns:p15="http://schemas.microsoft.com/office/powerpoint/2012/main" xmlns:ahyp="http://schemas.microsoft.com/office/drawing/2018/hyperlinkcolor" showMasterPhAnim="0" showMasterSp="0">
   <p:cSld>
     <p:spTree>
       <p:nvGrpSpPr>
-        <p:cNvPr id="77" name="Shape 77"/>
+        <p:cNvPr id="56" name="Shape 56"/>
         <p:cNvGrpSpPr/>
         <p:nvPr/>
       </p:nvGrpSpPr>
@@ -1109,7 +1112,7 @@
       </p:grpSpPr>
       <p:sp>
         <p:nvSpPr>
-          <p:cNvPr id="78" name="Google Shape;78;gd4e2b6b590_0_28:notes"/>
+          <p:cNvPr id="57" name="Google Shape;57;gd4e2b6b590_0_12:notes"/>
           <p:cNvSpPr/>
           <p:nvPr>
             <p:ph idx="2" type="sldImg"/>
@@ -1144,7 +1147,7 @@
       </p:sp>
       <p:sp>
         <p:nvSpPr>
-          <p:cNvPr id="79" name="Google Shape;79;gd4e2b6b590_0_28:notes"/>
+          <p:cNvPr id="58" name="Google Shape;58;gd4e2b6b590_0_12:notes"/>
           <p:cNvSpPr txBox="1"/>
           <p:nvPr>
             <p:ph idx="1" type="body"/>
@@ -1189,12 +1192,12 @@
 </p:notes>
 </file>
 
-<file path=ppt/notesSlides/notesSlide6.xml><?xml version="1.0" encoding="utf-8"?>
+<file path=ppt/notesSlides/notesSlide3.xml><?xml version="1.0" encoding="utf-8"?>
 <p:notes xmlns:a="http://schemas.openxmlformats.org/drawingml/2006/main" xmlns:r="http://schemas.openxmlformats.org/officeDocument/2006/relationships" xmlns:mc="http://schemas.openxmlformats.org/markup-compatibility/2006" xmlns:mv="urn:schemas-microsoft-com:mac:vml" xmlns:p="http://schemas.openxmlformats.org/presentationml/2006/main" xmlns:c="http://schemas.openxmlformats.org/drawingml/2006/chart" xmlns:dgm="http://schemas.openxmlformats.org/drawingml/2006/diagram" xmlns:o="urn:schemas-microsoft-com:office:office" xmlns:v="urn:schemas-microsoft-com:vml" xmlns:pvml="urn:schemas-microsoft-com:office:powerpoint" xmlns:com="http://schemas.openxmlformats.org/drawingml/2006/compatibility" xmlns:p14="http://schemas.microsoft.com/office/powerpoint/2010/main" xmlns:p15="http://schemas.microsoft.com/office/powerpoint/2012/main" xmlns:ahyp="http://schemas.microsoft.com/office/drawing/2018/hyperlinkcolor" showMasterPhAnim="0" showMasterSp="0">
   <p:cSld>
     <p:spTree>
       <p:nvGrpSpPr>
-        <p:cNvPr id="84" name="Shape 84"/>
+        <p:cNvPr id="65" name="Shape 65"/>
         <p:cNvGrpSpPr/>
         <p:nvPr/>
       </p:nvGrpSpPr>
@@ -1208,7 +1211,7 @@
       </p:grpSpPr>
       <p:sp>
         <p:nvSpPr>
-          <p:cNvPr id="85" name="Google Shape;85;gd4e2b6b590_1_1:notes"/>
+          <p:cNvPr id="66" name="Google Shape;66;gd9e7ea8b69_1_18:notes"/>
           <p:cNvSpPr/>
           <p:nvPr>
             <p:ph idx="2" type="sldImg"/>
@@ -1243,7 +1246,7 @@
       </p:sp>
       <p:sp>
         <p:nvSpPr>
-          <p:cNvPr id="86" name="Google Shape;86;gd4e2b6b590_1_1:notes"/>
+          <p:cNvPr id="67" name="Google Shape;67;gd9e7ea8b69_1_18:notes"/>
           <p:cNvSpPr txBox="1"/>
           <p:nvPr>
             <p:ph idx="1" type="body"/>
@@ -1288,12 +1291,12 @@
 </p:notes>
 </file>
 
-<file path=ppt/notesSlides/notesSlide7.xml><?xml version="1.0" encoding="utf-8"?>
+<file path=ppt/notesSlides/notesSlide4.xml><?xml version="1.0" encoding="utf-8"?>
 <p:notes xmlns:a="http://schemas.openxmlformats.org/drawingml/2006/main" xmlns:r="http://schemas.openxmlformats.org/officeDocument/2006/relationships" xmlns:mc="http://schemas.openxmlformats.org/markup-compatibility/2006" xmlns:mv="urn:schemas-microsoft-com:mac:vml" xmlns:p="http://schemas.openxmlformats.org/presentationml/2006/main" xmlns:c="http://schemas.openxmlformats.org/drawingml/2006/chart" xmlns:dgm="http://schemas.openxmlformats.org/drawingml/2006/diagram" xmlns:o="urn:schemas-microsoft-com:office:office" xmlns:v="urn:schemas-microsoft-com:vml" xmlns:pvml="urn:schemas-microsoft-com:office:powerpoint" xmlns:com="http://schemas.openxmlformats.org/drawingml/2006/compatibility" xmlns:p14="http://schemas.microsoft.com/office/powerpoint/2010/main" xmlns:p15="http://schemas.microsoft.com/office/powerpoint/2012/main" xmlns:ahyp="http://schemas.microsoft.com/office/drawing/2018/hyperlinkcolor" showMasterPhAnim="0" showMasterSp="0">
   <p:cSld>
     <p:spTree>
       <p:nvGrpSpPr>
-        <p:cNvPr id="91" name="Shape 91"/>
+        <p:cNvPr id="72" name="Shape 72"/>
         <p:cNvGrpSpPr/>
         <p:nvPr/>
       </p:nvGrpSpPr>
@@ -1307,7 +1310,7 @@
       </p:grpSpPr>
       <p:sp>
         <p:nvSpPr>
-          <p:cNvPr id="92" name="Google Shape;92;gd4e2b6b590_0_18:notes"/>
+          <p:cNvPr id="73" name="Google Shape;73;gd9e7ea8b69_1_10:notes"/>
           <p:cNvSpPr/>
           <p:nvPr>
             <p:ph idx="2" type="sldImg"/>
@@ -1342,7 +1345,7 @@
       </p:sp>
       <p:sp>
         <p:nvSpPr>
-          <p:cNvPr id="93" name="Google Shape;93;gd4e2b6b590_0_18:notes"/>
+          <p:cNvPr id="74" name="Google Shape;74;gd9e7ea8b69_1_10:notes"/>
           <p:cNvSpPr txBox="1"/>
           <p:nvPr>
             <p:ph idx="1" type="body"/>
@@ -1387,12 +1390,12 @@
 </p:notes>
 </file>
 
-<file path=ppt/notesSlides/notesSlide8.xml><?xml version="1.0" encoding="utf-8"?>
+<file path=ppt/notesSlides/notesSlide5.xml><?xml version="1.0" encoding="utf-8"?>
 <p:notes xmlns:a="http://schemas.openxmlformats.org/drawingml/2006/main" xmlns:r="http://schemas.openxmlformats.org/officeDocument/2006/relationships" xmlns:mc="http://schemas.openxmlformats.org/markup-compatibility/2006" xmlns:mv="urn:schemas-microsoft-com:mac:vml" xmlns:p="http://schemas.openxmlformats.org/presentationml/2006/main" xmlns:c="http://schemas.openxmlformats.org/drawingml/2006/chart" xmlns:dgm="http://schemas.openxmlformats.org/drawingml/2006/diagram" xmlns:o="urn:schemas-microsoft-com:office:office" xmlns:v="urn:schemas-microsoft-com:vml" xmlns:pvml="urn:schemas-microsoft-com:office:powerpoint" xmlns:com="http://schemas.openxmlformats.org/drawingml/2006/compatibility" xmlns:p14="http://schemas.microsoft.com/office/powerpoint/2010/main" xmlns:p15="http://schemas.microsoft.com/office/powerpoint/2012/main" xmlns:ahyp="http://schemas.microsoft.com/office/drawing/2018/hyperlinkcolor" showMasterPhAnim="0" showMasterSp="0">
   <p:cSld>
     <p:spTree>
       <p:nvGrpSpPr>
-        <p:cNvPr id="97" name="Shape 97"/>
+        <p:cNvPr id="81" name="Shape 81"/>
         <p:cNvGrpSpPr/>
         <p:nvPr/>
       </p:nvGrpSpPr>
@@ -1406,7 +1409,7 @@
       </p:grpSpPr>
       <p:sp>
         <p:nvSpPr>
-          <p:cNvPr id="98" name="Google Shape;98;gd4e2b6b590_0_34:notes"/>
+          <p:cNvPr id="82" name="Google Shape;82;gd9e7ea8b69_1_51:notes"/>
           <p:cNvSpPr/>
           <p:nvPr>
             <p:ph idx="2" type="sldImg"/>
@@ -1441,7 +1444,7 @@
       </p:sp>
       <p:sp>
         <p:nvSpPr>
-          <p:cNvPr id="99" name="Google Shape;99;gd4e2b6b590_0_34:notes"/>
+          <p:cNvPr id="83" name="Google Shape;83;gd9e7ea8b69_1_51:notes"/>
           <p:cNvSpPr txBox="1"/>
           <p:nvPr>
             <p:ph idx="1" type="body"/>
@@ -1486,12 +1489,12 @@
 </p:notes>
 </file>
 
-<file path=ppt/notesSlides/notesSlide9.xml><?xml version="1.0" encoding="utf-8"?>
+<file path=ppt/notesSlides/notesSlide6.xml><?xml version="1.0" encoding="utf-8"?>
 <p:notes xmlns:a="http://schemas.openxmlformats.org/drawingml/2006/main" xmlns:r="http://schemas.openxmlformats.org/officeDocument/2006/relationships" xmlns:mc="http://schemas.openxmlformats.org/markup-compatibility/2006" xmlns:mv="urn:schemas-microsoft-com:mac:vml" xmlns:p="http://schemas.openxmlformats.org/presentationml/2006/main" xmlns:c="http://schemas.openxmlformats.org/drawingml/2006/chart" xmlns:dgm="http://schemas.openxmlformats.org/drawingml/2006/diagram" xmlns:o="urn:schemas-microsoft-com:office:office" xmlns:v="urn:schemas-microsoft-com:vml" xmlns:pvml="urn:schemas-microsoft-com:office:powerpoint" xmlns:com="http://schemas.openxmlformats.org/drawingml/2006/compatibility" xmlns:p14="http://schemas.microsoft.com/office/powerpoint/2010/main" xmlns:p15="http://schemas.microsoft.com/office/powerpoint/2012/main" xmlns:ahyp="http://schemas.microsoft.com/office/drawing/2018/hyperlinkcolor" showMasterPhAnim="0" showMasterSp="0">
   <p:cSld>
     <p:spTree>
       <p:nvGrpSpPr>
-        <p:cNvPr id="103" name="Shape 103"/>
+        <p:cNvPr id="87" name="Shape 87"/>
         <p:cNvGrpSpPr/>
         <p:nvPr/>
       </p:nvGrpSpPr>
@@ -1505,7 +1508,7 @@
       </p:grpSpPr>
       <p:sp>
         <p:nvSpPr>
-          <p:cNvPr id="104" name="Google Shape;104;gd4e2b6b590_0_23:notes"/>
+          <p:cNvPr id="88" name="Google Shape;88;gd4e2b6b590_0_18:notes"/>
           <p:cNvSpPr/>
           <p:nvPr>
             <p:ph idx="2" type="sldImg"/>
@@ -1540,7 +1543,304 @@
       </p:sp>
       <p:sp>
         <p:nvSpPr>
-          <p:cNvPr id="105" name="Google Shape;105;gd4e2b6b590_0_23:notes"/>
+          <p:cNvPr id="89" name="Google Shape;89;gd4e2b6b590_0_18:notes"/>
+          <p:cNvSpPr txBox="1"/>
+          <p:nvPr>
+            <p:ph idx="1" type="body"/>
+          </p:nvPr>
+        </p:nvSpPr>
+        <p:spPr>
+          <a:xfrm>
+            <a:off x="685800" y="4343400"/>
+            <a:ext cx="5486400" cy="4114800"/>
+          </a:xfrm>
+          <a:prstGeom prst="rect">
+            <a:avLst/>
+          </a:prstGeom>
+        </p:spPr>
+        <p:txBody>
+          <a:bodyPr anchorCtr="0" anchor="t" bIns="91425" lIns="91425" spcFirstLastPara="1" rIns="91425" wrap="square" tIns="91425">
+            <a:noAutofit/>
+          </a:bodyPr>
+          <a:lstStyle/>
+          <a:p>
+            <a:pPr indent="0" lvl="0" marL="0" rtl="0" algn="l">
+              <a:spcBef>
+                <a:spcPts val="0"/>
+              </a:spcBef>
+              <a:spcAft>
+                <a:spcPts val="0"/>
+              </a:spcAft>
+              <a:buNone/>
+            </a:pPr>
+            <a:r>
+              <a:t/>
+            </a:r>
+            <a:endParaRPr/>
+          </a:p>
+        </p:txBody>
+      </p:sp>
+    </p:spTree>
+  </p:cSld>
+  <p:clrMapOvr>
+    <a:masterClrMapping/>
+  </p:clrMapOvr>
+</p:notes>
+</file>
+
+<file path=ppt/notesSlides/notesSlide7.xml><?xml version="1.0" encoding="utf-8"?>
+<p:notes xmlns:a="http://schemas.openxmlformats.org/drawingml/2006/main" xmlns:r="http://schemas.openxmlformats.org/officeDocument/2006/relationships" xmlns:mc="http://schemas.openxmlformats.org/markup-compatibility/2006" xmlns:mv="urn:schemas-microsoft-com:mac:vml" xmlns:p="http://schemas.openxmlformats.org/presentationml/2006/main" xmlns:c="http://schemas.openxmlformats.org/drawingml/2006/chart" xmlns:dgm="http://schemas.openxmlformats.org/drawingml/2006/diagram" xmlns:o="urn:schemas-microsoft-com:office:office" xmlns:v="urn:schemas-microsoft-com:vml" xmlns:pvml="urn:schemas-microsoft-com:office:powerpoint" xmlns:com="http://schemas.openxmlformats.org/drawingml/2006/compatibility" xmlns:p14="http://schemas.microsoft.com/office/powerpoint/2010/main" xmlns:p15="http://schemas.microsoft.com/office/powerpoint/2012/main" xmlns:ahyp="http://schemas.microsoft.com/office/drawing/2018/hyperlinkcolor" showMasterPhAnim="0" showMasterSp="0">
+  <p:cSld>
+    <p:spTree>
+      <p:nvGrpSpPr>
+        <p:cNvPr id="93" name="Shape 93"/>
+        <p:cNvGrpSpPr/>
+        <p:nvPr/>
+      </p:nvGrpSpPr>
+      <p:grpSpPr>
+        <a:xfrm>
+          <a:off x="0" y="0"/>
+          <a:ext cx="0" cy="0"/>
+          <a:chOff x="0" y="0"/>
+          <a:chExt cx="0" cy="0"/>
+        </a:xfrm>
+      </p:grpSpPr>
+      <p:sp>
+        <p:nvSpPr>
+          <p:cNvPr id="94" name="Google Shape;94;gd4e2b6b590_0_34:notes"/>
+          <p:cNvSpPr/>
+          <p:nvPr>
+            <p:ph idx="2" type="sldImg"/>
+          </p:nvPr>
+        </p:nvSpPr>
+        <p:spPr>
+          <a:xfrm>
+            <a:off x="381300" y="685800"/>
+            <a:ext cx="6096000" cy="3429000"/>
+          </a:xfrm>
+          <a:custGeom>
+            <a:rect b="b" l="l" r="r" t="t"/>
+            <a:pathLst>
+              <a:path extrusionOk="0" h="120000" w="120000">
+                <a:moveTo>
+                  <a:pt x="0" y="0"/>
+                </a:moveTo>
+                <a:lnTo>
+                  <a:pt x="120000" y="0"/>
+                </a:lnTo>
+                <a:lnTo>
+                  <a:pt x="120000" y="120000"/>
+                </a:lnTo>
+                <a:lnTo>
+                  <a:pt x="0" y="120000"/>
+                </a:lnTo>
+                <a:close/>
+              </a:path>
+            </a:pathLst>
+          </a:custGeom>
+        </p:spPr>
+      </p:sp>
+      <p:sp>
+        <p:nvSpPr>
+          <p:cNvPr id="95" name="Google Shape;95;gd4e2b6b590_0_34:notes"/>
+          <p:cNvSpPr txBox="1"/>
+          <p:nvPr>
+            <p:ph idx="1" type="body"/>
+          </p:nvPr>
+        </p:nvSpPr>
+        <p:spPr>
+          <a:xfrm>
+            <a:off x="685800" y="4343400"/>
+            <a:ext cx="5486400" cy="4114800"/>
+          </a:xfrm>
+          <a:prstGeom prst="rect">
+            <a:avLst/>
+          </a:prstGeom>
+        </p:spPr>
+        <p:txBody>
+          <a:bodyPr anchorCtr="0" anchor="t" bIns="91425" lIns="91425" spcFirstLastPara="1" rIns="91425" wrap="square" tIns="91425">
+            <a:noAutofit/>
+          </a:bodyPr>
+          <a:lstStyle/>
+          <a:p>
+            <a:pPr indent="0" lvl="0" marL="0" rtl="0" algn="l">
+              <a:spcBef>
+                <a:spcPts val="0"/>
+              </a:spcBef>
+              <a:spcAft>
+                <a:spcPts val="0"/>
+              </a:spcAft>
+              <a:buNone/>
+            </a:pPr>
+            <a:r>
+              <a:t/>
+            </a:r>
+            <a:endParaRPr/>
+          </a:p>
+        </p:txBody>
+      </p:sp>
+    </p:spTree>
+  </p:cSld>
+  <p:clrMapOvr>
+    <a:masterClrMapping/>
+  </p:clrMapOvr>
+</p:notes>
+</file>
+
+<file path=ppt/notesSlides/notesSlide8.xml><?xml version="1.0" encoding="utf-8"?>
+<p:notes xmlns:a="http://schemas.openxmlformats.org/drawingml/2006/main" xmlns:r="http://schemas.openxmlformats.org/officeDocument/2006/relationships" xmlns:mc="http://schemas.openxmlformats.org/markup-compatibility/2006" xmlns:mv="urn:schemas-microsoft-com:mac:vml" xmlns:p="http://schemas.openxmlformats.org/presentationml/2006/main" xmlns:c="http://schemas.openxmlformats.org/drawingml/2006/chart" xmlns:dgm="http://schemas.openxmlformats.org/drawingml/2006/diagram" xmlns:o="urn:schemas-microsoft-com:office:office" xmlns:v="urn:schemas-microsoft-com:vml" xmlns:pvml="urn:schemas-microsoft-com:office:powerpoint" xmlns:com="http://schemas.openxmlformats.org/drawingml/2006/compatibility" xmlns:p14="http://schemas.microsoft.com/office/powerpoint/2010/main" xmlns:p15="http://schemas.microsoft.com/office/powerpoint/2012/main" xmlns:ahyp="http://schemas.microsoft.com/office/drawing/2018/hyperlinkcolor" showMasterPhAnim="0" showMasterSp="0">
+  <p:cSld>
+    <p:spTree>
+      <p:nvGrpSpPr>
+        <p:cNvPr id="100" name="Shape 100"/>
+        <p:cNvGrpSpPr/>
+        <p:nvPr/>
+      </p:nvGrpSpPr>
+      <p:grpSpPr>
+        <a:xfrm>
+          <a:off x="0" y="0"/>
+          <a:ext cx="0" cy="0"/>
+          <a:chOff x="0" y="0"/>
+          <a:chExt cx="0" cy="0"/>
+        </a:xfrm>
+      </p:grpSpPr>
+      <p:sp>
+        <p:nvSpPr>
+          <p:cNvPr id="101" name="Google Shape;101;gd4e2b6b590_0_23:notes"/>
+          <p:cNvSpPr/>
+          <p:nvPr>
+            <p:ph idx="2" type="sldImg"/>
+          </p:nvPr>
+        </p:nvSpPr>
+        <p:spPr>
+          <a:xfrm>
+            <a:off x="381300" y="685800"/>
+            <a:ext cx="6096000" cy="3429000"/>
+          </a:xfrm>
+          <a:custGeom>
+            <a:rect b="b" l="l" r="r" t="t"/>
+            <a:pathLst>
+              <a:path extrusionOk="0" h="120000" w="120000">
+                <a:moveTo>
+                  <a:pt x="0" y="0"/>
+                </a:moveTo>
+                <a:lnTo>
+                  <a:pt x="120000" y="0"/>
+                </a:lnTo>
+                <a:lnTo>
+                  <a:pt x="120000" y="120000"/>
+                </a:lnTo>
+                <a:lnTo>
+                  <a:pt x="0" y="120000"/>
+                </a:lnTo>
+                <a:close/>
+              </a:path>
+            </a:pathLst>
+          </a:custGeom>
+        </p:spPr>
+      </p:sp>
+      <p:sp>
+        <p:nvSpPr>
+          <p:cNvPr id="102" name="Google Shape;102;gd4e2b6b590_0_23:notes"/>
+          <p:cNvSpPr txBox="1"/>
+          <p:nvPr>
+            <p:ph idx="1" type="body"/>
+          </p:nvPr>
+        </p:nvSpPr>
+        <p:spPr>
+          <a:xfrm>
+            <a:off x="685800" y="4343400"/>
+            <a:ext cx="5486400" cy="4114800"/>
+          </a:xfrm>
+          <a:prstGeom prst="rect">
+            <a:avLst/>
+          </a:prstGeom>
+        </p:spPr>
+        <p:txBody>
+          <a:bodyPr anchorCtr="0" anchor="t" bIns="91425" lIns="91425" spcFirstLastPara="1" rIns="91425" wrap="square" tIns="91425">
+            <a:noAutofit/>
+          </a:bodyPr>
+          <a:lstStyle/>
+          <a:p>
+            <a:pPr indent="0" lvl="0" marL="0" rtl="0" algn="l">
+              <a:spcBef>
+                <a:spcPts val="0"/>
+              </a:spcBef>
+              <a:spcAft>
+                <a:spcPts val="0"/>
+              </a:spcAft>
+              <a:buNone/>
+            </a:pPr>
+            <a:r>
+              <a:t/>
+            </a:r>
+            <a:endParaRPr/>
+          </a:p>
+        </p:txBody>
+      </p:sp>
+    </p:spTree>
+  </p:cSld>
+  <p:clrMapOvr>
+    <a:masterClrMapping/>
+  </p:clrMapOvr>
+</p:notes>
+</file>
+
+<file path=ppt/notesSlides/notesSlide9.xml><?xml version="1.0" encoding="utf-8"?>
+<p:notes xmlns:a="http://schemas.openxmlformats.org/drawingml/2006/main" xmlns:r="http://schemas.openxmlformats.org/officeDocument/2006/relationships" xmlns:mc="http://schemas.openxmlformats.org/markup-compatibility/2006" xmlns:mv="urn:schemas-microsoft-com:mac:vml" xmlns:p="http://schemas.openxmlformats.org/presentationml/2006/main" xmlns:c="http://schemas.openxmlformats.org/drawingml/2006/chart" xmlns:dgm="http://schemas.openxmlformats.org/drawingml/2006/diagram" xmlns:o="urn:schemas-microsoft-com:office:office" xmlns:v="urn:schemas-microsoft-com:vml" xmlns:pvml="urn:schemas-microsoft-com:office:powerpoint" xmlns:com="http://schemas.openxmlformats.org/drawingml/2006/compatibility" xmlns:p14="http://schemas.microsoft.com/office/powerpoint/2010/main" xmlns:p15="http://schemas.microsoft.com/office/powerpoint/2012/main" xmlns:ahyp="http://schemas.microsoft.com/office/drawing/2018/hyperlinkcolor" showMasterPhAnim="0" showMasterSp="0">
+  <p:cSld>
+    <p:spTree>
+      <p:nvGrpSpPr>
+        <p:cNvPr id="106" name="Shape 106"/>
+        <p:cNvGrpSpPr/>
+        <p:nvPr/>
+      </p:nvGrpSpPr>
+      <p:grpSpPr>
+        <a:xfrm>
+          <a:off x="0" y="0"/>
+          <a:ext cx="0" cy="0"/>
+          <a:chOff x="0" y="0"/>
+          <a:chExt cx="0" cy="0"/>
+        </a:xfrm>
+      </p:grpSpPr>
+      <p:sp>
+        <p:nvSpPr>
+          <p:cNvPr id="107" name="Google Shape;107;gd9e7ea8b69_1_32:notes"/>
+          <p:cNvSpPr/>
+          <p:nvPr>
+            <p:ph idx="2" type="sldImg"/>
+          </p:nvPr>
+        </p:nvSpPr>
+        <p:spPr>
+          <a:xfrm>
+            <a:off x="381300" y="685800"/>
+            <a:ext cx="6096000" cy="3429000"/>
+          </a:xfrm>
+          <a:custGeom>
+            <a:rect b="b" l="l" r="r" t="t"/>
+            <a:pathLst>
+              <a:path extrusionOk="0" h="120000" w="120000">
+                <a:moveTo>
+                  <a:pt x="0" y="0"/>
+                </a:moveTo>
+                <a:lnTo>
+                  <a:pt x="120000" y="0"/>
+                </a:lnTo>
+                <a:lnTo>
+                  <a:pt x="120000" y="120000"/>
+                </a:lnTo>
+                <a:lnTo>
+                  <a:pt x="0" y="120000"/>
+                </a:lnTo>
+                <a:close/>
+              </a:path>
+            </a:pathLst>
+          </a:custGeom>
+        </p:spPr>
+      </p:sp>
+      <p:sp>
+        <p:nvSpPr>
+          <p:cNvPr id="108" name="Google Shape;108;gd9e7ea8b69_1_32:notes"/>
           <p:cNvSpPr txBox="1"/>
           <p:nvPr>
             <p:ph idx="1" type="body"/>
@@ -6284,8 +6584,17 @@
               <a:buNone/>
             </a:pPr>
             <a:r>
+              <a:rPr lang="zh-TW">
+                <a:latin typeface="Times New Roman"/>
+                <a:ea typeface="Times New Roman"/>
+                <a:cs typeface="Times New Roman"/>
+                <a:sym typeface="Times New Roman"/>
+              </a:rPr>
+              <a:t>IC</a:t>
+            </a:r>
+            <a:r>
               <a:rPr lang="zh-TW"/>
-              <a:t>IC量測誤差檢測系統</a:t>
+              <a:t>量測誤差檢測系統</a:t>
             </a:r>
             <a:endParaRPr/>
           </a:p>
@@ -6327,6 +6636,350 @@
               <a:t/>
             </a:r>
             <a:endParaRPr/>
+          </a:p>
+        </p:txBody>
+      </p:sp>
+    </p:spTree>
+  </p:cSld>
+  <p:clrMapOvr>
+    <a:masterClrMapping/>
+  </p:clrMapOvr>
+</p:sld>
+</file>
+
+<file path=ppt/slides/slide10.xml><?xml version="1.0" encoding="utf-8"?>
+<p:sld xmlns:a="http://schemas.openxmlformats.org/drawingml/2006/main" xmlns:r="http://schemas.openxmlformats.org/officeDocument/2006/relationships" xmlns:mc="http://schemas.openxmlformats.org/markup-compatibility/2006" xmlns:mv="urn:schemas-microsoft-com:mac:vml" xmlns:p="http://schemas.openxmlformats.org/presentationml/2006/main" xmlns:c="http://schemas.openxmlformats.org/drawingml/2006/chart" xmlns:dgm="http://schemas.openxmlformats.org/drawingml/2006/diagram" xmlns:o="urn:schemas-microsoft-com:office:office" xmlns:v="urn:schemas-microsoft-com:vml" xmlns:pvml="urn:schemas-microsoft-com:office:powerpoint" xmlns:com="http://schemas.openxmlformats.org/drawingml/2006/compatibility" xmlns:p14="http://schemas.microsoft.com/office/powerpoint/2010/main" xmlns:p15="http://schemas.microsoft.com/office/powerpoint/2012/main" xmlns:ahyp="http://schemas.microsoft.com/office/drawing/2018/hyperlinkcolor">
+  <p:cSld>
+    <p:spTree>
+      <p:nvGrpSpPr>
+        <p:cNvPr id="116" name="Shape 116"/>
+        <p:cNvGrpSpPr/>
+        <p:nvPr/>
+      </p:nvGrpSpPr>
+      <p:grpSpPr>
+        <a:xfrm>
+          <a:off x="0" y="0"/>
+          <a:ext cx="0" cy="0"/>
+          <a:chOff x="0" y="0"/>
+          <a:chExt cx="0" cy="0"/>
+        </a:xfrm>
+      </p:grpSpPr>
+      <p:sp>
+        <p:nvSpPr>
+          <p:cNvPr id="117" name="Google Shape;117;p22"/>
+          <p:cNvSpPr txBox="1"/>
+          <p:nvPr>
+            <p:ph type="title"/>
+          </p:nvPr>
+        </p:nvSpPr>
+        <p:spPr>
+          <a:xfrm>
+            <a:off x="311700" y="445025"/>
+            <a:ext cx="8520600" cy="572700"/>
+          </a:xfrm>
+          <a:prstGeom prst="rect">
+            <a:avLst/>
+          </a:prstGeom>
+        </p:spPr>
+        <p:txBody>
+          <a:bodyPr anchorCtr="0" anchor="t" bIns="91425" lIns="91425" spcFirstLastPara="1" rIns="91425" wrap="square" tIns="91425">
+            <a:normAutofit fontScale="90000"/>
+          </a:bodyPr>
+          <a:lstStyle/>
+          <a:p>
+            <a:pPr indent="0" lvl="0" marL="0" rtl="0" algn="l">
+              <a:spcBef>
+                <a:spcPts val="0"/>
+              </a:spcBef>
+              <a:spcAft>
+                <a:spcPts val="0"/>
+              </a:spcAft>
+              <a:buNone/>
+            </a:pPr>
+            <a:r>
+              <a:rPr lang="zh-TW"/>
+              <a:t>架構圖</a:t>
+            </a:r>
+            <a:endParaRPr/>
+          </a:p>
+        </p:txBody>
+      </p:sp>
+      <p:sp>
+        <p:nvSpPr>
+          <p:cNvPr id="118" name="Google Shape;118;p22"/>
+          <p:cNvSpPr txBox="1"/>
+          <p:nvPr>
+            <p:ph idx="1" type="body"/>
+          </p:nvPr>
+        </p:nvSpPr>
+        <p:spPr>
+          <a:xfrm>
+            <a:off x="311700" y="1152475"/>
+            <a:ext cx="8520600" cy="3416400"/>
+          </a:xfrm>
+          <a:prstGeom prst="rect">
+            <a:avLst/>
+          </a:prstGeom>
+        </p:spPr>
+        <p:txBody>
+          <a:bodyPr anchorCtr="0" anchor="t" bIns="91425" lIns="91425" spcFirstLastPara="1" rIns="91425" wrap="square" tIns="91425">
+            <a:normAutofit/>
+          </a:bodyPr>
+          <a:lstStyle/>
+          <a:p>
+            <a:pPr indent="0" lvl="0" marL="0" rtl="0" algn="l">
+              <a:spcBef>
+                <a:spcPts val="0"/>
+              </a:spcBef>
+              <a:spcAft>
+                <a:spcPts val="1200"/>
+              </a:spcAft>
+              <a:buNone/>
+            </a:pPr>
+            <a:r>
+              <a:t/>
+            </a:r>
+            <a:endParaRPr/>
+          </a:p>
+        </p:txBody>
+      </p:sp>
+    </p:spTree>
+  </p:cSld>
+  <p:clrMapOvr>
+    <a:masterClrMapping/>
+  </p:clrMapOvr>
+</p:sld>
+</file>
+
+<file path=ppt/slides/slide11.xml><?xml version="1.0" encoding="utf-8"?>
+<p:sld xmlns:a="http://schemas.openxmlformats.org/drawingml/2006/main" xmlns:r="http://schemas.openxmlformats.org/officeDocument/2006/relationships" xmlns:mc="http://schemas.openxmlformats.org/markup-compatibility/2006" xmlns:mv="urn:schemas-microsoft-com:mac:vml" xmlns:p="http://schemas.openxmlformats.org/presentationml/2006/main" xmlns:c="http://schemas.openxmlformats.org/drawingml/2006/chart" xmlns:dgm="http://schemas.openxmlformats.org/drawingml/2006/diagram" xmlns:o="urn:schemas-microsoft-com:office:office" xmlns:v="urn:schemas-microsoft-com:vml" xmlns:pvml="urn:schemas-microsoft-com:office:powerpoint" xmlns:com="http://schemas.openxmlformats.org/drawingml/2006/compatibility" xmlns:p14="http://schemas.microsoft.com/office/powerpoint/2010/main" xmlns:p15="http://schemas.microsoft.com/office/powerpoint/2012/main" xmlns:ahyp="http://schemas.microsoft.com/office/drawing/2018/hyperlinkcolor">
+  <p:cSld>
+    <p:spTree>
+      <p:nvGrpSpPr>
+        <p:cNvPr id="122" name="Shape 122"/>
+        <p:cNvGrpSpPr/>
+        <p:nvPr/>
+      </p:nvGrpSpPr>
+      <p:grpSpPr>
+        <a:xfrm>
+          <a:off x="0" y="0"/>
+          <a:ext cx="0" cy="0"/>
+          <a:chOff x="0" y="0"/>
+          <a:chExt cx="0" cy="0"/>
+        </a:xfrm>
+      </p:grpSpPr>
+      <p:sp>
+        <p:nvSpPr>
+          <p:cNvPr id="123" name="Google Shape;123;p23"/>
+          <p:cNvSpPr txBox="1"/>
+          <p:nvPr>
+            <p:ph type="title"/>
+          </p:nvPr>
+        </p:nvSpPr>
+        <p:spPr>
+          <a:xfrm>
+            <a:off x="311700" y="445025"/>
+            <a:ext cx="8520600" cy="572700"/>
+          </a:xfrm>
+          <a:prstGeom prst="rect">
+            <a:avLst/>
+          </a:prstGeom>
+        </p:spPr>
+        <p:txBody>
+          <a:bodyPr anchorCtr="0" anchor="t" bIns="91425" lIns="91425" spcFirstLastPara="1" rIns="91425" wrap="square" tIns="91425">
+            <a:normAutofit fontScale="90000"/>
+          </a:bodyPr>
+          <a:lstStyle/>
+          <a:p>
+            <a:pPr indent="0" lvl="0" marL="0" rtl="0" algn="l">
+              <a:spcBef>
+                <a:spcPts val="0"/>
+              </a:spcBef>
+              <a:spcAft>
+                <a:spcPts val="0"/>
+              </a:spcAft>
+              <a:buNone/>
+            </a:pPr>
+            <a:r>
+              <a:rPr lang="zh-TW"/>
+              <a:t>API</a:t>
+            </a:r>
+            <a:endParaRPr/>
+          </a:p>
+        </p:txBody>
+      </p:sp>
+      <p:sp>
+        <p:nvSpPr>
+          <p:cNvPr id="124" name="Google Shape;124;p23"/>
+          <p:cNvSpPr txBox="1"/>
+          <p:nvPr>
+            <p:ph idx="1" type="body"/>
+          </p:nvPr>
+        </p:nvSpPr>
+        <p:spPr>
+          <a:xfrm>
+            <a:off x="311700" y="1152475"/>
+            <a:ext cx="8520600" cy="3416400"/>
+          </a:xfrm>
+          <a:prstGeom prst="rect">
+            <a:avLst/>
+          </a:prstGeom>
+        </p:spPr>
+        <p:txBody>
+          <a:bodyPr anchorCtr="0" anchor="t" bIns="91425" lIns="91425" spcFirstLastPara="1" rIns="91425" wrap="square" tIns="91425">
+            <a:normAutofit/>
+          </a:bodyPr>
+          <a:lstStyle/>
+          <a:p>
+            <a:pPr indent="0" lvl="0" marL="0" rtl="0" algn="l">
+              <a:spcBef>
+                <a:spcPts val="0"/>
+              </a:spcBef>
+              <a:spcAft>
+                <a:spcPts val="1200"/>
+              </a:spcAft>
+              <a:buNone/>
+            </a:pPr>
+            <a:r>
+              <a:t/>
+            </a:r>
+            <a:endParaRPr/>
+          </a:p>
+        </p:txBody>
+      </p:sp>
+    </p:spTree>
+  </p:cSld>
+  <p:clrMapOvr>
+    <a:masterClrMapping/>
+  </p:clrMapOvr>
+</p:sld>
+</file>
+
+<file path=ppt/slides/slide12.xml><?xml version="1.0" encoding="utf-8"?>
+<p:sld xmlns:a="http://schemas.openxmlformats.org/drawingml/2006/main" xmlns:r="http://schemas.openxmlformats.org/officeDocument/2006/relationships" xmlns:mc="http://schemas.openxmlformats.org/markup-compatibility/2006" xmlns:mv="urn:schemas-microsoft-com:mac:vml" xmlns:p="http://schemas.openxmlformats.org/presentationml/2006/main" xmlns:c="http://schemas.openxmlformats.org/drawingml/2006/chart" xmlns:dgm="http://schemas.openxmlformats.org/drawingml/2006/diagram" xmlns:o="urn:schemas-microsoft-com:office:office" xmlns:v="urn:schemas-microsoft-com:vml" xmlns:pvml="urn:schemas-microsoft-com:office:powerpoint" xmlns:com="http://schemas.openxmlformats.org/drawingml/2006/compatibility" xmlns:p14="http://schemas.microsoft.com/office/powerpoint/2010/main" xmlns:p15="http://schemas.microsoft.com/office/powerpoint/2012/main" xmlns:ahyp="http://schemas.microsoft.com/office/drawing/2018/hyperlinkcolor">
+  <p:cSld>
+    <p:spTree>
+      <p:nvGrpSpPr>
+        <p:cNvPr id="128" name="Shape 128"/>
+        <p:cNvGrpSpPr/>
+        <p:nvPr/>
+      </p:nvGrpSpPr>
+      <p:grpSpPr>
+        <a:xfrm>
+          <a:off x="0" y="0"/>
+          <a:ext cx="0" cy="0"/>
+          <a:chOff x="0" y="0"/>
+          <a:chExt cx="0" cy="0"/>
+        </a:xfrm>
+      </p:grpSpPr>
+      <p:sp>
+        <p:nvSpPr>
+          <p:cNvPr id="129" name="Google Shape;129;p24"/>
+          <p:cNvSpPr txBox="1"/>
+          <p:nvPr>
+            <p:ph type="title"/>
+          </p:nvPr>
+        </p:nvSpPr>
+        <p:spPr>
+          <a:xfrm>
+            <a:off x="311700" y="445025"/>
+            <a:ext cx="8520600" cy="572700"/>
+          </a:xfrm>
+          <a:prstGeom prst="rect">
+            <a:avLst/>
+          </a:prstGeom>
+        </p:spPr>
+        <p:txBody>
+          <a:bodyPr anchorCtr="0" anchor="t" bIns="91425" lIns="91425" spcFirstLastPara="1" rIns="91425" wrap="square" tIns="91425">
+            <a:normAutofit fontScale="90000"/>
+          </a:bodyPr>
+          <a:lstStyle/>
+          <a:p>
+            <a:pPr indent="0" lvl="0" marL="0" rtl="0" algn="l">
+              <a:spcBef>
+                <a:spcPts val="0"/>
+              </a:spcBef>
+              <a:spcAft>
+                <a:spcPts val="0"/>
+              </a:spcAft>
+              <a:buNone/>
+            </a:pPr>
+            <a:r>
+              <a:rPr lang="zh-TW">
+                <a:latin typeface="Times New Roman"/>
+                <a:ea typeface="Times New Roman"/>
+                <a:cs typeface="Times New Roman"/>
+                <a:sym typeface="Times New Roman"/>
+              </a:rPr>
+              <a:t>Reference</a:t>
+            </a:r>
+            <a:endParaRPr>
+              <a:latin typeface="Times New Roman"/>
+              <a:ea typeface="Times New Roman"/>
+              <a:cs typeface="Times New Roman"/>
+              <a:sym typeface="Times New Roman"/>
+            </a:endParaRPr>
+          </a:p>
+        </p:txBody>
+      </p:sp>
+      <p:sp>
+        <p:nvSpPr>
+          <p:cNvPr id="130" name="Google Shape;130;p24"/>
+          <p:cNvSpPr txBox="1"/>
+          <p:nvPr>
+            <p:ph idx="1" type="body"/>
+          </p:nvPr>
+        </p:nvSpPr>
+        <p:spPr>
+          <a:xfrm>
+            <a:off x="311700" y="1152475"/>
+            <a:ext cx="8520600" cy="3416400"/>
+          </a:xfrm>
+          <a:prstGeom prst="rect">
+            <a:avLst/>
+          </a:prstGeom>
+        </p:spPr>
+        <p:txBody>
+          <a:bodyPr anchorCtr="0" anchor="t" bIns="91425" lIns="91425" spcFirstLastPara="1" rIns="91425" wrap="square" tIns="91425">
+            <a:normAutofit/>
+          </a:bodyPr>
+          <a:lstStyle/>
+          <a:p>
+            <a:pPr indent="0" lvl="0" marL="0" rtl="0" algn="l">
+              <a:spcBef>
+                <a:spcPts val="0"/>
+              </a:spcBef>
+              <a:spcAft>
+                <a:spcPts val="1200"/>
+              </a:spcAft>
+              <a:buNone/>
+            </a:pPr>
+            <a:r>
+              <a:rPr lang="zh-TW"/>
+              <a:t>[1] </a:t>
+            </a:r>
+            <a:r>
+              <a:rPr lang="zh-TW" u="sng">
+                <a:solidFill>
+                  <a:schemeClr val="hlink"/>
+                </a:solidFill>
+                <a:highlight>
+                  <a:srgbClr val="FCFCFC"/>
+                </a:highlight>
+                <a:latin typeface="Times New Roman"/>
+                <a:ea typeface="Times New Roman"/>
+                <a:cs typeface="Times New Roman"/>
+                <a:sym typeface="Times New Roman"/>
+                <a:hlinkClick r:id="rId3"/>
+              </a:rPr>
+              <a:t>Beginning FPGA: Programming Metal  p347-366</a:t>
+            </a:r>
+            <a:endParaRPr>
+              <a:latin typeface="Times New Roman"/>
+              <a:ea typeface="Times New Roman"/>
+              <a:cs typeface="Times New Roman"/>
+              <a:sym typeface="Times New Roman"/>
+            </a:endParaRPr>
           </a:p>
         </p:txBody>
       </p:sp>
@@ -6388,27 +7041,17 @@
               <a:buNone/>
             </a:pPr>
             <a:r>
-              <a:rPr lang="zh-TW"/>
+              <a:rPr lang="zh-TW">
+                <a:latin typeface="Times New Roman"/>
+                <a:ea typeface="Times New Roman"/>
+                <a:cs typeface="Times New Roman"/>
+                <a:sym typeface="Times New Roman"/>
+              </a:rPr>
               <a:t>TDC</a:t>
             </a:r>
             <a:r>
               <a:rPr lang="zh-TW"/>
               <a:t>電路圖</a:t>
-            </a:r>
-            <a:endParaRPr/>
-          </a:p>
-          <a:p>
-            <a:pPr indent="0" lvl="0" marL="0" rtl="0" algn="l">
-              <a:spcBef>
-                <a:spcPts val="0"/>
-              </a:spcBef>
-              <a:spcAft>
-                <a:spcPts val="0"/>
-              </a:spcAft>
-              <a:buNone/>
-            </a:pPr>
-            <a:r>
-              <a:t/>
             </a:r>
             <a:endParaRPr/>
           </a:p>
@@ -6469,8 +7112,34 @@
         </p:blipFill>
         <p:spPr>
           <a:xfrm>
-            <a:off x="0" y="1147465"/>
-            <a:ext cx="9144003" cy="2848571"/>
+            <a:off x="735863" y="1352088"/>
+            <a:ext cx="7672274" cy="3017175"/>
+          </a:xfrm>
+          <a:prstGeom prst="rect">
+            <a:avLst/>
+          </a:prstGeom>
+          <a:noFill/>
+          <a:ln cap="flat" cmpd="sng" w="9525">
+            <a:solidFill>
+              <a:schemeClr val="dk1"/>
+            </a:solidFill>
+            <a:prstDash val="solid"/>
+            <a:round/>
+            <a:headEnd len="sm" w="sm" type="none"/>
+            <a:tailEnd len="sm" w="sm" type="none"/>
+          </a:ln>
+        </p:spPr>
+      </p:pic>
+      <p:sp>
+        <p:nvSpPr>
+          <p:cNvPr id="63" name="Google Shape;63;p14"/>
+          <p:cNvSpPr txBox="1"/>
+          <p:nvPr/>
+        </p:nvSpPr>
+        <p:spPr>
+          <a:xfrm>
+            <a:off x="735875" y="4369275"/>
+            <a:ext cx="2116500" cy="400200"/>
           </a:xfrm>
           <a:prstGeom prst="rect">
             <a:avLst/>
@@ -6480,7 +7149,86 @@
             <a:noFill/>
           </a:ln>
         </p:spPr>
-      </p:pic>
+        <p:txBody>
+          <a:bodyPr anchorCtr="0" anchor="t" bIns="91425" lIns="91425" spcFirstLastPara="1" rIns="91425" wrap="square" tIns="91425">
+            <a:spAutoFit/>
+          </a:bodyPr>
+          <a:lstStyle/>
+          <a:p>
+            <a:pPr indent="0" lvl="0" marL="0" rtl="0" algn="l">
+              <a:spcBef>
+                <a:spcPts val="0"/>
+              </a:spcBef>
+              <a:spcAft>
+                <a:spcPts val="0"/>
+              </a:spcAft>
+              <a:buNone/>
+            </a:pPr>
+            <a:r>
+              <a:rPr lang="zh-TW">
+                <a:solidFill>
+                  <a:srgbClr val="FF0000"/>
+                </a:solidFill>
+                <a:latin typeface="Times New Roman"/>
+                <a:ea typeface="Times New Roman"/>
+                <a:cs typeface="Times New Roman"/>
+                <a:sym typeface="Times New Roman"/>
+              </a:rPr>
+              <a:t>Buffer delay line TDC</a:t>
+            </a:r>
+            <a:endParaRPr>
+              <a:solidFill>
+                <a:srgbClr val="FF0000"/>
+              </a:solidFill>
+              <a:latin typeface="Times New Roman"/>
+              <a:ea typeface="Times New Roman"/>
+              <a:cs typeface="Times New Roman"/>
+              <a:sym typeface="Times New Roman"/>
+            </a:endParaRPr>
+          </a:p>
+        </p:txBody>
+      </p:sp>
+      <p:sp>
+        <p:nvSpPr>
+          <p:cNvPr id="64" name="Google Shape;64;p14"/>
+          <p:cNvSpPr txBox="1"/>
+          <p:nvPr/>
+        </p:nvSpPr>
+        <p:spPr>
+          <a:xfrm>
+            <a:off x="-1132300" y="932500"/>
+            <a:ext cx="4262700" cy="497400"/>
+          </a:xfrm>
+          <a:prstGeom prst="rect">
+            <a:avLst/>
+          </a:prstGeom>
+          <a:noFill/>
+          <a:ln>
+            <a:noFill/>
+          </a:ln>
+        </p:spPr>
+        <p:txBody>
+          <a:bodyPr anchorCtr="0" anchor="t" bIns="91425" lIns="91425" spcFirstLastPara="1" rIns="91425" wrap="square" tIns="91425">
+            <a:spAutoFit/>
+          </a:bodyPr>
+          <a:lstStyle/>
+          <a:p>
+            <a:pPr indent="0" lvl="0" marL="0" rtl="0" algn="l">
+              <a:spcBef>
+                <a:spcPts val="0"/>
+              </a:spcBef>
+              <a:spcAft>
+                <a:spcPts val="0"/>
+              </a:spcAft>
+              <a:buNone/>
+            </a:pPr>
+            <a:r>
+              <a:t/>
+            </a:r>
+            <a:endParaRPr/>
+          </a:p>
+        </p:txBody>
+      </p:sp>
     </p:spTree>
   </p:cSld>
   <p:clrMapOvr>
@@ -6494,7 +7242,7 @@
   <p:cSld>
     <p:spTree>
       <p:nvGrpSpPr>
-        <p:cNvPr id="66" name="Shape 66"/>
+        <p:cNvPr id="68" name="Shape 68"/>
         <p:cNvGrpSpPr/>
         <p:nvPr/>
       </p:nvGrpSpPr>
@@ -6508,7 +7256,7 @@
       </p:grpSpPr>
       <p:sp>
         <p:nvSpPr>
-          <p:cNvPr id="67" name="Google Shape;67;p15"/>
+          <p:cNvPr id="69" name="Google Shape;69;p15"/>
           <p:cNvSpPr txBox="1"/>
           <p:nvPr>
             <p:ph type="title"/>
@@ -6540,11 +7288,7 @@
             </a:pPr>
             <a:r>
               <a:rPr lang="zh-TW"/>
-              <a:t>TDC</a:t>
-            </a:r>
-            <a:r>
-              <a:rPr lang="zh-TW"/>
-              <a:t>波形圖</a:t>
+              <a:t>TDC + VGTA</a:t>
             </a:r>
             <a:endParaRPr/>
           </a:p>
@@ -6552,7 +7296,7 @@
       </p:sp>
       <p:sp>
         <p:nvSpPr>
-          <p:cNvPr id="68" name="Google Shape;68;p15"/>
+          <p:cNvPr id="70" name="Google Shape;70;p15"/>
           <p:cNvSpPr txBox="1"/>
           <p:nvPr>
             <p:ph idx="1" type="body"/>
@@ -6591,7 +7335,7 @@
       </p:sp>
       <p:pic>
         <p:nvPicPr>
-          <p:cNvPr id="69" name="Google Shape;69;p15"/>
+          <p:cNvPr id="71" name="Google Shape;71;p15"/>
           <p:cNvPicPr preferRelativeResize="0"/>
           <p:nvPr/>
         </p:nvPicPr>
@@ -6605,8 +7349,8 @@
         </p:blipFill>
         <p:spPr>
           <a:xfrm>
-            <a:off x="1152525" y="1239275"/>
-            <a:ext cx="6838950" cy="3429000"/>
+            <a:off x="1435750" y="1287425"/>
+            <a:ext cx="6856349" cy="3597050"/>
           </a:xfrm>
           <a:prstGeom prst="rect">
             <a:avLst/>
@@ -6630,7 +7374,7 @@
   <p:cSld>
     <p:spTree>
       <p:nvGrpSpPr>
-        <p:cNvPr id="73" name="Shape 73"/>
+        <p:cNvPr id="75" name="Shape 75"/>
         <p:cNvGrpSpPr/>
         <p:nvPr/>
       </p:nvGrpSpPr>
@@ -6644,7 +7388,7 @@
       </p:grpSpPr>
       <p:sp>
         <p:nvSpPr>
-          <p:cNvPr id="74" name="Google Shape;74;p16"/>
+          <p:cNvPr id="76" name="Google Shape;76;p16"/>
           <p:cNvSpPr txBox="1"/>
           <p:nvPr>
             <p:ph type="title"/>
@@ -6672,11 +7416,40 @@
               <a:spcAft>
                 <a:spcPts val="0"/>
               </a:spcAft>
+              <a:buClr>
+                <a:schemeClr val="dk1"/>
+              </a:buClr>
+              <a:buSzPct val="39285"/>
+              <a:buFont typeface="Arial"/>
               <a:buNone/>
             </a:pPr>
             <a:r>
+              <a:rPr lang="zh-TW">
+                <a:latin typeface="Times New Roman"/>
+                <a:ea typeface="Times New Roman"/>
+                <a:cs typeface="Times New Roman"/>
+                <a:sym typeface="Times New Roman"/>
+              </a:rPr>
+              <a:t>TDC</a:t>
+            </a:r>
+            <a:r>
               <a:rPr lang="zh-TW"/>
-              <a:t>TDC電路圖</a:t>
+              <a:t>溫度曲線圖</a:t>
+            </a:r>
+            <a:endParaRPr/>
+          </a:p>
+          <a:p>
+            <a:pPr indent="0" lvl="0" marL="0" rtl="0" algn="l">
+              <a:spcBef>
+                <a:spcPts val="0"/>
+              </a:spcBef>
+              <a:spcAft>
+                <a:spcPts val="0"/>
+              </a:spcAft>
+              <a:buNone/>
+            </a:pPr>
+            <a:r>
+              <a:t/>
             </a:r>
             <a:endParaRPr/>
           </a:p>
@@ -6684,7 +7457,7 @@
       </p:sp>
       <p:sp>
         <p:nvSpPr>
-          <p:cNvPr id="75" name="Google Shape;75;p16"/>
+          <p:cNvPr id="77" name="Google Shape;77;p16"/>
           <p:cNvSpPr txBox="1"/>
           <p:nvPr>
             <p:ph idx="1" type="body"/>
@@ -6723,7 +7496,7 @@
       </p:sp>
       <p:pic>
         <p:nvPicPr>
-          <p:cNvPr id="76" name="Google Shape;76;p16"/>
+          <p:cNvPr id="78" name="Google Shape;78;p16"/>
           <p:cNvPicPr preferRelativeResize="0"/>
           <p:nvPr/>
         </p:nvPicPr>
@@ -6737,8 +7510,8 @@
         </p:blipFill>
         <p:spPr>
           <a:xfrm>
-            <a:off x="912221" y="1017721"/>
-            <a:ext cx="7034600" cy="4077675"/>
+            <a:off x="0" y="1333945"/>
+            <a:ext cx="9143999" cy="3305060"/>
           </a:xfrm>
           <a:prstGeom prst="rect">
             <a:avLst/>
@@ -6749,6 +7522,124 @@
           </a:ln>
         </p:spPr>
       </p:pic>
+      <p:sp>
+        <p:nvSpPr>
+          <p:cNvPr id="79" name="Google Shape;79;p16"/>
+          <p:cNvSpPr txBox="1"/>
+          <p:nvPr/>
+        </p:nvSpPr>
+        <p:spPr>
+          <a:xfrm>
+            <a:off x="525450" y="4568875"/>
+            <a:ext cx="1213800" cy="400200"/>
+          </a:xfrm>
+          <a:prstGeom prst="rect">
+            <a:avLst/>
+          </a:prstGeom>
+          <a:noFill/>
+          <a:ln>
+            <a:noFill/>
+          </a:ln>
+        </p:spPr>
+        <p:txBody>
+          <a:bodyPr anchorCtr="0" anchor="t" bIns="91425" lIns="91425" spcFirstLastPara="1" rIns="91425" wrap="square" tIns="91425">
+            <a:spAutoFit/>
+          </a:bodyPr>
+          <a:lstStyle/>
+          <a:p>
+            <a:pPr indent="0" lvl="0" marL="0" rtl="0" algn="l">
+              <a:spcBef>
+                <a:spcPts val="0"/>
+              </a:spcBef>
+              <a:spcAft>
+                <a:spcPts val="0"/>
+              </a:spcAft>
+              <a:buNone/>
+            </a:pPr>
+            <a:r>
+              <a:rPr lang="zh-TW"/>
+              <a:t>(</a:t>
+            </a:r>
+            <a:r>
+              <a:rPr lang="zh-TW">
+                <a:latin typeface="Times New Roman"/>
+                <a:ea typeface="Times New Roman"/>
+                <a:cs typeface="Times New Roman"/>
+                <a:sym typeface="Times New Roman"/>
+              </a:rPr>
+              <a:t>a</a:t>
+            </a:r>
+            <a:r>
+              <a:rPr lang="zh-TW"/>
+              <a:t>)</a:t>
+            </a:r>
+            <a:r>
+              <a:rPr lang="zh-TW"/>
+              <a:t>矯正前</a:t>
+            </a:r>
+            <a:endParaRPr/>
+          </a:p>
+        </p:txBody>
+      </p:sp>
+      <p:sp>
+        <p:nvSpPr>
+          <p:cNvPr id="80" name="Google Shape;80;p16"/>
+          <p:cNvSpPr txBox="1"/>
+          <p:nvPr/>
+        </p:nvSpPr>
+        <p:spPr>
+          <a:xfrm>
+            <a:off x="5350725" y="4568875"/>
+            <a:ext cx="1213800" cy="400200"/>
+          </a:xfrm>
+          <a:prstGeom prst="rect">
+            <a:avLst/>
+          </a:prstGeom>
+          <a:noFill/>
+          <a:ln>
+            <a:noFill/>
+          </a:ln>
+        </p:spPr>
+        <p:txBody>
+          <a:bodyPr anchorCtr="0" anchor="t" bIns="91425" lIns="91425" spcFirstLastPara="1" rIns="91425" wrap="square" tIns="91425">
+            <a:spAutoFit/>
+          </a:bodyPr>
+          <a:lstStyle/>
+          <a:p>
+            <a:pPr indent="0" lvl="0" marL="0" rtl="0" algn="l">
+              <a:spcBef>
+                <a:spcPts val="0"/>
+              </a:spcBef>
+              <a:spcAft>
+                <a:spcPts val="0"/>
+              </a:spcAft>
+              <a:buNone/>
+            </a:pPr>
+            <a:r>
+              <a:rPr lang="zh-TW"/>
+              <a:t>(</a:t>
+            </a:r>
+            <a:r>
+              <a:rPr lang="zh-TW">
+                <a:latin typeface="Times New Roman"/>
+                <a:ea typeface="Times New Roman"/>
+                <a:cs typeface="Times New Roman"/>
+                <a:sym typeface="Times New Roman"/>
+              </a:rPr>
+              <a:t>b</a:t>
+            </a:r>
+            <a:r>
+              <a:rPr lang="zh-TW"/>
+              <a:t>)</a:t>
+            </a:r>
+            <a:r>
+              <a:rPr lang="zh-TW"/>
+              <a:t>矯正後</a:t>
+            </a:r>
+            <a:endParaRPr/>
+          </a:p>
+        </p:txBody>
+      </p:sp>
     </p:spTree>
   </p:cSld>
   <p:clrMapOvr>
@@ -6762,7 +7653,7 @@
   <p:cSld>
     <p:spTree>
       <p:nvGrpSpPr>
-        <p:cNvPr id="80" name="Shape 80"/>
+        <p:cNvPr id="84" name="Shape 84"/>
         <p:cNvGrpSpPr/>
         <p:nvPr/>
       </p:nvGrpSpPr>
@@ -6776,7 +7667,7 @@
       </p:grpSpPr>
       <p:sp>
         <p:nvSpPr>
-          <p:cNvPr id="81" name="Google Shape;81;p17"/>
+          <p:cNvPr id="85" name="Google Shape;85;p17"/>
           <p:cNvSpPr txBox="1"/>
           <p:nvPr>
             <p:ph type="title"/>
@@ -6807,7 +7698,12 @@
               <a:buNone/>
             </a:pPr>
             <a:r>
-              <a:t/>
+              <a:rPr lang="zh-TW"/>
+              <a:t>RGB &amp; LBP</a:t>
+            </a:r>
+            <a:r>
+              <a:rPr lang="zh-TW"/>
+              <a:t>重新定義</a:t>
             </a:r>
             <a:endParaRPr/>
           </a:p>
@@ -6815,7 +7711,7 @@
       </p:sp>
       <p:sp>
         <p:nvSpPr>
-          <p:cNvPr id="82" name="Google Shape;82;p17"/>
+          <p:cNvPr id="86" name="Google Shape;86;p17"/>
           <p:cNvSpPr txBox="1"/>
           <p:nvPr>
             <p:ph idx="1" type="body"/>
@@ -6852,34 +7748,6 @@
           </a:p>
         </p:txBody>
       </p:sp>
-      <p:pic>
-        <p:nvPicPr>
-          <p:cNvPr id="83" name="Google Shape;83;p17"/>
-          <p:cNvPicPr preferRelativeResize="0"/>
-          <p:nvPr/>
-        </p:nvPicPr>
-        <p:blipFill>
-          <a:blip r:embed="rId3">
-            <a:alphaModFix/>
-          </a:blip>
-          <a:stretch>
-            <a:fillRect/>
-          </a:stretch>
-        </p:blipFill>
-        <p:spPr>
-          <a:xfrm>
-            <a:off x="1988200" y="1017725"/>
-            <a:ext cx="5334000" cy="4000500"/>
-          </a:xfrm>
-          <a:prstGeom prst="rect">
-            <a:avLst/>
-          </a:prstGeom>
-          <a:noFill/>
-          <a:ln>
-            <a:noFill/>
-          </a:ln>
-        </p:spPr>
-      </p:pic>
     </p:spTree>
   </p:cSld>
   <p:clrMapOvr>
@@ -6893,7 +7761,7 @@
   <p:cSld>
     <p:spTree>
       <p:nvGrpSpPr>
-        <p:cNvPr id="87" name="Shape 87"/>
+        <p:cNvPr id="90" name="Shape 90"/>
         <p:cNvGrpSpPr/>
         <p:nvPr/>
       </p:nvGrpSpPr>
@@ -6907,7 +7775,7 @@
       </p:grpSpPr>
       <p:sp>
         <p:nvSpPr>
-          <p:cNvPr id="88" name="Google Shape;88;p18"/>
+          <p:cNvPr id="91" name="Google Shape;91;p18"/>
           <p:cNvSpPr txBox="1"/>
           <p:nvPr>
             <p:ph type="title"/>
@@ -6938,137 +7806,6 @@
               <a:buNone/>
             </a:pPr>
             <a:r>
-              <a:t/>
-            </a:r>
-            <a:endParaRPr/>
-          </a:p>
-        </p:txBody>
-      </p:sp>
-      <p:sp>
-        <p:nvSpPr>
-          <p:cNvPr id="89" name="Google Shape;89;p18"/>
-          <p:cNvSpPr txBox="1"/>
-          <p:nvPr>
-            <p:ph idx="1" type="body"/>
-          </p:nvPr>
-        </p:nvSpPr>
-        <p:spPr>
-          <a:xfrm>
-            <a:off x="311700" y="1152475"/>
-            <a:ext cx="8520600" cy="3416400"/>
-          </a:xfrm>
-          <a:prstGeom prst="rect">
-            <a:avLst/>
-          </a:prstGeom>
-        </p:spPr>
-        <p:txBody>
-          <a:bodyPr anchorCtr="0" anchor="t" bIns="91425" lIns="91425" spcFirstLastPara="1" rIns="91425" wrap="square" tIns="91425">
-            <a:normAutofit/>
-          </a:bodyPr>
-          <a:lstStyle/>
-          <a:p>
-            <a:pPr indent="0" lvl="0" marL="0" rtl="0" algn="l">
-              <a:spcBef>
-                <a:spcPts val="0"/>
-              </a:spcBef>
-              <a:spcAft>
-                <a:spcPts val="1200"/>
-              </a:spcAft>
-              <a:buNone/>
-            </a:pPr>
-            <a:r>
-              <a:t/>
-            </a:r>
-            <a:endParaRPr/>
-          </a:p>
-        </p:txBody>
-      </p:sp>
-      <p:pic>
-        <p:nvPicPr>
-          <p:cNvPr id="90" name="Google Shape;90;p18"/>
-          <p:cNvPicPr preferRelativeResize="0"/>
-          <p:nvPr/>
-        </p:nvPicPr>
-        <p:blipFill>
-          <a:blip r:embed="rId3">
-            <a:alphaModFix/>
-          </a:blip>
-          <a:stretch>
-            <a:fillRect/>
-          </a:stretch>
-        </p:blipFill>
-        <p:spPr>
-          <a:xfrm>
-            <a:off x="1905000" y="571500"/>
-            <a:ext cx="5334000" cy="4000500"/>
-          </a:xfrm>
-          <a:prstGeom prst="rect">
-            <a:avLst/>
-          </a:prstGeom>
-          <a:noFill/>
-          <a:ln>
-            <a:noFill/>
-          </a:ln>
-        </p:spPr>
-      </p:pic>
-    </p:spTree>
-  </p:cSld>
-  <p:clrMapOvr>
-    <a:masterClrMapping/>
-  </p:clrMapOvr>
-</p:sld>
-</file>
-
-<file path=ppt/slides/slide7.xml><?xml version="1.0" encoding="utf-8"?>
-<p:sld xmlns:a="http://schemas.openxmlformats.org/drawingml/2006/main" xmlns:r="http://schemas.openxmlformats.org/officeDocument/2006/relationships" xmlns:mc="http://schemas.openxmlformats.org/markup-compatibility/2006" xmlns:mv="urn:schemas-microsoft-com:mac:vml" xmlns:p="http://schemas.openxmlformats.org/presentationml/2006/main" xmlns:c="http://schemas.openxmlformats.org/drawingml/2006/chart" xmlns:dgm="http://schemas.openxmlformats.org/drawingml/2006/diagram" xmlns:o="urn:schemas-microsoft-com:office:office" xmlns:v="urn:schemas-microsoft-com:vml" xmlns:pvml="urn:schemas-microsoft-com:office:powerpoint" xmlns:com="http://schemas.openxmlformats.org/drawingml/2006/compatibility" xmlns:p14="http://schemas.microsoft.com/office/powerpoint/2010/main" xmlns:p15="http://schemas.microsoft.com/office/powerpoint/2012/main" xmlns:ahyp="http://schemas.microsoft.com/office/drawing/2018/hyperlinkcolor">
-  <p:cSld>
-    <p:spTree>
-      <p:nvGrpSpPr>
-        <p:cNvPr id="94" name="Shape 94"/>
-        <p:cNvGrpSpPr/>
-        <p:nvPr/>
-      </p:nvGrpSpPr>
-      <p:grpSpPr>
-        <a:xfrm>
-          <a:off x="0" y="0"/>
-          <a:ext cx="0" cy="0"/>
-          <a:chOff x="0" y="0"/>
-          <a:chExt cx="0" cy="0"/>
-        </a:xfrm>
-      </p:grpSpPr>
-      <p:sp>
-        <p:nvSpPr>
-          <p:cNvPr id="95" name="Google Shape;95;p19"/>
-          <p:cNvSpPr txBox="1"/>
-          <p:nvPr>
-            <p:ph type="title"/>
-          </p:nvPr>
-        </p:nvSpPr>
-        <p:spPr>
-          <a:xfrm>
-            <a:off x="311700" y="445025"/>
-            <a:ext cx="8520600" cy="572700"/>
-          </a:xfrm>
-          <a:prstGeom prst="rect">
-            <a:avLst/>
-          </a:prstGeom>
-        </p:spPr>
-        <p:txBody>
-          <a:bodyPr anchorCtr="0" anchor="t" bIns="91425" lIns="91425" spcFirstLastPara="1" rIns="91425" wrap="square" tIns="91425">
-            <a:normAutofit fontScale="90000"/>
-          </a:bodyPr>
-          <a:lstStyle/>
-          <a:p>
-            <a:pPr indent="0" lvl="0" marL="0" rtl="0" algn="l">
-              <a:spcBef>
-                <a:spcPts val="0"/>
-              </a:spcBef>
-              <a:spcAft>
-                <a:spcPts val="0"/>
-              </a:spcAft>
-              <a:buNone/>
-            </a:pPr>
-            <a:r>
               <a:rPr lang="zh-TW"/>
               <a:t>功能需求</a:t>
             </a:r>
@@ -7078,7 +7815,7 @@
       </p:sp>
       <p:sp>
         <p:nvSpPr>
-          <p:cNvPr id="96" name="Google Shape;96;p19"/>
+          <p:cNvPr id="92" name="Google Shape;92;p18"/>
           <p:cNvSpPr txBox="1"/>
           <p:nvPr>
             <p:ph idx="1" type="body"/>
@@ -7115,7 +7852,7 @@
             </a:r>
             <a:r>
               <a:rPr lang="zh-TW"/>
-              <a:t>重建理想IC特性波形圖</a:t>
+              <a:t>重建理想IC特性波形圖(理想值預測)</a:t>
             </a:r>
             <a:endParaRPr/>
           </a:p>
@@ -7189,7 +7926,25 @@
               <a:buAutoNum type="arabicPeriod"/>
             </a:pPr>
             <a:r>
-              <a:t/>
+              <a:rPr lang="zh-TW"/>
+              <a:t>電壓線性度分析(電路穩定度)</a:t>
+            </a:r>
+            <a:endParaRPr/>
+          </a:p>
+          <a:p>
+            <a:pPr indent="-342900" lvl="0" marL="457200" rtl="0" algn="l">
+              <a:spcBef>
+                <a:spcPts val="0"/>
+              </a:spcBef>
+              <a:spcAft>
+                <a:spcPts val="0"/>
+              </a:spcAft>
+              <a:buSzPts val="1800"/>
+              <a:buAutoNum type="arabicPeriod"/>
+            </a:pPr>
+            <a:r>
+              <a:rPr lang="zh-TW"/>
+              <a:t>電壓、溫度變異度分析(與理想值的差異)</a:t>
             </a:r>
             <a:endParaRPr/>
           </a:p>
@@ -7203,12 +7958,12 @@
 </p:sld>
 </file>
 
-<file path=ppt/slides/slide8.xml><?xml version="1.0" encoding="utf-8"?>
+<file path=ppt/slides/slide7.xml><?xml version="1.0" encoding="utf-8"?>
 <p:sld xmlns:a="http://schemas.openxmlformats.org/drawingml/2006/main" xmlns:r="http://schemas.openxmlformats.org/officeDocument/2006/relationships" xmlns:mc="http://schemas.openxmlformats.org/markup-compatibility/2006" xmlns:mv="urn:schemas-microsoft-com:mac:vml" xmlns:p="http://schemas.openxmlformats.org/presentationml/2006/main" xmlns:c="http://schemas.openxmlformats.org/drawingml/2006/chart" xmlns:dgm="http://schemas.openxmlformats.org/drawingml/2006/diagram" xmlns:o="urn:schemas-microsoft-com:office:office" xmlns:v="urn:schemas-microsoft-com:vml" xmlns:pvml="urn:schemas-microsoft-com:office:powerpoint" xmlns:com="http://schemas.openxmlformats.org/drawingml/2006/compatibility" xmlns:p14="http://schemas.microsoft.com/office/powerpoint/2010/main" xmlns:p15="http://schemas.microsoft.com/office/powerpoint/2012/main" xmlns:ahyp="http://schemas.microsoft.com/office/drawing/2018/hyperlinkcolor">
   <p:cSld>
     <p:spTree>
       <p:nvGrpSpPr>
-        <p:cNvPr id="100" name="Shape 100"/>
+        <p:cNvPr id="96" name="Shape 96"/>
         <p:cNvGrpSpPr/>
         <p:nvPr/>
       </p:nvGrpSpPr>
@@ -7222,7 +7977,7 @@
       </p:grpSpPr>
       <p:sp>
         <p:nvSpPr>
-          <p:cNvPr id="101" name="Google Shape;101;p20"/>
+          <p:cNvPr id="97" name="Google Shape;97;p19"/>
           <p:cNvSpPr txBox="1"/>
           <p:nvPr>
             <p:ph type="title"/>
@@ -7262,7 +8017,7 @@
       </p:sp>
       <p:sp>
         <p:nvSpPr>
-          <p:cNvPr id="102" name="Google Shape;102;p20"/>
+          <p:cNvPr id="98" name="Google Shape;98;p19"/>
           <p:cNvSpPr txBox="1"/>
           <p:nvPr>
             <p:ph idx="1" type="body"/>
@@ -7299,6 +8054,34 @@
           </a:p>
         </p:txBody>
       </p:sp>
+      <p:pic>
+        <p:nvPicPr>
+          <p:cNvPr id="99" name="Google Shape;99;p19"/>
+          <p:cNvPicPr preferRelativeResize="0"/>
+          <p:nvPr/>
+        </p:nvPicPr>
+        <p:blipFill>
+          <a:blip r:embed="rId3">
+            <a:alphaModFix/>
+          </a:blip>
+          <a:stretch>
+            <a:fillRect/>
+          </a:stretch>
+        </p:blipFill>
+        <p:spPr>
+          <a:xfrm>
+            <a:off x="801738" y="970550"/>
+            <a:ext cx="7466525" cy="4063575"/>
+          </a:xfrm>
+          <a:prstGeom prst="rect">
+            <a:avLst/>
+          </a:prstGeom>
+          <a:noFill/>
+          <a:ln>
+            <a:noFill/>
+          </a:ln>
+        </p:spPr>
+      </p:pic>
     </p:spTree>
   </p:cSld>
   <p:clrMapOvr>
@@ -7307,12 +8090,12 @@
 </p:sld>
 </file>
 
-<file path=ppt/slides/slide9.xml><?xml version="1.0" encoding="utf-8"?>
+<file path=ppt/slides/slide8.xml><?xml version="1.0" encoding="utf-8"?>
 <p:sld xmlns:a="http://schemas.openxmlformats.org/drawingml/2006/main" xmlns:r="http://schemas.openxmlformats.org/officeDocument/2006/relationships" xmlns:mc="http://schemas.openxmlformats.org/markup-compatibility/2006" xmlns:mv="urn:schemas-microsoft-com:mac:vml" xmlns:p="http://schemas.openxmlformats.org/presentationml/2006/main" xmlns:c="http://schemas.openxmlformats.org/drawingml/2006/chart" xmlns:dgm="http://schemas.openxmlformats.org/drawingml/2006/diagram" xmlns:o="urn:schemas-microsoft-com:office:office" xmlns:v="urn:schemas-microsoft-com:vml" xmlns:pvml="urn:schemas-microsoft-com:office:powerpoint" xmlns:com="http://schemas.openxmlformats.org/drawingml/2006/compatibility" xmlns:p14="http://schemas.microsoft.com/office/powerpoint/2010/main" xmlns:p15="http://schemas.microsoft.com/office/powerpoint/2012/main" xmlns:ahyp="http://schemas.microsoft.com/office/drawing/2018/hyperlinkcolor">
   <p:cSld>
     <p:spTree>
       <p:nvGrpSpPr>
-        <p:cNvPr id="106" name="Shape 106"/>
+        <p:cNvPr id="103" name="Shape 103"/>
         <p:cNvGrpSpPr/>
         <p:nvPr/>
       </p:nvGrpSpPr>
@@ -7326,7 +8109,7 @@
       </p:grpSpPr>
       <p:sp>
         <p:nvSpPr>
-          <p:cNvPr id="107" name="Google Shape;107;p21"/>
+          <p:cNvPr id="104" name="Google Shape;104;p20"/>
           <p:cNvSpPr txBox="1"/>
           <p:nvPr>
             <p:ph type="title"/>
@@ -7358,7 +8141,7 @@
             </a:pPr>
             <a:r>
               <a:rPr lang="zh-TW"/>
-              <a:t>限制需求</a:t>
+              <a:t>環境需求(限制)</a:t>
             </a:r>
             <a:endParaRPr/>
           </a:p>
@@ -7366,7 +8149,339 @@
       </p:sp>
       <p:sp>
         <p:nvSpPr>
-          <p:cNvPr id="108" name="Google Shape;108;p21"/>
+          <p:cNvPr id="105" name="Google Shape;105;p20"/>
+          <p:cNvSpPr txBox="1"/>
+          <p:nvPr>
+            <p:ph idx="1" type="body"/>
+          </p:nvPr>
+        </p:nvSpPr>
+        <p:spPr>
+          <a:xfrm>
+            <a:off x="311700" y="1152475"/>
+            <a:ext cx="8520600" cy="3416400"/>
+          </a:xfrm>
+          <a:prstGeom prst="rect">
+            <a:avLst/>
+          </a:prstGeom>
+        </p:spPr>
+        <p:txBody>
+          <a:bodyPr anchorCtr="0" anchor="t" bIns="91425" lIns="91425" spcFirstLastPara="1" rIns="91425" wrap="square" tIns="91425">
+            <a:normAutofit fontScale="70000" lnSpcReduction="20000"/>
+          </a:bodyPr>
+          <a:lstStyle/>
+          <a:p>
+            <a:pPr indent="0" lvl="0" marL="0" rtl="0" algn="l">
+              <a:spcBef>
+                <a:spcPts val="0"/>
+              </a:spcBef>
+              <a:spcAft>
+                <a:spcPts val="0"/>
+              </a:spcAft>
+              <a:buNone/>
+            </a:pPr>
+            <a:r>
+              <a:rPr lang="zh-TW"/>
+              <a:t>硬體需求：</a:t>
+            </a:r>
+            <a:endParaRPr/>
+          </a:p>
+          <a:p>
+            <a:pPr indent="-308610" lvl="0" marL="457200" rtl="0" algn="l">
+              <a:spcBef>
+                <a:spcPts val="1200"/>
+              </a:spcBef>
+              <a:spcAft>
+                <a:spcPts val="0"/>
+              </a:spcAft>
+              <a:buSzPct val="100000"/>
+              <a:buFont typeface="Times New Roman"/>
+              <a:buAutoNum type="arabicPeriod"/>
+            </a:pPr>
+            <a:r>
+              <a:rPr lang="zh-TW">
+                <a:latin typeface="Times New Roman"/>
+                <a:ea typeface="Times New Roman"/>
+                <a:cs typeface="Times New Roman"/>
+                <a:sym typeface="Times New Roman"/>
+              </a:rPr>
+              <a:t>Raspberry Pi 3B</a:t>
+            </a:r>
+            <a:endParaRPr>
+              <a:latin typeface="Times New Roman"/>
+              <a:ea typeface="Times New Roman"/>
+              <a:cs typeface="Times New Roman"/>
+              <a:sym typeface="Times New Roman"/>
+            </a:endParaRPr>
+          </a:p>
+          <a:p>
+            <a:pPr indent="-308610" lvl="0" marL="457200" rtl="0" algn="l">
+              <a:spcBef>
+                <a:spcPts val="0"/>
+              </a:spcBef>
+              <a:spcAft>
+                <a:spcPts val="0"/>
+              </a:spcAft>
+              <a:buSzPct val="100000"/>
+              <a:buAutoNum type="arabicPeriod"/>
+            </a:pPr>
+            <a:r>
+              <a:rPr lang="zh-TW">
+                <a:latin typeface="Times New Roman"/>
+                <a:ea typeface="Times New Roman"/>
+                <a:cs typeface="Times New Roman"/>
+                <a:sym typeface="Times New Roman"/>
+              </a:rPr>
+              <a:t>Spartan 3AN FPGA</a:t>
+            </a:r>
+            <a:r>
+              <a:rPr lang="zh-TW"/>
+              <a:t>開發板</a:t>
+            </a:r>
+            <a:endParaRPr/>
+          </a:p>
+          <a:p>
+            <a:pPr indent="-308610" lvl="0" marL="457200" rtl="0" algn="l">
+              <a:spcBef>
+                <a:spcPts val="0"/>
+              </a:spcBef>
+              <a:spcAft>
+                <a:spcPts val="0"/>
+              </a:spcAft>
+              <a:buSzPct val="100000"/>
+              <a:buAutoNum type="arabicPeriod"/>
+            </a:pPr>
+            <a:r>
+              <a:rPr lang="zh-TW"/>
+              <a:t>一般電腦顯示器</a:t>
+            </a:r>
+            <a:endParaRPr/>
+          </a:p>
+          <a:p>
+            <a:pPr indent="0" lvl="0" marL="0" rtl="0" algn="l">
+              <a:spcBef>
+                <a:spcPts val="1200"/>
+              </a:spcBef>
+              <a:spcAft>
+                <a:spcPts val="0"/>
+              </a:spcAft>
+              <a:buNone/>
+            </a:pPr>
+            <a:r>
+              <a:rPr lang="zh-TW"/>
+              <a:t>軟體:</a:t>
+            </a:r>
+            <a:endParaRPr/>
+          </a:p>
+          <a:p>
+            <a:pPr indent="-308610" lvl="0" marL="457200" rtl="0" algn="l">
+              <a:spcBef>
+                <a:spcPts val="1200"/>
+              </a:spcBef>
+              <a:spcAft>
+                <a:spcPts val="0"/>
+              </a:spcAft>
+              <a:buSzPct val="100000"/>
+              <a:buFont typeface="Times New Roman"/>
+              <a:buAutoNum type="arabicPeriod"/>
+            </a:pPr>
+            <a:r>
+              <a:rPr lang="zh-TW">
+                <a:latin typeface="Times New Roman"/>
+                <a:ea typeface="Times New Roman"/>
+                <a:cs typeface="Times New Roman"/>
+                <a:sym typeface="Times New Roman"/>
+              </a:rPr>
+              <a:t>Python 3.6</a:t>
+            </a:r>
+            <a:endParaRPr>
+              <a:latin typeface="Times New Roman"/>
+              <a:ea typeface="Times New Roman"/>
+              <a:cs typeface="Times New Roman"/>
+              <a:sym typeface="Times New Roman"/>
+            </a:endParaRPr>
+          </a:p>
+          <a:p>
+            <a:pPr indent="-308610" lvl="0" marL="457200" rtl="0" algn="l">
+              <a:spcBef>
+                <a:spcPts val="0"/>
+              </a:spcBef>
+              <a:spcAft>
+                <a:spcPts val="0"/>
+              </a:spcAft>
+              <a:buSzPct val="100000"/>
+              <a:buFont typeface="Times New Roman"/>
+              <a:buAutoNum type="arabicPeriod"/>
+            </a:pPr>
+            <a:r>
+              <a:rPr lang="zh-TW">
+                <a:latin typeface="Times New Roman"/>
+                <a:ea typeface="Times New Roman"/>
+                <a:cs typeface="Times New Roman"/>
+                <a:sym typeface="Times New Roman"/>
+              </a:rPr>
+              <a:t>ISE 14.7</a:t>
+            </a:r>
+            <a:endParaRPr>
+              <a:latin typeface="Times New Roman"/>
+              <a:ea typeface="Times New Roman"/>
+              <a:cs typeface="Times New Roman"/>
+              <a:sym typeface="Times New Roman"/>
+            </a:endParaRPr>
+          </a:p>
+          <a:p>
+            <a:pPr indent="0" lvl="0" marL="0" rtl="0" algn="l">
+              <a:spcBef>
+                <a:spcPts val="1200"/>
+              </a:spcBef>
+              <a:spcAft>
+                <a:spcPts val="0"/>
+              </a:spcAft>
+              <a:buNone/>
+            </a:pPr>
+            <a:r>
+              <a:rPr lang="zh-TW"/>
+              <a:t>傳輸介面:</a:t>
+            </a:r>
+            <a:endParaRPr/>
+          </a:p>
+          <a:p>
+            <a:pPr indent="0" lvl="0" marL="457200" rtl="0" algn="l">
+              <a:spcBef>
+                <a:spcPts val="1200"/>
+              </a:spcBef>
+              <a:spcAft>
+                <a:spcPts val="0"/>
+              </a:spcAft>
+              <a:buNone/>
+            </a:pPr>
+            <a:r>
+              <a:rPr lang="zh-TW">
+                <a:latin typeface="Times New Roman"/>
+                <a:ea typeface="Times New Roman"/>
+                <a:cs typeface="Times New Roman"/>
+                <a:sym typeface="Times New Roman"/>
+              </a:rPr>
+              <a:t>SPI(Master: RPI, Slave: FPGA)</a:t>
+            </a:r>
+            <a:endParaRPr>
+              <a:latin typeface="Times New Roman"/>
+              <a:ea typeface="Times New Roman"/>
+              <a:cs typeface="Times New Roman"/>
+              <a:sym typeface="Times New Roman"/>
+            </a:endParaRPr>
+          </a:p>
+          <a:p>
+            <a:pPr indent="0" lvl="0" marL="0" rtl="0" algn="l">
+              <a:spcBef>
+                <a:spcPts val="1200"/>
+              </a:spcBef>
+              <a:spcAft>
+                <a:spcPts val="0"/>
+              </a:spcAft>
+              <a:buNone/>
+            </a:pPr>
+            <a:r>
+              <a:rPr lang="zh-TW">
+                <a:latin typeface="Times New Roman"/>
+                <a:ea typeface="Times New Roman"/>
+                <a:cs typeface="Times New Roman"/>
+                <a:sym typeface="Times New Roman"/>
+              </a:rPr>
+              <a:t>資料取得:</a:t>
+            </a:r>
+            <a:endParaRPr>
+              <a:latin typeface="Times New Roman"/>
+              <a:ea typeface="Times New Roman"/>
+              <a:cs typeface="Times New Roman"/>
+              <a:sym typeface="Times New Roman"/>
+            </a:endParaRPr>
+          </a:p>
+          <a:p>
+            <a:pPr indent="0" lvl="0" marL="0" rtl="0" algn="l">
+              <a:spcBef>
+                <a:spcPts val="1200"/>
+              </a:spcBef>
+              <a:spcAft>
+                <a:spcPts val="1200"/>
+              </a:spcAft>
+              <a:buNone/>
+            </a:pPr>
+            <a:r>
+              <a:rPr lang="zh-TW"/>
+              <a:t>	歷屆學長姊IC量測數據</a:t>
+            </a:r>
+            <a:endParaRPr/>
+          </a:p>
+        </p:txBody>
+      </p:sp>
+    </p:spTree>
+  </p:cSld>
+  <p:clrMapOvr>
+    <a:masterClrMapping/>
+  </p:clrMapOvr>
+</p:sld>
+</file>
+
+<file path=ppt/slides/slide9.xml><?xml version="1.0" encoding="utf-8"?>
+<p:sld xmlns:a="http://schemas.openxmlformats.org/drawingml/2006/main" xmlns:r="http://schemas.openxmlformats.org/officeDocument/2006/relationships" xmlns:mc="http://schemas.openxmlformats.org/markup-compatibility/2006" xmlns:mv="urn:schemas-microsoft-com:mac:vml" xmlns:p="http://schemas.openxmlformats.org/presentationml/2006/main" xmlns:c="http://schemas.openxmlformats.org/drawingml/2006/chart" xmlns:dgm="http://schemas.openxmlformats.org/drawingml/2006/diagram" xmlns:o="urn:schemas-microsoft-com:office:office" xmlns:v="urn:schemas-microsoft-com:vml" xmlns:pvml="urn:schemas-microsoft-com:office:powerpoint" xmlns:com="http://schemas.openxmlformats.org/drawingml/2006/compatibility" xmlns:p14="http://schemas.microsoft.com/office/powerpoint/2010/main" xmlns:p15="http://schemas.microsoft.com/office/powerpoint/2012/main" xmlns:ahyp="http://schemas.microsoft.com/office/drawing/2018/hyperlinkcolor">
+  <p:cSld>
+    <p:spTree>
+      <p:nvGrpSpPr>
+        <p:cNvPr id="109" name="Shape 109"/>
+        <p:cNvGrpSpPr/>
+        <p:nvPr/>
+      </p:nvGrpSpPr>
+      <p:grpSpPr>
+        <a:xfrm>
+          <a:off x="0" y="0"/>
+          <a:ext cx="0" cy="0"/>
+          <a:chOff x="0" y="0"/>
+          <a:chExt cx="0" cy="0"/>
+        </a:xfrm>
+      </p:grpSpPr>
+      <p:sp>
+        <p:nvSpPr>
+          <p:cNvPr id="110" name="Google Shape;110;p21"/>
+          <p:cNvSpPr txBox="1"/>
+          <p:nvPr>
+            <p:ph type="title"/>
+          </p:nvPr>
+        </p:nvSpPr>
+        <p:spPr>
+          <a:xfrm>
+            <a:off x="311700" y="445025"/>
+            <a:ext cx="8520600" cy="572700"/>
+          </a:xfrm>
+          <a:prstGeom prst="rect">
+            <a:avLst/>
+          </a:prstGeom>
+        </p:spPr>
+        <p:txBody>
+          <a:bodyPr anchorCtr="0" anchor="t" bIns="91425" lIns="91425" spcFirstLastPara="1" rIns="91425" wrap="square" tIns="91425">
+            <a:normAutofit fontScale="90000"/>
+          </a:bodyPr>
+          <a:lstStyle/>
+          <a:p>
+            <a:pPr indent="0" lvl="0" marL="0" rtl="0" algn="l">
+              <a:spcBef>
+                <a:spcPts val="0"/>
+              </a:spcBef>
+              <a:spcAft>
+                <a:spcPts val="0"/>
+              </a:spcAft>
+              <a:buNone/>
+            </a:pPr>
+            <a:r>
+              <a:rPr lang="zh-TW"/>
+              <a:t>系統架構</a:t>
+            </a:r>
+            <a:endParaRPr/>
+          </a:p>
+        </p:txBody>
+      </p:sp>
+      <p:sp>
+        <p:nvSpPr>
+          <p:cNvPr id="111" name="Google Shape;111;p21"/>
           <p:cNvSpPr txBox="1"/>
           <p:nvPr>
             <p:ph idx="1" type="body"/>
@@ -7392,56 +8507,6 @@
                 <a:spcPts val="0"/>
               </a:spcBef>
               <a:spcAft>
-                <a:spcPts val="0"/>
-              </a:spcAft>
-              <a:buNone/>
-            </a:pPr>
-            <a:r>
-              <a:rPr lang="zh-TW"/>
-              <a:t>硬體需求：</a:t>
-            </a:r>
-            <a:endParaRPr/>
-          </a:p>
-          <a:p>
-            <a:pPr indent="-342900" lvl="0" marL="457200" rtl="0" algn="l">
-              <a:spcBef>
-                <a:spcPts val="1200"/>
-              </a:spcBef>
-              <a:spcAft>
-                <a:spcPts val="0"/>
-              </a:spcAft>
-              <a:buSzPts val="1800"/>
-              <a:buAutoNum type="arabicPeriod"/>
-            </a:pPr>
-            <a:r>
-              <a:rPr lang="zh-TW"/>
-              <a:t>Raspberry Pi 3B</a:t>
-            </a:r>
-            <a:endParaRPr/>
-          </a:p>
-          <a:p>
-            <a:pPr indent="-342900" lvl="0" marL="457200" rtl="0" algn="l">
-              <a:spcBef>
-                <a:spcPts val="0"/>
-              </a:spcBef>
-              <a:spcAft>
-                <a:spcPts val="0"/>
-              </a:spcAft>
-              <a:buSzPts val="1800"/>
-              <a:buAutoNum type="arabicPeriod"/>
-            </a:pPr>
-            <a:r>
-              <a:rPr lang="zh-TW"/>
-              <a:t>Spartan 3AN FPGA開發板</a:t>
-            </a:r>
-            <a:endParaRPr/>
-          </a:p>
-          <a:p>
-            <a:pPr indent="0" lvl="0" marL="0" rtl="0" algn="l">
-              <a:spcBef>
-                <a:spcPts val="1200"/>
-              </a:spcBef>
-              <a:spcAft>
                 <a:spcPts val="1200"/>
               </a:spcAft>
               <a:buNone/>
@@ -7453,6 +8518,34 @@
           </a:p>
         </p:txBody>
       </p:sp>
+      <p:pic>
+        <p:nvPicPr>
+          <p:cNvPr id="112" name="Google Shape;112;p21"/>
+          <p:cNvPicPr preferRelativeResize="0"/>
+          <p:nvPr/>
+        </p:nvPicPr>
+        <p:blipFill>
+          <a:blip r:embed="rId3">
+            <a:alphaModFix/>
+          </a:blip>
+          <a:stretch>
+            <a:fillRect/>
+          </a:stretch>
+        </p:blipFill>
+        <p:spPr>
+          <a:xfrm>
+            <a:off x="1790975" y="781950"/>
+            <a:ext cx="5878251" cy="4288525"/>
+          </a:xfrm>
+          <a:prstGeom prst="rect">
+            <a:avLst/>
+          </a:prstGeom>
+          <a:noFill/>
+          <a:ln>
+            <a:noFill/>
+          </a:ln>
+        </p:spPr>
+      </p:pic>
     </p:spTree>
   </p:cSld>
   <p:clrMapOvr>
@@ -7462,6 +8555,285 @@
 </file>
 
 <file path=ppt/theme/theme1.xml><?xml version="1.0" encoding="utf-8"?>
+<a:theme xmlns:a="http://schemas.openxmlformats.org/drawingml/2006/main" xmlns:r="http://schemas.openxmlformats.org/officeDocument/2006/relationships" name="Simple Light">
+  <a:themeElements>
+    <a:clrScheme name="Simple Light">
+      <a:dk1>
+        <a:srgbClr val="000000"/>
+      </a:dk1>
+      <a:lt1>
+        <a:srgbClr val="FFFFFF"/>
+      </a:lt1>
+      <a:dk2>
+        <a:srgbClr val="595959"/>
+      </a:dk2>
+      <a:lt2>
+        <a:srgbClr val="EEEEEE"/>
+      </a:lt2>
+      <a:accent1>
+        <a:srgbClr val="4285F4"/>
+      </a:accent1>
+      <a:accent2>
+        <a:srgbClr val="212121"/>
+      </a:accent2>
+      <a:accent3>
+        <a:srgbClr val="78909C"/>
+      </a:accent3>
+      <a:accent4>
+        <a:srgbClr val="FFAB40"/>
+      </a:accent4>
+      <a:accent5>
+        <a:srgbClr val="0097A7"/>
+      </a:accent5>
+      <a:accent6>
+        <a:srgbClr val="EEFF41"/>
+      </a:accent6>
+      <a:hlink>
+        <a:srgbClr val="0097A7"/>
+      </a:hlink>
+      <a:folHlink>
+        <a:srgbClr val="0097A7"/>
+      </a:folHlink>
+    </a:clrScheme>
+    <a:fontScheme name="Office">
+      <a:majorFont>
+        <a:latin typeface="Arial"/>
+        <a:ea typeface=""/>
+        <a:cs typeface=""/>
+        <a:font script="Jpan" typeface="ＭＳ Ｐゴシック"/>
+        <a:font script="Hang" typeface="맑은 고딕"/>
+        <a:font script="Hans" typeface="宋体"/>
+        <a:font script="Hant" typeface="新細明體"/>
+        <a:font script="Arab" typeface="Times New Roman"/>
+        <a:font script="Hebr" typeface="Times New Roman"/>
+        <a:font script="Thai" typeface="Angsana New"/>
+        <a:font script="Ethi" typeface="Nyala"/>
+        <a:font script="Beng" typeface="Vrinda"/>
+        <a:font script="Gujr" typeface="Shruti"/>
+        <a:font script="Khmr" typeface="MoolBoran"/>
+        <a:font script="Knda" typeface="Tunga"/>
+        <a:font script="Guru" typeface="Raavi"/>
+        <a:font script="Cans" typeface="Euphemia"/>
+        <a:font script="Cher" typeface="Plantagenet Cherokee"/>
+        <a:font script="Yiii" typeface="Microsoft Yi Baiti"/>
+        <a:font script="Tibt" typeface="Microsoft Himalaya"/>
+        <a:font script="Thaa" typeface="MV Boli"/>
+        <a:font script="Deva" typeface="Mangal"/>
+        <a:font script="Telu" typeface="Gautami"/>
+        <a:font script="Taml" typeface="Latha"/>
+        <a:font script="Syrc" typeface="Estrangelo Edessa"/>
+        <a:font script="Orya" typeface="Kalinga"/>
+        <a:font script="Mlym" typeface="Kartika"/>
+        <a:font script="Laoo" typeface="DokChampa"/>
+        <a:font script="Sinh" typeface="Iskoola Pota"/>
+        <a:font script="Mong" typeface="Mongolian Baiti"/>
+        <a:font script="Viet" typeface="Times New Roman"/>
+        <a:font script="Uigh" typeface="Microsoft Uighur"/>
+        <a:font script="Geor" typeface="Sylfaen"/>
+      </a:majorFont>
+      <a:minorFont>
+        <a:latin typeface="Arial"/>
+        <a:ea typeface=""/>
+        <a:cs typeface=""/>
+        <a:font script="Jpan" typeface="ＭＳ Ｐゴシック"/>
+        <a:font script="Hang" typeface="맑은 고딕"/>
+        <a:font script="Hans" typeface="宋体"/>
+        <a:font script="Hant" typeface="新細明體"/>
+        <a:font script="Arab" typeface="Arial"/>
+        <a:font script="Hebr" typeface="Arial"/>
+        <a:font script="Thai" typeface="Cordia New"/>
+        <a:font script="Ethi" typeface="Nyala"/>
+        <a:font script="Beng" typeface="Vrinda"/>
+        <a:font script="Gujr" typeface="Shruti"/>
+        <a:font script="Khmr" typeface="DaunPenh"/>
+        <a:font script="Knda" typeface="Tunga"/>
+        <a:font script="Guru" typeface="Raavi"/>
+        <a:font script="Cans" typeface="Euphemia"/>
+        <a:font script="Cher" typeface="Plantagenet Cherokee"/>
+        <a:font script="Yiii" typeface="Microsoft Yi Baiti"/>
+        <a:font script="Tibt" typeface="Microsoft Himalaya"/>
+        <a:font script="Thaa" typeface="MV Boli"/>
+        <a:font script="Deva" typeface="Mangal"/>
+        <a:font script="Telu" typeface="Gautami"/>
+        <a:font script="Taml" typeface="Latha"/>
+        <a:font script="Syrc" typeface="Estrangelo Edessa"/>
+        <a:font script="Orya" typeface="Kalinga"/>
+        <a:font script="Mlym" typeface="Kartika"/>
+        <a:font script="Laoo" typeface="DokChampa"/>
+        <a:font script="Sinh" typeface="Iskoola Pota"/>
+        <a:font script="Mong" typeface="Mongolian Baiti"/>
+        <a:font script="Viet" typeface="Arial"/>
+        <a:font script="Uigh" typeface="Microsoft Uighur"/>
+        <a:font script="Geor" typeface="Sylfaen"/>
+      </a:minorFont>
+    </a:fontScheme>
+    <a:fmtScheme name="Office">
+      <a:fillStyleLst>
+        <a:solidFill>
+          <a:schemeClr val="phClr"/>
+        </a:solidFill>
+        <a:gradFill rotWithShape="1">
+          <a:gsLst>
+            <a:gs pos="0">
+              <a:schemeClr val="phClr">
+                <a:tint val="50000"/>
+                <a:satMod val="300000"/>
+              </a:schemeClr>
+            </a:gs>
+            <a:gs pos="35000">
+              <a:schemeClr val="phClr">
+                <a:tint val="37000"/>
+                <a:satMod val="300000"/>
+              </a:schemeClr>
+            </a:gs>
+            <a:gs pos="100000">
+              <a:schemeClr val="phClr">
+                <a:tint val="15000"/>
+                <a:satMod val="350000"/>
+              </a:schemeClr>
+            </a:gs>
+          </a:gsLst>
+          <a:lin ang="16200000" scaled="1"/>
+        </a:gradFill>
+        <a:gradFill rotWithShape="1">
+          <a:gsLst>
+            <a:gs pos="0">
+              <a:schemeClr val="phClr">
+                <a:tint val="100000"/>
+                <a:shade val="100000"/>
+                <a:satMod val="130000"/>
+              </a:schemeClr>
+            </a:gs>
+            <a:gs pos="100000">
+              <a:schemeClr val="phClr">
+                <a:tint val="50000"/>
+                <a:shade val="100000"/>
+                <a:satMod val="350000"/>
+              </a:schemeClr>
+            </a:gs>
+          </a:gsLst>
+          <a:lin ang="16200000" scaled="0"/>
+        </a:gradFill>
+      </a:fillStyleLst>
+      <a:lnStyleLst>
+        <a:ln w="9525" cap="flat" cmpd="sng" algn="ctr">
+          <a:solidFill>
+            <a:schemeClr val="phClr">
+              <a:shade val="95000"/>
+              <a:satMod val="105000"/>
+            </a:schemeClr>
+          </a:solidFill>
+          <a:prstDash val="solid"/>
+        </a:ln>
+        <a:ln w="25400" cap="flat" cmpd="sng" algn="ctr">
+          <a:solidFill>
+            <a:schemeClr val="phClr"/>
+          </a:solidFill>
+          <a:prstDash val="solid"/>
+        </a:ln>
+        <a:ln w="38100" cap="flat" cmpd="sng" algn="ctr">
+          <a:solidFill>
+            <a:schemeClr val="phClr"/>
+          </a:solidFill>
+          <a:prstDash val="solid"/>
+        </a:ln>
+      </a:lnStyleLst>
+      <a:effectStyleLst>
+        <a:effectStyle>
+          <a:effectLst>
+            <a:outerShdw blurRad="40000" dist="20000" dir="5400000" rotWithShape="0">
+              <a:srgbClr val="000000">
+                <a:alpha val="38000"/>
+              </a:srgbClr>
+            </a:outerShdw>
+          </a:effectLst>
+        </a:effectStyle>
+        <a:effectStyle>
+          <a:effectLst>
+            <a:outerShdw blurRad="40000" dist="23000" dir="5400000" rotWithShape="0">
+              <a:srgbClr val="000000">
+                <a:alpha val="35000"/>
+              </a:srgbClr>
+            </a:outerShdw>
+          </a:effectLst>
+        </a:effectStyle>
+        <a:effectStyle>
+          <a:effectLst>
+            <a:outerShdw blurRad="40000" dist="23000" dir="5400000" rotWithShape="0">
+              <a:srgbClr val="000000">
+                <a:alpha val="35000"/>
+              </a:srgbClr>
+            </a:outerShdw>
+          </a:effectLst>
+          <a:scene3d>
+            <a:camera prst="orthographicFront">
+              <a:rot lat="0" lon="0" rev="0"/>
+            </a:camera>
+            <a:lightRig rig="threePt" dir="t">
+              <a:rot lat="0" lon="0" rev="1200000"/>
+            </a:lightRig>
+          </a:scene3d>
+          <a:sp3d>
+            <a:bevelT w="63500" h="25400"/>
+          </a:sp3d>
+        </a:effectStyle>
+      </a:effectStyleLst>
+      <a:bgFillStyleLst>
+        <a:solidFill>
+          <a:schemeClr val="phClr"/>
+        </a:solidFill>
+        <a:gradFill rotWithShape="1">
+          <a:gsLst>
+            <a:gs pos="0">
+              <a:schemeClr val="phClr">
+                <a:tint val="40000"/>
+                <a:satMod val="350000"/>
+              </a:schemeClr>
+            </a:gs>
+            <a:gs pos="40000">
+              <a:schemeClr val="phClr">
+                <a:tint val="45000"/>
+                <a:shade val="99000"/>
+                <a:satMod val="350000"/>
+              </a:schemeClr>
+            </a:gs>
+            <a:gs pos="100000">
+              <a:schemeClr val="phClr">
+                <a:shade val="20000"/>
+                <a:satMod val="255000"/>
+              </a:schemeClr>
+            </a:gs>
+          </a:gsLst>
+          <a:path path="circle">
+            <a:fillToRect l="50000" t="-80000" r="50000" b="180000"/>
+          </a:path>
+        </a:gradFill>
+        <a:gradFill rotWithShape="1">
+          <a:gsLst>
+            <a:gs pos="0">
+              <a:schemeClr val="phClr">
+                <a:tint val="80000"/>
+                <a:satMod val="300000"/>
+              </a:schemeClr>
+            </a:gs>
+            <a:gs pos="100000">
+              <a:schemeClr val="phClr">
+                <a:shade val="30000"/>
+                <a:satMod val="200000"/>
+              </a:schemeClr>
+            </a:gs>
+          </a:gsLst>
+          <a:path path="circle">
+            <a:fillToRect l="50000" t="50000" r="50000" b="50000"/>
+          </a:path>
+        </a:gradFill>
+      </a:bgFillStyleLst>
+    </a:fmtScheme>
+  </a:themeElements>
+</a:theme>
+</file>
+
+<file path=ppt/theme/theme2.xml><?xml version="1.0" encoding="utf-8"?>
 <a:theme xmlns:a="http://schemas.openxmlformats.org/drawingml/2006/main" xmlns:r="http://schemas.openxmlformats.org/officeDocument/2006/relationships">
   <a:themeElements>
     <a:clrScheme name="Default">
@@ -7738,283 +9110,4 @@
     </a:fmtScheme>
   </a:themeElements>
 </a:theme>
-</file>
-
-<file path=ppt/theme/theme2.xml><?xml version="1.0" encoding="utf-8"?>
-<a:theme xmlns:a="http://schemas.openxmlformats.org/drawingml/2006/main" xmlns:r="http://schemas.openxmlformats.org/officeDocument/2006/relationships" name="Simple Light">
-  <a:themeElements>
-    <a:clrScheme name="Simple Light">
-      <a:dk1>
-        <a:srgbClr val="000000"/>
-      </a:dk1>
-      <a:lt1>
-        <a:srgbClr val="FFFFFF"/>
-      </a:lt1>
-      <a:dk2>
-        <a:srgbClr val="595959"/>
-      </a:dk2>
-      <a:lt2>
-        <a:srgbClr val="EEEEEE"/>
-      </a:lt2>
-      <a:accent1>
-        <a:srgbClr val="4285F4"/>
-      </a:accent1>
-      <a:accent2>
-        <a:srgbClr val="212121"/>
-      </a:accent2>
-      <a:accent3>
-        <a:srgbClr val="78909C"/>
-      </a:accent3>
-      <a:accent4>
-        <a:srgbClr val="FFAB40"/>
-      </a:accent4>
-      <a:accent5>
-        <a:srgbClr val="0097A7"/>
-      </a:accent5>
-      <a:accent6>
-        <a:srgbClr val="EEFF41"/>
-      </a:accent6>
-      <a:hlink>
-        <a:srgbClr val="0097A7"/>
-      </a:hlink>
-      <a:folHlink>
-        <a:srgbClr val="0097A7"/>
-      </a:folHlink>
-    </a:clrScheme>
-    <a:fontScheme name="Office">
-      <a:majorFont>
-        <a:latin typeface="Arial"/>
-        <a:ea typeface=""/>
-        <a:cs typeface=""/>
-        <a:font script="Jpan" typeface="ＭＳ Ｐゴシック"/>
-        <a:font script="Hang" typeface="맑은 고딕"/>
-        <a:font script="Hans" typeface="宋体"/>
-        <a:font script="Hant" typeface="新細明體"/>
-        <a:font script="Arab" typeface="Times New Roman"/>
-        <a:font script="Hebr" typeface="Times New Roman"/>
-        <a:font script="Thai" typeface="Angsana New"/>
-        <a:font script="Ethi" typeface="Nyala"/>
-        <a:font script="Beng" typeface="Vrinda"/>
-        <a:font script="Gujr" typeface="Shruti"/>
-        <a:font script="Khmr" typeface="MoolBoran"/>
-        <a:font script="Knda" typeface="Tunga"/>
-        <a:font script="Guru" typeface="Raavi"/>
-        <a:font script="Cans" typeface="Euphemia"/>
-        <a:font script="Cher" typeface="Plantagenet Cherokee"/>
-        <a:font script="Yiii" typeface="Microsoft Yi Baiti"/>
-        <a:font script="Tibt" typeface="Microsoft Himalaya"/>
-        <a:font script="Thaa" typeface="MV Boli"/>
-        <a:font script="Deva" typeface="Mangal"/>
-        <a:font script="Telu" typeface="Gautami"/>
-        <a:font script="Taml" typeface="Latha"/>
-        <a:font script="Syrc" typeface="Estrangelo Edessa"/>
-        <a:font script="Orya" typeface="Kalinga"/>
-        <a:font script="Mlym" typeface="Kartika"/>
-        <a:font script="Laoo" typeface="DokChampa"/>
-        <a:font script="Sinh" typeface="Iskoola Pota"/>
-        <a:font script="Mong" typeface="Mongolian Baiti"/>
-        <a:font script="Viet" typeface="Times New Roman"/>
-        <a:font script="Uigh" typeface="Microsoft Uighur"/>
-        <a:font script="Geor" typeface="Sylfaen"/>
-      </a:majorFont>
-      <a:minorFont>
-        <a:latin typeface="Arial"/>
-        <a:ea typeface=""/>
-        <a:cs typeface=""/>
-        <a:font script="Jpan" typeface="ＭＳ Ｐゴシック"/>
-        <a:font script="Hang" typeface="맑은 고딕"/>
-        <a:font script="Hans" typeface="宋体"/>
-        <a:font script="Hant" typeface="新細明體"/>
-        <a:font script="Arab" typeface="Arial"/>
-        <a:font script="Hebr" typeface="Arial"/>
-        <a:font script="Thai" typeface="Cordia New"/>
-        <a:font script="Ethi" typeface="Nyala"/>
-        <a:font script="Beng" typeface="Vrinda"/>
-        <a:font script="Gujr" typeface="Shruti"/>
-        <a:font script="Khmr" typeface="DaunPenh"/>
-        <a:font script="Knda" typeface="Tunga"/>
-        <a:font script="Guru" typeface="Raavi"/>
-        <a:font script="Cans" typeface="Euphemia"/>
-        <a:font script="Cher" typeface="Plantagenet Cherokee"/>
-        <a:font script="Yiii" typeface="Microsoft Yi Baiti"/>
-        <a:font script="Tibt" typeface="Microsoft Himalaya"/>
-        <a:font script="Thaa" typeface="MV Boli"/>
-        <a:font script="Deva" typeface="Mangal"/>
-        <a:font script="Telu" typeface="Gautami"/>
-        <a:font script="Taml" typeface="Latha"/>
-        <a:font script="Syrc" typeface="Estrangelo Edessa"/>
-        <a:font script="Orya" typeface="Kalinga"/>
-        <a:font script="Mlym" typeface="Kartika"/>
-        <a:font script="Laoo" typeface="DokChampa"/>
-        <a:font script="Sinh" typeface="Iskoola Pota"/>
-        <a:font script="Mong" typeface="Mongolian Baiti"/>
-        <a:font script="Viet" typeface="Arial"/>
-        <a:font script="Uigh" typeface="Microsoft Uighur"/>
-        <a:font script="Geor" typeface="Sylfaen"/>
-      </a:minorFont>
-    </a:fontScheme>
-    <a:fmtScheme name="Office">
-      <a:fillStyleLst>
-        <a:solidFill>
-          <a:schemeClr val="phClr"/>
-        </a:solidFill>
-        <a:gradFill rotWithShape="1">
-          <a:gsLst>
-            <a:gs pos="0">
-              <a:schemeClr val="phClr">
-                <a:tint val="50000"/>
-                <a:satMod val="300000"/>
-              </a:schemeClr>
-            </a:gs>
-            <a:gs pos="35000">
-              <a:schemeClr val="phClr">
-                <a:tint val="37000"/>
-                <a:satMod val="300000"/>
-              </a:schemeClr>
-            </a:gs>
-            <a:gs pos="100000">
-              <a:schemeClr val="phClr">
-                <a:tint val="15000"/>
-                <a:satMod val="350000"/>
-              </a:schemeClr>
-            </a:gs>
-          </a:gsLst>
-          <a:lin ang="16200000" scaled="1"/>
-        </a:gradFill>
-        <a:gradFill rotWithShape="1">
-          <a:gsLst>
-            <a:gs pos="0">
-              <a:schemeClr val="phClr">
-                <a:tint val="100000"/>
-                <a:shade val="100000"/>
-                <a:satMod val="130000"/>
-              </a:schemeClr>
-            </a:gs>
-            <a:gs pos="100000">
-              <a:schemeClr val="phClr">
-                <a:tint val="50000"/>
-                <a:shade val="100000"/>
-                <a:satMod val="350000"/>
-              </a:schemeClr>
-            </a:gs>
-          </a:gsLst>
-          <a:lin ang="16200000" scaled="0"/>
-        </a:gradFill>
-      </a:fillStyleLst>
-      <a:lnStyleLst>
-        <a:ln w="9525" cap="flat" cmpd="sng" algn="ctr">
-          <a:solidFill>
-            <a:schemeClr val="phClr">
-              <a:shade val="95000"/>
-              <a:satMod val="105000"/>
-            </a:schemeClr>
-          </a:solidFill>
-          <a:prstDash val="solid"/>
-        </a:ln>
-        <a:ln w="25400" cap="flat" cmpd="sng" algn="ctr">
-          <a:solidFill>
-            <a:schemeClr val="phClr"/>
-          </a:solidFill>
-          <a:prstDash val="solid"/>
-        </a:ln>
-        <a:ln w="38100" cap="flat" cmpd="sng" algn="ctr">
-          <a:solidFill>
-            <a:schemeClr val="phClr"/>
-          </a:solidFill>
-          <a:prstDash val="solid"/>
-        </a:ln>
-      </a:lnStyleLst>
-      <a:effectStyleLst>
-        <a:effectStyle>
-          <a:effectLst>
-            <a:outerShdw blurRad="40000" dist="20000" dir="5400000" rotWithShape="0">
-              <a:srgbClr val="000000">
-                <a:alpha val="38000"/>
-              </a:srgbClr>
-            </a:outerShdw>
-          </a:effectLst>
-        </a:effectStyle>
-        <a:effectStyle>
-          <a:effectLst>
-            <a:outerShdw blurRad="40000" dist="23000" dir="5400000" rotWithShape="0">
-              <a:srgbClr val="000000">
-                <a:alpha val="35000"/>
-              </a:srgbClr>
-            </a:outerShdw>
-          </a:effectLst>
-        </a:effectStyle>
-        <a:effectStyle>
-          <a:effectLst>
-            <a:outerShdw blurRad="40000" dist="23000" dir="5400000" rotWithShape="0">
-              <a:srgbClr val="000000">
-                <a:alpha val="35000"/>
-              </a:srgbClr>
-            </a:outerShdw>
-          </a:effectLst>
-          <a:scene3d>
-            <a:camera prst="orthographicFront">
-              <a:rot lat="0" lon="0" rev="0"/>
-            </a:camera>
-            <a:lightRig rig="threePt" dir="t">
-              <a:rot lat="0" lon="0" rev="1200000"/>
-            </a:lightRig>
-          </a:scene3d>
-          <a:sp3d>
-            <a:bevelT w="63500" h="25400"/>
-          </a:sp3d>
-        </a:effectStyle>
-      </a:effectStyleLst>
-      <a:bgFillStyleLst>
-        <a:solidFill>
-          <a:schemeClr val="phClr"/>
-        </a:solidFill>
-        <a:gradFill rotWithShape="1">
-          <a:gsLst>
-            <a:gs pos="0">
-              <a:schemeClr val="phClr">
-                <a:tint val="40000"/>
-                <a:satMod val="350000"/>
-              </a:schemeClr>
-            </a:gs>
-            <a:gs pos="40000">
-              <a:schemeClr val="phClr">
-                <a:tint val="45000"/>
-                <a:shade val="99000"/>
-                <a:satMod val="350000"/>
-              </a:schemeClr>
-            </a:gs>
-            <a:gs pos="100000">
-              <a:schemeClr val="phClr">
-                <a:shade val="20000"/>
-                <a:satMod val="255000"/>
-              </a:schemeClr>
-            </a:gs>
-          </a:gsLst>
-          <a:path path="circle">
-            <a:fillToRect l="50000" t="-80000" r="50000" b="180000"/>
-          </a:path>
-        </a:gradFill>
-        <a:gradFill rotWithShape="1">
-          <a:gsLst>
-            <a:gs pos="0">
-              <a:schemeClr val="phClr">
-                <a:tint val="80000"/>
-                <a:satMod val="300000"/>
-              </a:schemeClr>
-            </a:gs>
-            <a:gs pos="100000">
-              <a:schemeClr val="phClr">
-                <a:shade val="30000"/>
-                <a:satMod val="200000"/>
-              </a:schemeClr>
-            </a:gs>
-          </a:gsLst>
-          <a:path path="circle">
-            <a:fillToRect l="50000" t="50000" r="50000" b="50000"/>
-          </a:path>
-        </a:gradFill>
-      </a:bgFillStyleLst>
-    </a:fmtScheme>
-  </a:themeElements>
-</a:theme>
 </file>
--- a/IC量測誤差檢測系統.pptx
+++ b/IC量測誤差檢測系統.pptx
@@ -1,30 +1,32 @@
 
 <file path=ppt/presentation.xml><?xml version="1.0" encoding="utf-8"?>
-<p:presentation xmlns:a="http://schemas.openxmlformats.org/drawingml/2006/main" xmlns:r="http://schemas.openxmlformats.org/officeDocument/2006/relationships" xmlns:mc="http://schemas.openxmlformats.org/markup-compatibility/2006" xmlns:mv="urn:schemas-microsoft-com:mac:vml" xmlns:p="http://schemas.openxmlformats.org/presentationml/2006/main" xmlns:c="http://schemas.openxmlformats.org/drawingml/2006/chart" xmlns:dgm="http://schemas.openxmlformats.org/drawingml/2006/diagram" xmlns:o="urn:schemas-microsoft-com:office:office" xmlns:v="urn:schemas-microsoft-com:vml" xmlns:pvml="urn:schemas-microsoft-com:office:powerpoint" xmlns:com="http://schemas.openxmlformats.org/drawingml/2006/compatibility" xmlns:p14="http://schemas.microsoft.com/office/powerpoint/2010/main" xmlns:p15="http://schemas.microsoft.com/office/powerpoint/2012/main" xmlns:ahyp="http://schemas.microsoft.com/office/drawing/2018/hyperlinkcolor" autoCompressPictures="0" strictFirstAndLastChars="0" saveSubsetFonts="1">
+<p:presentation xmlns:a="http://schemas.openxmlformats.org/drawingml/2006/main" xmlns:r="http://schemas.openxmlformats.org/officeDocument/2006/relationships" xmlns:p="http://schemas.openxmlformats.org/presentationml/2006/main" strictFirstAndLastChars="0" saveSubsetFonts="1" autoCompressPictures="0">
   <p:sldMasterIdLst>
-    <p:sldMasterId id="2147483659" r:id="rId4"/>
+    <p:sldMasterId id="2147483659" r:id="rId1"/>
   </p:sldMasterIdLst>
   <p:notesMasterIdLst>
-    <p:notesMasterId r:id="rId5"/>
+    <p:notesMasterId r:id="rId16"/>
   </p:notesMasterIdLst>
   <p:sldIdLst>
-    <p:sldId id="256" r:id="rId6"/>
-    <p:sldId id="257" r:id="rId7"/>
-    <p:sldId id="258" r:id="rId8"/>
-    <p:sldId id="259" r:id="rId9"/>
-    <p:sldId id="260" r:id="rId10"/>
-    <p:sldId id="261" r:id="rId11"/>
-    <p:sldId id="262" r:id="rId12"/>
-    <p:sldId id="263" r:id="rId13"/>
-    <p:sldId id="264" r:id="rId14"/>
-    <p:sldId id="265" r:id="rId15"/>
-    <p:sldId id="266" r:id="rId16"/>
-    <p:sldId id="267" r:id="rId17"/>
+    <p:sldId id="256" r:id="rId2"/>
+    <p:sldId id="257" r:id="rId3"/>
+    <p:sldId id="258" r:id="rId4"/>
+    <p:sldId id="259" r:id="rId5"/>
+    <p:sldId id="261" r:id="rId6"/>
+    <p:sldId id="262" r:id="rId7"/>
+    <p:sldId id="263" r:id="rId8"/>
+    <p:sldId id="264" r:id="rId9"/>
+    <p:sldId id="265" r:id="rId10"/>
+    <p:sldId id="268" r:id="rId11"/>
+    <p:sldId id="271" r:id="rId12"/>
+    <p:sldId id="272" r:id="rId13"/>
+    <p:sldId id="270" r:id="rId14"/>
+    <p:sldId id="267" r:id="rId15"/>
   </p:sldIdLst>
-  <p:sldSz cy="5143500" cx="9144000"/>
+  <p:sldSz cx="9144000" cy="5143500" type="screen16x9"/>
   <p:notesSz cx="6858000" cy="9144000"/>
   <p:defaultTextStyle>
-    <a:defPPr lvl="0" marR="0" rtl="0" algn="l">
+    <a:defPPr marR="0" lvl="0" algn="l" rtl="0">
       <a:lnSpc>
         <a:spcPct val="100000"/>
       </a:lnSpc>
@@ -35,7 +37,7 @@
         <a:spcPts val="0"/>
       </a:spcAft>
     </a:defPPr>
-    <a:lvl1pPr lvl="0" marR="0" rtl="0" algn="l">
+    <a:lvl1pPr marR="0" lvl="0" algn="l" rtl="0">
       <a:lnSpc>
         <a:spcPct val="100000"/>
       </a:lnSpc>
@@ -49,7 +51,7 @@
         <a:srgbClr val="000000"/>
       </a:buClr>
       <a:buFont typeface="Arial"/>
-      <a:defRPr b="0" i="0" sz="1400" u="none" cap="none" strike="noStrike">
+      <a:defRPr sz="1400" b="0" i="0" u="none" strike="noStrike" cap="none">
         <a:solidFill>
           <a:srgbClr val="000000"/>
         </a:solidFill>
@@ -59,7 +61,7 @@
         <a:sym typeface="Arial"/>
       </a:defRPr>
     </a:lvl1pPr>
-    <a:lvl2pPr lvl="1" marR="0" rtl="0" algn="l">
+    <a:lvl2pPr marR="0" lvl="1" algn="l" rtl="0">
       <a:lnSpc>
         <a:spcPct val="100000"/>
       </a:lnSpc>
@@ -73,7 +75,7 @@
         <a:srgbClr val="000000"/>
       </a:buClr>
       <a:buFont typeface="Arial"/>
-      <a:defRPr b="0" i="0" sz="1400" u="none" cap="none" strike="noStrike">
+      <a:defRPr sz="1400" b="0" i="0" u="none" strike="noStrike" cap="none">
         <a:solidFill>
           <a:srgbClr val="000000"/>
         </a:solidFill>
@@ -83,7 +85,7 @@
         <a:sym typeface="Arial"/>
       </a:defRPr>
     </a:lvl2pPr>
-    <a:lvl3pPr lvl="2" marR="0" rtl="0" algn="l">
+    <a:lvl3pPr marR="0" lvl="2" algn="l" rtl="0">
       <a:lnSpc>
         <a:spcPct val="100000"/>
       </a:lnSpc>
@@ -97,7 +99,7 @@
         <a:srgbClr val="000000"/>
       </a:buClr>
       <a:buFont typeface="Arial"/>
-      <a:defRPr b="0" i="0" sz="1400" u="none" cap="none" strike="noStrike">
+      <a:defRPr sz="1400" b="0" i="0" u="none" strike="noStrike" cap="none">
         <a:solidFill>
           <a:srgbClr val="000000"/>
         </a:solidFill>
@@ -107,7 +109,7 @@
         <a:sym typeface="Arial"/>
       </a:defRPr>
     </a:lvl3pPr>
-    <a:lvl4pPr lvl="3" marR="0" rtl="0" algn="l">
+    <a:lvl4pPr marR="0" lvl="3" algn="l" rtl="0">
       <a:lnSpc>
         <a:spcPct val="100000"/>
       </a:lnSpc>
@@ -121,7 +123,7 @@
         <a:srgbClr val="000000"/>
       </a:buClr>
       <a:buFont typeface="Arial"/>
-      <a:defRPr b="0" i="0" sz="1400" u="none" cap="none" strike="noStrike">
+      <a:defRPr sz="1400" b="0" i="0" u="none" strike="noStrike" cap="none">
         <a:solidFill>
           <a:srgbClr val="000000"/>
         </a:solidFill>
@@ -131,7 +133,7 @@
         <a:sym typeface="Arial"/>
       </a:defRPr>
     </a:lvl4pPr>
-    <a:lvl5pPr lvl="4" marR="0" rtl="0" algn="l">
+    <a:lvl5pPr marR="0" lvl="4" algn="l" rtl="0">
       <a:lnSpc>
         <a:spcPct val="100000"/>
       </a:lnSpc>
@@ -145,7 +147,7 @@
         <a:srgbClr val="000000"/>
       </a:buClr>
       <a:buFont typeface="Arial"/>
-      <a:defRPr b="0" i="0" sz="1400" u="none" cap="none" strike="noStrike">
+      <a:defRPr sz="1400" b="0" i="0" u="none" strike="noStrike" cap="none">
         <a:solidFill>
           <a:srgbClr val="000000"/>
         </a:solidFill>
@@ -155,7 +157,7 @@
         <a:sym typeface="Arial"/>
       </a:defRPr>
     </a:lvl5pPr>
-    <a:lvl6pPr lvl="5" marR="0" rtl="0" algn="l">
+    <a:lvl6pPr marR="0" lvl="5" algn="l" rtl="0">
       <a:lnSpc>
         <a:spcPct val="100000"/>
       </a:lnSpc>
@@ -169,7 +171,7 @@
         <a:srgbClr val="000000"/>
       </a:buClr>
       <a:buFont typeface="Arial"/>
-      <a:defRPr b="0" i="0" sz="1400" u="none" cap="none" strike="noStrike">
+      <a:defRPr sz="1400" b="0" i="0" u="none" strike="noStrike" cap="none">
         <a:solidFill>
           <a:srgbClr val="000000"/>
         </a:solidFill>
@@ -179,7 +181,7 @@
         <a:sym typeface="Arial"/>
       </a:defRPr>
     </a:lvl6pPr>
-    <a:lvl7pPr lvl="6" marR="0" rtl="0" algn="l">
+    <a:lvl7pPr marR="0" lvl="6" algn="l" rtl="0">
       <a:lnSpc>
         <a:spcPct val="100000"/>
       </a:lnSpc>
@@ -193,7 +195,7 @@
         <a:srgbClr val="000000"/>
       </a:buClr>
       <a:buFont typeface="Arial"/>
-      <a:defRPr b="0" i="0" sz="1400" u="none" cap="none" strike="noStrike">
+      <a:defRPr sz="1400" b="0" i="0" u="none" strike="noStrike" cap="none">
         <a:solidFill>
           <a:srgbClr val="000000"/>
         </a:solidFill>
@@ -203,7 +205,7 @@
         <a:sym typeface="Arial"/>
       </a:defRPr>
     </a:lvl7pPr>
-    <a:lvl8pPr lvl="7" marR="0" rtl="0" algn="l">
+    <a:lvl8pPr marR="0" lvl="7" algn="l" rtl="0">
       <a:lnSpc>
         <a:spcPct val="100000"/>
       </a:lnSpc>
@@ -217,7 +219,7 @@
         <a:srgbClr val="000000"/>
       </a:buClr>
       <a:buFont typeface="Arial"/>
-      <a:defRPr b="0" i="0" sz="1400" u="none" cap="none" strike="noStrike">
+      <a:defRPr sz="1400" b="0" i="0" u="none" strike="noStrike" cap="none">
         <a:solidFill>
           <a:srgbClr val="000000"/>
         </a:solidFill>
@@ -227,7 +229,7 @@
         <a:sym typeface="Arial"/>
       </a:defRPr>
     </a:lvl8pPr>
-    <a:lvl9pPr lvl="8" marR="0" rtl="0" algn="l">
+    <a:lvl9pPr marR="0" lvl="8" algn="l" rtl="0">
       <a:lnSpc>
         <a:spcPct val="100000"/>
       </a:lnSpc>
@@ -241,7 +243,7 @@
         <a:srgbClr val="000000"/>
       </a:buClr>
       <a:buFont typeface="Arial"/>
-      <a:defRPr b="0" i="0" sz="1400" u="none" cap="none" strike="noStrike">
+      <a:defRPr sz="1400" b="0" i="0" u="none" strike="noStrike" cap="none">
         <a:solidFill>
           <a:srgbClr val="000000"/>
         </a:solidFill>
@@ -254,7 +256,7 @@
   </p:defaultTextStyle>
   <p:extLst>
     <p:ext uri="{EFAFB233-063F-42B5-8137-9DF3F51BA10A}">
-      <p15:sldGuideLst>
+      <p15:sldGuideLst xmlns:p15="http://schemas.microsoft.com/office/powerpoint/2012/main">
         <p15:guide id="1" orient="horz" pos="1620">
           <p15:clr>
             <a:srgbClr val="A4A3A4"/>
@@ -272,11 +274,16 @@
 </file>
 
 <file path=ppt/notesMasters/notesMaster1.xml><?xml version="1.0" encoding="utf-8"?>
-<p:notesMaster xmlns:a="http://schemas.openxmlformats.org/drawingml/2006/main" xmlns:r="http://schemas.openxmlformats.org/officeDocument/2006/relationships" xmlns:mc="http://schemas.openxmlformats.org/markup-compatibility/2006" xmlns:mv="urn:schemas-microsoft-com:mac:vml" xmlns:p="http://schemas.openxmlformats.org/presentationml/2006/main" xmlns:c="http://schemas.openxmlformats.org/drawingml/2006/chart" xmlns:dgm="http://schemas.openxmlformats.org/drawingml/2006/diagram" xmlns:o="urn:schemas-microsoft-com:office:office" xmlns:v="urn:schemas-microsoft-com:vml" xmlns:pvml="urn:schemas-microsoft-com:office:powerpoint" xmlns:com="http://schemas.openxmlformats.org/drawingml/2006/compatibility" xmlns:p14="http://schemas.microsoft.com/office/powerpoint/2010/main" xmlns:p15="http://schemas.microsoft.com/office/powerpoint/2012/main" xmlns:ahyp="http://schemas.microsoft.com/office/drawing/2018/hyperlinkcolor">
+<p:notesMaster xmlns:a="http://schemas.openxmlformats.org/drawingml/2006/main" xmlns:r="http://schemas.openxmlformats.org/officeDocument/2006/relationships" xmlns:p="http://schemas.openxmlformats.org/presentationml/2006/main">
   <p:cSld>
+    <p:bg>
+      <p:bgRef idx="1001">
+        <a:schemeClr val="bg1"/>
+      </p:bgRef>
+    </p:bg>
     <p:spTree>
       <p:nvGrpSpPr>
-        <p:cNvPr id="2" name="Shape 2"/>
+        <p:cNvPr id="1" name="Shape 2"/>
         <p:cNvGrpSpPr/>
         <p:nvPr/>
       </p:nvGrpSpPr>
@@ -291,9 +298,11 @@
       <p:sp>
         <p:nvSpPr>
           <p:cNvPr id="3" name="Google Shape;3;n"/>
-          <p:cNvSpPr/>
+          <p:cNvSpPr>
+            <a:spLocks noGrp="1" noRot="1" noChangeAspect="1"/>
+          </p:cNvSpPr>
           <p:nvPr>
-            <p:ph idx="2" type="sldImg"/>
+            <p:ph type="sldImg" idx="2"/>
           </p:nvPr>
         </p:nvSpPr>
         <p:spPr>
@@ -302,9 +311,13 @@
             <a:ext cx="6096075" cy="3429000"/>
           </a:xfrm>
           <a:custGeom>
-            <a:rect b="b" l="l" r="r" t="t"/>
+            <a:avLst/>
+            <a:gdLst/>
+            <a:ahLst/>
+            <a:cxnLst/>
+            <a:rect l="l" t="t" r="r" b="b"/>
             <a:pathLst>
-              <a:path extrusionOk="0" h="120000" w="120000">
+              <a:path w="120000" h="120000" extrusionOk="0">
                 <a:moveTo>
                   <a:pt x="0" y="0"/>
                 </a:moveTo>
@@ -322,23 +335,25 @@
             </a:pathLst>
           </a:custGeom>
           <a:noFill/>
-          <a:ln cap="flat" cmpd="sng" w="9525">
+          <a:ln w="9525" cap="flat" cmpd="sng">
             <a:solidFill>
               <a:srgbClr val="000000"/>
             </a:solidFill>
             <a:prstDash val="solid"/>
             <a:round/>
-            <a:headEnd len="sm" w="sm" type="none"/>
-            <a:tailEnd len="sm" w="sm" type="none"/>
+            <a:headEnd type="none" w="sm" len="sm"/>
+            <a:tailEnd type="none" w="sm" len="sm"/>
           </a:ln>
         </p:spPr>
       </p:sp>
       <p:sp>
         <p:nvSpPr>
           <p:cNvPr id="4" name="Google Shape;4;n"/>
-          <p:cNvSpPr txBox="1"/>
+          <p:cNvSpPr txBox="1">
+            <a:spLocks noGrp="1"/>
+          </p:cNvSpPr>
           <p:nvPr>
-            <p:ph idx="1" type="body"/>
+            <p:ph type="body" idx="1"/>
           </p:nvPr>
         </p:nvSpPr>
         <p:spPr>
@@ -355,11 +370,11 @@
           </a:ln>
         </p:spPr>
         <p:txBody>
-          <a:bodyPr anchorCtr="0" anchor="t" bIns="91425" lIns="91425" spcFirstLastPara="1" rIns="91425" wrap="square" tIns="91425">
+          <a:bodyPr spcFirstLastPara="1" wrap="square" lIns="91425" tIns="91425" rIns="91425" bIns="91425" anchor="t" anchorCtr="0">
             <a:noAutofit/>
           </a:bodyPr>
           <a:lstStyle>
-            <a:lvl1pPr indent="-298450" lvl="0" marL="457200">
+            <a:lvl1pPr marL="457200" lvl="0" indent="-298450">
               <a:spcBef>
                 <a:spcPts val="0"/>
               </a:spcBef>
@@ -370,7 +385,7 @@
               <a:buChar char="●"/>
               <a:defRPr sz="1100"/>
             </a:lvl1pPr>
-            <a:lvl2pPr indent="-298450" lvl="1" marL="914400">
+            <a:lvl2pPr marL="914400" lvl="1" indent="-298450">
               <a:spcBef>
                 <a:spcPts val="0"/>
               </a:spcBef>
@@ -381,7 +396,7 @@
               <a:buChar char="○"/>
               <a:defRPr sz="1100"/>
             </a:lvl2pPr>
-            <a:lvl3pPr indent="-298450" lvl="2" marL="1371600">
+            <a:lvl3pPr marL="1371600" lvl="2" indent="-298450">
               <a:spcBef>
                 <a:spcPts val="0"/>
               </a:spcBef>
@@ -392,7 +407,7 @@
               <a:buChar char="■"/>
               <a:defRPr sz="1100"/>
             </a:lvl3pPr>
-            <a:lvl4pPr indent="-298450" lvl="3" marL="1828800">
+            <a:lvl4pPr marL="1828800" lvl="3" indent="-298450">
               <a:spcBef>
                 <a:spcPts val="0"/>
               </a:spcBef>
@@ -403,7 +418,7 @@
               <a:buChar char="●"/>
               <a:defRPr sz="1100"/>
             </a:lvl4pPr>
-            <a:lvl5pPr indent="-298450" lvl="4" marL="2286000">
+            <a:lvl5pPr marL="2286000" lvl="4" indent="-298450">
               <a:spcBef>
                 <a:spcPts val="0"/>
               </a:spcBef>
@@ -414,7 +429,7 @@
               <a:buChar char="○"/>
               <a:defRPr sz="1100"/>
             </a:lvl5pPr>
-            <a:lvl6pPr indent="-298450" lvl="5" marL="2743200">
+            <a:lvl6pPr marL="2743200" lvl="5" indent="-298450">
               <a:spcBef>
                 <a:spcPts val="0"/>
               </a:spcBef>
@@ -425,7 +440,7 @@
               <a:buChar char="■"/>
               <a:defRPr sz="1100"/>
             </a:lvl6pPr>
-            <a:lvl7pPr indent="-298450" lvl="6" marL="3200400">
+            <a:lvl7pPr marL="3200400" lvl="6" indent="-298450">
               <a:spcBef>
                 <a:spcPts val="0"/>
               </a:spcBef>
@@ -436,7 +451,7 @@
               <a:buChar char="●"/>
               <a:defRPr sz="1100"/>
             </a:lvl7pPr>
-            <a:lvl8pPr indent="-298450" lvl="7" marL="3657600">
+            <a:lvl8pPr marL="3657600" lvl="7" indent="-298450">
               <a:spcBef>
                 <a:spcPts val="0"/>
               </a:spcBef>
@@ -447,7 +462,7 @@
               <a:buChar char="○"/>
               <a:defRPr sz="1100"/>
             </a:lvl8pPr>
-            <a:lvl9pPr indent="-298450" lvl="8" marL="4114800">
+            <a:lvl9pPr marL="4114800" lvl="8" indent="-298450">
               <a:spcBef>
                 <a:spcPts val="0"/>
               </a:spcBef>
@@ -459,14 +474,16 @@
               <a:defRPr sz="1100"/>
             </a:lvl9pPr>
           </a:lstStyle>
-          <a:p/>
+          <a:p>
+            <a:endParaRPr/>
+          </a:p>
         </p:txBody>
       </p:sp>
     </p:spTree>
   </p:cSld>
-  <p:clrMap accent1="accent1" accent2="accent2" accent3="accent3" accent4="accent4" accent5="accent5" accent6="accent6" bg1="lt1" bg2="dk2" tx1="dk1" tx2="lt2" folHlink="folHlink" hlink="hlink"/>
+  <p:clrMap bg1="lt1" tx1="dk1" bg2="dk2" tx2="lt2" accent1="accent1" accent2="accent2" accent3="accent3" accent4="accent4" accent5="accent5" accent6="accent6" hlink="hlink" folHlink="folHlink"/>
   <p:notesStyle>
-    <a:defPPr lvl="0" marR="0" rtl="0" algn="l">
+    <a:defPPr marR="0" lvl="0" algn="l" rtl="0">
       <a:lnSpc>
         <a:spcPct val="100000"/>
       </a:lnSpc>
@@ -477,7 +494,7 @@
         <a:spcPts val="0"/>
       </a:spcAft>
     </a:defPPr>
-    <a:lvl1pPr lvl="0" marR="0" rtl="0" algn="l">
+    <a:lvl1pPr marR="0" lvl="0" algn="l" rtl="0">
       <a:lnSpc>
         <a:spcPct val="100000"/>
       </a:lnSpc>
@@ -491,7 +508,7 @@
         <a:srgbClr val="000000"/>
       </a:buClr>
       <a:buFont typeface="Arial"/>
-      <a:defRPr b="0" i="0" sz="1400" u="none" cap="none" strike="noStrike">
+      <a:defRPr sz="1400" b="0" i="0" u="none" strike="noStrike" cap="none">
         <a:solidFill>
           <a:srgbClr val="000000"/>
         </a:solidFill>
@@ -501,7 +518,7 @@
         <a:sym typeface="Arial"/>
       </a:defRPr>
     </a:lvl1pPr>
-    <a:lvl2pPr lvl="1" marR="0" rtl="0" algn="l">
+    <a:lvl2pPr marR="0" lvl="1" algn="l" rtl="0">
       <a:lnSpc>
         <a:spcPct val="100000"/>
       </a:lnSpc>
@@ -515,7 +532,7 @@
         <a:srgbClr val="000000"/>
       </a:buClr>
       <a:buFont typeface="Arial"/>
-      <a:defRPr b="0" i="0" sz="1400" u="none" cap="none" strike="noStrike">
+      <a:defRPr sz="1400" b="0" i="0" u="none" strike="noStrike" cap="none">
         <a:solidFill>
           <a:srgbClr val="000000"/>
         </a:solidFill>
@@ -525,7 +542,7 @@
         <a:sym typeface="Arial"/>
       </a:defRPr>
     </a:lvl2pPr>
-    <a:lvl3pPr lvl="2" marR="0" rtl="0" algn="l">
+    <a:lvl3pPr marR="0" lvl="2" algn="l" rtl="0">
       <a:lnSpc>
         <a:spcPct val="100000"/>
       </a:lnSpc>
@@ -539,7 +556,7 @@
         <a:srgbClr val="000000"/>
       </a:buClr>
       <a:buFont typeface="Arial"/>
-      <a:defRPr b="0" i="0" sz="1400" u="none" cap="none" strike="noStrike">
+      <a:defRPr sz="1400" b="0" i="0" u="none" strike="noStrike" cap="none">
         <a:solidFill>
           <a:srgbClr val="000000"/>
         </a:solidFill>
@@ -549,7 +566,7 @@
         <a:sym typeface="Arial"/>
       </a:defRPr>
     </a:lvl3pPr>
-    <a:lvl4pPr lvl="3" marR="0" rtl="0" algn="l">
+    <a:lvl4pPr marR="0" lvl="3" algn="l" rtl="0">
       <a:lnSpc>
         <a:spcPct val="100000"/>
       </a:lnSpc>
@@ -563,7 +580,7 @@
         <a:srgbClr val="000000"/>
       </a:buClr>
       <a:buFont typeface="Arial"/>
-      <a:defRPr b="0" i="0" sz="1400" u="none" cap="none" strike="noStrike">
+      <a:defRPr sz="1400" b="0" i="0" u="none" strike="noStrike" cap="none">
         <a:solidFill>
           <a:srgbClr val="000000"/>
         </a:solidFill>
@@ -573,7 +590,7 @@
         <a:sym typeface="Arial"/>
       </a:defRPr>
     </a:lvl4pPr>
-    <a:lvl5pPr lvl="4" marR="0" rtl="0" algn="l">
+    <a:lvl5pPr marR="0" lvl="4" algn="l" rtl="0">
       <a:lnSpc>
         <a:spcPct val="100000"/>
       </a:lnSpc>
@@ -587,7 +604,7 @@
         <a:srgbClr val="000000"/>
       </a:buClr>
       <a:buFont typeface="Arial"/>
-      <a:defRPr b="0" i="0" sz="1400" u="none" cap="none" strike="noStrike">
+      <a:defRPr sz="1400" b="0" i="0" u="none" strike="noStrike" cap="none">
         <a:solidFill>
           <a:srgbClr val="000000"/>
         </a:solidFill>
@@ -597,7 +614,7 @@
         <a:sym typeface="Arial"/>
       </a:defRPr>
     </a:lvl5pPr>
-    <a:lvl6pPr lvl="5" marR="0" rtl="0" algn="l">
+    <a:lvl6pPr marR="0" lvl="5" algn="l" rtl="0">
       <a:lnSpc>
         <a:spcPct val="100000"/>
       </a:lnSpc>
@@ -611,7 +628,7 @@
         <a:srgbClr val="000000"/>
       </a:buClr>
       <a:buFont typeface="Arial"/>
-      <a:defRPr b="0" i="0" sz="1400" u="none" cap="none" strike="noStrike">
+      <a:defRPr sz="1400" b="0" i="0" u="none" strike="noStrike" cap="none">
         <a:solidFill>
           <a:srgbClr val="000000"/>
         </a:solidFill>
@@ -621,7 +638,7 @@
         <a:sym typeface="Arial"/>
       </a:defRPr>
     </a:lvl6pPr>
-    <a:lvl7pPr lvl="6" marR="0" rtl="0" algn="l">
+    <a:lvl7pPr marR="0" lvl="6" algn="l" rtl="0">
       <a:lnSpc>
         <a:spcPct val="100000"/>
       </a:lnSpc>
@@ -635,7 +652,7 @@
         <a:srgbClr val="000000"/>
       </a:buClr>
       <a:buFont typeface="Arial"/>
-      <a:defRPr b="0" i="0" sz="1400" u="none" cap="none" strike="noStrike">
+      <a:defRPr sz="1400" b="0" i="0" u="none" strike="noStrike" cap="none">
         <a:solidFill>
           <a:srgbClr val="000000"/>
         </a:solidFill>
@@ -645,7 +662,7 @@
         <a:sym typeface="Arial"/>
       </a:defRPr>
     </a:lvl7pPr>
-    <a:lvl8pPr lvl="7" marR="0" rtl="0" algn="l">
+    <a:lvl8pPr marR="0" lvl="7" algn="l" rtl="0">
       <a:lnSpc>
         <a:spcPct val="100000"/>
       </a:lnSpc>
@@ -659,7 +676,7 @@
         <a:srgbClr val="000000"/>
       </a:buClr>
       <a:buFont typeface="Arial"/>
-      <a:defRPr b="0" i="0" sz="1400" u="none" cap="none" strike="noStrike">
+      <a:defRPr sz="1400" b="0" i="0" u="none" strike="noStrike" cap="none">
         <a:solidFill>
           <a:srgbClr val="000000"/>
         </a:solidFill>
@@ -669,7 +686,7 @@
         <a:sym typeface="Arial"/>
       </a:defRPr>
     </a:lvl8pPr>
-    <a:lvl9pPr lvl="8" marR="0" rtl="0" algn="l">
+    <a:lvl9pPr marR="0" lvl="8" algn="l" rtl="0">
       <a:lnSpc>
         <a:spcPct val="100000"/>
       </a:lnSpc>
@@ -683,7 +700,7 @@
         <a:srgbClr val="000000"/>
       </a:buClr>
       <a:buFont typeface="Arial"/>
-      <a:defRPr b="0" i="0" sz="1400" u="none" cap="none" strike="noStrike">
+      <a:defRPr sz="1400" b="0" i="0" u="none" strike="noStrike" cap="none">
         <a:solidFill>
           <a:srgbClr val="000000"/>
         </a:solidFill>
@@ -698,11 +715,11 @@
 </file>
 
 <file path=ppt/notesSlides/notesSlide1.xml><?xml version="1.0" encoding="utf-8"?>
-<p:notes xmlns:a="http://schemas.openxmlformats.org/drawingml/2006/main" xmlns:r="http://schemas.openxmlformats.org/officeDocument/2006/relationships" xmlns:mc="http://schemas.openxmlformats.org/markup-compatibility/2006" xmlns:mv="urn:schemas-microsoft-com:mac:vml" xmlns:p="http://schemas.openxmlformats.org/presentationml/2006/main" xmlns:c="http://schemas.openxmlformats.org/drawingml/2006/chart" xmlns:dgm="http://schemas.openxmlformats.org/drawingml/2006/diagram" xmlns:o="urn:schemas-microsoft-com:office:office" xmlns:v="urn:schemas-microsoft-com:vml" xmlns:pvml="urn:schemas-microsoft-com:office:powerpoint" xmlns:com="http://schemas.openxmlformats.org/drawingml/2006/compatibility" xmlns:p14="http://schemas.microsoft.com/office/powerpoint/2010/main" xmlns:p15="http://schemas.microsoft.com/office/powerpoint/2012/main" xmlns:ahyp="http://schemas.microsoft.com/office/drawing/2018/hyperlinkcolor" showMasterPhAnim="0" showMasterSp="0">
+<p:notes xmlns:a="http://schemas.openxmlformats.org/drawingml/2006/main" xmlns:r="http://schemas.openxmlformats.org/officeDocument/2006/relationships" xmlns:p="http://schemas.openxmlformats.org/presentationml/2006/main" showMasterSp="0" showMasterPhAnim="0">
   <p:cSld>
     <p:spTree>
       <p:nvGrpSpPr>
-        <p:cNvPr id="50" name="Shape 50"/>
+        <p:cNvPr id="1" name="Shape 50"/>
         <p:cNvGrpSpPr/>
         <p:nvPr/>
       </p:nvGrpSpPr>
@@ -717,9 +734,11 @@
       <p:sp>
         <p:nvSpPr>
           <p:cNvPr id="51" name="Google Shape;51;p:notes"/>
-          <p:cNvSpPr/>
+          <p:cNvSpPr>
+            <a:spLocks noGrp="1" noRot="1" noChangeAspect="1"/>
+          </p:cNvSpPr>
           <p:nvPr>
-            <p:ph idx="2" type="sldImg"/>
+            <p:ph type="sldImg" idx="2"/>
           </p:nvPr>
         </p:nvSpPr>
         <p:spPr>
@@ -728,9 +747,13 @@
             <a:ext cx="6096075" cy="3429000"/>
           </a:xfrm>
           <a:custGeom>
-            <a:rect b="b" l="l" r="r" t="t"/>
+            <a:avLst/>
+            <a:gdLst/>
+            <a:ahLst/>
+            <a:cxnLst/>
+            <a:rect l="l" t="t" r="r" b="b"/>
             <a:pathLst>
-              <a:path extrusionOk="0" h="120000" w="120000">
+              <a:path w="120000" h="120000" extrusionOk="0">
                 <a:moveTo>
                   <a:pt x="0" y="0"/>
                 </a:moveTo>
@@ -752,9 +775,11 @@
       <p:sp>
         <p:nvSpPr>
           <p:cNvPr id="52" name="Google Shape;52;p:notes"/>
-          <p:cNvSpPr txBox="1"/>
+          <p:cNvSpPr txBox="1">
+            <a:spLocks noGrp="1"/>
+          </p:cNvSpPr>
           <p:nvPr>
-            <p:ph idx="1" type="body"/>
+            <p:ph type="body" idx="1"/>
           </p:nvPr>
         </p:nvSpPr>
         <p:spPr>
@@ -767,12 +792,12 @@
           </a:prstGeom>
         </p:spPr>
         <p:txBody>
-          <a:bodyPr anchorCtr="0" anchor="t" bIns="91425" lIns="91425" spcFirstLastPara="1" rIns="91425" wrap="square" tIns="91425">
+          <a:bodyPr spcFirstLastPara="1" wrap="square" lIns="91425" tIns="91425" rIns="91425" bIns="91425" anchor="t" anchorCtr="0">
             <a:noAutofit/>
           </a:bodyPr>
           <a:lstStyle/>
           <a:p>
-            <a:pPr indent="0" lvl="0" marL="0" rtl="0" algn="l">
+            <a:pPr marL="0" lvl="0" indent="0" algn="l" rtl="0">
               <a:spcBef>
                 <a:spcPts val="0"/>
               </a:spcBef>
@@ -781,9 +806,6 @@
               </a:spcAft>
               <a:buNone/>
             </a:pPr>
-            <a:r>
-              <a:t/>
-            </a:r>
             <a:endParaRPr/>
           </a:p>
         </p:txBody>
@@ -797,11 +819,843 @@
 </file>
 
 <file path=ppt/notesSlides/notesSlide10.xml><?xml version="1.0" encoding="utf-8"?>
-<p:notes xmlns:a="http://schemas.openxmlformats.org/drawingml/2006/main" xmlns:r="http://schemas.openxmlformats.org/officeDocument/2006/relationships" xmlns:mc="http://schemas.openxmlformats.org/markup-compatibility/2006" xmlns:mv="urn:schemas-microsoft-com:mac:vml" xmlns:p="http://schemas.openxmlformats.org/presentationml/2006/main" xmlns:c="http://schemas.openxmlformats.org/drawingml/2006/chart" xmlns:dgm="http://schemas.openxmlformats.org/drawingml/2006/diagram" xmlns:o="urn:schemas-microsoft-com:office:office" xmlns:v="urn:schemas-microsoft-com:vml" xmlns:pvml="urn:schemas-microsoft-com:office:powerpoint" xmlns:com="http://schemas.openxmlformats.org/drawingml/2006/compatibility" xmlns:p14="http://schemas.microsoft.com/office/powerpoint/2010/main" xmlns:p15="http://schemas.microsoft.com/office/powerpoint/2012/main" xmlns:ahyp="http://schemas.microsoft.com/office/drawing/2018/hyperlinkcolor" showMasterPhAnim="0" showMasterSp="0">
+<p:notes xmlns:a="http://schemas.openxmlformats.org/drawingml/2006/main" xmlns:r="http://schemas.openxmlformats.org/officeDocument/2006/relationships" xmlns:p="http://schemas.openxmlformats.org/presentationml/2006/main" showMasterSp="0" showMasterPhAnim="0">
   <p:cSld>
     <p:spTree>
       <p:nvGrpSpPr>
-        <p:cNvPr id="113" name="Shape 113"/>
+        <p:cNvPr id="1" name="Shape 125"/>
+        <p:cNvGrpSpPr/>
+        <p:nvPr/>
+      </p:nvGrpSpPr>
+      <p:grpSpPr>
+        <a:xfrm>
+          <a:off x="0" y="0"/>
+          <a:ext cx="0" cy="0"/>
+          <a:chOff x="0" y="0"/>
+          <a:chExt cx="0" cy="0"/>
+        </a:xfrm>
+      </p:grpSpPr>
+      <p:sp>
+        <p:nvSpPr>
+          <p:cNvPr id="126" name="Google Shape;126;gd9e7ea8b69_1_43:notes"/>
+          <p:cNvSpPr>
+            <a:spLocks noGrp="1" noRot="1" noChangeAspect="1"/>
+          </p:cNvSpPr>
+          <p:nvPr>
+            <p:ph type="sldImg" idx="2"/>
+          </p:nvPr>
+        </p:nvSpPr>
+        <p:spPr>
+          <a:xfrm>
+            <a:off x="381300" y="685800"/>
+            <a:ext cx="6096000" cy="3429000"/>
+          </a:xfrm>
+          <a:custGeom>
+            <a:avLst/>
+            <a:gdLst/>
+            <a:ahLst/>
+            <a:cxnLst/>
+            <a:rect l="l" t="t" r="r" b="b"/>
+            <a:pathLst>
+              <a:path w="120000" h="120000" extrusionOk="0">
+                <a:moveTo>
+                  <a:pt x="0" y="0"/>
+                </a:moveTo>
+                <a:lnTo>
+                  <a:pt x="120000" y="0"/>
+                </a:lnTo>
+                <a:lnTo>
+                  <a:pt x="120000" y="120000"/>
+                </a:lnTo>
+                <a:lnTo>
+                  <a:pt x="0" y="120000"/>
+                </a:lnTo>
+                <a:close/>
+              </a:path>
+            </a:pathLst>
+          </a:custGeom>
+        </p:spPr>
+      </p:sp>
+      <p:sp>
+        <p:nvSpPr>
+          <p:cNvPr id="127" name="Google Shape;127;gd9e7ea8b69_1_43:notes"/>
+          <p:cNvSpPr txBox="1">
+            <a:spLocks noGrp="1"/>
+          </p:cNvSpPr>
+          <p:nvPr>
+            <p:ph type="body" idx="1"/>
+          </p:nvPr>
+        </p:nvSpPr>
+        <p:spPr>
+          <a:xfrm>
+            <a:off x="685800" y="4343400"/>
+            <a:ext cx="5486400" cy="4114800"/>
+          </a:xfrm>
+          <a:prstGeom prst="rect">
+            <a:avLst/>
+          </a:prstGeom>
+        </p:spPr>
+        <p:txBody>
+          <a:bodyPr spcFirstLastPara="1" wrap="square" lIns="91425" tIns="91425" rIns="91425" bIns="91425" anchor="t" anchorCtr="0">
+            <a:noAutofit/>
+          </a:bodyPr>
+          <a:lstStyle/>
+          <a:p>
+            <a:pPr marL="0" lvl="0" indent="0" algn="l" rtl="0">
+              <a:spcBef>
+                <a:spcPts val="0"/>
+              </a:spcBef>
+              <a:spcAft>
+                <a:spcPts val="0"/>
+              </a:spcAft>
+              <a:buNone/>
+            </a:pPr>
+            <a:endParaRPr/>
+          </a:p>
+        </p:txBody>
+      </p:sp>
+    </p:spTree>
+  </p:cSld>
+  <p:clrMapOvr>
+    <a:masterClrMapping/>
+  </p:clrMapOvr>
+</p:notes>
+</file>
+
+<file path=ppt/notesSlides/notesSlide2.xml><?xml version="1.0" encoding="utf-8"?>
+<p:notes xmlns:a="http://schemas.openxmlformats.org/drawingml/2006/main" xmlns:r="http://schemas.openxmlformats.org/officeDocument/2006/relationships" xmlns:p="http://schemas.openxmlformats.org/presentationml/2006/main" showMasterSp="0" showMasterPhAnim="0">
+  <p:cSld>
+    <p:spTree>
+      <p:nvGrpSpPr>
+        <p:cNvPr id="1" name="Shape 56"/>
+        <p:cNvGrpSpPr/>
+        <p:nvPr/>
+      </p:nvGrpSpPr>
+      <p:grpSpPr>
+        <a:xfrm>
+          <a:off x="0" y="0"/>
+          <a:ext cx="0" cy="0"/>
+          <a:chOff x="0" y="0"/>
+          <a:chExt cx="0" cy="0"/>
+        </a:xfrm>
+      </p:grpSpPr>
+      <p:sp>
+        <p:nvSpPr>
+          <p:cNvPr id="57" name="Google Shape;57;gd4e2b6b590_0_12:notes"/>
+          <p:cNvSpPr>
+            <a:spLocks noGrp="1" noRot="1" noChangeAspect="1"/>
+          </p:cNvSpPr>
+          <p:nvPr>
+            <p:ph type="sldImg" idx="2"/>
+          </p:nvPr>
+        </p:nvSpPr>
+        <p:spPr>
+          <a:xfrm>
+            <a:off x="381300" y="685800"/>
+            <a:ext cx="6096000" cy="3429000"/>
+          </a:xfrm>
+          <a:custGeom>
+            <a:avLst/>
+            <a:gdLst/>
+            <a:ahLst/>
+            <a:cxnLst/>
+            <a:rect l="l" t="t" r="r" b="b"/>
+            <a:pathLst>
+              <a:path w="120000" h="120000" extrusionOk="0">
+                <a:moveTo>
+                  <a:pt x="0" y="0"/>
+                </a:moveTo>
+                <a:lnTo>
+                  <a:pt x="120000" y="0"/>
+                </a:lnTo>
+                <a:lnTo>
+                  <a:pt x="120000" y="120000"/>
+                </a:lnTo>
+                <a:lnTo>
+                  <a:pt x="0" y="120000"/>
+                </a:lnTo>
+                <a:close/>
+              </a:path>
+            </a:pathLst>
+          </a:custGeom>
+        </p:spPr>
+      </p:sp>
+      <p:sp>
+        <p:nvSpPr>
+          <p:cNvPr id="58" name="Google Shape;58;gd4e2b6b590_0_12:notes"/>
+          <p:cNvSpPr txBox="1">
+            <a:spLocks noGrp="1"/>
+          </p:cNvSpPr>
+          <p:nvPr>
+            <p:ph type="body" idx="1"/>
+          </p:nvPr>
+        </p:nvSpPr>
+        <p:spPr>
+          <a:xfrm>
+            <a:off x="685800" y="4343400"/>
+            <a:ext cx="5486400" cy="4114800"/>
+          </a:xfrm>
+          <a:prstGeom prst="rect">
+            <a:avLst/>
+          </a:prstGeom>
+        </p:spPr>
+        <p:txBody>
+          <a:bodyPr spcFirstLastPara="1" wrap="square" lIns="91425" tIns="91425" rIns="91425" bIns="91425" anchor="t" anchorCtr="0">
+            <a:noAutofit/>
+          </a:bodyPr>
+          <a:lstStyle/>
+          <a:p>
+            <a:pPr marL="0" lvl="0" indent="0" algn="l" rtl="0">
+              <a:spcBef>
+                <a:spcPts val="0"/>
+              </a:spcBef>
+              <a:spcAft>
+                <a:spcPts val="0"/>
+              </a:spcAft>
+              <a:buNone/>
+            </a:pPr>
+            <a:endParaRPr/>
+          </a:p>
+        </p:txBody>
+      </p:sp>
+    </p:spTree>
+  </p:cSld>
+  <p:clrMapOvr>
+    <a:masterClrMapping/>
+  </p:clrMapOvr>
+</p:notes>
+</file>
+
+<file path=ppt/notesSlides/notesSlide3.xml><?xml version="1.0" encoding="utf-8"?>
+<p:notes xmlns:a="http://schemas.openxmlformats.org/drawingml/2006/main" xmlns:r="http://schemas.openxmlformats.org/officeDocument/2006/relationships" xmlns:p="http://schemas.openxmlformats.org/presentationml/2006/main" showMasterSp="0" showMasterPhAnim="0">
+  <p:cSld>
+    <p:spTree>
+      <p:nvGrpSpPr>
+        <p:cNvPr id="1" name="Shape 65"/>
+        <p:cNvGrpSpPr/>
+        <p:nvPr/>
+      </p:nvGrpSpPr>
+      <p:grpSpPr>
+        <a:xfrm>
+          <a:off x="0" y="0"/>
+          <a:ext cx="0" cy="0"/>
+          <a:chOff x="0" y="0"/>
+          <a:chExt cx="0" cy="0"/>
+        </a:xfrm>
+      </p:grpSpPr>
+      <p:sp>
+        <p:nvSpPr>
+          <p:cNvPr id="66" name="Google Shape;66;gd9e7ea8b69_1_18:notes"/>
+          <p:cNvSpPr>
+            <a:spLocks noGrp="1" noRot="1" noChangeAspect="1"/>
+          </p:cNvSpPr>
+          <p:nvPr>
+            <p:ph type="sldImg" idx="2"/>
+          </p:nvPr>
+        </p:nvSpPr>
+        <p:spPr>
+          <a:xfrm>
+            <a:off x="381300" y="685800"/>
+            <a:ext cx="6096000" cy="3429000"/>
+          </a:xfrm>
+          <a:custGeom>
+            <a:avLst/>
+            <a:gdLst/>
+            <a:ahLst/>
+            <a:cxnLst/>
+            <a:rect l="l" t="t" r="r" b="b"/>
+            <a:pathLst>
+              <a:path w="120000" h="120000" extrusionOk="0">
+                <a:moveTo>
+                  <a:pt x="0" y="0"/>
+                </a:moveTo>
+                <a:lnTo>
+                  <a:pt x="120000" y="0"/>
+                </a:lnTo>
+                <a:lnTo>
+                  <a:pt x="120000" y="120000"/>
+                </a:lnTo>
+                <a:lnTo>
+                  <a:pt x="0" y="120000"/>
+                </a:lnTo>
+                <a:close/>
+              </a:path>
+            </a:pathLst>
+          </a:custGeom>
+        </p:spPr>
+      </p:sp>
+      <p:sp>
+        <p:nvSpPr>
+          <p:cNvPr id="67" name="Google Shape;67;gd9e7ea8b69_1_18:notes"/>
+          <p:cNvSpPr txBox="1">
+            <a:spLocks noGrp="1"/>
+          </p:cNvSpPr>
+          <p:nvPr>
+            <p:ph type="body" idx="1"/>
+          </p:nvPr>
+        </p:nvSpPr>
+        <p:spPr>
+          <a:xfrm>
+            <a:off x="685800" y="4343400"/>
+            <a:ext cx="5486400" cy="4114800"/>
+          </a:xfrm>
+          <a:prstGeom prst="rect">
+            <a:avLst/>
+          </a:prstGeom>
+        </p:spPr>
+        <p:txBody>
+          <a:bodyPr spcFirstLastPara="1" wrap="square" lIns="91425" tIns="91425" rIns="91425" bIns="91425" anchor="t" anchorCtr="0">
+            <a:noAutofit/>
+          </a:bodyPr>
+          <a:lstStyle/>
+          <a:p>
+            <a:pPr marL="0" lvl="0" indent="0" algn="l" rtl="0">
+              <a:spcBef>
+                <a:spcPts val="0"/>
+              </a:spcBef>
+              <a:spcAft>
+                <a:spcPts val="0"/>
+              </a:spcAft>
+              <a:buNone/>
+            </a:pPr>
+            <a:endParaRPr/>
+          </a:p>
+        </p:txBody>
+      </p:sp>
+    </p:spTree>
+  </p:cSld>
+  <p:clrMapOvr>
+    <a:masterClrMapping/>
+  </p:clrMapOvr>
+</p:notes>
+</file>
+
+<file path=ppt/notesSlides/notesSlide4.xml><?xml version="1.0" encoding="utf-8"?>
+<p:notes xmlns:a="http://schemas.openxmlformats.org/drawingml/2006/main" xmlns:r="http://schemas.openxmlformats.org/officeDocument/2006/relationships" xmlns:p="http://schemas.openxmlformats.org/presentationml/2006/main" showMasterSp="0" showMasterPhAnim="0">
+  <p:cSld>
+    <p:spTree>
+      <p:nvGrpSpPr>
+        <p:cNvPr id="1" name="Shape 72"/>
+        <p:cNvGrpSpPr/>
+        <p:nvPr/>
+      </p:nvGrpSpPr>
+      <p:grpSpPr>
+        <a:xfrm>
+          <a:off x="0" y="0"/>
+          <a:ext cx="0" cy="0"/>
+          <a:chOff x="0" y="0"/>
+          <a:chExt cx="0" cy="0"/>
+        </a:xfrm>
+      </p:grpSpPr>
+      <p:sp>
+        <p:nvSpPr>
+          <p:cNvPr id="73" name="Google Shape;73;gd9e7ea8b69_1_10:notes"/>
+          <p:cNvSpPr>
+            <a:spLocks noGrp="1" noRot="1" noChangeAspect="1"/>
+          </p:cNvSpPr>
+          <p:nvPr>
+            <p:ph type="sldImg" idx="2"/>
+          </p:nvPr>
+        </p:nvSpPr>
+        <p:spPr>
+          <a:xfrm>
+            <a:off x="381300" y="685800"/>
+            <a:ext cx="6096000" cy="3429000"/>
+          </a:xfrm>
+          <a:custGeom>
+            <a:avLst/>
+            <a:gdLst/>
+            <a:ahLst/>
+            <a:cxnLst/>
+            <a:rect l="l" t="t" r="r" b="b"/>
+            <a:pathLst>
+              <a:path w="120000" h="120000" extrusionOk="0">
+                <a:moveTo>
+                  <a:pt x="0" y="0"/>
+                </a:moveTo>
+                <a:lnTo>
+                  <a:pt x="120000" y="0"/>
+                </a:lnTo>
+                <a:lnTo>
+                  <a:pt x="120000" y="120000"/>
+                </a:lnTo>
+                <a:lnTo>
+                  <a:pt x="0" y="120000"/>
+                </a:lnTo>
+                <a:close/>
+              </a:path>
+            </a:pathLst>
+          </a:custGeom>
+        </p:spPr>
+      </p:sp>
+      <p:sp>
+        <p:nvSpPr>
+          <p:cNvPr id="74" name="Google Shape;74;gd9e7ea8b69_1_10:notes"/>
+          <p:cNvSpPr txBox="1">
+            <a:spLocks noGrp="1"/>
+          </p:cNvSpPr>
+          <p:nvPr>
+            <p:ph type="body" idx="1"/>
+          </p:nvPr>
+        </p:nvSpPr>
+        <p:spPr>
+          <a:xfrm>
+            <a:off x="685800" y="4343400"/>
+            <a:ext cx="5486400" cy="4114800"/>
+          </a:xfrm>
+          <a:prstGeom prst="rect">
+            <a:avLst/>
+          </a:prstGeom>
+        </p:spPr>
+        <p:txBody>
+          <a:bodyPr spcFirstLastPara="1" wrap="square" lIns="91425" tIns="91425" rIns="91425" bIns="91425" anchor="t" anchorCtr="0">
+            <a:noAutofit/>
+          </a:bodyPr>
+          <a:lstStyle/>
+          <a:p>
+            <a:pPr marL="0" lvl="0" indent="0" algn="l" rtl="0">
+              <a:spcBef>
+                <a:spcPts val="0"/>
+              </a:spcBef>
+              <a:spcAft>
+                <a:spcPts val="0"/>
+              </a:spcAft>
+              <a:buNone/>
+            </a:pPr>
+            <a:endParaRPr/>
+          </a:p>
+        </p:txBody>
+      </p:sp>
+    </p:spTree>
+  </p:cSld>
+  <p:clrMapOvr>
+    <a:masterClrMapping/>
+  </p:clrMapOvr>
+</p:notes>
+</file>
+
+<file path=ppt/notesSlides/notesSlide5.xml><?xml version="1.0" encoding="utf-8"?>
+<p:notes xmlns:a="http://schemas.openxmlformats.org/drawingml/2006/main" xmlns:r="http://schemas.openxmlformats.org/officeDocument/2006/relationships" xmlns:p="http://schemas.openxmlformats.org/presentationml/2006/main" showMasterSp="0" showMasterPhAnim="0">
+  <p:cSld>
+    <p:spTree>
+      <p:nvGrpSpPr>
+        <p:cNvPr id="1" name="Shape 87"/>
+        <p:cNvGrpSpPr/>
+        <p:nvPr/>
+      </p:nvGrpSpPr>
+      <p:grpSpPr>
+        <a:xfrm>
+          <a:off x="0" y="0"/>
+          <a:ext cx="0" cy="0"/>
+          <a:chOff x="0" y="0"/>
+          <a:chExt cx="0" cy="0"/>
+        </a:xfrm>
+      </p:grpSpPr>
+      <p:sp>
+        <p:nvSpPr>
+          <p:cNvPr id="88" name="Google Shape;88;gd4e2b6b590_0_18:notes"/>
+          <p:cNvSpPr>
+            <a:spLocks noGrp="1" noRot="1" noChangeAspect="1"/>
+          </p:cNvSpPr>
+          <p:nvPr>
+            <p:ph type="sldImg" idx="2"/>
+          </p:nvPr>
+        </p:nvSpPr>
+        <p:spPr>
+          <a:xfrm>
+            <a:off x="381300" y="685800"/>
+            <a:ext cx="6096000" cy="3429000"/>
+          </a:xfrm>
+          <a:custGeom>
+            <a:avLst/>
+            <a:gdLst/>
+            <a:ahLst/>
+            <a:cxnLst/>
+            <a:rect l="l" t="t" r="r" b="b"/>
+            <a:pathLst>
+              <a:path w="120000" h="120000" extrusionOk="0">
+                <a:moveTo>
+                  <a:pt x="0" y="0"/>
+                </a:moveTo>
+                <a:lnTo>
+                  <a:pt x="120000" y="0"/>
+                </a:lnTo>
+                <a:lnTo>
+                  <a:pt x="120000" y="120000"/>
+                </a:lnTo>
+                <a:lnTo>
+                  <a:pt x="0" y="120000"/>
+                </a:lnTo>
+                <a:close/>
+              </a:path>
+            </a:pathLst>
+          </a:custGeom>
+        </p:spPr>
+      </p:sp>
+      <p:sp>
+        <p:nvSpPr>
+          <p:cNvPr id="89" name="Google Shape;89;gd4e2b6b590_0_18:notes"/>
+          <p:cNvSpPr txBox="1">
+            <a:spLocks noGrp="1"/>
+          </p:cNvSpPr>
+          <p:nvPr>
+            <p:ph type="body" idx="1"/>
+          </p:nvPr>
+        </p:nvSpPr>
+        <p:spPr>
+          <a:xfrm>
+            <a:off x="685800" y="4343400"/>
+            <a:ext cx="5486400" cy="4114800"/>
+          </a:xfrm>
+          <a:prstGeom prst="rect">
+            <a:avLst/>
+          </a:prstGeom>
+        </p:spPr>
+        <p:txBody>
+          <a:bodyPr spcFirstLastPara="1" wrap="square" lIns="91425" tIns="91425" rIns="91425" bIns="91425" anchor="t" anchorCtr="0">
+            <a:noAutofit/>
+          </a:bodyPr>
+          <a:lstStyle/>
+          <a:p>
+            <a:pPr marL="0" lvl="0" indent="0" algn="l" rtl="0">
+              <a:spcBef>
+                <a:spcPts val="0"/>
+              </a:spcBef>
+              <a:spcAft>
+                <a:spcPts val="0"/>
+              </a:spcAft>
+              <a:buNone/>
+            </a:pPr>
+            <a:endParaRPr/>
+          </a:p>
+        </p:txBody>
+      </p:sp>
+    </p:spTree>
+  </p:cSld>
+  <p:clrMapOvr>
+    <a:masterClrMapping/>
+  </p:clrMapOvr>
+</p:notes>
+</file>
+
+<file path=ppt/notesSlides/notesSlide6.xml><?xml version="1.0" encoding="utf-8"?>
+<p:notes xmlns:a="http://schemas.openxmlformats.org/drawingml/2006/main" xmlns:r="http://schemas.openxmlformats.org/officeDocument/2006/relationships" xmlns:p="http://schemas.openxmlformats.org/presentationml/2006/main" showMasterSp="0" showMasterPhAnim="0">
+  <p:cSld>
+    <p:spTree>
+      <p:nvGrpSpPr>
+        <p:cNvPr id="1" name="Shape 93"/>
+        <p:cNvGrpSpPr/>
+        <p:nvPr/>
+      </p:nvGrpSpPr>
+      <p:grpSpPr>
+        <a:xfrm>
+          <a:off x="0" y="0"/>
+          <a:ext cx="0" cy="0"/>
+          <a:chOff x="0" y="0"/>
+          <a:chExt cx="0" cy="0"/>
+        </a:xfrm>
+      </p:grpSpPr>
+      <p:sp>
+        <p:nvSpPr>
+          <p:cNvPr id="94" name="Google Shape;94;gd4e2b6b590_0_34:notes"/>
+          <p:cNvSpPr>
+            <a:spLocks noGrp="1" noRot="1" noChangeAspect="1"/>
+          </p:cNvSpPr>
+          <p:nvPr>
+            <p:ph type="sldImg" idx="2"/>
+          </p:nvPr>
+        </p:nvSpPr>
+        <p:spPr>
+          <a:xfrm>
+            <a:off x="381300" y="685800"/>
+            <a:ext cx="6096000" cy="3429000"/>
+          </a:xfrm>
+          <a:custGeom>
+            <a:avLst/>
+            <a:gdLst/>
+            <a:ahLst/>
+            <a:cxnLst/>
+            <a:rect l="l" t="t" r="r" b="b"/>
+            <a:pathLst>
+              <a:path w="120000" h="120000" extrusionOk="0">
+                <a:moveTo>
+                  <a:pt x="0" y="0"/>
+                </a:moveTo>
+                <a:lnTo>
+                  <a:pt x="120000" y="0"/>
+                </a:lnTo>
+                <a:lnTo>
+                  <a:pt x="120000" y="120000"/>
+                </a:lnTo>
+                <a:lnTo>
+                  <a:pt x="0" y="120000"/>
+                </a:lnTo>
+                <a:close/>
+              </a:path>
+            </a:pathLst>
+          </a:custGeom>
+        </p:spPr>
+      </p:sp>
+      <p:sp>
+        <p:nvSpPr>
+          <p:cNvPr id="95" name="Google Shape;95;gd4e2b6b590_0_34:notes"/>
+          <p:cNvSpPr txBox="1">
+            <a:spLocks noGrp="1"/>
+          </p:cNvSpPr>
+          <p:nvPr>
+            <p:ph type="body" idx="1"/>
+          </p:nvPr>
+        </p:nvSpPr>
+        <p:spPr>
+          <a:xfrm>
+            <a:off x="685800" y="4343400"/>
+            <a:ext cx="5486400" cy="4114800"/>
+          </a:xfrm>
+          <a:prstGeom prst="rect">
+            <a:avLst/>
+          </a:prstGeom>
+        </p:spPr>
+        <p:txBody>
+          <a:bodyPr spcFirstLastPara="1" wrap="square" lIns="91425" tIns="91425" rIns="91425" bIns="91425" anchor="t" anchorCtr="0">
+            <a:noAutofit/>
+          </a:bodyPr>
+          <a:lstStyle/>
+          <a:p>
+            <a:pPr marL="0" lvl="0" indent="0" algn="l" rtl="0">
+              <a:spcBef>
+                <a:spcPts val="0"/>
+              </a:spcBef>
+              <a:spcAft>
+                <a:spcPts val="0"/>
+              </a:spcAft>
+              <a:buNone/>
+            </a:pPr>
+            <a:endParaRPr/>
+          </a:p>
+        </p:txBody>
+      </p:sp>
+    </p:spTree>
+  </p:cSld>
+  <p:clrMapOvr>
+    <a:masterClrMapping/>
+  </p:clrMapOvr>
+</p:notes>
+</file>
+
+<file path=ppt/notesSlides/notesSlide7.xml><?xml version="1.0" encoding="utf-8"?>
+<p:notes xmlns:a="http://schemas.openxmlformats.org/drawingml/2006/main" xmlns:r="http://schemas.openxmlformats.org/officeDocument/2006/relationships" xmlns:p="http://schemas.openxmlformats.org/presentationml/2006/main" showMasterSp="0" showMasterPhAnim="0">
+  <p:cSld>
+    <p:spTree>
+      <p:nvGrpSpPr>
+        <p:cNvPr id="1" name="Shape 100"/>
+        <p:cNvGrpSpPr/>
+        <p:nvPr/>
+      </p:nvGrpSpPr>
+      <p:grpSpPr>
+        <a:xfrm>
+          <a:off x="0" y="0"/>
+          <a:ext cx="0" cy="0"/>
+          <a:chOff x="0" y="0"/>
+          <a:chExt cx="0" cy="0"/>
+        </a:xfrm>
+      </p:grpSpPr>
+      <p:sp>
+        <p:nvSpPr>
+          <p:cNvPr id="101" name="Google Shape;101;gd4e2b6b590_0_23:notes"/>
+          <p:cNvSpPr>
+            <a:spLocks noGrp="1" noRot="1" noChangeAspect="1"/>
+          </p:cNvSpPr>
+          <p:nvPr>
+            <p:ph type="sldImg" idx="2"/>
+          </p:nvPr>
+        </p:nvSpPr>
+        <p:spPr>
+          <a:xfrm>
+            <a:off x="381000" y="685800"/>
+            <a:ext cx="6096000" cy="3429000"/>
+          </a:xfrm>
+          <a:custGeom>
+            <a:avLst/>
+            <a:gdLst/>
+            <a:ahLst/>
+            <a:cxnLst/>
+            <a:rect l="l" t="t" r="r" b="b"/>
+            <a:pathLst>
+              <a:path w="120000" h="120000" extrusionOk="0">
+                <a:moveTo>
+                  <a:pt x="0" y="0"/>
+                </a:moveTo>
+                <a:lnTo>
+                  <a:pt x="120000" y="0"/>
+                </a:lnTo>
+                <a:lnTo>
+                  <a:pt x="120000" y="120000"/>
+                </a:lnTo>
+                <a:lnTo>
+                  <a:pt x="0" y="120000"/>
+                </a:lnTo>
+                <a:close/>
+              </a:path>
+            </a:pathLst>
+          </a:custGeom>
+        </p:spPr>
+      </p:sp>
+      <p:sp>
+        <p:nvSpPr>
+          <p:cNvPr id="102" name="Google Shape;102;gd4e2b6b590_0_23:notes"/>
+          <p:cNvSpPr txBox="1">
+            <a:spLocks noGrp="1"/>
+          </p:cNvSpPr>
+          <p:nvPr>
+            <p:ph type="body" idx="1"/>
+          </p:nvPr>
+        </p:nvSpPr>
+        <p:spPr>
+          <a:xfrm>
+            <a:off x="685800" y="4343400"/>
+            <a:ext cx="5486400" cy="4114800"/>
+          </a:xfrm>
+          <a:prstGeom prst="rect">
+            <a:avLst/>
+          </a:prstGeom>
+        </p:spPr>
+        <p:txBody>
+          <a:bodyPr spcFirstLastPara="1" wrap="square" lIns="91425" tIns="91425" rIns="91425" bIns="91425" anchor="t" anchorCtr="0">
+            <a:noAutofit/>
+          </a:bodyPr>
+          <a:lstStyle/>
+          <a:p>
+            <a:pPr marL="0" lvl="0" indent="0" algn="l" rtl="0">
+              <a:spcBef>
+                <a:spcPts val="0"/>
+              </a:spcBef>
+              <a:spcAft>
+                <a:spcPts val="0"/>
+              </a:spcAft>
+              <a:buNone/>
+            </a:pPr>
+            <a:endParaRPr/>
+          </a:p>
+        </p:txBody>
+      </p:sp>
+    </p:spTree>
+  </p:cSld>
+  <p:clrMapOvr>
+    <a:masterClrMapping/>
+  </p:clrMapOvr>
+</p:notes>
+</file>
+
+<file path=ppt/notesSlides/notesSlide8.xml><?xml version="1.0" encoding="utf-8"?>
+<p:notes xmlns:a="http://schemas.openxmlformats.org/drawingml/2006/main" xmlns:r="http://schemas.openxmlformats.org/officeDocument/2006/relationships" xmlns:p="http://schemas.openxmlformats.org/presentationml/2006/main" showMasterSp="0" showMasterPhAnim="0">
+  <p:cSld>
+    <p:spTree>
+      <p:nvGrpSpPr>
+        <p:cNvPr id="1" name="Shape 106"/>
+        <p:cNvGrpSpPr/>
+        <p:nvPr/>
+      </p:nvGrpSpPr>
+      <p:grpSpPr>
+        <a:xfrm>
+          <a:off x="0" y="0"/>
+          <a:ext cx="0" cy="0"/>
+          <a:chOff x="0" y="0"/>
+          <a:chExt cx="0" cy="0"/>
+        </a:xfrm>
+      </p:grpSpPr>
+      <p:sp>
+        <p:nvSpPr>
+          <p:cNvPr id="107" name="Google Shape;107;gd9e7ea8b69_1_32:notes"/>
+          <p:cNvSpPr>
+            <a:spLocks noGrp="1" noRot="1" noChangeAspect="1"/>
+          </p:cNvSpPr>
+          <p:nvPr>
+            <p:ph type="sldImg" idx="2"/>
+          </p:nvPr>
+        </p:nvSpPr>
+        <p:spPr>
+          <a:xfrm>
+            <a:off x="381300" y="685800"/>
+            <a:ext cx="6096000" cy="3429000"/>
+          </a:xfrm>
+          <a:custGeom>
+            <a:avLst/>
+            <a:gdLst/>
+            <a:ahLst/>
+            <a:cxnLst/>
+            <a:rect l="l" t="t" r="r" b="b"/>
+            <a:pathLst>
+              <a:path w="120000" h="120000" extrusionOk="0">
+                <a:moveTo>
+                  <a:pt x="0" y="0"/>
+                </a:moveTo>
+                <a:lnTo>
+                  <a:pt x="120000" y="0"/>
+                </a:lnTo>
+                <a:lnTo>
+                  <a:pt x="120000" y="120000"/>
+                </a:lnTo>
+                <a:lnTo>
+                  <a:pt x="0" y="120000"/>
+                </a:lnTo>
+                <a:close/>
+              </a:path>
+            </a:pathLst>
+          </a:custGeom>
+        </p:spPr>
+      </p:sp>
+      <p:sp>
+        <p:nvSpPr>
+          <p:cNvPr id="108" name="Google Shape;108;gd9e7ea8b69_1_32:notes"/>
+          <p:cNvSpPr txBox="1">
+            <a:spLocks noGrp="1"/>
+          </p:cNvSpPr>
+          <p:nvPr>
+            <p:ph type="body" idx="1"/>
+          </p:nvPr>
+        </p:nvSpPr>
+        <p:spPr>
+          <a:xfrm>
+            <a:off x="685800" y="4343400"/>
+            <a:ext cx="5486400" cy="4114800"/>
+          </a:xfrm>
+          <a:prstGeom prst="rect">
+            <a:avLst/>
+          </a:prstGeom>
+        </p:spPr>
+        <p:txBody>
+          <a:bodyPr spcFirstLastPara="1" wrap="square" lIns="91425" tIns="91425" rIns="91425" bIns="91425" anchor="t" anchorCtr="0">
+            <a:noAutofit/>
+          </a:bodyPr>
+          <a:lstStyle/>
+          <a:p>
+            <a:pPr marL="0" lvl="0" indent="0" algn="l" rtl="0">
+              <a:spcBef>
+                <a:spcPts val="0"/>
+              </a:spcBef>
+              <a:spcAft>
+                <a:spcPts val="0"/>
+              </a:spcAft>
+              <a:buNone/>
+            </a:pPr>
+            <a:endParaRPr/>
+          </a:p>
+        </p:txBody>
+      </p:sp>
+    </p:spTree>
+  </p:cSld>
+  <p:clrMapOvr>
+    <a:masterClrMapping/>
+  </p:clrMapOvr>
+</p:notes>
+</file>
+
+<file path=ppt/notesSlides/notesSlide9.xml><?xml version="1.0" encoding="utf-8"?>
+<p:notes xmlns:a="http://schemas.openxmlformats.org/drawingml/2006/main" xmlns:r="http://schemas.openxmlformats.org/officeDocument/2006/relationships" xmlns:p="http://schemas.openxmlformats.org/presentationml/2006/main" showMasterSp="0" showMasterPhAnim="0">
+  <p:cSld>
+    <p:spTree>
+      <p:nvGrpSpPr>
+        <p:cNvPr id="1" name="Shape 113"/>
         <p:cNvGrpSpPr/>
         <p:nvPr/>
       </p:nvGrpSpPr>
@@ -816,20 +1670,26 @@
       <p:sp>
         <p:nvSpPr>
           <p:cNvPr id="114" name="Google Shape;114;gd9e7ea8b69_2_0:notes"/>
-          <p:cNvSpPr/>
+          <p:cNvSpPr>
+            <a:spLocks noGrp="1" noRot="1" noChangeAspect="1"/>
+          </p:cNvSpPr>
           <p:nvPr>
-            <p:ph idx="2" type="sldImg"/>
+            <p:ph type="sldImg" idx="2"/>
           </p:nvPr>
         </p:nvSpPr>
         <p:spPr>
           <a:xfrm>
-            <a:off x="381300" y="685800"/>
+            <a:off x="381000" y="685800"/>
             <a:ext cx="6096000" cy="3429000"/>
           </a:xfrm>
           <a:custGeom>
-            <a:rect b="b" l="l" r="r" t="t"/>
+            <a:avLst/>
+            <a:gdLst/>
+            <a:ahLst/>
+            <a:cxnLst/>
+            <a:rect l="l" t="t" r="r" b="b"/>
             <a:pathLst>
-              <a:path extrusionOk="0" h="120000" w="120000">
+              <a:path w="120000" h="120000" extrusionOk="0">
                 <a:moveTo>
                   <a:pt x="0" y="0"/>
                 </a:moveTo>
@@ -851,9 +1711,11 @@
       <p:sp>
         <p:nvSpPr>
           <p:cNvPr id="115" name="Google Shape;115;gd9e7ea8b69_2_0:notes"/>
-          <p:cNvSpPr txBox="1"/>
+          <p:cNvSpPr txBox="1">
+            <a:spLocks noGrp="1"/>
+          </p:cNvSpPr>
           <p:nvPr>
-            <p:ph idx="1" type="body"/>
+            <p:ph type="body" idx="1"/>
           </p:nvPr>
         </p:nvSpPr>
         <p:spPr>
@@ -866,12 +1728,12 @@
           </a:prstGeom>
         </p:spPr>
         <p:txBody>
-          <a:bodyPr anchorCtr="0" anchor="t" bIns="91425" lIns="91425" spcFirstLastPara="1" rIns="91425" wrap="square" tIns="91425">
+          <a:bodyPr spcFirstLastPara="1" wrap="square" lIns="91425" tIns="91425" rIns="91425" bIns="91425" anchor="t" anchorCtr="0">
             <a:noAutofit/>
           </a:bodyPr>
           <a:lstStyle/>
           <a:p>
-            <a:pPr indent="0" lvl="0" marL="0" rtl="0" algn="l">
+            <a:pPr marL="0" lvl="0" indent="0" algn="l" rtl="0">
               <a:spcBef>
                 <a:spcPts val="0"/>
               </a:spcBef>
@@ -880,999 +1742,6 @@
               </a:spcAft>
               <a:buNone/>
             </a:pPr>
-            <a:r>
-              <a:t/>
-            </a:r>
-            <a:endParaRPr/>
-          </a:p>
-        </p:txBody>
-      </p:sp>
-    </p:spTree>
-  </p:cSld>
-  <p:clrMapOvr>
-    <a:masterClrMapping/>
-  </p:clrMapOvr>
-</p:notes>
-</file>
-
-<file path=ppt/notesSlides/notesSlide11.xml><?xml version="1.0" encoding="utf-8"?>
-<p:notes xmlns:a="http://schemas.openxmlformats.org/drawingml/2006/main" xmlns:r="http://schemas.openxmlformats.org/officeDocument/2006/relationships" xmlns:mc="http://schemas.openxmlformats.org/markup-compatibility/2006" xmlns:mv="urn:schemas-microsoft-com:mac:vml" xmlns:p="http://schemas.openxmlformats.org/presentationml/2006/main" xmlns:c="http://schemas.openxmlformats.org/drawingml/2006/chart" xmlns:dgm="http://schemas.openxmlformats.org/drawingml/2006/diagram" xmlns:o="urn:schemas-microsoft-com:office:office" xmlns:v="urn:schemas-microsoft-com:vml" xmlns:pvml="urn:schemas-microsoft-com:office:powerpoint" xmlns:com="http://schemas.openxmlformats.org/drawingml/2006/compatibility" xmlns:p14="http://schemas.microsoft.com/office/powerpoint/2010/main" xmlns:p15="http://schemas.microsoft.com/office/powerpoint/2012/main" xmlns:ahyp="http://schemas.microsoft.com/office/drawing/2018/hyperlinkcolor" showMasterPhAnim="0" showMasterSp="0">
-  <p:cSld>
-    <p:spTree>
-      <p:nvGrpSpPr>
-        <p:cNvPr id="119" name="Shape 119"/>
-        <p:cNvGrpSpPr/>
-        <p:nvPr/>
-      </p:nvGrpSpPr>
-      <p:grpSpPr>
-        <a:xfrm>
-          <a:off x="0" y="0"/>
-          <a:ext cx="0" cy="0"/>
-          <a:chOff x="0" y="0"/>
-          <a:chExt cx="0" cy="0"/>
-        </a:xfrm>
-      </p:grpSpPr>
-      <p:sp>
-        <p:nvSpPr>
-          <p:cNvPr id="120" name="Google Shape;120;gd9e7ea8b69_1_37:notes"/>
-          <p:cNvSpPr/>
-          <p:nvPr>
-            <p:ph idx="2" type="sldImg"/>
-          </p:nvPr>
-        </p:nvSpPr>
-        <p:spPr>
-          <a:xfrm>
-            <a:off x="381300" y="685800"/>
-            <a:ext cx="6096000" cy="3429000"/>
-          </a:xfrm>
-          <a:custGeom>
-            <a:rect b="b" l="l" r="r" t="t"/>
-            <a:pathLst>
-              <a:path extrusionOk="0" h="120000" w="120000">
-                <a:moveTo>
-                  <a:pt x="0" y="0"/>
-                </a:moveTo>
-                <a:lnTo>
-                  <a:pt x="120000" y="0"/>
-                </a:lnTo>
-                <a:lnTo>
-                  <a:pt x="120000" y="120000"/>
-                </a:lnTo>
-                <a:lnTo>
-                  <a:pt x="0" y="120000"/>
-                </a:lnTo>
-                <a:close/>
-              </a:path>
-            </a:pathLst>
-          </a:custGeom>
-        </p:spPr>
-      </p:sp>
-      <p:sp>
-        <p:nvSpPr>
-          <p:cNvPr id="121" name="Google Shape;121;gd9e7ea8b69_1_37:notes"/>
-          <p:cNvSpPr txBox="1"/>
-          <p:nvPr>
-            <p:ph idx="1" type="body"/>
-          </p:nvPr>
-        </p:nvSpPr>
-        <p:spPr>
-          <a:xfrm>
-            <a:off x="685800" y="4343400"/>
-            <a:ext cx="5486400" cy="4114800"/>
-          </a:xfrm>
-          <a:prstGeom prst="rect">
-            <a:avLst/>
-          </a:prstGeom>
-        </p:spPr>
-        <p:txBody>
-          <a:bodyPr anchorCtr="0" anchor="t" bIns="91425" lIns="91425" spcFirstLastPara="1" rIns="91425" wrap="square" tIns="91425">
-            <a:noAutofit/>
-          </a:bodyPr>
-          <a:lstStyle/>
-          <a:p>
-            <a:pPr indent="0" lvl="0" marL="0" rtl="0" algn="l">
-              <a:spcBef>
-                <a:spcPts val="0"/>
-              </a:spcBef>
-              <a:spcAft>
-                <a:spcPts val="0"/>
-              </a:spcAft>
-              <a:buNone/>
-            </a:pPr>
-            <a:r>
-              <a:t/>
-            </a:r>
-            <a:endParaRPr/>
-          </a:p>
-        </p:txBody>
-      </p:sp>
-    </p:spTree>
-  </p:cSld>
-  <p:clrMapOvr>
-    <a:masterClrMapping/>
-  </p:clrMapOvr>
-</p:notes>
-</file>
-
-<file path=ppt/notesSlides/notesSlide12.xml><?xml version="1.0" encoding="utf-8"?>
-<p:notes xmlns:a="http://schemas.openxmlformats.org/drawingml/2006/main" xmlns:r="http://schemas.openxmlformats.org/officeDocument/2006/relationships" xmlns:mc="http://schemas.openxmlformats.org/markup-compatibility/2006" xmlns:mv="urn:schemas-microsoft-com:mac:vml" xmlns:p="http://schemas.openxmlformats.org/presentationml/2006/main" xmlns:c="http://schemas.openxmlformats.org/drawingml/2006/chart" xmlns:dgm="http://schemas.openxmlformats.org/drawingml/2006/diagram" xmlns:o="urn:schemas-microsoft-com:office:office" xmlns:v="urn:schemas-microsoft-com:vml" xmlns:pvml="urn:schemas-microsoft-com:office:powerpoint" xmlns:com="http://schemas.openxmlformats.org/drawingml/2006/compatibility" xmlns:p14="http://schemas.microsoft.com/office/powerpoint/2010/main" xmlns:p15="http://schemas.microsoft.com/office/powerpoint/2012/main" xmlns:ahyp="http://schemas.microsoft.com/office/drawing/2018/hyperlinkcolor" showMasterPhAnim="0" showMasterSp="0">
-  <p:cSld>
-    <p:spTree>
-      <p:nvGrpSpPr>
-        <p:cNvPr id="125" name="Shape 125"/>
-        <p:cNvGrpSpPr/>
-        <p:nvPr/>
-      </p:nvGrpSpPr>
-      <p:grpSpPr>
-        <a:xfrm>
-          <a:off x="0" y="0"/>
-          <a:ext cx="0" cy="0"/>
-          <a:chOff x="0" y="0"/>
-          <a:chExt cx="0" cy="0"/>
-        </a:xfrm>
-      </p:grpSpPr>
-      <p:sp>
-        <p:nvSpPr>
-          <p:cNvPr id="126" name="Google Shape;126;gd9e7ea8b69_1_43:notes"/>
-          <p:cNvSpPr/>
-          <p:nvPr>
-            <p:ph idx="2" type="sldImg"/>
-          </p:nvPr>
-        </p:nvSpPr>
-        <p:spPr>
-          <a:xfrm>
-            <a:off x="381300" y="685800"/>
-            <a:ext cx="6096000" cy="3429000"/>
-          </a:xfrm>
-          <a:custGeom>
-            <a:rect b="b" l="l" r="r" t="t"/>
-            <a:pathLst>
-              <a:path extrusionOk="0" h="120000" w="120000">
-                <a:moveTo>
-                  <a:pt x="0" y="0"/>
-                </a:moveTo>
-                <a:lnTo>
-                  <a:pt x="120000" y="0"/>
-                </a:lnTo>
-                <a:lnTo>
-                  <a:pt x="120000" y="120000"/>
-                </a:lnTo>
-                <a:lnTo>
-                  <a:pt x="0" y="120000"/>
-                </a:lnTo>
-                <a:close/>
-              </a:path>
-            </a:pathLst>
-          </a:custGeom>
-        </p:spPr>
-      </p:sp>
-      <p:sp>
-        <p:nvSpPr>
-          <p:cNvPr id="127" name="Google Shape;127;gd9e7ea8b69_1_43:notes"/>
-          <p:cNvSpPr txBox="1"/>
-          <p:nvPr>
-            <p:ph idx="1" type="body"/>
-          </p:nvPr>
-        </p:nvSpPr>
-        <p:spPr>
-          <a:xfrm>
-            <a:off x="685800" y="4343400"/>
-            <a:ext cx="5486400" cy="4114800"/>
-          </a:xfrm>
-          <a:prstGeom prst="rect">
-            <a:avLst/>
-          </a:prstGeom>
-        </p:spPr>
-        <p:txBody>
-          <a:bodyPr anchorCtr="0" anchor="t" bIns="91425" lIns="91425" spcFirstLastPara="1" rIns="91425" wrap="square" tIns="91425">
-            <a:noAutofit/>
-          </a:bodyPr>
-          <a:lstStyle/>
-          <a:p>
-            <a:pPr indent="0" lvl="0" marL="0" rtl="0" algn="l">
-              <a:spcBef>
-                <a:spcPts val="0"/>
-              </a:spcBef>
-              <a:spcAft>
-                <a:spcPts val="0"/>
-              </a:spcAft>
-              <a:buNone/>
-            </a:pPr>
-            <a:r>
-              <a:t/>
-            </a:r>
-            <a:endParaRPr/>
-          </a:p>
-        </p:txBody>
-      </p:sp>
-    </p:spTree>
-  </p:cSld>
-  <p:clrMapOvr>
-    <a:masterClrMapping/>
-  </p:clrMapOvr>
-</p:notes>
-</file>
-
-<file path=ppt/notesSlides/notesSlide2.xml><?xml version="1.0" encoding="utf-8"?>
-<p:notes xmlns:a="http://schemas.openxmlformats.org/drawingml/2006/main" xmlns:r="http://schemas.openxmlformats.org/officeDocument/2006/relationships" xmlns:mc="http://schemas.openxmlformats.org/markup-compatibility/2006" xmlns:mv="urn:schemas-microsoft-com:mac:vml" xmlns:p="http://schemas.openxmlformats.org/presentationml/2006/main" xmlns:c="http://schemas.openxmlformats.org/drawingml/2006/chart" xmlns:dgm="http://schemas.openxmlformats.org/drawingml/2006/diagram" xmlns:o="urn:schemas-microsoft-com:office:office" xmlns:v="urn:schemas-microsoft-com:vml" xmlns:pvml="urn:schemas-microsoft-com:office:powerpoint" xmlns:com="http://schemas.openxmlformats.org/drawingml/2006/compatibility" xmlns:p14="http://schemas.microsoft.com/office/powerpoint/2010/main" xmlns:p15="http://schemas.microsoft.com/office/powerpoint/2012/main" xmlns:ahyp="http://schemas.microsoft.com/office/drawing/2018/hyperlinkcolor" showMasterPhAnim="0" showMasterSp="0">
-  <p:cSld>
-    <p:spTree>
-      <p:nvGrpSpPr>
-        <p:cNvPr id="56" name="Shape 56"/>
-        <p:cNvGrpSpPr/>
-        <p:nvPr/>
-      </p:nvGrpSpPr>
-      <p:grpSpPr>
-        <a:xfrm>
-          <a:off x="0" y="0"/>
-          <a:ext cx="0" cy="0"/>
-          <a:chOff x="0" y="0"/>
-          <a:chExt cx="0" cy="0"/>
-        </a:xfrm>
-      </p:grpSpPr>
-      <p:sp>
-        <p:nvSpPr>
-          <p:cNvPr id="57" name="Google Shape;57;gd4e2b6b590_0_12:notes"/>
-          <p:cNvSpPr/>
-          <p:nvPr>
-            <p:ph idx="2" type="sldImg"/>
-          </p:nvPr>
-        </p:nvSpPr>
-        <p:spPr>
-          <a:xfrm>
-            <a:off x="381300" y="685800"/>
-            <a:ext cx="6096000" cy="3429000"/>
-          </a:xfrm>
-          <a:custGeom>
-            <a:rect b="b" l="l" r="r" t="t"/>
-            <a:pathLst>
-              <a:path extrusionOk="0" h="120000" w="120000">
-                <a:moveTo>
-                  <a:pt x="0" y="0"/>
-                </a:moveTo>
-                <a:lnTo>
-                  <a:pt x="120000" y="0"/>
-                </a:lnTo>
-                <a:lnTo>
-                  <a:pt x="120000" y="120000"/>
-                </a:lnTo>
-                <a:lnTo>
-                  <a:pt x="0" y="120000"/>
-                </a:lnTo>
-                <a:close/>
-              </a:path>
-            </a:pathLst>
-          </a:custGeom>
-        </p:spPr>
-      </p:sp>
-      <p:sp>
-        <p:nvSpPr>
-          <p:cNvPr id="58" name="Google Shape;58;gd4e2b6b590_0_12:notes"/>
-          <p:cNvSpPr txBox="1"/>
-          <p:nvPr>
-            <p:ph idx="1" type="body"/>
-          </p:nvPr>
-        </p:nvSpPr>
-        <p:spPr>
-          <a:xfrm>
-            <a:off x="685800" y="4343400"/>
-            <a:ext cx="5486400" cy="4114800"/>
-          </a:xfrm>
-          <a:prstGeom prst="rect">
-            <a:avLst/>
-          </a:prstGeom>
-        </p:spPr>
-        <p:txBody>
-          <a:bodyPr anchorCtr="0" anchor="t" bIns="91425" lIns="91425" spcFirstLastPara="1" rIns="91425" wrap="square" tIns="91425">
-            <a:noAutofit/>
-          </a:bodyPr>
-          <a:lstStyle/>
-          <a:p>
-            <a:pPr indent="0" lvl="0" marL="0" rtl="0" algn="l">
-              <a:spcBef>
-                <a:spcPts val="0"/>
-              </a:spcBef>
-              <a:spcAft>
-                <a:spcPts val="0"/>
-              </a:spcAft>
-              <a:buNone/>
-            </a:pPr>
-            <a:r>
-              <a:t/>
-            </a:r>
-            <a:endParaRPr/>
-          </a:p>
-        </p:txBody>
-      </p:sp>
-    </p:spTree>
-  </p:cSld>
-  <p:clrMapOvr>
-    <a:masterClrMapping/>
-  </p:clrMapOvr>
-</p:notes>
-</file>
-
-<file path=ppt/notesSlides/notesSlide3.xml><?xml version="1.0" encoding="utf-8"?>
-<p:notes xmlns:a="http://schemas.openxmlformats.org/drawingml/2006/main" xmlns:r="http://schemas.openxmlformats.org/officeDocument/2006/relationships" xmlns:mc="http://schemas.openxmlformats.org/markup-compatibility/2006" xmlns:mv="urn:schemas-microsoft-com:mac:vml" xmlns:p="http://schemas.openxmlformats.org/presentationml/2006/main" xmlns:c="http://schemas.openxmlformats.org/drawingml/2006/chart" xmlns:dgm="http://schemas.openxmlformats.org/drawingml/2006/diagram" xmlns:o="urn:schemas-microsoft-com:office:office" xmlns:v="urn:schemas-microsoft-com:vml" xmlns:pvml="urn:schemas-microsoft-com:office:powerpoint" xmlns:com="http://schemas.openxmlformats.org/drawingml/2006/compatibility" xmlns:p14="http://schemas.microsoft.com/office/powerpoint/2010/main" xmlns:p15="http://schemas.microsoft.com/office/powerpoint/2012/main" xmlns:ahyp="http://schemas.microsoft.com/office/drawing/2018/hyperlinkcolor" showMasterPhAnim="0" showMasterSp="0">
-  <p:cSld>
-    <p:spTree>
-      <p:nvGrpSpPr>
-        <p:cNvPr id="65" name="Shape 65"/>
-        <p:cNvGrpSpPr/>
-        <p:nvPr/>
-      </p:nvGrpSpPr>
-      <p:grpSpPr>
-        <a:xfrm>
-          <a:off x="0" y="0"/>
-          <a:ext cx="0" cy="0"/>
-          <a:chOff x="0" y="0"/>
-          <a:chExt cx="0" cy="0"/>
-        </a:xfrm>
-      </p:grpSpPr>
-      <p:sp>
-        <p:nvSpPr>
-          <p:cNvPr id="66" name="Google Shape;66;gd9e7ea8b69_1_18:notes"/>
-          <p:cNvSpPr/>
-          <p:nvPr>
-            <p:ph idx="2" type="sldImg"/>
-          </p:nvPr>
-        </p:nvSpPr>
-        <p:spPr>
-          <a:xfrm>
-            <a:off x="381300" y="685800"/>
-            <a:ext cx="6096000" cy="3429000"/>
-          </a:xfrm>
-          <a:custGeom>
-            <a:rect b="b" l="l" r="r" t="t"/>
-            <a:pathLst>
-              <a:path extrusionOk="0" h="120000" w="120000">
-                <a:moveTo>
-                  <a:pt x="0" y="0"/>
-                </a:moveTo>
-                <a:lnTo>
-                  <a:pt x="120000" y="0"/>
-                </a:lnTo>
-                <a:lnTo>
-                  <a:pt x="120000" y="120000"/>
-                </a:lnTo>
-                <a:lnTo>
-                  <a:pt x="0" y="120000"/>
-                </a:lnTo>
-                <a:close/>
-              </a:path>
-            </a:pathLst>
-          </a:custGeom>
-        </p:spPr>
-      </p:sp>
-      <p:sp>
-        <p:nvSpPr>
-          <p:cNvPr id="67" name="Google Shape;67;gd9e7ea8b69_1_18:notes"/>
-          <p:cNvSpPr txBox="1"/>
-          <p:nvPr>
-            <p:ph idx="1" type="body"/>
-          </p:nvPr>
-        </p:nvSpPr>
-        <p:spPr>
-          <a:xfrm>
-            <a:off x="685800" y="4343400"/>
-            <a:ext cx="5486400" cy="4114800"/>
-          </a:xfrm>
-          <a:prstGeom prst="rect">
-            <a:avLst/>
-          </a:prstGeom>
-        </p:spPr>
-        <p:txBody>
-          <a:bodyPr anchorCtr="0" anchor="t" bIns="91425" lIns="91425" spcFirstLastPara="1" rIns="91425" wrap="square" tIns="91425">
-            <a:noAutofit/>
-          </a:bodyPr>
-          <a:lstStyle/>
-          <a:p>
-            <a:pPr indent="0" lvl="0" marL="0" rtl="0" algn="l">
-              <a:spcBef>
-                <a:spcPts val="0"/>
-              </a:spcBef>
-              <a:spcAft>
-                <a:spcPts val="0"/>
-              </a:spcAft>
-              <a:buNone/>
-            </a:pPr>
-            <a:r>
-              <a:t/>
-            </a:r>
-            <a:endParaRPr/>
-          </a:p>
-        </p:txBody>
-      </p:sp>
-    </p:spTree>
-  </p:cSld>
-  <p:clrMapOvr>
-    <a:masterClrMapping/>
-  </p:clrMapOvr>
-</p:notes>
-</file>
-
-<file path=ppt/notesSlides/notesSlide4.xml><?xml version="1.0" encoding="utf-8"?>
-<p:notes xmlns:a="http://schemas.openxmlformats.org/drawingml/2006/main" xmlns:r="http://schemas.openxmlformats.org/officeDocument/2006/relationships" xmlns:mc="http://schemas.openxmlformats.org/markup-compatibility/2006" xmlns:mv="urn:schemas-microsoft-com:mac:vml" xmlns:p="http://schemas.openxmlformats.org/presentationml/2006/main" xmlns:c="http://schemas.openxmlformats.org/drawingml/2006/chart" xmlns:dgm="http://schemas.openxmlformats.org/drawingml/2006/diagram" xmlns:o="urn:schemas-microsoft-com:office:office" xmlns:v="urn:schemas-microsoft-com:vml" xmlns:pvml="urn:schemas-microsoft-com:office:powerpoint" xmlns:com="http://schemas.openxmlformats.org/drawingml/2006/compatibility" xmlns:p14="http://schemas.microsoft.com/office/powerpoint/2010/main" xmlns:p15="http://schemas.microsoft.com/office/powerpoint/2012/main" xmlns:ahyp="http://schemas.microsoft.com/office/drawing/2018/hyperlinkcolor" showMasterPhAnim="0" showMasterSp="0">
-  <p:cSld>
-    <p:spTree>
-      <p:nvGrpSpPr>
-        <p:cNvPr id="72" name="Shape 72"/>
-        <p:cNvGrpSpPr/>
-        <p:nvPr/>
-      </p:nvGrpSpPr>
-      <p:grpSpPr>
-        <a:xfrm>
-          <a:off x="0" y="0"/>
-          <a:ext cx="0" cy="0"/>
-          <a:chOff x="0" y="0"/>
-          <a:chExt cx="0" cy="0"/>
-        </a:xfrm>
-      </p:grpSpPr>
-      <p:sp>
-        <p:nvSpPr>
-          <p:cNvPr id="73" name="Google Shape;73;gd9e7ea8b69_1_10:notes"/>
-          <p:cNvSpPr/>
-          <p:nvPr>
-            <p:ph idx="2" type="sldImg"/>
-          </p:nvPr>
-        </p:nvSpPr>
-        <p:spPr>
-          <a:xfrm>
-            <a:off x="381300" y="685800"/>
-            <a:ext cx="6096000" cy="3429000"/>
-          </a:xfrm>
-          <a:custGeom>
-            <a:rect b="b" l="l" r="r" t="t"/>
-            <a:pathLst>
-              <a:path extrusionOk="0" h="120000" w="120000">
-                <a:moveTo>
-                  <a:pt x="0" y="0"/>
-                </a:moveTo>
-                <a:lnTo>
-                  <a:pt x="120000" y="0"/>
-                </a:lnTo>
-                <a:lnTo>
-                  <a:pt x="120000" y="120000"/>
-                </a:lnTo>
-                <a:lnTo>
-                  <a:pt x="0" y="120000"/>
-                </a:lnTo>
-                <a:close/>
-              </a:path>
-            </a:pathLst>
-          </a:custGeom>
-        </p:spPr>
-      </p:sp>
-      <p:sp>
-        <p:nvSpPr>
-          <p:cNvPr id="74" name="Google Shape;74;gd9e7ea8b69_1_10:notes"/>
-          <p:cNvSpPr txBox="1"/>
-          <p:nvPr>
-            <p:ph idx="1" type="body"/>
-          </p:nvPr>
-        </p:nvSpPr>
-        <p:spPr>
-          <a:xfrm>
-            <a:off x="685800" y="4343400"/>
-            <a:ext cx="5486400" cy="4114800"/>
-          </a:xfrm>
-          <a:prstGeom prst="rect">
-            <a:avLst/>
-          </a:prstGeom>
-        </p:spPr>
-        <p:txBody>
-          <a:bodyPr anchorCtr="0" anchor="t" bIns="91425" lIns="91425" spcFirstLastPara="1" rIns="91425" wrap="square" tIns="91425">
-            <a:noAutofit/>
-          </a:bodyPr>
-          <a:lstStyle/>
-          <a:p>
-            <a:pPr indent="0" lvl="0" marL="0" rtl="0" algn="l">
-              <a:spcBef>
-                <a:spcPts val="0"/>
-              </a:spcBef>
-              <a:spcAft>
-                <a:spcPts val="0"/>
-              </a:spcAft>
-              <a:buNone/>
-            </a:pPr>
-            <a:r>
-              <a:t/>
-            </a:r>
-            <a:endParaRPr/>
-          </a:p>
-        </p:txBody>
-      </p:sp>
-    </p:spTree>
-  </p:cSld>
-  <p:clrMapOvr>
-    <a:masterClrMapping/>
-  </p:clrMapOvr>
-</p:notes>
-</file>
-
-<file path=ppt/notesSlides/notesSlide5.xml><?xml version="1.0" encoding="utf-8"?>
-<p:notes xmlns:a="http://schemas.openxmlformats.org/drawingml/2006/main" xmlns:r="http://schemas.openxmlformats.org/officeDocument/2006/relationships" xmlns:mc="http://schemas.openxmlformats.org/markup-compatibility/2006" xmlns:mv="urn:schemas-microsoft-com:mac:vml" xmlns:p="http://schemas.openxmlformats.org/presentationml/2006/main" xmlns:c="http://schemas.openxmlformats.org/drawingml/2006/chart" xmlns:dgm="http://schemas.openxmlformats.org/drawingml/2006/diagram" xmlns:o="urn:schemas-microsoft-com:office:office" xmlns:v="urn:schemas-microsoft-com:vml" xmlns:pvml="urn:schemas-microsoft-com:office:powerpoint" xmlns:com="http://schemas.openxmlformats.org/drawingml/2006/compatibility" xmlns:p14="http://schemas.microsoft.com/office/powerpoint/2010/main" xmlns:p15="http://schemas.microsoft.com/office/powerpoint/2012/main" xmlns:ahyp="http://schemas.microsoft.com/office/drawing/2018/hyperlinkcolor" showMasterPhAnim="0" showMasterSp="0">
-  <p:cSld>
-    <p:spTree>
-      <p:nvGrpSpPr>
-        <p:cNvPr id="81" name="Shape 81"/>
-        <p:cNvGrpSpPr/>
-        <p:nvPr/>
-      </p:nvGrpSpPr>
-      <p:grpSpPr>
-        <a:xfrm>
-          <a:off x="0" y="0"/>
-          <a:ext cx="0" cy="0"/>
-          <a:chOff x="0" y="0"/>
-          <a:chExt cx="0" cy="0"/>
-        </a:xfrm>
-      </p:grpSpPr>
-      <p:sp>
-        <p:nvSpPr>
-          <p:cNvPr id="82" name="Google Shape;82;gd9e7ea8b69_1_51:notes"/>
-          <p:cNvSpPr/>
-          <p:nvPr>
-            <p:ph idx="2" type="sldImg"/>
-          </p:nvPr>
-        </p:nvSpPr>
-        <p:spPr>
-          <a:xfrm>
-            <a:off x="381300" y="685800"/>
-            <a:ext cx="6096000" cy="3429000"/>
-          </a:xfrm>
-          <a:custGeom>
-            <a:rect b="b" l="l" r="r" t="t"/>
-            <a:pathLst>
-              <a:path extrusionOk="0" h="120000" w="120000">
-                <a:moveTo>
-                  <a:pt x="0" y="0"/>
-                </a:moveTo>
-                <a:lnTo>
-                  <a:pt x="120000" y="0"/>
-                </a:lnTo>
-                <a:lnTo>
-                  <a:pt x="120000" y="120000"/>
-                </a:lnTo>
-                <a:lnTo>
-                  <a:pt x="0" y="120000"/>
-                </a:lnTo>
-                <a:close/>
-              </a:path>
-            </a:pathLst>
-          </a:custGeom>
-        </p:spPr>
-      </p:sp>
-      <p:sp>
-        <p:nvSpPr>
-          <p:cNvPr id="83" name="Google Shape;83;gd9e7ea8b69_1_51:notes"/>
-          <p:cNvSpPr txBox="1"/>
-          <p:nvPr>
-            <p:ph idx="1" type="body"/>
-          </p:nvPr>
-        </p:nvSpPr>
-        <p:spPr>
-          <a:xfrm>
-            <a:off x="685800" y="4343400"/>
-            <a:ext cx="5486400" cy="4114800"/>
-          </a:xfrm>
-          <a:prstGeom prst="rect">
-            <a:avLst/>
-          </a:prstGeom>
-        </p:spPr>
-        <p:txBody>
-          <a:bodyPr anchorCtr="0" anchor="t" bIns="91425" lIns="91425" spcFirstLastPara="1" rIns="91425" wrap="square" tIns="91425">
-            <a:noAutofit/>
-          </a:bodyPr>
-          <a:lstStyle/>
-          <a:p>
-            <a:pPr indent="0" lvl="0" marL="0" rtl="0" algn="l">
-              <a:spcBef>
-                <a:spcPts val="0"/>
-              </a:spcBef>
-              <a:spcAft>
-                <a:spcPts val="0"/>
-              </a:spcAft>
-              <a:buNone/>
-            </a:pPr>
-            <a:r>
-              <a:t/>
-            </a:r>
-            <a:endParaRPr/>
-          </a:p>
-        </p:txBody>
-      </p:sp>
-    </p:spTree>
-  </p:cSld>
-  <p:clrMapOvr>
-    <a:masterClrMapping/>
-  </p:clrMapOvr>
-</p:notes>
-</file>
-
-<file path=ppt/notesSlides/notesSlide6.xml><?xml version="1.0" encoding="utf-8"?>
-<p:notes xmlns:a="http://schemas.openxmlformats.org/drawingml/2006/main" xmlns:r="http://schemas.openxmlformats.org/officeDocument/2006/relationships" xmlns:mc="http://schemas.openxmlformats.org/markup-compatibility/2006" xmlns:mv="urn:schemas-microsoft-com:mac:vml" xmlns:p="http://schemas.openxmlformats.org/presentationml/2006/main" xmlns:c="http://schemas.openxmlformats.org/drawingml/2006/chart" xmlns:dgm="http://schemas.openxmlformats.org/drawingml/2006/diagram" xmlns:o="urn:schemas-microsoft-com:office:office" xmlns:v="urn:schemas-microsoft-com:vml" xmlns:pvml="urn:schemas-microsoft-com:office:powerpoint" xmlns:com="http://schemas.openxmlformats.org/drawingml/2006/compatibility" xmlns:p14="http://schemas.microsoft.com/office/powerpoint/2010/main" xmlns:p15="http://schemas.microsoft.com/office/powerpoint/2012/main" xmlns:ahyp="http://schemas.microsoft.com/office/drawing/2018/hyperlinkcolor" showMasterPhAnim="0" showMasterSp="0">
-  <p:cSld>
-    <p:spTree>
-      <p:nvGrpSpPr>
-        <p:cNvPr id="87" name="Shape 87"/>
-        <p:cNvGrpSpPr/>
-        <p:nvPr/>
-      </p:nvGrpSpPr>
-      <p:grpSpPr>
-        <a:xfrm>
-          <a:off x="0" y="0"/>
-          <a:ext cx="0" cy="0"/>
-          <a:chOff x="0" y="0"/>
-          <a:chExt cx="0" cy="0"/>
-        </a:xfrm>
-      </p:grpSpPr>
-      <p:sp>
-        <p:nvSpPr>
-          <p:cNvPr id="88" name="Google Shape;88;gd4e2b6b590_0_18:notes"/>
-          <p:cNvSpPr/>
-          <p:nvPr>
-            <p:ph idx="2" type="sldImg"/>
-          </p:nvPr>
-        </p:nvSpPr>
-        <p:spPr>
-          <a:xfrm>
-            <a:off x="381300" y="685800"/>
-            <a:ext cx="6096000" cy="3429000"/>
-          </a:xfrm>
-          <a:custGeom>
-            <a:rect b="b" l="l" r="r" t="t"/>
-            <a:pathLst>
-              <a:path extrusionOk="0" h="120000" w="120000">
-                <a:moveTo>
-                  <a:pt x="0" y="0"/>
-                </a:moveTo>
-                <a:lnTo>
-                  <a:pt x="120000" y="0"/>
-                </a:lnTo>
-                <a:lnTo>
-                  <a:pt x="120000" y="120000"/>
-                </a:lnTo>
-                <a:lnTo>
-                  <a:pt x="0" y="120000"/>
-                </a:lnTo>
-                <a:close/>
-              </a:path>
-            </a:pathLst>
-          </a:custGeom>
-        </p:spPr>
-      </p:sp>
-      <p:sp>
-        <p:nvSpPr>
-          <p:cNvPr id="89" name="Google Shape;89;gd4e2b6b590_0_18:notes"/>
-          <p:cNvSpPr txBox="1"/>
-          <p:nvPr>
-            <p:ph idx="1" type="body"/>
-          </p:nvPr>
-        </p:nvSpPr>
-        <p:spPr>
-          <a:xfrm>
-            <a:off x="685800" y="4343400"/>
-            <a:ext cx="5486400" cy="4114800"/>
-          </a:xfrm>
-          <a:prstGeom prst="rect">
-            <a:avLst/>
-          </a:prstGeom>
-        </p:spPr>
-        <p:txBody>
-          <a:bodyPr anchorCtr="0" anchor="t" bIns="91425" lIns="91425" spcFirstLastPara="1" rIns="91425" wrap="square" tIns="91425">
-            <a:noAutofit/>
-          </a:bodyPr>
-          <a:lstStyle/>
-          <a:p>
-            <a:pPr indent="0" lvl="0" marL="0" rtl="0" algn="l">
-              <a:spcBef>
-                <a:spcPts val="0"/>
-              </a:spcBef>
-              <a:spcAft>
-                <a:spcPts val="0"/>
-              </a:spcAft>
-              <a:buNone/>
-            </a:pPr>
-            <a:r>
-              <a:t/>
-            </a:r>
-            <a:endParaRPr/>
-          </a:p>
-        </p:txBody>
-      </p:sp>
-    </p:spTree>
-  </p:cSld>
-  <p:clrMapOvr>
-    <a:masterClrMapping/>
-  </p:clrMapOvr>
-</p:notes>
-</file>
-
-<file path=ppt/notesSlides/notesSlide7.xml><?xml version="1.0" encoding="utf-8"?>
-<p:notes xmlns:a="http://schemas.openxmlformats.org/drawingml/2006/main" xmlns:r="http://schemas.openxmlformats.org/officeDocument/2006/relationships" xmlns:mc="http://schemas.openxmlformats.org/markup-compatibility/2006" xmlns:mv="urn:schemas-microsoft-com:mac:vml" xmlns:p="http://schemas.openxmlformats.org/presentationml/2006/main" xmlns:c="http://schemas.openxmlformats.org/drawingml/2006/chart" xmlns:dgm="http://schemas.openxmlformats.org/drawingml/2006/diagram" xmlns:o="urn:schemas-microsoft-com:office:office" xmlns:v="urn:schemas-microsoft-com:vml" xmlns:pvml="urn:schemas-microsoft-com:office:powerpoint" xmlns:com="http://schemas.openxmlformats.org/drawingml/2006/compatibility" xmlns:p14="http://schemas.microsoft.com/office/powerpoint/2010/main" xmlns:p15="http://schemas.microsoft.com/office/powerpoint/2012/main" xmlns:ahyp="http://schemas.microsoft.com/office/drawing/2018/hyperlinkcolor" showMasterPhAnim="0" showMasterSp="0">
-  <p:cSld>
-    <p:spTree>
-      <p:nvGrpSpPr>
-        <p:cNvPr id="93" name="Shape 93"/>
-        <p:cNvGrpSpPr/>
-        <p:nvPr/>
-      </p:nvGrpSpPr>
-      <p:grpSpPr>
-        <a:xfrm>
-          <a:off x="0" y="0"/>
-          <a:ext cx="0" cy="0"/>
-          <a:chOff x="0" y="0"/>
-          <a:chExt cx="0" cy="0"/>
-        </a:xfrm>
-      </p:grpSpPr>
-      <p:sp>
-        <p:nvSpPr>
-          <p:cNvPr id="94" name="Google Shape;94;gd4e2b6b590_0_34:notes"/>
-          <p:cNvSpPr/>
-          <p:nvPr>
-            <p:ph idx="2" type="sldImg"/>
-          </p:nvPr>
-        </p:nvSpPr>
-        <p:spPr>
-          <a:xfrm>
-            <a:off x="381300" y="685800"/>
-            <a:ext cx="6096000" cy="3429000"/>
-          </a:xfrm>
-          <a:custGeom>
-            <a:rect b="b" l="l" r="r" t="t"/>
-            <a:pathLst>
-              <a:path extrusionOk="0" h="120000" w="120000">
-                <a:moveTo>
-                  <a:pt x="0" y="0"/>
-                </a:moveTo>
-                <a:lnTo>
-                  <a:pt x="120000" y="0"/>
-                </a:lnTo>
-                <a:lnTo>
-                  <a:pt x="120000" y="120000"/>
-                </a:lnTo>
-                <a:lnTo>
-                  <a:pt x="0" y="120000"/>
-                </a:lnTo>
-                <a:close/>
-              </a:path>
-            </a:pathLst>
-          </a:custGeom>
-        </p:spPr>
-      </p:sp>
-      <p:sp>
-        <p:nvSpPr>
-          <p:cNvPr id="95" name="Google Shape;95;gd4e2b6b590_0_34:notes"/>
-          <p:cNvSpPr txBox="1"/>
-          <p:nvPr>
-            <p:ph idx="1" type="body"/>
-          </p:nvPr>
-        </p:nvSpPr>
-        <p:spPr>
-          <a:xfrm>
-            <a:off x="685800" y="4343400"/>
-            <a:ext cx="5486400" cy="4114800"/>
-          </a:xfrm>
-          <a:prstGeom prst="rect">
-            <a:avLst/>
-          </a:prstGeom>
-        </p:spPr>
-        <p:txBody>
-          <a:bodyPr anchorCtr="0" anchor="t" bIns="91425" lIns="91425" spcFirstLastPara="1" rIns="91425" wrap="square" tIns="91425">
-            <a:noAutofit/>
-          </a:bodyPr>
-          <a:lstStyle/>
-          <a:p>
-            <a:pPr indent="0" lvl="0" marL="0" rtl="0" algn="l">
-              <a:spcBef>
-                <a:spcPts val="0"/>
-              </a:spcBef>
-              <a:spcAft>
-                <a:spcPts val="0"/>
-              </a:spcAft>
-              <a:buNone/>
-            </a:pPr>
-            <a:r>
-              <a:t/>
-            </a:r>
-            <a:endParaRPr/>
-          </a:p>
-        </p:txBody>
-      </p:sp>
-    </p:spTree>
-  </p:cSld>
-  <p:clrMapOvr>
-    <a:masterClrMapping/>
-  </p:clrMapOvr>
-</p:notes>
-</file>
-
-<file path=ppt/notesSlides/notesSlide8.xml><?xml version="1.0" encoding="utf-8"?>
-<p:notes xmlns:a="http://schemas.openxmlformats.org/drawingml/2006/main" xmlns:r="http://schemas.openxmlformats.org/officeDocument/2006/relationships" xmlns:mc="http://schemas.openxmlformats.org/markup-compatibility/2006" xmlns:mv="urn:schemas-microsoft-com:mac:vml" xmlns:p="http://schemas.openxmlformats.org/presentationml/2006/main" xmlns:c="http://schemas.openxmlformats.org/drawingml/2006/chart" xmlns:dgm="http://schemas.openxmlformats.org/drawingml/2006/diagram" xmlns:o="urn:schemas-microsoft-com:office:office" xmlns:v="urn:schemas-microsoft-com:vml" xmlns:pvml="urn:schemas-microsoft-com:office:powerpoint" xmlns:com="http://schemas.openxmlformats.org/drawingml/2006/compatibility" xmlns:p14="http://schemas.microsoft.com/office/powerpoint/2010/main" xmlns:p15="http://schemas.microsoft.com/office/powerpoint/2012/main" xmlns:ahyp="http://schemas.microsoft.com/office/drawing/2018/hyperlinkcolor" showMasterPhAnim="0" showMasterSp="0">
-  <p:cSld>
-    <p:spTree>
-      <p:nvGrpSpPr>
-        <p:cNvPr id="100" name="Shape 100"/>
-        <p:cNvGrpSpPr/>
-        <p:nvPr/>
-      </p:nvGrpSpPr>
-      <p:grpSpPr>
-        <a:xfrm>
-          <a:off x="0" y="0"/>
-          <a:ext cx="0" cy="0"/>
-          <a:chOff x="0" y="0"/>
-          <a:chExt cx="0" cy="0"/>
-        </a:xfrm>
-      </p:grpSpPr>
-      <p:sp>
-        <p:nvSpPr>
-          <p:cNvPr id="101" name="Google Shape;101;gd4e2b6b590_0_23:notes"/>
-          <p:cNvSpPr/>
-          <p:nvPr>
-            <p:ph idx="2" type="sldImg"/>
-          </p:nvPr>
-        </p:nvSpPr>
-        <p:spPr>
-          <a:xfrm>
-            <a:off x="381300" y="685800"/>
-            <a:ext cx="6096000" cy="3429000"/>
-          </a:xfrm>
-          <a:custGeom>
-            <a:rect b="b" l="l" r="r" t="t"/>
-            <a:pathLst>
-              <a:path extrusionOk="0" h="120000" w="120000">
-                <a:moveTo>
-                  <a:pt x="0" y="0"/>
-                </a:moveTo>
-                <a:lnTo>
-                  <a:pt x="120000" y="0"/>
-                </a:lnTo>
-                <a:lnTo>
-                  <a:pt x="120000" y="120000"/>
-                </a:lnTo>
-                <a:lnTo>
-                  <a:pt x="0" y="120000"/>
-                </a:lnTo>
-                <a:close/>
-              </a:path>
-            </a:pathLst>
-          </a:custGeom>
-        </p:spPr>
-      </p:sp>
-      <p:sp>
-        <p:nvSpPr>
-          <p:cNvPr id="102" name="Google Shape;102;gd4e2b6b590_0_23:notes"/>
-          <p:cNvSpPr txBox="1"/>
-          <p:nvPr>
-            <p:ph idx="1" type="body"/>
-          </p:nvPr>
-        </p:nvSpPr>
-        <p:spPr>
-          <a:xfrm>
-            <a:off x="685800" y="4343400"/>
-            <a:ext cx="5486400" cy="4114800"/>
-          </a:xfrm>
-          <a:prstGeom prst="rect">
-            <a:avLst/>
-          </a:prstGeom>
-        </p:spPr>
-        <p:txBody>
-          <a:bodyPr anchorCtr="0" anchor="t" bIns="91425" lIns="91425" spcFirstLastPara="1" rIns="91425" wrap="square" tIns="91425">
-            <a:noAutofit/>
-          </a:bodyPr>
-          <a:lstStyle/>
-          <a:p>
-            <a:pPr indent="0" lvl="0" marL="0" rtl="0" algn="l">
-              <a:spcBef>
-                <a:spcPts val="0"/>
-              </a:spcBef>
-              <a:spcAft>
-                <a:spcPts val="0"/>
-              </a:spcAft>
-              <a:buNone/>
-            </a:pPr>
-            <a:r>
-              <a:t/>
-            </a:r>
-            <a:endParaRPr/>
-          </a:p>
-        </p:txBody>
-      </p:sp>
-    </p:spTree>
-  </p:cSld>
-  <p:clrMapOvr>
-    <a:masterClrMapping/>
-  </p:clrMapOvr>
-</p:notes>
-</file>
-
-<file path=ppt/notesSlides/notesSlide9.xml><?xml version="1.0" encoding="utf-8"?>
-<p:notes xmlns:a="http://schemas.openxmlformats.org/drawingml/2006/main" xmlns:r="http://schemas.openxmlformats.org/officeDocument/2006/relationships" xmlns:mc="http://schemas.openxmlformats.org/markup-compatibility/2006" xmlns:mv="urn:schemas-microsoft-com:mac:vml" xmlns:p="http://schemas.openxmlformats.org/presentationml/2006/main" xmlns:c="http://schemas.openxmlformats.org/drawingml/2006/chart" xmlns:dgm="http://schemas.openxmlformats.org/drawingml/2006/diagram" xmlns:o="urn:schemas-microsoft-com:office:office" xmlns:v="urn:schemas-microsoft-com:vml" xmlns:pvml="urn:schemas-microsoft-com:office:powerpoint" xmlns:com="http://schemas.openxmlformats.org/drawingml/2006/compatibility" xmlns:p14="http://schemas.microsoft.com/office/powerpoint/2010/main" xmlns:p15="http://schemas.microsoft.com/office/powerpoint/2012/main" xmlns:ahyp="http://schemas.microsoft.com/office/drawing/2018/hyperlinkcolor" showMasterPhAnim="0" showMasterSp="0">
-  <p:cSld>
-    <p:spTree>
-      <p:nvGrpSpPr>
-        <p:cNvPr id="106" name="Shape 106"/>
-        <p:cNvGrpSpPr/>
-        <p:nvPr/>
-      </p:nvGrpSpPr>
-      <p:grpSpPr>
-        <a:xfrm>
-          <a:off x="0" y="0"/>
-          <a:ext cx="0" cy="0"/>
-          <a:chOff x="0" y="0"/>
-          <a:chExt cx="0" cy="0"/>
-        </a:xfrm>
-      </p:grpSpPr>
-      <p:sp>
-        <p:nvSpPr>
-          <p:cNvPr id="107" name="Google Shape;107;gd9e7ea8b69_1_32:notes"/>
-          <p:cNvSpPr/>
-          <p:nvPr>
-            <p:ph idx="2" type="sldImg"/>
-          </p:nvPr>
-        </p:nvSpPr>
-        <p:spPr>
-          <a:xfrm>
-            <a:off x="381300" y="685800"/>
-            <a:ext cx="6096000" cy="3429000"/>
-          </a:xfrm>
-          <a:custGeom>
-            <a:rect b="b" l="l" r="r" t="t"/>
-            <a:pathLst>
-              <a:path extrusionOk="0" h="120000" w="120000">
-                <a:moveTo>
-                  <a:pt x="0" y="0"/>
-                </a:moveTo>
-                <a:lnTo>
-                  <a:pt x="120000" y="0"/>
-                </a:lnTo>
-                <a:lnTo>
-                  <a:pt x="120000" y="120000"/>
-                </a:lnTo>
-                <a:lnTo>
-                  <a:pt x="0" y="120000"/>
-                </a:lnTo>
-                <a:close/>
-              </a:path>
-            </a:pathLst>
-          </a:custGeom>
-        </p:spPr>
-      </p:sp>
-      <p:sp>
-        <p:nvSpPr>
-          <p:cNvPr id="108" name="Google Shape;108;gd9e7ea8b69_1_32:notes"/>
-          <p:cNvSpPr txBox="1"/>
-          <p:nvPr>
-            <p:ph idx="1" type="body"/>
-          </p:nvPr>
-        </p:nvSpPr>
-        <p:spPr>
-          <a:xfrm>
-            <a:off x="685800" y="4343400"/>
-            <a:ext cx="5486400" cy="4114800"/>
-          </a:xfrm>
-          <a:prstGeom prst="rect">
-            <a:avLst/>
-          </a:prstGeom>
-        </p:spPr>
-        <p:txBody>
-          <a:bodyPr anchorCtr="0" anchor="t" bIns="91425" lIns="91425" spcFirstLastPara="1" rIns="91425" wrap="square" tIns="91425">
-            <a:noAutofit/>
-          </a:bodyPr>
-          <a:lstStyle/>
-          <a:p>
-            <a:pPr indent="0" lvl="0" marL="0" rtl="0" algn="l">
-              <a:spcBef>
-                <a:spcPts val="0"/>
-              </a:spcBef>
-              <a:spcAft>
-                <a:spcPts val="0"/>
-              </a:spcAft>
-              <a:buNone/>
-            </a:pPr>
-            <a:r>
-              <a:t/>
-            </a:r>
             <a:endParaRPr/>
           </a:p>
         </p:txBody>
@@ -1886,11 +1755,11 @@
 </file>
 
 <file path=ppt/slideLayouts/slideLayout1.xml><?xml version="1.0" encoding="utf-8"?>
-<p:sldLayout xmlns:a="http://schemas.openxmlformats.org/drawingml/2006/main" xmlns:r="http://schemas.openxmlformats.org/officeDocument/2006/relationships" xmlns:mc="http://schemas.openxmlformats.org/markup-compatibility/2006" xmlns:mv="urn:schemas-microsoft-com:mac:vml" xmlns:p="http://schemas.openxmlformats.org/presentationml/2006/main" xmlns:c="http://schemas.openxmlformats.org/drawingml/2006/chart" xmlns:dgm="http://schemas.openxmlformats.org/drawingml/2006/diagram" xmlns:o="urn:schemas-microsoft-com:office:office" xmlns:v="urn:schemas-microsoft-com:vml" xmlns:pvml="urn:schemas-microsoft-com:office:powerpoint" xmlns:com="http://schemas.openxmlformats.org/drawingml/2006/compatibility" xmlns:p14="http://schemas.microsoft.com/office/powerpoint/2010/main" xmlns:p15="http://schemas.microsoft.com/office/powerpoint/2012/main" xmlns:ahyp="http://schemas.microsoft.com/office/drawing/2018/hyperlinkcolor" matchingName="Title slide" type="title">
+<p:sldLayout xmlns:a="http://schemas.openxmlformats.org/drawingml/2006/main" xmlns:r="http://schemas.openxmlformats.org/officeDocument/2006/relationships" xmlns:p="http://schemas.openxmlformats.org/presentationml/2006/main" matchingName="Title slide" type="title">
   <p:cSld name="TITLE">
     <p:spTree>
       <p:nvGrpSpPr>
-        <p:cNvPr id="9" name="Shape 9"/>
+        <p:cNvPr id="1" name="Shape 9"/>
         <p:cNvGrpSpPr/>
         <p:nvPr/>
       </p:nvGrpSpPr>
@@ -1905,7 +1774,9 @@
       <p:sp>
         <p:nvSpPr>
           <p:cNvPr id="10" name="Google Shape;10;p2"/>
-          <p:cNvSpPr txBox="1"/>
+          <p:cNvSpPr txBox="1">
+            <a:spLocks noGrp="1"/>
+          </p:cNvSpPr>
           <p:nvPr>
             <p:ph type="ctrTitle"/>
           </p:nvPr>
@@ -1920,7 +1791,7 @@
           </a:prstGeom>
         </p:spPr>
         <p:txBody>
-          <a:bodyPr anchorCtr="0" anchor="b" bIns="91425" lIns="91425" spcFirstLastPara="1" rIns="91425" wrap="square" tIns="91425">
+          <a:bodyPr spcFirstLastPara="1" wrap="square" lIns="91425" tIns="91425" rIns="91425" bIns="91425" anchor="b" anchorCtr="0">
             <a:normAutofit/>
           </a:bodyPr>
           <a:lstStyle>
@@ -2024,15 +1895,19 @@
               <a:defRPr sz="5200"/>
             </a:lvl9pPr>
           </a:lstStyle>
-          <a:p/>
+          <a:p>
+            <a:endParaRPr/>
+          </a:p>
         </p:txBody>
       </p:sp>
       <p:sp>
         <p:nvSpPr>
           <p:cNvPr id="11" name="Google Shape;11;p2"/>
-          <p:cNvSpPr txBox="1"/>
+          <p:cNvSpPr txBox="1">
+            <a:spLocks noGrp="1"/>
+          </p:cNvSpPr>
           <p:nvPr>
-            <p:ph idx="1" type="subTitle"/>
+            <p:ph type="subTitle" idx="1"/>
           </p:nvPr>
         </p:nvSpPr>
         <p:spPr>
@@ -2045,7 +1920,7 @@
           </a:prstGeom>
         </p:spPr>
         <p:txBody>
-          <a:bodyPr anchorCtr="0" anchor="t" bIns="91425" lIns="91425" spcFirstLastPara="1" rIns="91425" wrap="square" tIns="91425">
+          <a:bodyPr spcFirstLastPara="1" wrap="square" lIns="91425" tIns="91425" rIns="91425" bIns="91425" anchor="t" anchorCtr="0">
             <a:normAutofit/>
           </a:bodyPr>
           <a:lstStyle>
@@ -2176,15 +2051,19 @@
               <a:defRPr sz="2800"/>
             </a:lvl9pPr>
           </a:lstStyle>
-          <a:p/>
+          <a:p>
+            <a:endParaRPr/>
+          </a:p>
         </p:txBody>
       </p:sp>
       <p:sp>
         <p:nvSpPr>
           <p:cNvPr id="12" name="Google Shape;12;p2"/>
-          <p:cNvSpPr txBox="1"/>
+          <p:cNvSpPr txBox="1">
+            <a:spLocks noGrp="1"/>
+          </p:cNvSpPr>
           <p:nvPr>
-            <p:ph idx="12" type="sldNum"/>
+            <p:ph type="sldNum" idx="12"/>
           </p:nvPr>
         </p:nvSpPr>
         <p:spPr>
@@ -2197,7 +2076,7 @@
           </a:prstGeom>
         </p:spPr>
         <p:txBody>
-          <a:bodyPr anchorCtr="0" anchor="ctr" bIns="91425" lIns="91425" spcFirstLastPara="1" rIns="91425" wrap="square" tIns="91425">
+          <a:bodyPr spcFirstLastPara="1" wrap="square" lIns="91425" tIns="91425" rIns="91425" bIns="91425" anchor="ctr" anchorCtr="0">
             <a:normAutofit/>
           </a:bodyPr>
           <a:lstStyle>
@@ -2239,7 +2118,7 @@
             </a:lvl9pPr>
           </a:lstStyle>
           <a:p>
-            <a:pPr indent="0" lvl="0" marL="0" rtl="0" algn="r">
+            <a:pPr marL="0" lvl="0" indent="0" algn="r" rtl="0">
               <a:spcBef>
                 <a:spcPts val="0"/>
               </a:spcBef>
@@ -2265,11 +2144,11 @@
 </file>
 
 <file path=ppt/slideLayouts/slideLayout10.xml><?xml version="1.0" encoding="utf-8"?>
-<p:sldLayout xmlns:a="http://schemas.openxmlformats.org/drawingml/2006/main" xmlns:r="http://schemas.openxmlformats.org/officeDocument/2006/relationships" xmlns:mc="http://schemas.openxmlformats.org/markup-compatibility/2006" xmlns:mv="urn:schemas-microsoft-com:mac:vml" xmlns:p="http://schemas.openxmlformats.org/presentationml/2006/main" xmlns:c="http://schemas.openxmlformats.org/drawingml/2006/chart" xmlns:dgm="http://schemas.openxmlformats.org/drawingml/2006/diagram" xmlns:o="urn:schemas-microsoft-com:office:office" xmlns:v="urn:schemas-microsoft-com:vml" xmlns:pvml="urn:schemas-microsoft-com:office:powerpoint" xmlns:com="http://schemas.openxmlformats.org/drawingml/2006/compatibility" xmlns:p14="http://schemas.microsoft.com/office/powerpoint/2010/main" xmlns:p15="http://schemas.microsoft.com/office/powerpoint/2012/main" xmlns:ahyp="http://schemas.microsoft.com/office/drawing/2018/hyperlinkcolor" matchingName="Big number">
+<p:sldLayout xmlns:a="http://schemas.openxmlformats.org/drawingml/2006/main" xmlns:r="http://schemas.openxmlformats.org/officeDocument/2006/relationships" xmlns:p="http://schemas.openxmlformats.org/presentationml/2006/main" matchingName="Big number">
   <p:cSld name="BIG_NUMBER">
     <p:spTree>
       <p:nvGrpSpPr>
-        <p:cNvPr id="44" name="Shape 44"/>
+        <p:cNvPr id="1" name="Shape 44"/>
         <p:cNvGrpSpPr/>
         <p:nvPr/>
       </p:nvGrpSpPr>
@@ -2284,9 +2163,11 @@
       <p:sp>
         <p:nvSpPr>
           <p:cNvPr id="45" name="Google Shape;45;p11"/>
-          <p:cNvSpPr txBox="1"/>
+          <p:cNvSpPr txBox="1">
+            <a:spLocks noGrp="1"/>
+          </p:cNvSpPr>
           <p:nvPr>
-            <p:ph hasCustomPrompt="1" type="title"/>
+            <p:ph type="title" hasCustomPrompt="1"/>
           </p:nvPr>
         </p:nvSpPr>
         <p:spPr>
@@ -2299,7 +2180,7 @@
           </a:prstGeom>
         </p:spPr>
         <p:txBody>
-          <a:bodyPr anchorCtr="0" anchor="b" bIns="91425" lIns="91425" spcFirstLastPara="1" rIns="91425" wrap="square" tIns="91425">
+          <a:bodyPr spcFirstLastPara="1" wrap="square" lIns="91425" tIns="91425" rIns="91425" bIns="91425" anchor="b" anchorCtr="0">
             <a:normAutofit/>
           </a:bodyPr>
           <a:lstStyle>
@@ -2413,9 +2294,11 @@
       <p:sp>
         <p:nvSpPr>
           <p:cNvPr id="46" name="Google Shape;46;p11"/>
-          <p:cNvSpPr txBox="1"/>
+          <p:cNvSpPr txBox="1">
+            <a:spLocks noGrp="1"/>
+          </p:cNvSpPr>
           <p:nvPr>
-            <p:ph idx="1" type="body"/>
+            <p:ph type="body" idx="1"/>
           </p:nvPr>
         </p:nvSpPr>
         <p:spPr>
@@ -2428,11 +2311,11 @@
           </a:prstGeom>
         </p:spPr>
         <p:txBody>
-          <a:bodyPr anchorCtr="0" anchor="t" bIns="91425" lIns="91425" spcFirstLastPara="1" rIns="91425" wrap="square" tIns="91425">
+          <a:bodyPr spcFirstLastPara="1" wrap="square" lIns="91425" tIns="91425" rIns="91425" bIns="91425" anchor="t" anchorCtr="0">
             <a:normAutofit/>
           </a:bodyPr>
           <a:lstStyle>
-            <a:lvl1pPr indent="-342900" lvl="0" marL="457200" algn="ctr">
+            <a:lvl1pPr marL="457200" lvl="0" indent="-342900" algn="ctr">
               <a:spcBef>
                 <a:spcPts val="0"/>
               </a:spcBef>
@@ -2443,7 +2326,7 @@
               <a:buChar char="●"/>
               <a:defRPr/>
             </a:lvl1pPr>
-            <a:lvl2pPr indent="-317500" lvl="1" marL="914400" algn="ctr">
+            <a:lvl2pPr marL="914400" lvl="1" indent="-317500" algn="ctr">
               <a:spcBef>
                 <a:spcPts val="0"/>
               </a:spcBef>
@@ -2454,7 +2337,7 @@
               <a:buChar char="○"/>
               <a:defRPr/>
             </a:lvl2pPr>
-            <a:lvl3pPr indent="-317500" lvl="2" marL="1371600" algn="ctr">
+            <a:lvl3pPr marL="1371600" lvl="2" indent="-317500" algn="ctr">
               <a:spcBef>
                 <a:spcPts val="0"/>
               </a:spcBef>
@@ -2465,7 +2348,7 @@
               <a:buChar char="■"/>
               <a:defRPr/>
             </a:lvl3pPr>
-            <a:lvl4pPr indent="-317500" lvl="3" marL="1828800" algn="ctr">
+            <a:lvl4pPr marL="1828800" lvl="3" indent="-317500" algn="ctr">
               <a:spcBef>
                 <a:spcPts val="0"/>
               </a:spcBef>
@@ -2476,7 +2359,7 @@
               <a:buChar char="●"/>
               <a:defRPr/>
             </a:lvl4pPr>
-            <a:lvl5pPr indent="-317500" lvl="4" marL="2286000" algn="ctr">
+            <a:lvl5pPr marL="2286000" lvl="4" indent="-317500" algn="ctr">
               <a:spcBef>
                 <a:spcPts val="0"/>
               </a:spcBef>
@@ -2487,7 +2370,7 @@
               <a:buChar char="○"/>
               <a:defRPr/>
             </a:lvl5pPr>
-            <a:lvl6pPr indent="-317500" lvl="5" marL="2743200" algn="ctr">
+            <a:lvl6pPr marL="2743200" lvl="5" indent="-317500" algn="ctr">
               <a:spcBef>
                 <a:spcPts val="0"/>
               </a:spcBef>
@@ -2498,7 +2381,7 @@
               <a:buChar char="■"/>
               <a:defRPr/>
             </a:lvl6pPr>
-            <a:lvl7pPr indent="-317500" lvl="6" marL="3200400" algn="ctr">
+            <a:lvl7pPr marL="3200400" lvl="6" indent="-317500" algn="ctr">
               <a:spcBef>
                 <a:spcPts val="0"/>
               </a:spcBef>
@@ -2509,7 +2392,7 @@
               <a:buChar char="●"/>
               <a:defRPr/>
             </a:lvl7pPr>
-            <a:lvl8pPr indent="-317500" lvl="7" marL="3657600" algn="ctr">
+            <a:lvl8pPr marL="3657600" lvl="7" indent="-317500" algn="ctr">
               <a:spcBef>
                 <a:spcPts val="0"/>
               </a:spcBef>
@@ -2520,7 +2403,7 @@
               <a:buChar char="○"/>
               <a:defRPr/>
             </a:lvl8pPr>
-            <a:lvl9pPr indent="-317500" lvl="8" marL="4114800" algn="ctr">
+            <a:lvl9pPr marL="4114800" lvl="8" indent="-317500" algn="ctr">
               <a:spcBef>
                 <a:spcPts val="0"/>
               </a:spcBef>
@@ -2532,15 +2415,19 @@
               <a:defRPr/>
             </a:lvl9pPr>
           </a:lstStyle>
-          <a:p/>
+          <a:p>
+            <a:endParaRPr/>
+          </a:p>
         </p:txBody>
       </p:sp>
       <p:sp>
         <p:nvSpPr>
           <p:cNvPr id="47" name="Google Shape;47;p11"/>
-          <p:cNvSpPr txBox="1"/>
+          <p:cNvSpPr txBox="1">
+            <a:spLocks noGrp="1"/>
+          </p:cNvSpPr>
           <p:nvPr>
-            <p:ph idx="12" type="sldNum"/>
+            <p:ph type="sldNum" idx="12"/>
           </p:nvPr>
         </p:nvSpPr>
         <p:spPr>
@@ -2553,7 +2440,7 @@
           </a:prstGeom>
         </p:spPr>
         <p:txBody>
-          <a:bodyPr anchorCtr="0" anchor="ctr" bIns="91425" lIns="91425" spcFirstLastPara="1" rIns="91425" wrap="square" tIns="91425">
+          <a:bodyPr spcFirstLastPara="1" wrap="square" lIns="91425" tIns="91425" rIns="91425" bIns="91425" anchor="ctr" anchorCtr="0">
             <a:normAutofit/>
           </a:bodyPr>
           <a:lstStyle>
@@ -2595,7 +2482,7 @@
             </a:lvl9pPr>
           </a:lstStyle>
           <a:p>
-            <a:pPr indent="0" lvl="0" marL="0" rtl="0" algn="r">
+            <a:pPr marL="0" lvl="0" indent="0" algn="r" rtl="0">
               <a:spcBef>
                 <a:spcPts val="0"/>
               </a:spcBef>
@@ -2621,11 +2508,11 @@
 </file>
 
 <file path=ppt/slideLayouts/slideLayout11.xml><?xml version="1.0" encoding="utf-8"?>
-<p:sldLayout xmlns:a="http://schemas.openxmlformats.org/drawingml/2006/main" xmlns:r="http://schemas.openxmlformats.org/officeDocument/2006/relationships" xmlns:mc="http://schemas.openxmlformats.org/markup-compatibility/2006" xmlns:mv="urn:schemas-microsoft-com:mac:vml" xmlns:p="http://schemas.openxmlformats.org/presentationml/2006/main" xmlns:c="http://schemas.openxmlformats.org/drawingml/2006/chart" xmlns:dgm="http://schemas.openxmlformats.org/drawingml/2006/diagram" xmlns:o="urn:schemas-microsoft-com:office:office" xmlns:v="urn:schemas-microsoft-com:vml" xmlns:pvml="urn:schemas-microsoft-com:office:powerpoint" xmlns:com="http://schemas.openxmlformats.org/drawingml/2006/compatibility" xmlns:p14="http://schemas.microsoft.com/office/powerpoint/2010/main" xmlns:p15="http://schemas.microsoft.com/office/powerpoint/2012/main" xmlns:ahyp="http://schemas.microsoft.com/office/drawing/2018/hyperlinkcolor" matchingName="Blank" type="blank">
+<p:sldLayout xmlns:a="http://schemas.openxmlformats.org/drawingml/2006/main" xmlns:r="http://schemas.openxmlformats.org/officeDocument/2006/relationships" xmlns:p="http://schemas.openxmlformats.org/presentationml/2006/main" matchingName="Blank" type="blank">
   <p:cSld name="BLANK">
     <p:spTree>
       <p:nvGrpSpPr>
-        <p:cNvPr id="48" name="Shape 48"/>
+        <p:cNvPr id="1" name="Shape 48"/>
         <p:cNvGrpSpPr/>
         <p:nvPr/>
       </p:nvGrpSpPr>
@@ -2640,9 +2527,11 @@
       <p:sp>
         <p:nvSpPr>
           <p:cNvPr id="49" name="Google Shape;49;p12"/>
-          <p:cNvSpPr txBox="1"/>
+          <p:cNvSpPr txBox="1">
+            <a:spLocks noGrp="1"/>
+          </p:cNvSpPr>
           <p:nvPr>
-            <p:ph idx="12" type="sldNum"/>
+            <p:ph type="sldNum" idx="12"/>
           </p:nvPr>
         </p:nvSpPr>
         <p:spPr>
@@ -2655,7 +2544,7 @@
           </a:prstGeom>
         </p:spPr>
         <p:txBody>
-          <a:bodyPr anchorCtr="0" anchor="ctr" bIns="91425" lIns="91425" spcFirstLastPara="1" rIns="91425" wrap="square" tIns="91425">
+          <a:bodyPr spcFirstLastPara="1" wrap="square" lIns="91425" tIns="91425" rIns="91425" bIns="91425" anchor="ctr" anchorCtr="0">
             <a:normAutofit/>
           </a:bodyPr>
           <a:lstStyle>
@@ -2697,7 +2586,7 @@
             </a:lvl9pPr>
           </a:lstStyle>
           <a:p>
-            <a:pPr indent="0" lvl="0" marL="0" rtl="0" algn="r">
+            <a:pPr marL="0" lvl="0" indent="0" algn="r" rtl="0">
               <a:spcBef>
                 <a:spcPts val="0"/>
               </a:spcBef>
@@ -2723,11 +2612,11 @@
 </file>
 
 <file path=ppt/slideLayouts/slideLayout2.xml><?xml version="1.0" encoding="utf-8"?>
-<p:sldLayout xmlns:a="http://schemas.openxmlformats.org/drawingml/2006/main" xmlns:r="http://schemas.openxmlformats.org/officeDocument/2006/relationships" xmlns:mc="http://schemas.openxmlformats.org/markup-compatibility/2006" xmlns:mv="urn:schemas-microsoft-com:mac:vml" xmlns:p="http://schemas.openxmlformats.org/presentationml/2006/main" xmlns:c="http://schemas.openxmlformats.org/drawingml/2006/chart" xmlns:dgm="http://schemas.openxmlformats.org/drawingml/2006/diagram" xmlns:o="urn:schemas-microsoft-com:office:office" xmlns:v="urn:schemas-microsoft-com:vml" xmlns:pvml="urn:schemas-microsoft-com:office:powerpoint" xmlns:com="http://schemas.openxmlformats.org/drawingml/2006/compatibility" xmlns:p14="http://schemas.microsoft.com/office/powerpoint/2010/main" xmlns:p15="http://schemas.microsoft.com/office/powerpoint/2012/main" xmlns:ahyp="http://schemas.microsoft.com/office/drawing/2018/hyperlinkcolor" matchingName="Section header" type="secHead">
+<p:sldLayout xmlns:a="http://schemas.openxmlformats.org/drawingml/2006/main" xmlns:r="http://schemas.openxmlformats.org/officeDocument/2006/relationships" xmlns:p="http://schemas.openxmlformats.org/presentationml/2006/main" matchingName="Section header" type="secHead">
   <p:cSld name="SECTION_HEADER">
     <p:spTree>
       <p:nvGrpSpPr>
-        <p:cNvPr id="13" name="Shape 13"/>
+        <p:cNvPr id="1" name="Shape 13"/>
         <p:cNvGrpSpPr/>
         <p:nvPr/>
       </p:nvGrpSpPr>
@@ -2742,7 +2631,9 @@
       <p:sp>
         <p:nvSpPr>
           <p:cNvPr id="14" name="Google Shape;14;p3"/>
-          <p:cNvSpPr txBox="1"/>
+          <p:cNvSpPr txBox="1">
+            <a:spLocks noGrp="1"/>
+          </p:cNvSpPr>
           <p:nvPr>
             <p:ph type="title"/>
           </p:nvPr>
@@ -2757,7 +2648,7 @@
           </a:prstGeom>
         </p:spPr>
         <p:txBody>
-          <a:bodyPr anchorCtr="0" anchor="ctr" bIns="91425" lIns="91425" spcFirstLastPara="1" rIns="91425" wrap="square" tIns="91425">
+          <a:bodyPr spcFirstLastPara="1" wrap="square" lIns="91425" tIns="91425" rIns="91425" bIns="91425" anchor="ctr" anchorCtr="0">
             <a:normAutofit/>
           </a:bodyPr>
           <a:lstStyle>
@@ -2861,15 +2752,19 @@
               <a:defRPr sz="3600"/>
             </a:lvl9pPr>
           </a:lstStyle>
-          <a:p/>
+          <a:p>
+            <a:endParaRPr/>
+          </a:p>
         </p:txBody>
       </p:sp>
       <p:sp>
         <p:nvSpPr>
           <p:cNvPr id="15" name="Google Shape;15;p3"/>
-          <p:cNvSpPr txBox="1"/>
+          <p:cNvSpPr txBox="1">
+            <a:spLocks noGrp="1"/>
+          </p:cNvSpPr>
           <p:nvPr>
-            <p:ph idx="12" type="sldNum"/>
+            <p:ph type="sldNum" idx="12"/>
           </p:nvPr>
         </p:nvSpPr>
         <p:spPr>
@@ -2882,7 +2777,7 @@
           </a:prstGeom>
         </p:spPr>
         <p:txBody>
-          <a:bodyPr anchorCtr="0" anchor="ctr" bIns="91425" lIns="91425" spcFirstLastPara="1" rIns="91425" wrap="square" tIns="91425">
+          <a:bodyPr spcFirstLastPara="1" wrap="square" lIns="91425" tIns="91425" rIns="91425" bIns="91425" anchor="ctr" anchorCtr="0">
             <a:normAutofit/>
           </a:bodyPr>
           <a:lstStyle>
@@ -2924,7 +2819,7 @@
             </a:lvl9pPr>
           </a:lstStyle>
           <a:p>
-            <a:pPr indent="0" lvl="0" marL="0" rtl="0" algn="r">
+            <a:pPr marL="0" lvl="0" indent="0" algn="r" rtl="0">
               <a:spcBef>
                 <a:spcPts val="0"/>
               </a:spcBef>
@@ -2950,11 +2845,11 @@
 </file>
 
 <file path=ppt/slideLayouts/slideLayout3.xml><?xml version="1.0" encoding="utf-8"?>
-<p:sldLayout xmlns:a="http://schemas.openxmlformats.org/drawingml/2006/main" xmlns:r="http://schemas.openxmlformats.org/officeDocument/2006/relationships" xmlns:mc="http://schemas.openxmlformats.org/markup-compatibility/2006" xmlns:mv="urn:schemas-microsoft-com:mac:vml" xmlns:p="http://schemas.openxmlformats.org/presentationml/2006/main" xmlns:c="http://schemas.openxmlformats.org/drawingml/2006/chart" xmlns:dgm="http://schemas.openxmlformats.org/drawingml/2006/diagram" xmlns:o="urn:schemas-microsoft-com:office:office" xmlns:v="urn:schemas-microsoft-com:vml" xmlns:pvml="urn:schemas-microsoft-com:office:powerpoint" xmlns:com="http://schemas.openxmlformats.org/drawingml/2006/compatibility" xmlns:p14="http://schemas.microsoft.com/office/powerpoint/2010/main" xmlns:p15="http://schemas.microsoft.com/office/powerpoint/2012/main" xmlns:ahyp="http://schemas.microsoft.com/office/drawing/2018/hyperlinkcolor" matchingName="Title and body" type="tx">
+<p:sldLayout xmlns:a="http://schemas.openxmlformats.org/drawingml/2006/main" xmlns:r="http://schemas.openxmlformats.org/officeDocument/2006/relationships" xmlns:p="http://schemas.openxmlformats.org/presentationml/2006/main" matchingName="Title and body" type="tx">
   <p:cSld name="TITLE_AND_BODY">
     <p:spTree>
       <p:nvGrpSpPr>
-        <p:cNvPr id="16" name="Shape 16"/>
+        <p:cNvPr id="1" name="Shape 16"/>
         <p:cNvGrpSpPr/>
         <p:nvPr/>
       </p:nvGrpSpPr>
@@ -2969,7 +2864,9 @@
       <p:sp>
         <p:nvSpPr>
           <p:cNvPr id="17" name="Google Shape;17;p4"/>
-          <p:cNvSpPr txBox="1"/>
+          <p:cNvSpPr txBox="1">
+            <a:spLocks noGrp="1"/>
+          </p:cNvSpPr>
           <p:nvPr>
             <p:ph type="title"/>
           </p:nvPr>
@@ -2984,7 +2881,7 @@
           </a:prstGeom>
         </p:spPr>
         <p:txBody>
-          <a:bodyPr anchorCtr="0" anchor="t" bIns="91425" lIns="91425" spcFirstLastPara="1" rIns="91425" wrap="square" tIns="91425">
+          <a:bodyPr spcFirstLastPara="1" wrap="square" lIns="91425" tIns="91425" rIns="91425" bIns="91425" anchor="t" anchorCtr="0">
             <a:normAutofit/>
           </a:bodyPr>
           <a:lstStyle>
@@ -3088,15 +2985,19 @@
               <a:defRPr/>
             </a:lvl9pPr>
           </a:lstStyle>
-          <a:p/>
+          <a:p>
+            <a:endParaRPr/>
+          </a:p>
         </p:txBody>
       </p:sp>
       <p:sp>
         <p:nvSpPr>
           <p:cNvPr id="18" name="Google Shape;18;p4"/>
-          <p:cNvSpPr txBox="1"/>
+          <p:cNvSpPr txBox="1">
+            <a:spLocks noGrp="1"/>
+          </p:cNvSpPr>
           <p:nvPr>
-            <p:ph idx="1" type="body"/>
+            <p:ph type="body" idx="1"/>
           </p:nvPr>
         </p:nvSpPr>
         <p:spPr>
@@ -3109,11 +3010,11 @@
           </a:prstGeom>
         </p:spPr>
         <p:txBody>
-          <a:bodyPr anchorCtr="0" anchor="t" bIns="91425" lIns="91425" spcFirstLastPara="1" rIns="91425" wrap="square" tIns="91425">
+          <a:bodyPr spcFirstLastPara="1" wrap="square" lIns="91425" tIns="91425" rIns="91425" bIns="91425" anchor="t" anchorCtr="0">
             <a:normAutofit/>
           </a:bodyPr>
           <a:lstStyle>
-            <a:lvl1pPr indent="-342900" lvl="0" marL="457200">
+            <a:lvl1pPr marL="457200" lvl="0" indent="-342900">
               <a:spcBef>
                 <a:spcPts val="0"/>
               </a:spcBef>
@@ -3124,7 +3025,7 @@
               <a:buChar char="●"/>
               <a:defRPr/>
             </a:lvl1pPr>
-            <a:lvl2pPr indent="-317500" lvl="1" marL="914400">
+            <a:lvl2pPr marL="914400" lvl="1" indent="-317500">
               <a:spcBef>
                 <a:spcPts val="0"/>
               </a:spcBef>
@@ -3135,7 +3036,7 @@
               <a:buChar char="○"/>
               <a:defRPr/>
             </a:lvl2pPr>
-            <a:lvl3pPr indent="-317500" lvl="2" marL="1371600">
+            <a:lvl3pPr marL="1371600" lvl="2" indent="-317500">
               <a:spcBef>
                 <a:spcPts val="0"/>
               </a:spcBef>
@@ -3146,7 +3047,7 @@
               <a:buChar char="■"/>
               <a:defRPr/>
             </a:lvl3pPr>
-            <a:lvl4pPr indent="-317500" lvl="3" marL="1828800">
+            <a:lvl4pPr marL="1828800" lvl="3" indent="-317500">
               <a:spcBef>
                 <a:spcPts val="0"/>
               </a:spcBef>
@@ -3157,7 +3058,7 @@
               <a:buChar char="●"/>
               <a:defRPr/>
             </a:lvl4pPr>
-            <a:lvl5pPr indent="-317500" lvl="4" marL="2286000">
+            <a:lvl5pPr marL="2286000" lvl="4" indent="-317500">
               <a:spcBef>
                 <a:spcPts val="0"/>
               </a:spcBef>
@@ -3168,7 +3069,7 @@
               <a:buChar char="○"/>
               <a:defRPr/>
             </a:lvl5pPr>
-            <a:lvl6pPr indent="-317500" lvl="5" marL="2743200">
+            <a:lvl6pPr marL="2743200" lvl="5" indent="-317500">
               <a:spcBef>
                 <a:spcPts val="0"/>
               </a:spcBef>
@@ -3179,7 +3080,7 @@
               <a:buChar char="■"/>
               <a:defRPr/>
             </a:lvl6pPr>
-            <a:lvl7pPr indent="-317500" lvl="6" marL="3200400">
+            <a:lvl7pPr marL="3200400" lvl="6" indent="-317500">
               <a:spcBef>
                 <a:spcPts val="0"/>
               </a:spcBef>
@@ -3190,7 +3091,7 @@
               <a:buChar char="●"/>
               <a:defRPr/>
             </a:lvl7pPr>
-            <a:lvl8pPr indent="-317500" lvl="7" marL="3657600">
+            <a:lvl8pPr marL="3657600" lvl="7" indent="-317500">
               <a:spcBef>
                 <a:spcPts val="0"/>
               </a:spcBef>
@@ -3201,7 +3102,7 @@
               <a:buChar char="○"/>
               <a:defRPr/>
             </a:lvl8pPr>
-            <a:lvl9pPr indent="-317500" lvl="8" marL="4114800">
+            <a:lvl9pPr marL="4114800" lvl="8" indent="-317500">
               <a:spcBef>
                 <a:spcPts val="0"/>
               </a:spcBef>
@@ -3213,15 +3114,19 @@
               <a:defRPr/>
             </a:lvl9pPr>
           </a:lstStyle>
-          <a:p/>
+          <a:p>
+            <a:endParaRPr/>
+          </a:p>
         </p:txBody>
       </p:sp>
       <p:sp>
         <p:nvSpPr>
           <p:cNvPr id="19" name="Google Shape;19;p4"/>
-          <p:cNvSpPr txBox="1"/>
+          <p:cNvSpPr txBox="1">
+            <a:spLocks noGrp="1"/>
+          </p:cNvSpPr>
           <p:nvPr>
-            <p:ph idx="12" type="sldNum"/>
+            <p:ph type="sldNum" idx="12"/>
           </p:nvPr>
         </p:nvSpPr>
         <p:spPr>
@@ -3234,7 +3139,7 @@
           </a:prstGeom>
         </p:spPr>
         <p:txBody>
-          <a:bodyPr anchorCtr="0" anchor="ctr" bIns="91425" lIns="91425" spcFirstLastPara="1" rIns="91425" wrap="square" tIns="91425">
+          <a:bodyPr spcFirstLastPara="1" wrap="square" lIns="91425" tIns="91425" rIns="91425" bIns="91425" anchor="ctr" anchorCtr="0">
             <a:normAutofit/>
           </a:bodyPr>
           <a:lstStyle>
@@ -3276,7 +3181,7 @@
             </a:lvl9pPr>
           </a:lstStyle>
           <a:p>
-            <a:pPr indent="0" lvl="0" marL="0" rtl="0" algn="r">
+            <a:pPr marL="0" lvl="0" indent="0" algn="r" rtl="0">
               <a:spcBef>
                 <a:spcPts val="0"/>
               </a:spcBef>
@@ -3302,11 +3207,11 @@
 </file>
 
 <file path=ppt/slideLayouts/slideLayout4.xml><?xml version="1.0" encoding="utf-8"?>
-<p:sldLayout xmlns:a="http://schemas.openxmlformats.org/drawingml/2006/main" xmlns:r="http://schemas.openxmlformats.org/officeDocument/2006/relationships" xmlns:mc="http://schemas.openxmlformats.org/markup-compatibility/2006" xmlns:mv="urn:schemas-microsoft-com:mac:vml" xmlns:p="http://schemas.openxmlformats.org/presentationml/2006/main" xmlns:c="http://schemas.openxmlformats.org/drawingml/2006/chart" xmlns:dgm="http://schemas.openxmlformats.org/drawingml/2006/diagram" xmlns:o="urn:schemas-microsoft-com:office:office" xmlns:v="urn:schemas-microsoft-com:vml" xmlns:pvml="urn:schemas-microsoft-com:office:powerpoint" xmlns:com="http://schemas.openxmlformats.org/drawingml/2006/compatibility" xmlns:p14="http://schemas.microsoft.com/office/powerpoint/2010/main" xmlns:p15="http://schemas.microsoft.com/office/powerpoint/2012/main" xmlns:ahyp="http://schemas.microsoft.com/office/drawing/2018/hyperlinkcolor" matchingName="Title and two columns" type="twoColTx">
+<p:sldLayout xmlns:a="http://schemas.openxmlformats.org/drawingml/2006/main" xmlns:r="http://schemas.openxmlformats.org/officeDocument/2006/relationships" xmlns:p="http://schemas.openxmlformats.org/presentationml/2006/main" matchingName="Title and two columns" type="twoColTx">
   <p:cSld name="TITLE_AND_TWO_COLUMNS">
     <p:spTree>
       <p:nvGrpSpPr>
-        <p:cNvPr id="20" name="Shape 20"/>
+        <p:cNvPr id="1" name="Shape 20"/>
         <p:cNvGrpSpPr/>
         <p:nvPr/>
       </p:nvGrpSpPr>
@@ -3321,7 +3226,9 @@
       <p:sp>
         <p:nvSpPr>
           <p:cNvPr id="21" name="Google Shape;21;p5"/>
-          <p:cNvSpPr txBox="1"/>
+          <p:cNvSpPr txBox="1">
+            <a:spLocks noGrp="1"/>
+          </p:cNvSpPr>
           <p:nvPr>
             <p:ph type="title"/>
           </p:nvPr>
@@ -3336,7 +3243,7 @@
           </a:prstGeom>
         </p:spPr>
         <p:txBody>
-          <a:bodyPr anchorCtr="0" anchor="t" bIns="91425" lIns="91425" spcFirstLastPara="1" rIns="91425" wrap="square" tIns="91425">
+          <a:bodyPr spcFirstLastPara="1" wrap="square" lIns="91425" tIns="91425" rIns="91425" bIns="91425" anchor="t" anchorCtr="0">
             <a:normAutofit/>
           </a:bodyPr>
           <a:lstStyle>
@@ -3440,15 +3347,19 @@
               <a:defRPr/>
             </a:lvl9pPr>
           </a:lstStyle>
-          <a:p/>
+          <a:p>
+            <a:endParaRPr/>
+          </a:p>
         </p:txBody>
       </p:sp>
       <p:sp>
         <p:nvSpPr>
           <p:cNvPr id="22" name="Google Shape;22;p5"/>
-          <p:cNvSpPr txBox="1"/>
+          <p:cNvSpPr txBox="1">
+            <a:spLocks noGrp="1"/>
+          </p:cNvSpPr>
           <p:nvPr>
-            <p:ph idx="1" type="body"/>
+            <p:ph type="body" idx="1"/>
           </p:nvPr>
         </p:nvSpPr>
         <p:spPr>
@@ -3461,11 +3372,11 @@
           </a:prstGeom>
         </p:spPr>
         <p:txBody>
-          <a:bodyPr anchorCtr="0" anchor="t" bIns="91425" lIns="91425" spcFirstLastPara="1" rIns="91425" wrap="square" tIns="91425">
+          <a:bodyPr spcFirstLastPara="1" wrap="square" lIns="91425" tIns="91425" rIns="91425" bIns="91425" anchor="t" anchorCtr="0">
             <a:normAutofit/>
           </a:bodyPr>
           <a:lstStyle>
-            <a:lvl1pPr indent="-317500" lvl="0" marL="457200">
+            <a:lvl1pPr marL="457200" lvl="0" indent="-317500">
               <a:spcBef>
                 <a:spcPts val="0"/>
               </a:spcBef>
@@ -3476,7 +3387,7 @@
               <a:buChar char="●"/>
               <a:defRPr sz="1400"/>
             </a:lvl1pPr>
-            <a:lvl2pPr indent="-304800" lvl="1" marL="914400">
+            <a:lvl2pPr marL="914400" lvl="1" indent="-304800">
               <a:spcBef>
                 <a:spcPts val="0"/>
               </a:spcBef>
@@ -3487,7 +3398,7 @@
               <a:buChar char="○"/>
               <a:defRPr sz="1200"/>
             </a:lvl2pPr>
-            <a:lvl3pPr indent="-304800" lvl="2" marL="1371600">
+            <a:lvl3pPr marL="1371600" lvl="2" indent="-304800">
               <a:spcBef>
                 <a:spcPts val="0"/>
               </a:spcBef>
@@ -3498,7 +3409,7 @@
               <a:buChar char="■"/>
               <a:defRPr sz="1200"/>
             </a:lvl3pPr>
-            <a:lvl4pPr indent="-304800" lvl="3" marL="1828800">
+            <a:lvl4pPr marL="1828800" lvl="3" indent="-304800">
               <a:spcBef>
                 <a:spcPts val="0"/>
               </a:spcBef>
@@ -3509,7 +3420,7 @@
               <a:buChar char="●"/>
               <a:defRPr sz="1200"/>
             </a:lvl4pPr>
-            <a:lvl5pPr indent="-304800" lvl="4" marL="2286000">
+            <a:lvl5pPr marL="2286000" lvl="4" indent="-304800">
               <a:spcBef>
                 <a:spcPts val="0"/>
               </a:spcBef>
@@ -3520,7 +3431,7 @@
               <a:buChar char="○"/>
               <a:defRPr sz="1200"/>
             </a:lvl5pPr>
-            <a:lvl6pPr indent="-304800" lvl="5" marL="2743200">
+            <a:lvl6pPr marL="2743200" lvl="5" indent="-304800">
               <a:spcBef>
                 <a:spcPts val="0"/>
               </a:spcBef>
@@ -3531,7 +3442,7 @@
               <a:buChar char="■"/>
               <a:defRPr sz="1200"/>
             </a:lvl6pPr>
-            <a:lvl7pPr indent="-304800" lvl="6" marL="3200400">
+            <a:lvl7pPr marL="3200400" lvl="6" indent="-304800">
               <a:spcBef>
                 <a:spcPts val="0"/>
               </a:spcBef>
@@ -3542,7 +3453,7 @@
               <a:buChar char="●"/>
               <a:defRPr sz="1200"/>
             </a:lvl7pPr>
-            <a:lvl8pPr indent="-304800" lvl="7" marL="3657600">
+            <a:lvl8pPr marL="3657600" lvl="7" indent="-304800">
               <a:spcBef>
                 <a:spcPts val="0"/>
               </a:spcBef>
@@ -3553,7 +3464,7 @@
               <a:buChar char="○"/>
               <a:defRPr sz="1200"/>
             </a:lvl8pPr>
-            <a:lvl9pPr indent="-304800" lvl="8" marL="4114800">
+            <a:lvl9pPr marL="4114800" lvl="8" indent="-304800">
               <a:spcBef>
                 <a:spcPts val="0"/>
               </a:spcBef>
@@ -3565,15 +3476,19 @@
               <a:defRPr sz="1200"/>
             </a:lvl9pPr>
           </a:lstStyle>
-          <a:p/>
+          <a:p>
+            <a:endParaRPr/>
+          </a:p>
         </p:txBody>
       </p:sp>
       <p:sp>
         <p:nvSpPr>
           <p:cNvPr id="23" name="Google Shape;23;p5"/>
-          <p:cNvSpPr txBox="1"/>
+          <p:cNvSpPr txBox="1">
+            <a:spLocks noGrp="1"/>
+          </p:cNvSpPr>
           <p:nvPr>
-            <p:ph idx="2" type="body"/>
+            <p:ph type="body" idx="2"/>
           </p:nvPr>
         </p:nvSpPr>
         <p:spPr>
@@ -3586,11 +3501,11 @@
           </a:prstGeom>
         </p:spPr>
         <p:txBody>
-          <a:bodyPr anchorCtr="0" anchor="t" bIns="91425" lIns="91425" spcFirstLastPara="1" rIns="91425" wrap="square" tIns="91425">
+          <a:bodyPr spcFirstLastPara="1" wrap="square" lIns="91425" tIns="91425" rIns="91425" bIns="91425" anchor="t" anchorCtr="0">
             <a:normAutofit/>
           </a:bodyPr>
           <a:lstStyle>
-            <a:lvl1pPr indent="-317500" lvl="0" marL="457200">
+            <a:lvl1pPr marL="457200" lvl="0" indent="-317500">
               <a:spcBef>
                 <a:spcPts val="0"/>
               </a:spcBef>
@@ -3601,7 +3516,7 @@
               <a:buChar char="●"/>
               <a:defRPr sz="1400"/>
             </a:lvl1pPr>
-            <a:lvl2pPr indent="-304800" lvl="1" marL="914400">
+            <a:lvl2pPr marL="914400" lvl="1" indent="-304800">
               <a:spcBef>
                 <a:spcPts val="0"/>
               </a:spcBef>
@@ -3612,7 +3527,7 @@
               <a:buChar char="○"/>
               <a:defRPr sz="1200"/>
             </a:lvl2pPr>
-            <a:lvl3pPr indent="-304800" lvl="2" marL="1371600">
+            <a:lvl3pPr marL="1371600" lvl="2" indent="-304800">
               <a:spcBef>
                 <a:spcPts val="0"/>
               </a:spcBef>
@@ -3623,7 +3538,7 @@
               <a:buChar char="■"/>
               <a:defRPr sz="1200"/>
             </a:lvl3pPr>
-            <a:lvl4pPr indent="-304800" lvl="3" marL="1828800">
+            <a:lvl4pPr marL="1828800" lvl="3" indent="-304800">
               <a:spcBef>
                 <a:spcPts val="0"/>
               </a:spcBef>
@@ -3634,7 +3549,7 @@
               <a:buChar char="●"/>
               <a:defRPr sz="1200"/>
             </a:lvl4pPr>
-            <a:lvl5pPr indent="-304800" lvl="4" marL="2286000">
+            <a:lvl5pPr marL="2286000" lvl="4" indent="-304800">
               <a:spcBef>
                 <a:spcPts val="0"/>
               </a:spcBef>
@@ -3645,7 +3560,7 @@
               <a:buChar char="○"/>
               <a:defRPr sz="1200"/>
             </a:lvl5pPr>
-            <a:lvl6pPr indent="-304800" lvl="5" marL="2743200">
+            <a:lvl6pPr marL="2743200" lvl="5" indent="-304800">
               <a:spcBef>
                 <a:spcPts val="0"/>
               </a:spcBef>
@@ -3656,7 +3571,7 @@
               <a:buChar char="■"/>
               <a:defRPr sz="1200"/>
             </a:lvl6pPr>
-            <a:lvl7pPr indent="-304800" lvl="6" marL="3200400">
+            <a:lvl7pPr marL="3200400" lvl="6" indent="-304800">
               <a:spcBef>
                 <a:spcPts val="0"/>
               </a:spcBef>
@@ -3667,7 +3582,7 @@
               <a:buChar char="●"/>
               <a:defRPr sz="1200"/>
             </a:lvl7pPr>
-            <a:lvl8pPr indent="-304800" lvl="7" marL="3657600">
+            <a:lvl8pPr marL="3657600" lvl="7" indent="-304800">
               <a:spcBef>
                 <a:spcPts val="0"/>
               </a:spcBef>
@@ -3678,7 +3593,7 @@
               <a:buChar char="○"/>
               <a:defRPr sz="1200"/>
             </a:lvl8pPr>
-            <a:lvl9pPr indent="-304800" lvl="8" marL="4114800">
+            <a:lvl9pPr marL="4114800" lvl="8" indent="-304800">
               <a:spcBef>
                 <a:spcPts val="0"/>
               </a:spcBef>
@@ -3690,15 +3605,19 @@
               <a:defRPr sz="1200"/>
             </a:lvl9pPr>
           </a:lstStyle>
-          <a:p/>
+          <a:p>
+            <a:endParaRPr/>
+          </a:p>
         </p:txBody>
       </p:sp>
       <p:sp>
         <p:nvSpPr>
           <p:cNvPr id="24" name="Google Shape;24;p5"/>
-          <p:cNvSpPr txBox="1"/>
+          <p:cNvSpPr txBox="1">
+            <a:spLocks noGrp="1"/>
+          </p:cNvSpPr>
           <p:nvPr>
-            <p:ph idx="12" type="sldNum"/>
+            <p:ph type="sldNum" idx="12"/>
           </p:nvPr>
         </p:nvSpPr>
         <p:spPr>
@@ -3711,7 +3630,7 @@
           </a:prstGeom>
         </p:spPr>
         <p:txBody>
-          <a:bodyPr anchorCtr="0" anchor="ctr" bIns="91425" lIns="91425" spcFirstLastPara="1" rIns="91425" wrap="square" tIns="91425">
+          <a:bodyPr spcFirstLastPara="1" wrap="square" lIns="91425" tIns="91425" rIns="91425" bIns="91425" anchor="ctr" anchorCtr="0">
             <a:normAutofit/>
           </a:bodyPr>
           <a:lstStyle>
@@ -3753,7 +3672,7 @@
             </a:lvl9pPr>
           </a:lstStyle>
           <a:p>
-            <a:pPr indent="0" lvl="0" marL="0" rtl="0" algn="r">
+            <a:pPr marL="0" lvl="0" indent="0" algn="r" rtl="0">
               <a:spcBef>
                 <a:spcPts val="0"/>
               </a:spcBef>
@@ -3779,11 +3698,11 @@
 </file>
 
 <file path=ppt/slideLayouts/slideLayout5.xml><?xml version="1.0" encoding="utf-8"?>
-<p:sldLayout xmlns:a="http://schemas.openxmlformats.org/drawingml/2006/main" xmlns:r="http://schemas.openxmlformats.org/officeDocument/2006/relationships" xmlns:mc="http://schemas.openxmlformats.org/markup-compatibility/2006" xmlns:mv="urn:schemas-microsoft-com:mac:vml" xmlns:p="http://schemas.openxmlformats.org/presentationml/2006/main" xmlns:c="http://schemas.openxmlformats.org/drawingml/2006/chart" xmlns:dgm="http://schemas.openxmlformats.org/drawingml/2006/diagram" xmlns:o="urn:schemas-microsoft-com:office:office" xmlns:v="urn:schemas-microsoft-com:vml" xmlns:pvml="urn:schemas-microsoft-com:office:powerpoint" xmlns:com="http://schemas.openxmlformats.org/drawingml/2006/compatibility" xmlns:p14="http://schemas.microsoft.com/office/powerpoint/2010/main" xmlns:p15="http://schemas.microsoft.com/office/powerpoint/2012/main" xmlns:ahyp="http://schemas.microsoft.com/office/drawing/2018/hyperlinkcolor" matchingName="Title only" type="titleOnly">
+<p:sldLayout xmlns:a="http://schemas.openxmlformats.org/drawingml/2006/main" xmlns:r="http://schemas.openxmlformats.org/officeDocument/2006/relationships" xmlns:p="http://schemas.openxmlformats.org/presentationml/2006/main" matchingName="Title only" type="titleOnly">
   <p:cSld name="TITLE_ONLY">
     <p:spTree>
       <p:nvGrpSpPr>
-        <p:cNvPr id="25" name="Shape 25"/>
+        <p:cNvPr id="1" name="Shape 25"/>
         <p:cNvGrpSpPr/>
         <p:nvPr/>
       </p:nvGrpSpPr>
@@ -3798,7 +3717,9 @@
       <p:sp>
         <p:nvSpPr>
           <p:cNvPr id="26" name="Google Shape;26;p6"/>
-          <p:cNvSpPr txBox="1"/>
+          <p:cNvSpPr txBox="1">
+            <a:spLocks noGrp="1"/>
+          </p:cNvSpPr>
           <p:nvPr>
             <p:ph type="title"/>
           </p:nvPr>
@@ -3813,7 +3734,7 @@
           </a:prstGeom>
         </p:spPr>
         <p:txBody>
-          <a:bodyPr anchorCtr="0" anchor="t" bIns="91425" lIns="91425" spcFirstLastPara="1" rIns="91425" wrap="square" tIns="91425">
+          <a:bodyPr spcFirstLastPara="1" wrap="square" lIns="91425" tIns="91425" rIns="91425" bIns="91425" anchor="t" anchorCtr="0">
             <a:normAutofit/>
           </a:bodyPr>
           <a:lstStyle>
@@ -3917,15 +3838,19 @@
               <a:defRPr/>
             </a:lvl9pPr>
           </a:lstStyle>
-          <a:p/>
+          <a:p>
+            <a:endParaRPr/>
+          </a:p>
         </p:txBody>
       </p:sp>
       <p:sp>
         <p:nvSpPr>
           <p:cNvPr id="27" name="Google Shape;27;p6"/>
-          <p:cNvSpPr txBox="1"/>
+          <p:cNvSpPr txBox="1">
+            <a:spLocks noGrp="1"/>
+          </p:cNvSpPr>
           <p:nvPr>
-            <p:ph idx="12" type="sldNum"/>
+            <p:ph type="sldNum" idx="12"/>
           </p:nvPr>
         </p:nvSpPr>
         <p:spPr>
@@ -3938,7 +3863,7 @@
           </a:prstGeom>
         </p:spPr>
         <p:txBody>
-          <a:bodyPr anchorCtr="0" anchor="ctr" bIns="91425" lIns="91425" spcFirstLastPara="1" rIns="91425" wrap="square" tIns="91425">
+          <a:bodyPr spcFirstLastPara="1" wrap="square" lIns="91425" tIns="91425" rIns="91425" bIns="91425" anchor="ctr" anchorCtr="0">
             <a:normAutofit/>
           </a:bodyPr>
           <a:lstStyle>
@@ -3980,7 +3905,7 @@
             </a:lvl9pPr>
           </a:lstStyle>
           <a:p>
-            <a:pPr indent="0" lvl="0" marL="0" rtl="0" algn="r">
+            <a:pPr marL="0" lvl="0" indent="0" algn="r" rtl="0">
               <a:spcBef>
                 <a:spcPts val="0"/>
               </a:spcBef>
@@ -4006,11 +3931,11 @@
 </file>
 
 <file path=ppt/slideLayouts/slideLayout6.xml><?xml version="1.0" encoding="utf-8"?>
-<p:sldLayout xmlns:a="http://schemas.openxmlformats.org/drawingml/2006/main" xmlns:r="http://schemas.openxmlformats.org/officeDocument/2006/relationships" xmlns:mc="http://schemas.openxmlformats.org/markup-compatibility/2006" xmlns:mv="urn:schemas-microsoft-com:mac:vml" xmlns:p="http://schemas.openxmlformats.org/presentationml/2006/main" xmlns:c="http://schemas.openxmlformats.org/drawingml/2006/chart" xmlns:dgm="http://schemas.openxmlformats.org/drawingml/2006/diagram" xmlns:o="urn:schemas-microsoft-com:office:office" xmlns:v="urn:schemas-microsoft-com:vml" xmlns:pvml="urn:schemas-microsoft-com:office:powerpoint" xmlns:com="http://schemas.openxmlformats.org/drawingml/2006/compatibility" xmlns:p14="http://schemas.microsoft.com/office/powerpoint/2010/main" xmlns:p15="http://schemas.microsoft.com/office/powerpoint/2012/main" xmlns:ahyp="http://schemas.microsoft.com/office/drawing/2018/hyperlinkcolor" matchingName="One column text">
+<p:sldLayout xmlns:a="http://schemas.openxmlformats.org/drawingml/2006/main" xmlns:r="http://schemas.openxmlformats.org/officeDocument/2006/relationships" xmlns:p="http://schemas.openxmlformats.org/presentationml/2006/main" matchingName="One column text">
   <p:cSld name="ONE_COLUMN_TEXT">
     <p:spTree>
       <p:nvGrpSpPr>
-        <p:cNvPr id="28" name="Shape 28"/>
+        <p:cNvPr id="1" name="Shape 28"/>
         <p:cNvGrpSpPr/>
         <p:nvPr/>
       </p:nvGrpSpPr>
@@ -4025,7 +3950,9 @@
       <p:sp>
         <p:nvSpPr>
           <p:cNvPr id="29" name="Google Shape;29;p7"/>
-          <p:cNvSpPr txBox="1"/>
+          <p:cNvSpPr txBox="1">
+            <a:spLocks noGrp="1"/>
+          </p:cNvSpPr>
           <p:nvPr>
             <p:ph type="title"/>
           </p:nvPr>
@@ -4040,7 +3967,7 @@
           </a:prstGeom>
         </p:spPr>
         <p:txBody>
-          <a:bodyPr anchorCtr="0" anchor="b" bIns="91425" lIns="91425" spcFirstLastPara="1" rIns="91425" wrap="square" tIns="91425">
+          <a:bodyPr spcFirstLastPara="1" wrap="square" lIns="91425" tIns="91425" rIns="91425" bIns="91425" anchor="b" anchorCtr="0">
             <a:normAutofit/>
           </a:bodyPr>
           <a:lstStyle>
@@ -4144,15 +4071,19 @@
               <a:defRPr sz="2400"/>
             </a:lvl9pPr>
           </a:lstStyle>
-          <a:p/>
+          <a:p>
+            <a:endParaRPr/>
+          </a:p>
         </p:txBody>
       </p:sp>
       <p:sp>
         <p:nvSpPr>
           <p:cNvPr id="30" name="Google Shape;30;p7"/>
-          <p:cNvSpPr txBox="1"/>
+          <p:cNvSpPr txBox="1">
+            <a:spLocks noGrp="1"/>
+          </p:cNvSpPr>
           <p:nvPr>
-            <p:ph idx="1" type="body"/>
+            <p:ph type="body" idx="1"/>
           </p:nvPr>
         </p:nvSpPr>
         <p:spPr>
@@ -4165,11 +4096,11 @@
           </a:prstGeom>
         </p:spPr>
         <p:txBody>
-          <a:bodyPr anchorCtr="0" anchor="t" bIns="91425" lIns="91425" spcFirstLastPara="1" rIns="91425" wrap="square" tIns="91425">
+          <a:bodyPr spcFirstLastPara="1" wrap="square" lIns="91425" tIns="91425" rIns="91425" bIns="91425" anchor="t" anchorCtr="0">
             <a:normAutofit/>
           </a:bodyPr>
           <a:lstStyle>
-            <a:lvl1pPr indent="-304800" lvl="0" marL="457200">
+            <a:lvl1pPr marL="457200" lvl="0" indent="-304800">
               <a:spcBef>
                 <a:spcPts val="0"/>
               </a:spcBef>
@@ -4180,7 +4111,7 @@
               <a:buChar char="●"/>
               <a:defRPr sz="1200"/>
             </a:lvl1pPr>
-            <a:lvl2pPr indent="-304800" lvl="1" marL="914400">
+            <a:lvl2pPr marL="914400" lvl="1" indent="-304800">
               <a:spcBef>
                 <a:spcPts val="0"/>
               </a:spcBef>
@@ -4191,7 +4122,7 @@
               <a:buChar char="○"/>
               <a:defRPr sz="1200"/>
             </a:lvl2pPr>
-            <a:lvl3pPr indent="-304800" lvl="2" marL="1371600">
+            <a:lvl3pPr marL="1371600" lvl="2" indent="-304800">
               <a:spcBef>
                 <a:spcPts val="0"/>
               </a:spcBef>
@@ -4202,7 +4133,7 @@
               <a:buChar char="■"/>
               <a:defRPr sz="1200"/>
             </a:lvl3pPr>
-            <a:lvl4pPr indent="-304800" lvl="3" marL="1828800">
+            <a:lvl4pPr marL="1828800" lvl="3" indent="-304800">
               <a:spcBef>
                 <a:spcPts val="0"/>
               </a:spcBef>
@@ -4213,7 +4144,7 @@
               <a:buChar char="●"/>
               <a:defRPr sz="1200"/>
             </a:lvl4pPr>
-            <a:lvl5pPr indent="-304800" lvl="4" marL="2286000">
+            <a:lvl5pPr marL="2286000" lvl="4" indent="-304800">
               <a:spcBef>
                 <a:spcPts val="0"/>
               </a:spcBef>
@@ -4224,7 +4155,7 @@
               <a:buChar char="○"/>
               <a:defRPr sz="1200"/>
             </a:lvl5pPr>
-            <a:lvl6pPr indent="-304800" lvl="5" marL="2743200">
+            <a:lvl6pPr marL="2743200" lvl="5" indent="-304800">
               <a:spcBef>
                 <a:spcPts val="0"/>
               </a:spcBef>
@@ -4235,7 +4166,7 @@
               <a:buChar char="■"/>
               <a:defRPr sz="1200"/>
             </a:lvl6pPr>
-            <a:lvl7pPr indent="-304800" lvl="6" marL="3200400">
+            <a:lvl7pPr marL="3200400" lvl="6" indent="-304800">
               <a:spcBef>
                 <a:spcPts val="0"/>
               </a:spcBef>
@@ -4246,7 +4177,7 @@
               <a:buChar char="●"/>
               <a:defRPr sz="1200"/>
             </a:lvl7pPr>
-            <a:lvl8pPr indent="-304800" lvl="7" marL="3657600">
+            <a:lvl8pPr marL="3657600" lvl="7" indent="-304800">
               <a:spcBef>
                 <a:spcPts val="0"/>
               </a:spcBef>
@@ -4257,7 +4188,7 @@
               <a:buChar char="○"/>
               <a:defRPr sz="1200"/>
             </a:lvl8pPr>
-            <a:lvl9pPr indent="-304800" lvl="8" marL="4114800">
+            <a:lvl9pPr marL="4114800" lvl="8" indent="-304800">
               <a:spcBef>
                 <a:spcPts val="0"/>
               </a:spcBef>
@@ -4269,15 +4200,19 @@
               <a:defRPr sz="1200"/>
             </a:lvl9pPr>
           </a:lstStyle>
-          <a:p/>
+          <a:p>
+            <a:endParaRPr/>
+          </a:p>
         </p:txBody>
       </p:sp>
       <p:sp>
         <p:nvSpPr>
           <p:cNvPr id="31" name="Google Shape;31;p7"/>
-          <p:cNvSpPr txBox="1"/>
+          <p:cNvSpPr txBox="1">
+            <a:spLocks noGrp="1"/>
+          </p:cNvSpPr>
           <p:nvPr>
-            <p:ph idx="12" type="sldNum"/>
+            <p:ph type="sldNum" idx="12"/>
           </p:nvPr>
         </p:nvSpPr>
         <p:spPr>
@@ -4290,7 +4225,7 @@
           </a:prstGeom>
         </p:spPr>
         <p:txBody>
-          <a:bodyPr anchorCtr="0" anchor="ctr" bIns="91425" lIns="91425" spcFirstLastPara="1" rIns="91425" wrap="square" tIns="91425">
+          <a:bodyPr spcFirstLastPara="1" wrap="square" lIns="91425" tIns="91425" rIns="91425" bIns="91425" anchor="ctr" anchorCtr="0">
             <a:normAutofit/>
           </a:bodyPr>
           <a:lstStyle>
@@ -4332,7 +4267,7 @@
             </a:lvl9pPr>
           </a:lstStyle>
           <a:p>
-            <a:pPr indent="0" lvl="0" marL="0" rtl="0" algn="r">
+            <a:pPr marL="0" lvl="0" indent="0" algn="r" rtl="0">
               <a:spcBef>
                 <a:spcPts val="0"/>
               </a:spcBef>
@@ -4358,11 +4293,11 @@
 </file>
 
 <file path=ppt/slideLayouts/slideLayout7.xml><?xml version="1.0" encoding="utf-8"?>
-<p:sldLayout xmlns:a="http://schemas.openxmlformats.org/drawingml/2006/main" xmlns:r="http://schemas.openxmlformats.org/officeDocument/2006/relationships" xmlns:mc="http://schemas.openxmlformats.org/markup-compatibility/2006" xmlns:mv="urn:schemas-microsoft-com:mac:vml" xmlns:p="http://schemas.openxmlformats.org/presentationml/2006/main" xmlns:c="http://schemas.openxmlformats.org/drawingml/2006/chart" xmlns:dgm="http://schemas.openxmlformats.org/drawingml/2006/diagram" xmlns:o="urn:schemas-microsoft-com:office:office" xmlns:v="urn:schemas-microsoft-com:vml" xmlns:pvml="urn:schemas-microsoft-com:office:powerpoint" xmlns:com="http://schemas.openxmlformats.org/drawingml/2006/compatibility" xmlns:p14="http://schemas.microsoft.com/office/powerpoint/2010/main" xmlns:p15="http://schemas.microsoft.com/office/powerpoint/2012/main" xmlns:ahyp="http://schemas.microsoft.com/office/drawing/2018/hyperlinkcolor" matchingName="Main point">
+<p:sldLayout xmlns:a="http://schemas.openxmlformats.org/drawingml/2006/main" xmlns:r="http://schemas.openxmlformats.org/officeDocument/2006/relationships" xmlns:p="http://schemas.openxmlformats.org/presentationml/2006/main" matchingName="Main point">
   <p:cSld name="MAIN_POINT">
     <p:spTree>
       <p:nvGrpSpPr>
-        <p:cNvPr id="32" name="Shape 32"/>
+        <p:cNvPr id="1" name="Shape 32"/>
         <p:cNvGrpSpPr/>
         <p:nvPr/>
       </p:nvGrpSpPr>
@@ -4377,7 +4312,9 @@
       <p:sp>
         <p:nvSpPr>
           <p:cNvPr id="33" name="Google Shape;33;p8"/>
-          <p:cNvSpPr txBox="1"/>
+          <p:cNvSpPr txBox="1">
+            <a:spLocks noGrp="1"/>
+          </p:cNvSpPr>
           <p:nvPr>
             <p:ph type="title"/>
           </p:nvPr>
@@ -4392,7 +4329,7 @@
           </a:prstGeom>
         </p:spPr>
         <p:txBody>
-          <a:bodyPr anchorCtr="0" anchor="ctr" bIns="91425" lIns="91425" spcFirstLastPara="1" rIns="91425" wrap="square" tIns="91425">
+          <a:bodyPr spcFirstLastPara="1" wrap="square" lIns="91425" tIns="91425" rIns="91425" bIns="91425" anchor="ctr" anchorCtr="0">
             <a:normAutofit/>
           </a:bodyPr>
           <a:lstStyle>
@@ -4496,15 +4433,19 @@
               <a:defRPr sz="4800"/>
             </a:lvl9pPr>
           </a:lstStyle>
-          <a:p/>
+          <a:p>
+            <a:endParaRPr/>
+          </a:p>
         </p:txBody>
       </p:sp>
       <p:sp>
         <p:nvSpPr>
           <p:cNvPr id="34" name="Google Shape;34;p8"/>
-          <p:cNvSpPr txBox="1"/>
+          <p:cNvSpPr txBox="1">
+            <a:spLocks noGrp="1"/>
+          </p:cNvSpPr>
           <p:nvPr>
-            <p:ph idx="12" type="sldNum"/>
+            <p:ph type="sldNum" idx="12"/>
           </p:nvPr>
         </p:nvSpPr>
         <p:spPr>
@@ -4517,7 +4458,7 @@
           </a:prstGeom>
         </p:spPr>
         <p:txBody>
-          <a:bodyPr anchorCtr="0" anchor="ctr" bIns="91425" lIns="91425" spcFirstLastPara="1" rIns="91425" wrap="square" tIns="91425">
+          <a:bodyPr spcFirstLastPara="1" wrap="square" lIns="91425" tIns="91425" rIns="91425" bIns="91425" anchor="ctr" anchorCtr="0">
             <a:normAutofit/>
           </a:bodyPr>
           <a:lstStyle>
@@ -4559,7 +4500,7 @@
             </a:lvl9pPr>
           </a:lstStyle>
           <a:p>
-            <a:pPr indent="0" lvl="0" marL="0" rtl="0" algn="r">
+            <a:pPr marL="0" lvl="0" indent="0" algn="r" rtl="0">
               <a:spcBef>
                 <a:spcPts val="0"/>
               </a:spcBef>
@@ -4585,11 +4526,11 @@
 </file>
 
 <file path=ppt/slideLayouts/slideLayout8.xml><?xml version="1.0" encoding="utf-8"?>
-<p:sldLayout xmlns:a="http://schemas.openxmlformats.org/drawingml/2006/main" xmlns:r="http://schemas.openxmlformats.org/officeDocument/2006/relationships" xmlns:mc="http://schemas.openxmlformats.org/markup-compatibility/2006" xmlns:mv="urn:schemas-microsoft-com:mac:vml" xmlns:p="http://schemas.openxmlformats.org/presentationml/2006/main" xmlns:c="http://schemas.openxmlformats.org/drawingml/2006/chart" xmlns:dgm="http://schemas.openxmlformats.org/drawingml/2006/diagram" xmlns:o="urn:schemas-microsoft-com:office:office" xmlns:v="urn:schemas-microsoft-com:vml" xmlns:pvml="urn:schemas-microsoft-com:office:powerpoint" xmlns:com="http://schemas.openxmlformats.org/drawingml/2006/compatibility" xmlns:p14="http://schemas.microsoft.com/office/powerpoint/2010/main" xmlns:p15="http://schemas.microsoft.com/office/powerpoint/2012/main" xmlns:ahyp="http://schemas.microsoft.com/office/drawing/2018/hyperlinkcolor" matchingName="Section title and description">
+<p:sldLayout xmlns:a="http://schemas.openxmlformats.org/drawingml/2006/main" xmlns:r="http://schemas.openxmlformats.org/officeDocument/2006/relationships" xmlns:p="http://schemas.openxmlformats.org/presentationml/2006/main" matchingName="Section title and description">
   <p:cSld name="SECTION_TITLE_AND_DESCRIPTION">
     <p:spTree>
       <p:nvGrpSpPr>
-        <p:cNvPr id="35" name="Shape 35"/>
+        <p:cNvPr id="1" name="Shape 35"/>
         <p:cNvGrpSpPr/>
         <p:nvPr/>
       </p:nvGrpSpPr>
@@ -4623,12 +4564,12 @@
           </a:ln>
         </p:spPr>
         <p:txBody>
-          <a:bodyPr anchorCtr="0" anchor="ctr" bIns="91425" lIns="91425" spcFirstLastPara="1" rIns="91425" wrap="square" tIns="91425">
+          <a:bodyPr spcFirstLastPara="1" wrap="square" lIns="91425" tIns="91425" rIns="91425" bIns="91425" anchor="ctr" anchorCtr="0">
             <a:noAutofit/>
           </a:bodyPr>
           <a:lstStyle/>
           <a:p>
-            <a:pPr indent="0" lvl="0" marL="0" rtl="0" algn="l">
+            <a:pPr marL="0" lvl="0" indent="0" algn="l" rtl="0">
               <a:spcBef>
                 <a:spcPts val="0"/>
               </a:spcBef>
@@ -4637,9 +4578,6 @@
               </a:spcAft>
               <a:buNone/>
             </a:pPr>
-            <a:r>
-              <a:t/>
-            </a:r>
             <a:endParaRPr/>
           </a:p>
         </p:txBody>
@@ -4647,7 +4585,9 @@
       <p:sp>
         <p:nvSpPr>
           <p:cNvPr id="37" name="Google Shape;37;p9"/>
-          <p:cNvSpPr txBox="1"/>
+          <p:cNvSpPr txBox="1">
+            <a:spLocks noGrp="1"/>
+          </p:cNvSpPr>
           <p:nvPr>
             <p:ph type="title"/>
           </p:nvPr>
@@ -4662,7 +4602,7 @@
           </a:prstGeom>
         </p:spPr>
         <p:txBody>
-          <a:bodyPr anchorCtr="0" anchor="b" bIns="91425" lIns="91425" spcFirstLastPara="1" rIns="91425" wrap="square" tIns="91425">
+          <a:bodyPr spcFirstLastPara="1" wrap="square" lIns="91425" tIns="91425" rIns="91425" bIns="91425" anchor="b" anchorCtr="0">
             <a:normAutofit/>
           </a:bodyPr>
           <a:lstStyle>
@@ -4766,15 +4706,19 @@
               <a:defRPr sz="4200"/>
             </a:lvl9pPr>
           </a:lstStyle>
-          <a:p/>
+          <a:p>
+            <a:endParaRPr/>
+          </a:p>
         </p:txBody>
       </p:sp>
       <p:sp>
         <p:nvSpPr>
           <p:cNvPr id="38" name="Google Shape;38;p9"/>
-          <p:cNvSpPr txBox="1"/>
+          <p:cNvSpPr txBox="1">
+            <a:spLocks noGrp="1"/>
+          </p:cNvSpPr>
           <p:nvPr>
-            <p:ph idx="1" type="subTitle"/>
+            <p:ph type="subTitle" idx="1"/>
           </p:nvPr>
         </p:nvSpPr>
         <p:spPr>
@@ -4787,7 +4731,7 @@
           </a:prstGeom>
         </p:spPr>
         <p:txBody>
-          <a:bodyPr anchorCtr="0" anchor="t" bIns="91425" lIns="91425" spcFirstLastPara="1" rIns="91425" wrap="square" tIns="91425">
+          <a:bodyPr spcFirstLastPara="1" wrap="square" lIns="91425" tIns="91425" rIns="91425" bIns="91425" anchor="t" anchorCtr="0">
             <a:normAutofit/>
           </a:bodyPr>
           <a:lstStyle>
@@ -4918,15 +4862,19 @@
               <a:defRPr sz="2100"/>
             </a:lvl9pPr>
           </a:lstStyle>
-          <a:p/>
+          <a:p>
+            <a:endParaRPr/>
+          </a:p>
         </p:txBody>
       </p:sp>
       <p:sp>
         <p:nvSpPr>
           <p:cNvPr id="39" name="Google Shape;39;p9"/>
-          <p:cNvSpPr txBox="1"/>
+          <p:cNvSpPr txBox="1">
+            <a:spLocks noGrp="1"/>
+          </p:cNvSpPr>
           <p:nvPr>
-            <p:ph idx="2" type="body"/>
+            <p:ph type="body" idx="2"/>
           </p:nvPr>
         </p:nvSpPr>
         <p:spPr>
@@ -4939,11 +4887,11 @@
           </a:prstGeom>
         </p:spPr>
         <p:txBody>
-          <a:bodyPr anchorCtr="0" anchor="ctr" bIns="91425" lIns="91425" spcFirstLastPara="1" rIns="91425" wrap="square" tIns="91425">
+          <a:bodyPr spcFirstLastPara="1" wrap="square" lIns="91425" tIns="91425" rIns="91425" bIns="91425" anchor="ctr" anchorCtr="0">
             <a:normAutofit/>
           </a:bodyPr>
           <a:lstStyle>
-            <a:lvl1pPr indent="-342900" lvl="0" marL="457200">
+            <a:lvl1pPr marL="457200" lvl="0" indent="-342900">
               <a:spcBef>
                 <a:spcPts val="0"/>
               </a:spcBef>
@@ -4954,7 +4902,7 @@
               <a:buChar char="●"/>
               <a:defRPr/>
             </a:lvl1pPr>
-            <a:lvl2pPr indent="-317500" lvl="1" marL="914400">
+            <a:lvl2pPr marL="914400" lvl="1" indent="-317500">
               <a:spcBef>
                 <a:spcPts val="0"/>
               </a:spcBef>
@@ -4965,7 +4913,7 @@
               <a:buChar char="○"/>
               <a:defRPr/>
             </a:lvl2pPr>
-            <a:lvl3pPr indent="-317500" lvl="2" marL="1371600">
+            <a:lvl3pPr marL="1371600" lvl="2" indent="-317500">
               <a:spcBef>
                 <a:spcPts val="0"/>
               </a:spcBef>
@@ -4976,7 +4924,7 @@
               <a:buChar char="■"/>
               <a:defRPr/>
             </a:lvl3pPr>
-            <a:lvl4pPr indent="-317500" lvl="3" marL="1828800">
+            <a:lvl4pPr marL="1828800" lvl="3" indent="-317500">
               <a:spcBef>
                 <a:spcPts val="0"/>
               </a:spcBef>
@@ -4987,7 +4935,7 @@
               <a:buChar char="●"/>
               <a:defRPr/>
             </a:lvl4pPr>
-            <a:lvl5pPr indent="-317500" lvl="4" marL="2286000">
+            <a:lvl5pPr marL="2286000" lvl="4" indent="-317500">
               <a:spcBef>
                 <a:spcPts val="0"/>
               </a:spcBef>
@@ -4998,7 +4946,7 @@
               <a:buChar char="○"/>
               <a:defRPr/>
             </a:lvl5pPr>
-            <a:lvl6pPr indent="-317500" lvl="5" marL="2743200">
+            <a:lvl6pPr marL="2743200" lvl="5" indent="-317500">
               <a:spcBef>
                 <a:spcPts val="0"/>
               </a:spcBef>
@@ -5009,7 +4957,7 @@
               <a:buChar char="■"/>
               <a:defRPr/>
             </a:lvl6pPr>
-            <a:lvl7pPr indent="-317500" lvl="6" marL="3200400">
+            <a:lvl7pPr marL="3200400" lvl="6" indent="-317500">
               <a:spcBef>
                 <a:spcPts val="0"/>
               </a:spcBef>
@@ -5020,7 +4968,7 @@
               <a:buChar char="●"/>
               <a:defRPr/>
             </a:lvl7pPr>
-            <a:lvl8pPr indent="-317500" lvl="7" marL="3657600">
+            <a:lvl8pPr marL="3657600" lvl="7" indent="-317500">
               <a:spcBef>
                 <a:spcPts val="0"/>
               </a:spcBef>
@@ -5031,7 +4979,7 @@
               <a:buChar char="○"/>
               <a:defRPr/>
             </a:lvl8pPr>
-            <a:lvl9pPr indent="-317500" lvl="8" marL="4114800">
+            <a:lvl9pPr marL="4114800" lvl="8" indent="-317500">
               <a:spcBef>
                 <a:spcPts val="0"/>
               </a:spcBef>
@@ -5043,15 +4991,19 @@
               <a:defRPr/>
             </a:lvl9pPr>
           </a:lstStyle>
-          <a:p/>
+          <a:p>
+            <a:endParaRPr/>
+          </a:p>
         </p:txBody>
       </p:sp>
       <p:sp>
         <p:nvSpPr>
           <p:cNvPr id="40" name="Google Shape;40;p9"/>
-          <p:cNvSpPr txBox="1"/>
+          <p:cNvSpPr txBox="1">
+            <a:spLocks noGrp="1"/>
+          </p:cNvSpPr>
           <p:nvPr>
-            <p:ph idx="12" type="sldNum"/>
+            <p:ph type="sldNum" idx="12"/>
           </p:nvPr>
         </p:nvSpPr>
         <p:spPr>
@@ -5064,7 +5016,7 @@
           </a:prstGeom>
         </p:spPr>
         <p:txBody>
-          <a:bodyPr anchorCtr="0" anchor="ctr" bIns="91425" lIns="91425" spcFirstLastPara="1" rIns="91425" wrap="square" tIns="91425">
+          <a:bodyPr spcFirstLastPara="1" wrap="square" lIns="91425" tIns="91425" rIns="91425" bIns="91425" anchor="ctr" anchorCtr="0">
             <a:normAutofit/>
           </a:bodyPr>
           <a:lstStyle>
@@ -5106,7 +5058,7 @@
             </a:lvl9pPr>
           </a:lstStyle>
           <a:p>
-            <a:pPr indent="0" lvl="0" marL="0" rtl="0" algn="r">
+            <a:pPr marL="0" lvl="0" indent="0" algn="r" rtl="0">
               <a:spcBef>
                 <a:spcPts val="0"/>
               </a:spcBef>
@@ -5132,11 +5084,11 @@
 </file>
 
 <file path=ppt/slideLayouts/slideLayout9.xml><?xml version="1.0" encoding="utf-8"?>
-<p:sldLayout xmlns:a="http://schemas.openxmlformats.org/drawingml/2006/main" xmlns:r="http://schemas.openxmlformats.org/officeDocument/2006/relationships" xmlns:mc="http://schemas.openxmlformats.org/markup-compatibility/2006" xmlns:mv="urn:schemas-microsoft-com:mac:vml" xmlns:p="http://schemas.openxmlformats.org/presentationml/2006/main" xmlns:c="http://schemas.openxmlformats.org/drawingml/2006/chart" xmlns:dgm="http://schemas.openxmlformats.org/drawingml/2006/diagram" xmlns:o="urn:schemas-microsoft-com:office:office" xmlns:v="urn:schemas-microsoft-com:vml" xmlns:pvml="urn:schemas-microsoft-com:office:powerpoint" xmlns:com="http://schemas.openxmlformats.org/drawingml/2006/compatibility" xmlns:p14="http://schemas.microsoft.com/office/powerpoint/2010/main" xmlns:p15="http://schemas.microsoft.com/office/powerpoint/2012/main" xmlns:ahyp="http://schemas.microsoft.com/office/drawing/2018/hyperlinkcolor" matchingName="Caption">
+<p:sldLayout xmlns:a="http://schemas.openxmlformats.org/drawingml/2006/main" xmlns:r="http://schemas.openxmlformats.org/officeDocument/2006/relationships" xmlns:p="http://schemas.openxmlformats.org/presentationml/2006/main" matchingName="Caption">
   <p:cSld name="CAPTION_ONLY">
     <p:spTree>
       <p:nvGrpSpPr>
-        <p:cNvPr id="41" name="Shape 41"/>
+        <p:cNvPr id="1" name="Shape 41"/>
         <p:cNvGrpSpPr/>
         <p:nvPr/>
       </p:nvGrpSpPr>
@@ -5151,9 +5103,11 @@
       <p:sp>
         <p:nvSpPr>
           <p:cNvPr id="42" name="Google Shape;42;p10"/>
-          <p:cNvSpPr txBox="1"/>
+          <p:cNvSpPr txBox="1">
+            <a:spLocks noGrp="1"/>
+          </p:cNvSpPr>
           <p:nvPr>
-            <p:ph idx="1" type="body"/>
+            <p:ph type="body" idx="1"/>
           </p:nvPr>
         </p:nvSpPr>
         <p:spPr>
@@ -5166,11 +5120,11 @@
           </a:prstGeom>
         </p:spPr>
         <p:txBody>
-          <a:bodyPr anchorCtr="0" anchor="ctr" bIns="91425" lIns="91425" spcFirstLastPara="1" rIns="91425" wrap="square" tIns="91425">
+          <a:bodyPr spcFirstLastPara="1" wrap="square" lIns="91425" tIns="91425" rIns="91425" bIns="91425" anchor="ctr" anchorCtr="0">
             <a:normAutofit/>
           </a:bodyPr>
           <a:lstStyle>
-            <a:lvl1pPr indent="-228600" lvl="0" marL="457200">
+            <a:lvl1pPr marL="457200" lvl="0" indent="-228600">
               <a:lnSpc>
                 <a:spcPct val="100000"/>
               </a:lnSpc>
@@ -5185,15 +5139,19 @@
               <a:defRPr/>
             </a:lvl1pPr>
           </a:lstStyle>
-          <a:p/>
+          <a:p>
+            <a:endParaRPr/>
+          </a:p>
         </p:txBody>
       </p:sp>
       <p:sp>
         <p:nvSpPr>
           <p:cNvPr id="43" name="Google Shape;43;p10"/>
-          <p:cNvSpPr txBox="1"/>
+          <p:cNvSpPr txBox="1">
+            <a:spLocks noGrp="1"/>
+          </p:cNvSpPr>
           <p:nvPr>
-            <p:ph idx="12" type="sldNum"/>
+            <p:ph type="sldNum" idx="12"/>
           </p:nvPr>
         </p:nvSpPr>
         <p:spPr>
@@ -5206,7 +5164,7 @@
           </a:prstGeom>
         </p:spPr>
         <p:txBody>
-          <a:bodyPr anchorCtr="0" anchor="ctr" bIns="91425" lIns="91425" spcFirstLastPara="1" rIns="91425" wrap="square" tIns="91425">
+          <a:bodyPr spcFirstLastPara="1" wrap="square" lIns="91425" tIns="91425" rIns="91425" bIns="91425" anchor="ctr" anchorCtr="0">
             <a:normAutofit/>
           </a:bodyPr>
           <a:lstStyle>
@@ -5248,7 +5206,7 @@
             </a:lvl9pPr>
           </a:lstStyle>
           <a:p>
-            <a:pPr indent="0" lvl="0" marL="0" rtl="0" algn="r">
+            <a:pPr marL="0" lvl="0" indent="0" algn="r" rtl="0">
               <a:spcBef>
                 <a:spcPts val="0"/>
               </a:spcBef>
@@ -5274,18 +5232,19 @@
 </file>
 
 <file path=ppt/slideMasters/slideMaster1.xml><?xml version="1.0" encoding="utf-8"?>
-<p:sldMaster xmlns:a="http://schemas.openxmlformats.org/drawingml/2006/main" xmlns:r="http://schemas.openxmlformats.org/officeDocument/2006/relationships" xmlns:mc="http://schemas.openxmlformats.org/markup-compatibility/2006" xmlns:mv="urn:schemas-microsoft-com:mac:vml" xmlns:p="http://schemas.openxmlformats.org/presentationml/2006/main" xmlns:c="http://schemas.openxmlformats.org/drawingml/2006/chart" xmlns:dgm="http://schemas.openxmlformats.org/drawingml/2006/diagram" xmlns:o="urn:schemas-microsoft-com:office:office" xmlns:v="urn:schemas-microsoft-com:vml" xmlns:pvml="urn:schemas-microsoft-com:office:powerpoint" xmlns:com="http://schemas.openxmlformats.org/drawingml/2006/compatibility" xmlns:p14="http://schemas.microsoft.com/office/powerpoint/2010/main" xmlns:p15="http://schemas.microsoft.com/office/powerpoint/2012/main" xmlns:ahyp="http://schemas.microsoft.com/office/drawing/2018/hyperlinkcolor">
+<p:sldMaster xmlns:a="http://schemas.openxmlformats.org/drawingml/2006/main" xmlns:r="http://schemas.openxmlformats.org/officeDocument/2006/relationships" xmlns:p="http://schemas.openxmlformats.org/presentationml/2006/main">
   <p:cSld name="simple-light-2">
     <p:bg>
       <p:bgPr>
         <a:solidFill>
           <a:schemeClr val="lt1"/>
         </a:solidFill>
+        <a:effectLst/>
       </p:bgPr>
     </p:bg>
     <p:spTree>
       <p:nvGrpSpPr>
-        <p:cNvPr id="5" name="Shape 5"/>
+        <p:cNvPr id="1" name="Shape 5"/>
         <p:cNvGrpSpPr/>
         <p:nvPr/>
       </p:nvGrpSpPr>
@@ -5300,7 +5259,9 @@
       <p:sp>
         <p:nvSpPr>
           <p:cNvPr id="6" name="Google Shape;6;p1"/>
-          <p:cNvSpPr txBox="1"/>
+          <p:cNvSpPr txBox="1">
+            <a:spLocks noGrp="1"/>
+          </p:cNvSpPr>
           <p:nvPr>
             <p:ph type="title"/>
           </p:nvPr>
@@ -5319,7 +5280,7 @@
           </a:ln>
         </p:spPr>
         <p:txBody>
-          <a:bodyPr anchorCtr="0" anchor="t" bIns="91425" lIns="91425" spcFirstLastPara="1" rIns="91425" wrap="square" tIns="91425">
+          <a:bodyPr spcFirstLastPara="1" wrap="square" lIns="91425" tIns="91425" rIns="91425" bIns="91425" anchor="t" anchorCtr="0">
             <a:normAutofit/>
           </a:bodyPr>
           <a:lstStyle>
@@ -5486,15 +5447,19 @@
               </a:defRPr>
             </a:lvl9pPr>
           </a:lstStyle>
-          <a:p/>
+          <a:p>
+            <a:endParaRPr/>
+          </a:p>
         </p:txBody>
       </p:sp>
       <p:sp>
         <p:nvSpPr>
           <p:cNvPr id="7" name="Google Shape;7;p1"/>
-          <p:cNvSpPr txBox="1"/>
+          <p:cNvSpPr txBox="1">
+            <a:spLocks noGrp="1"/>
+          </p:cNvSpPr>
           <p:nvPr>
-            <p:ph idx="1" type="body"/>
+            <p:ph type="body" idx="1"/>
           </p:nvPr>
         </p:nvSpPr>
         <p:spPr>
@@ -5511,11 +5476,11 @@
           </a:ln>
         </p:spPr>
         <p:txBody>
-          <a:bodyPr anchorCtr="0" anchor="t" bIns="91425" lIns="91425" spcFirstLastPara="1" rIns="91425" wrap="square" tIns="91425">
+          <a:bodyPr spcFirstLastPara="1" wrap="square" lIns="91425" tIns="91425" rIns="91425" bIns="91425" anchor="t" anchorCtr="0">
             <a:normAutofit/>
           </a:bodyPr>
           <a:lstStyle>
-            <a:lvl1pPr indent="-342900" lvl="0" marL="457200">
+            <a:lvl1pPr marL="457200" lvl="0" indent="-342900">
               <a:lnSpc>
                 <a:spcPct val="115000"/>
               </a:lnSpc>
@@ -5536,7 +5501,7 @@
                 </a:solidFill>
               </a:defRPr>
             </a:lvl1pPr>
-            <a:lvl2pPr indent="-317500" lvl="1" marL="914400">
+            <a:lvl2pPr marL="914400" lvl="1" indent="-317500">
               <a:lnSpc>
                 <a:spcPct val="115000"/>
               </a:lnSpc>
@@ -5557,7 +5522,7 @@
                 </a:solidFill>
               </a:defRPr>
             </a:lvl2pPr>
-            <a:lvl3pPr indent="-317500" lvl="2" marL="1371600">
+            <a:lvl3pPr marL="1371600" lvl="2" indent="-317500">
               <a:lnSpc>
                 <a:spcPct val="115000"/>
               </a:lnSpc>
@@ -5578,7 +5543,7 @@
                 </a:solidFill>
               </a:defRPr>
             </a:lvl3pPr>
-            <a:lvl4pPr indent="-317500" lvl="3" marL="1828800">
+            <a:lvl4pPr marL="1828800" lvl="3" indent="-317500">
               <a:lnSpc>
                 <a:spcPct val="115000"/>
               </a:lnSpc>
@@ -5599,7 +5564,7 @@
                 </a:solidFill>
               </a:defRPr>
             </a:lvl4pPr>
-            <a:lvl5pPr indent="-317500" lvl="4" marL="2286000">
+            <a:lvl5pPr marL="2286000" lvl="4" indent="-317500">
               <a:lnSpc>
                 <a:spcPct val="115000"/>
               </a:lnSpc>
@@ -5620,7 +5585,7 @@
                 </a:solidFill>
               </a:defRPr>
             </a:lvl5pPr>
-            <a:lvl6pPr indent="-317500" lvl="5" marL="2743200">
+            <a:lvl6pPr marL="2743200" lvl="5" indent="-317500">
               <a:lnSpc>
                 <a:spcPct val="115000"/>
               </a:lnSpc>
@@ -5641,7 +5606,7 @@
                 </a:solidFill>
               </a:defRPr>
             </a:lvl6pPr>
-            <a:lvl7pPr indent="-317500" lvl="6" marL="3200400">
+            <a:lvl7pPr marL="3200400" lvl="6" indent="-317500">
               <a:lnSpc>
                 <a:spcPct val="115000"/>
               </a:lnSpc>
@@ -5662,7 +5627,7 @@
                 </a:solidFill>
               </a:defRPr>
             </a:lvl7pPr>
-            <a:lvl8pPr indent="-317500" lvl="7" marL="3657600">
+            <a:lvl8pPr marL="3657600" lvl="7" indent="-317500">
               <a:lnSpc>
                 <a:spcPct val="115000"/>
               </a:lnSpc>
@@ -5683,7 +5648,7 @@
                 </a:solidFill>
               </a:defRPr>
             </a:lvl8pPr>
-            <a:lvl9pPr indent="-317500" lvl="8" marL="4114800">
+            <a:lvl9pPr marL="4114800" lvl="8" indent="-317500">
               <a:lnSpc>
                 <a:spcPct val="115000"/>
               </a:lnSpc>
@@ -5705,15 +5670,19 @@
               </a:defRPr>
             </a:lvl9pPr>
           </a:lstStyle>
-          <a:p/>
+          <a:p>
+            <a:endParaRPr/>
+          </a:p>
         </p:txBody>
       </p:sp>
       <p:sp>
         <p:nvSpPr>
           <p:cNvPr id="8" name="Google Shape;8;p1"/>
-          <p:cNvSpPr txBox="1"/>
+          <p:cNvSpPr txBox="1">
+            <a:spLocks noGrp="1"/>
+          </p:cNvSpPr>
           <p:nvPr>
-            <p:ph idx="12" type="sldNum"/>
+            <p:ph type="sldNum" idx="12"/>
           </p:nvPr>
         </p:nvSpPr>
         <p:spPr>
@@ -5730,7 +5699,7 @@
           </a:ln>
         </p:spPr>
         <p:txBody>
-          <a:bodyPr anchorCtr="0" anchor="ctr" bIns="91425" lIns="91425" spcFirstLastPara="1" rIns="91425" wrap="square" tIns="91425">
+          <a:bodyPr spcFirstLastPara="1" wrap="square" lIns="91425" tIns="91425" rIns="91425" bIns="91425" anchor="ctr" anchorCtr="0">
             <a:normAutofit/>
           </a:bodyPr>
           <a:lstStyle>
@@ -5808,7 +5777,7 @@
             </a:lvl9pPr>
           </a:lstStyle>
           <a:p>
-            <a:pPr indent="0" lvl="0" marL="0" rtl="0" algn="r">
+            <a:pPr marL="0" lvl="0" indent="0" algn="r" rtl="0">
               <a:spcBef>
                 <a:spcPts val="0"/>
               </a:spcBef>
@@ -5827,7 +5796,7 @@
       </p:sp>
     </p:spTree>
   </p:cSld>
-  <p:clrMap accent1="accent1" accent2="accent2" accent3="accent3" accent4="accent4" accent5="accent5" accent6="accent6" bg1="lt1" bg2="dk2" tx1="dk1" tx2="lt2" folHlink="folHlink" hlink="hlink"/>
+  <p:clrMap bg1="lt1" tx1="dk1" bg2="dk2" tx2="lt2" accent1="accent1" accent2="accent2" accent3="accent3" accent4="accent4" accent5="accent5" accent6="accent6" hlink="hlink" folHlink="folHlink"/>
   <p:sldLayoutIdLst>
     <p:sldLayoutId id="2147483648" r:id="rId1"/>
     <p:sldLayoutId id="2147483649" r:id="rId2"/>
@@ -5841,10 +5810,10 @@
     <p:sldLayoutId id="2147483657" r:id="rId10"/>
     <p:sldLayoutId id="2147483658" r:id="rId11"/>
   </p:sldLayoutIdLst>
-  <p:hf dt="0" ftr="0" hdr="0" sldNum="0"/>
+  <p:hf sldNum="0" hdr="0" ftr="0" dt="0"/>
   <p:txStyles>
     <p:titleStyle>
-      <a:defPPr lvl="0" marR="0" rtl="0" algn="l">
+      <a:defPPr marR="0" lvl="0" algn="l" rtl="0">
         <a:lnSpc>
           <a:spcPct val="100000"/>
         </a:lnSpc>
@@ -5855,7 +5824,7 @@
           <a:spcPts val="0"/>
         </a:spcAft>
       </a:defPPr>
-      <a:lvl1pPr lvl="0" marR="0" rtl="0" algn="l">
+      <a:lvl1pPr marR="0" lvl="0" algn="l" rtl="0">
         <a:lnSpc>
           <a:spcPct val="100000"/>
         </a:lnSpc>
@@ -5869,7 +5838,7 @@
           <a:srgbClr val="000000"/>
         </a:buClr>
         <a:buFont typeface="Arial"/>
-        <a:defRPr b="0" i="0" sz="1400" u="none" cap="none" strike="noStrike">
+        <a:defRPr sz="1400" b="0" i="0" u="none" strike="noStrike" cap="none">
           <a:solidFill>
             <a:srgbClr val="000000"/>
           </a:solidFill>
@@ -5879,7 +5848,7 @@
           <a:sym typeface="Arial"/>
         </a:defRPr>
       </a:lvl1pPr>
-      <a:lvl2pPr lvl="1" marR="0" rtl="0" algn="l">
+      <a:lvl2pPr marR="0" lvl="1" algn="l" rtl="0">
         <a:lnSpc>
           <a:spcPct val="100000"/>
         </a:lnSpc>
@@ -5893,7 +5862,7 @@
           <a:srgbClr val="000000"/>
         </a:buClr>
         <a:buFont typeface="Arial"/>
-        <a:defRPr b="0" i="0" sz="1400" u="none" cap="none" strike="noStrike">
+        <a:defRPr sz="1400" b="0" i="0" u="none" strike="noStrike" cap="none">
           <a:solidFill>
             <a:srgbClr val="000000"/>
           </a:solidFill>
@@ -5903,7 +5872,7 @@
           <a:sym typeface="Arial"/>
         </a:defRPr>
       </a:lvl2pPr>
-      <a:lvl3pPr lvl="2" marR="0" rtl="0" algn="l">
+      <a:lvl3pPr marR="0" lvl="2" algn="l" rtl="0">
         <a:lnSpc>
           <a:spcPct val="100000"/>
         </a:lnSpc>
@@ -5917,7 +5886,7 @@
           <a:srgbClr val="000000"/>
         </a:buClr>
         <a:buFont typeface="Arial"/>
-        <a:defRPr b="0" i="0" sz="1400" u="none" cap="none" strike="noStrike">
+        <a:defRPr sz="1400" b="0" i="0" u="none" strike="noStrike" cap="none">
           <a:solidFill>
             <a:srgbClr val="000000"/>
           </a:solidFill>
@@ -5927,7 +5896,7 @@
           <a:sym typeface="Arial"/>
         </a:defRPr>
       </a:lvl3pPr>
-      <a:lvl4pPr lvl="3" marR="0" rtl="0" algn="l">
+      <a:lvl4pPr marR="0" lvl="3" algn="l" rtl="0">
         <a:lnSpc>
           <a:spcPct val="100000"/>
         </a:lnSpc>
@@ -5941,7 +5910,7 @@
           <a:srgbClr val="000000"/>
         </a:buClr>
         <a:buFont typeface="Arial"/>
-        <a:defRPr b="0" i="0" sz="1400" u="none" cap="none" strike="noStrike">
+        <a:defRPr sz="1400" b="0" i="0" u="none" strike="noStrike" cap="none">
           <a:solidFill>
             <a:srgbClr val="000000"/>
           </a:solidFill>
@@ -5951,7 +5920,7 @@
           <a:sym typeface="Arial"/>
         </a:defRPr>
       </a:lvl4pPr>
-      <a:lvl5pPr lvl="4" marR="0" rtl="0" algn="l">
+      <a:lvl5pPr marR="0" lvl="4" algn="l" rtl="0">
         <a:lnSpc>
           <a:spcPct val="100000"/>
         </a:lnSpc>
@@ -5965,7 +5934,7 @@
           <a:srgbClr val="000000"/>
         </a:buClr>
         <a:buFont typeface="Arial"/>
-        <a:defRPr b="0" i="0" sz="1400" u="none" cap="none" strike="noStrike">
+        <a:defRPr sz="1400" b="0" i="0" u="none" strike="noStrike" cap="none">
           <a:solidFill>
             <a:srgbClr val="000000"/>
           </a:solidFill>
@@ -5975,7 +5944,7 @@
           <a:sym typeface="Arial"/>
         </a:defRPr>
       </a:lvl5pPr>
-      <a:lvl6pPr lvl="5" marR="0" rtl="0" algn="l">
+      <a:lvl6pPr marR="0" lvl="5" algn="l" rtl="0">
         <a:lnSpc>
           <a:spcPct val="100000"/>
         </a:lnSpc>
@@ -5989,7 +5958,7 @@
           <a:srgbClr val="000000"/>
         </a:buClr>
         <a:buFont typeface="Arial"/>
-        <a:defRPr b="0" i="0" sz="1400" u="none" cap="none" strike="noStrike">
+        <a:defRPr sz="1400" b="0" i="0" u="none" strike="noStrike" cap="none">
           <a:solidFill>
             <a:srgbClr val="000000"/>
           </a:solidFill>
@@ -5999,7 +5968,7 @@
           <a:sym typeface="Arial"/>
         </a:defRPr>
       </a:lvl6pPr>
-      <a:lvl7pPr lvl="6" marR="0" rtl="0" algn="l">
+      <a:lvl7pPr marR="0" lvl="6" algn="l" rtl="0">
         <a:lnSpc>
           <a:spcPct val="100000"/>
         </a:lnSpc>
@@ -6013,7 +5982,7 @@
           <a:srgbClr val="000000"/>
         </a:buClr>
         <a:buFont typeface="Arial"/>
-        <a:defRPr b="0" i="0" sz="1400" u="none" cap="none" strike="noStrike">
+        <a:defRPr sz="1400" b="0" i="0" u="none" strike="noStrike" cap="none">
           <a:solidFill>
             <a:srgbClr val="000000"/>
           </a:solidFill>
@@ -6023,7 +5992,7 @@
           <a:sym typeface="Arial"/>
         </a:defRPr>
       </a:lvl7pPr>
-      <a:lvl8pPr lvl="7" marR="0" rtl="0" algn="l">
+      <a:lvl8pPr marR="0" lvl="7" algn="l" rtl="0">
         <a:lnSpc>
           <a:spcPct val="100000"/>
         </a:lnSpc>
@@ -6037,7 +6006,7 @@
           <a:srgbClr val="000000"/>
         </a:buClr>
         <a:buFont typeface="Arial"/>
-        <a:defRPr b="0" i="0" sz="1400" u="none" cap="none" strike="noStrike">
+        <a:defRPr sz="1400" b="0" i="0" u="none" strike="noStrike" cap="none">
           <a:solidFill>
             <a:srgbClr val="000000"/>
           </a:solidFill>
@@ -6047,7 +6016,7 @@
           <a:sym typeface="Arial"/>
         </a:defRPr>
       </a:lvl8pPr>
-      <a:lvl9pPr lvl="8" marR="0" rtl="0" algn="l">
+      <a:lvl9pPr marR="0" lvl="8" algn="l" rtl="0">
         <a:lnSpc>
           <a:spcPct val="100000"/>
         </a:lnSpc>
@@ -6061,7 +6030,7 @@
           <a:srgbClr val="000000"/>
         </a:buClr>
         <a:buFont typeface="Arial"/>
-        <a:defRPr b="0" i="0" sz="1400" u="none" cap="none" strike="noStrike">
+        <a:defRPr sz="1400" b="0" i="0" u="none" strike="noStrike" cap="none">
           <a:solidFill>
             <a:srgbClr val="000000"/>
           </a:solidFill>
@@ -6073,7 +6042,7 @@
       </a:lvl9pPr>
     </p:titleStyle>
     <p:bodyStyle>
-      <a:defPPr lvl="0" marR="0" rtl="0" algn="l">
+      <a:defPPr marR="0" lvl="0" algn="l" rtl="0">
         <a:lnSpc>
           <a:spcPct val="100000"/>
         </a:lnSpc>
@@ -6084,7 +6053,7 @@
           <a:spcPts val="0"/>
         </a:spcAft>
       </a:defPPr>
-      <a:lvl1pPr lvl="0" marR="0" rtl="0" algn="l">
+      <a:lvl1pPr marR="0" lvl="0" algn="l" rtl="0">
         <a:lnSpc>
           <a:spcPct val="100000"/>
         </a:lnSpc>
@@ -6098,7 +6067,7 @@
           <a:srgbClr val="000000"/>
         </a:buClr>
         <a:buFont typeface="Arial"/>
-        <a:defRPr b="0" i="0" sz="1400" u="none" cap="none" strike="noStrike">
+        <a:defRPr sz="1400" b="0" i="0" u="none" strike="noStrike" cap="none">
           <a:solidFill>
             <a:srgbClr val="000000"/>
           </a:solidFill>
@@ -6108,7 +6077,7 @@
           <a:sym typeface="Arial"/>
         </a:defRPr>
       </a:lvl1pPr>
-      <a:lvl2pPr lvl="1" marR="0" rtl="0" algn="l">
+      <a:lvl2pPr marR="0" lvl="1" algn="l" rtl="0">
         <a:lnSpc>
           <a:spcPct val="100000"/>
         </a:lnSpc>
@@ -6122,7 +6091,7 @@
           <a:srgbClr val="000000"/>
         </a:buClr>
         <a:buFont typeface="Arial"/>
-        <a:defRPr b="0" i="0" sz="1400" u="none" cap="none" strike="noStrike">
+        <a:defRPr sz="1400" b="0" i="0" u="none" strike="noStrike" cap="none">
           <a:solidFill>
             <a:srgbClr val="000000"/>
           </a:solidFill>
@@ -6132,7 +6101,7 @@
           <a:sym typeface="Arial"/>
         </a:defRPr>
       </a:lvl2pPr>
-      <a:lvl3pPr lvl="2" marR="0" rtl="0" algn="l">
+      <a:lvl3pPr marR="0" lvl="2" algn="l" rtl="0">
         <a:lnSpc>
           <a:spcPct val="100000"/>
         </a:lnSpc>
@@ -6146,7 +6115,7 @@
           <a:srgbClr val="000000"/>
         </a:buClr>
         <a:buFont typeface="Arial"/>
-        <a:defRPr b="0" i="0" sz="1400" u="none" cap="none" strike="noStrike">
+        <a:defRPr sz="1400" b="0" i="0" u="none" strike="noStrike" cap="none">
           <a:solidFill>
             <a:srgbClr val="000000"/>
           </a:solidFill>
@@ -6156,7 +6125,7 @@
           <a:sym typeface="Arial"/>
         </a:defRPr>
       </a:lvl3pPr>
-      <a:lvl4pPr lvl="3" marR="0" rtl="0" algn="l">
+      <a:lvl4pPr marR="0" lvl="3" algn="l" rtl="0">
         <a:lnSpc>
           <a:spcPct val="100000"/>
         </a:lnSpc>
@@ -6170,7 +6139,7 @@
           <a:srgbClr val="000000"/>
         </a:buClr>
         <a:buFont typeface="Arial"/>
-        <a:defRPr b="0" i="0" sz="1400" u="none" cap="none" strike="noStrike">
+        <a:defRPr sz="1400" b="0" i="0" u="none" strike="noStrike" cap="none">
           <a:solidFill>
             <a:srgbClr val="000000"/>
           </a:solidFill>
@@ -6180,7 +6149,7 @@
           <a:sym typeface="Arial"/>
         </a:defRPr>
       </a:lvl4pPr>
-      <a:lvl5pPr lvl="4" marR="0" rtl="0" algn="l">
+      <a:lvl5pPr marR="0" lvl="4" algn="l" rtl="0">
         <a:lnSpc>
           <a:spcPct val="100000"/>
         </a:lnSpc>
@@ -6194,7 +6163,7 @@
           <a:srgbClr val="000000"/>
         </a:buClr>
         <a:buFont typeface="Arial"/>
-        <a:defRPr b="0" i="0" sz="1400" u="none" cap="none" strike="noStrike">
+        <a:defRPr sz="1400" b="0" i="0" u="none" strike="noStrike" cap="none">
           <a:solidFill>
             <a:srgbClr val="000000"/>
           </a:solidFill>
@@ -6204,7 +6173,7 @@
           <a:sym typeface="Arial"/>
         </a:defRPr>
       </a:lvl5pPr>
-      <a:lvl6pPr lvl="5" marR="0" rtl="0" algn="l">
+      <a:lvl6pPr marR="0" lvl="5" algn="l" rtl="0">
         <a:lnSpc>
           <a:spcPct val="100000"/>
         </a:lnSpc>
@@ -6218,7 +6187,7 @@
           <a:srgbClr val="000000"/>
         </a:buClr>
         <a:buFont typeface="Arial"/>
-        <a:defRPr b="0" i="0" sz="1400" u="none" cap="none" strike="noStrike">
+        <a:defRPr sz="1400" b="0" i="0" u="none" strike="noStrike" cap="none">
           <a:solidFill>
             <a:srgbClr val="000000"/>
           </a:solidFill>
@@ -6228,7 +6197,7 @@
           <a:sym typeface="Arial"/>
         </a:defRPr>
       </a:lvl6pPr>
-      <a:lvl7pPr lvl="6" marR="0" rtl="0" algn="l">
+      <a:lvl7pPr marR="0" lvl="6" algn="l" rtl="0">
         <a:lnSpc>
           <a:spcPct val="100000"/>
         </a:lnSpc>
@@ -6242,7 +6211,7 @@
           <a:srgbClr val="000000"/>
         </a:buClr>
         <a:buFont typeface="Arial"/>
-        <a:defRPr b="0" i="0" sz="1400" u="none" cap="none" strike="noStrike">
+        <a:defRPr sz="1400" b="0" i="0" u="none" strike="noStrike" cap="none">
           <a:solidFill>
             <a:srgbClr val="000000"/>
           </a:solidFill>
@@ -6252,7 +6221,7 @@
           <a:sym typeface="Arial"/>
         </a:defRPr>
       </a:lvl7pPr>
-      <a:lvl8pPr lvl="7" marR="0" rtl="0" algn="l">
+      <a:lvl8pPr marR="0" lvl="7" algn="l" rtl="0">
         <a:lnSpc>
           <a:spcPct val="100000"/>
         </a:lnSpc>
@@ -6266,7 +6235,7 @@
           <a:srgbClr val="000000"/>
         </a:buClr>
         <a:buFont typeface="Arial"/>
-        <a:defRPr b="0" i="0" sz="1400" u="none" cap="none" strike="noStrike">
+        <a:defRPr sz="1400" b="0" i="0" u="none" strike="noStrike" cap="none">
           <a:solidFill>
             <a:srgbClr val="000000"/>
           </a:solidFill>
@@ -6276,7 +6245,7 @@
           <a:sym typeface="Arial"/>
         </a:defRPr>
       </a:lvl8pPr>
-      <a:lvl9pPr lvl="8" marR="0" rtl="0" algn="l">
+      <a:lvl9pPr marR="0" lvl="8" algn="l" rtl="0">
         <a:lnSpc>
           <a:spcPct val="100000"/>
         </a:lnSpc>
@@ -6290,7 +6259,7 @@
           <a:srgbClr val="000000"/>
         </a:buClr>
         <a:buFont typeface="Arial"/>
-        <a:defRPr b="0" i="0" sz="1400" u="none" cap="none" strike="noStrike">
+        <a:defRPr sz="1400" b="0" i="0" u="none" strike="noStrike" cap="none">
           <a:solidFill>
             <a:srgbClr val="000000"/>
           </a:solidFill>
@@ -6302,7 +6271,7 @@
       </a:lvl9pPr>
     </p:bodyStyle>
     <p:otherStyle>
-      <a:defPPr lvl="0" marR="0" rtl="0" algn="l">
+      <a:defPPr marR="0" lvl="0" algn="l" rtl="0">
         <a:lnSpc>
           <a:spcPct val="100000"/>
         </a:lnSpc>
@@ -6313,7 +6282,7 @@
           <a:spcPts val="0"/>
         </a:spcAft>
       </a:defPPr>
-      <a:lvl1pPr lvl="0" marR="0" rtl="0" algn="l">
+      <a:lvl1pPr marR="0" lvl="0" algn="l" rtl="0">
         <a:lnSpc>
           <a:spcPct val="100000"/>
         </a:lnSpc>
@@ -6327,7 +6296,7 @@
           <a:srgbClr val="000000"/>
         </a:buClr>
         <a:buFont typeface="Arial"/>
-        <a:defRPr b="0" i="0" sz="1400" u="none" cap="none" strike="noStrike">
+        <a:defRPr sz="1400" b="0" i="0" u="none" strike="noStrike" cap="none">
           <a:solidFill>
             <a:srgbClr val="000000"/>
           </a:solidFill>
@@ -6337,7 +6306,7 @@
           <a:sym typeface="Arial"/>
         </a:defRPr>
       </a:lvl1pPr>
-      <a:lvl2pPr lvl="1" marR="0" rtl="0" algn="l">
+      <a:lvl2pPr marR="0" lvl="1" algn="l" rtl="0">
         <a:lnSpc>
           <a:spcPct val="100000"/>
         </a:lnSpc>
@@ -6351,7 +6320,7 @@
           <a:srgbClr val="000000"/>
         </a:buClr>
         <a:buFont typeface="Arial"/>
-        <a:defRPr b="0" i="0" sz="1400" u="none" cap="none" strike="noStrike">
+        <a:defRPr sz="1400" b="0" i="0" u="none" strike="noStrike" cap="none">
           <a:solidFill>
             <a:srgbClr val="000000"/>
           </a:solidFill>
@@ -6361,7 +6330,7 @@
           <a:sym typeface="Arial"/>
         </a:defRPr>
       </a:lvl2pPr>
-      <a:lvl3pPr lvl="2" marR="0" rtl="0" algn="l">
+      <a:lvl3pPr marR="0" lvl="2" algn="l" rtl="0">
         <a:lnSpc>
           <a:spcPct val="100000"/>
         </a:lnSpc>
@@ -6375,7 +6344,7 @@
           <a:srgbClr val="000000"/>
         </a:buClr>
         <a:buFont typeface="Arial"/>
-        <a:defRPr b="0" i="0" sz="1400" u="none" cap="none" strike="noStrike">
+        <a:defRPr sz="1400" b="0" i="0" u="none" strike="noStrike" cap="none">
           <a:solidFill>
             <a:srgbClr val="000000"/>
           </a:solidFill>
@@ -6385,7 +6354,7 @@
           <a:sym typeface="Arial"/>
         </a:defRPr>
       </a:lvl3pPr>
-      <a:lvl4pPr lvl="3" marR="0" rtl="0" algn="l">
+      <a:lvl4pPr marR="0" lvl="3" algn="l" rtl="0">
         <a:lnSpc>
           <a:spcPct val="100000"/>
         </a:lnSpc>
@@ -6399,7 +6368,7 @@
           <a:srgbClr val="000000"/>
         </a:buClr>
         <a:buFont typeface="Arial"/>
-        <a:defRPr b="0" i="0" sz="1400" u="none" cap="none" strike="noStrike">
+        <a:defRPr sz="1400" b="0" i="0" u="none" strike="noStrike" cap="none">
           <a:solidFill>
             <a:srgbClr val="000000"/>
           </a:solidFill>
@@ -6409,7 +6378,7 @@
           <a:sym typeface="Arial"/>
         </a:defRPr>
       </a:lvl4pPr>
-      <a:lvl5pPr lvl="4" marR="0" rtl="0" algn="l">
+      <a:lvl5pPr marR="0" lvl="4" algn="l" rtl="0">
         <a:lnSpc>
           <a:spcPct val="100000"/>
         </a:lnSpc>
@@ -6423,7 +6392,7 @@
           <a:srgbClr val="000000"/>
         </a:buClr>
         <a:buFont typeface="Arial"/>
-        <a:defRPr b="0" i="0" sz="1400" u="none" cap="none" strike="noStrike">
+        <a:defRPr sz="1400" b="0" i="0" u="none" strike="noStrike" cap="none">
           <a:solidFill>
             <a:srgbClr val="000000"/>
           </a:solidFill>
@@ -6433,7 +6402,7 @@
           <a:sym typeface="Arial"/>
         </a:defRPr>
       </a:lvl5pPr>
-      <a:lvl6pPr lvl="5" marR="0" rtl="0" algn="l">
+      <a:lvl6pPr marR="0" lvl="5" algn="l" rtl="0">
         <a:lnSpc>
           <a:spcPct val="100000"/>
         </a:lnSpc>
@@ -6447,7 +6416,7 @@
           <a:srgbClr val="000000"/>
         </a:buClr>
         <a:buFont typeface="Arial"/>
-        <a:defRPr b="0" i="0" sz="1400" u="none" cap="none" strike="noStrike">
+        <a:defRPr sz="1400" b="0" i="0" u="none" strike="noStrike" cap="none">
           <a:solidFill>
             <a:srgbClr val="000000"/>
           </a:solidFill>
@@ -6457,7 +6426,7 @@
           <a:sym typeface="Arial"/>
         </a:defRPr>
       </a:lvl6pPr>
-      <a:lvl7pPr lvl="6" marR="0" rtl="0" algn="l">
+      <a:lvl7pPr marR="0" lvl="6" algn="l" rtl="0">
         <a:lnSpc>
           <a:spcPct val="100000"/>
         </a:lnSpc>
@@ -6471,7 +6440,7 @@
           <a:srgbClr val="000000"/>
         </a:buClr>
         <a:buFont typeface="Arial"/>
-        <a:defRPr b="0" i="0" sz="1400" u="none" cap="none" strike="noStrike">
+        <a:defRPr sz="1400" b="0" i="0" u="none" strike="noStrike" cap="none">
           <a:solidFill>
             <a:srgbClr val="000000"/>
           </a:solidFill>
@@ -6481,7 +6450,7 @@
           <a:sym typeface="Arial"/>
         </a:defRPr>
       </a:lvl7pPr>
-      <a:lvl8pPr lvl="7" marR="0" rtl="0" algn="l">
+      <a:lvl8pPr marR="0" lvl="7" algn="l" rtl="0">
         <a:lnSpc>
           <a:spcPct val="100000"/>
         </a:lnSpc>
@@ -6495,7 +6464,7 @@
           <a:srgbClr val="000000"/>
         </a:buClr>
         <a:buFont typeface="Arial"/>
-        <a:defRPr b="0" i="0" sz="1400" u="none" cap="none" strike="noStrike">
+        <a:defRPr sz="1400" b="0" i="0" u="none" strike="noStrike" cap="none">
           <a:solidFill>
             <a:srgbClr val="000000"/>
           </a:solidFill>
@@ -6505,7 +6474,7 @@
           <a:sym typeface="Arial"/>
         </a:defRPr>
       </a:lvl8pPr>
-      <a:lvl9pPr lvl="8" marR="0" rtl="0" algn="l">
+      <a:lvl9pPr marR="0" lvl="8" algn="l" rtl="0">
         <a:lnSpc>
           <a:spcPct val="100000"/>
         </a:lnSpc>
@@ -6519,7 +6488,7 @@
           <a:srgbClr val="000000"/>
         </a:buClr>
         <a:buFont typeface="Arial"/>
-        <a:defRPr b="0" i="0" sz="1400" u="none" cap="none" strike="noStrike">
+        <a:defRPr sz="1400" b="0" i="0" u="none" strike="noStrike" cap="none">
           <a:solidFill>
             <a:srgbClr val="000000"/>
           </a:solidFill>
@@ -6535,11 +6504,11 @@
 </file>
 
 <file path=ppt/slides/slide1.xml><?xml version="1.0" encoding="utf-8"?>
-<p:sld xmlns:a="http://schemas.openxmlformats.org/drawingml/2006/main" xmlns:r="http://schemas.openxmlformats.org/officeDocument/2006/relationships" xmlns:mc="http://schemas.openxmlformats.org/markup-compatibility/2006" xmlns:mv="urn:schemas-microsoft-com:mac:vml" xmlns:p="http://schemas.openxmlformats.org/presentationml/2006/main" xmlns:c="http://schemas.openxmlformats.org/drawingml/2006/chart" xmlns:dgm="http://schemas.openxmlformats.org/drawingml/2006/diagram" xmlns:o="urn:schemas-microsoft-com:office:office" xmlns:v="urn:schemas-microsoft-com:vml" xmlns:pvml="urn:schemas-microsoft-com:office:powerpoint" xmlns:com="http://schemas.openxmlformats.org/drawingml/2006/compatibility" xmlns:p14="http://schemas.microsoft.com/office/powerpoint/2010/main" xmlns:p15="http://schemas.microsoft.com/office/powerpoint/2012/main" xmlns:ahyp="http://schemas.microsoft.com/office/drawing/2018/hyperlinkcolor">
+<p:sld xmlns:a="http://schemas.openxmlformats.org/drawingml/2006/main" xmlns:r="http://schemas.openxmlformats.org/officeDocument/2006/relationships" xmlns:p="http://schemas.openxmlformats.org/presentationml/2006/main">
   <p:cSld>
     <p:spTree>
       <p:nvGrpSpPr>
-        <p:cNvPr id="53" name="Shape 53"/>
+        <p:cNvPr id="1" name="Shape 53"/>
         <p:cNvGrpSpPr/>
         <p:nvPr/>
       </p:nvGrpSpPr>
@@ -6554,7 +6523,9 @@
       <p:sp>
         <p:nvSpPr>
           <p:cNvPr id="54" name="Google Shape;54;p13"/>
-          <p:cNvSpPr txBox="1"/>
+          <p:cNvSpPr txBox="1">
+            <a:spLocks noGrp="1"/>
+          </p:cNvSpPr>
           <p:nvPr>
             <p:ph type="ctrTitle"/>
           </p:nvPr>
@@ -6569,12 +6540,12 @@
           </a:prstGeom>
         </p:spPr>
         <p:txBody>
-          <a:bodyPr anchorCtr="0" anchor="b" bIns="91425" lIns="91425" spcFirstLastPara="1" rIns="91425" wrap="square" tIns="91425">
+          <a:bodyPr spcFirstLastPara="1" wrap="square" lIns="91425" tIns="91425" rIns="91425" bIns="91425" anchor="b" anchorCtr="0">
             <a:normAutofit/>
           </a:bodyPr>
           <a:lstStyle/>
           <a:p>
-            <a:pPr indent="0" lvl="0" marL="0" rtl="0" algn="ctr">
+            <a:pPr marL="0" lvl="0" indent="0" algn="ctr" rtl="0">
               <a:spcBef>
                 <a:spcPts val="0"/>
               </a:spcBef>
@@ -6603,9 +6574,11 @@
       <p:sp>
         <p:nvSpPr>
           <p:cNvPr id="55" name="Google Shape;55;p13"/>
-          <p:cNvSpPr txBox="1"/>
+          <p:cNvSpPr txBox="1">
+            <a:spLocks noGrp="1"/>
+          </p:cNvSpPr>
           <p:nvPr>
-            <p:ph idx="1" type="subTitle"/>
+            <p:ph type="subTitle" idx="1"/>
           </p:nvPr>
         </p:nvSpPr>
         <p:spPr>
@@ -6618,12 +6591,12 @@
           </a:prstGeom>
         </p:spPr>
         <p:txBody>
-          <a:bodyPr anchorCtr="0" anchor="t" bIns="91425" lIns="91425" spcFirstLastPara="1" rIns="91425" wrap="square" tIns="91425">
+          <a:bodyPr spcFirstLastPara="1" wrap="square" lIns="91425" tIns="91425" rIns="91425" bIns="91425" anchor="t" anchorCtr="0">
             <a:normAutofit/>
           </a:bodyPr>
           <a:lstStyle/>
           <a:p>
-            <a:pPr indent="0" lvl="0" marL="0" rtl="0" algn="ctr">
+            <a:pPr marL="0" lvl="0" indent="0" algn="ctr" rtl="0">
               <a:spcBef>
                 <a:spcPts val="0"/>
               </a:spcBef>
@@ -6632,9 +6605,6 @@
               </a:spcAft>
               <a:buNone/>
             </a:pPr>
-            <a:r>
-              <a:t/>
-            </a:r>
             <a:endParaRPr/>
           </a:p>
         </p:txBody>
@@ -6648,11 +6618,11 @@
 </file>
 
 <file path=ppt/slides/slide10.xml><?xml version="1.0" encoding="utf-8"?>
-<p:sld xmlns:a="http://schemas.openxmlformats.org/drawingml/2006/main" xmlns:r="http://schemas.openxmlformats.org/officeDocument/2006/relationships" xmlns:mc="http://schemas.openxmlformats.org/markup-compatibility/2006" xmlns:mv="urn:schemas-microsoft-com:mac:vml" xmlns:p="http://schemas.openxmlformats.org/presentationml/2006/main" xmlns:c="http://schemas.openxmlformats.org/drawingml/2006/chart" xmlns:dgm="http://schemas.openxmlformats.org/drawingml/2006/diagram" xmlns:o="urn:schemas-microsoft-com:office:office" xmlns:v="urn:schemas-microsoft-com:vml" xmlns:pvml="urn:schemas-microsoft-com:office:powerpoint" xmlns:com="http://schemas.openxmlformats.org/drawingml/2006/compatibility" xmlns:p14="http://schemas.microsoft.com/office/powerpoint/2010/main" xmlns:p15="http://schemas.microsoft.com/office/powerpoint/2012/main" xmlns:ahyp="http://schemas.microsoft.com/office/drawing/2018/hyperlinkcolor">
+<p:sld xmlns:a="http://schemas.openxmlformats.org/drawingml/2006/main" xmlns:r="http://schemas.openxmlformats.org/officeDocument/2006/relationships" xmlns:p="http://schemas.openxmlformats.org/presentationml/2006/main">
   <p:cSld>
     <p:spTree>
       <p:nvGrpSpPr>
-        <p:cNvPr id="116" name="Shape 116"/>
+        <p:cNvPr id="1" name=""/>
         <p:cNvGrpSpPr/>
         <p:nvPr/>
       </p:nvGrpSpPr>
@@ -6666,8 +6636,747 @@
       </p:grpSpPr>
       <p:sp>
         <p:nvSpPr>
-          <p:cNvPr id="117" name="Google Shape;117;p22"/>
-          <p:cNvSpPr txBox="1"/>
+          <p:cNvPr id="2" name="標題 1">
+            <a:extLst>
+              <a:ext uri="{FF2B5EF4-FFF2-40B4-BE49-F238E27FC236}">
+                <a16:creationId xmlns:a16="http://schemas.microsoft.com/office/drawing/2014/main" id="{9B6B89A8-8E97-4F69-A067-BC21D736A11B}"/>
+              </a:ext>
+            </a:extLst>
+          </p:cNvPr>
+          <p:cNvSpPr>
+            <a:spLocks noGrp="1"/>
+          </p:cNvSpPr>
+          <p:nvPr>
+            <p:ph type="title"/>
+          </p:nvPr>
+        </p:nvSpPr>
+        <p:spPr/>
+        <p:txBody>
+          <a:bodyPr>
+            <a:normAutofit fontScale="90000"/>
+          </a:bodyPr>
+          <a:lstStyle/>
+          <a:p>
+            <a:r>
+              <a:rPr lang="zh-CN" altLang="en-US" dirty="0"/>
+              <a:t>時間規劃表</a:t>
+            </a:r>
+            <a:r>
+              <a:rPr lang="en-US" altLang="zh-CN" dirty="0"/>
+              <a:t>(</a:t>
+            </a:r>
+            <a:r>
+              <a:rPr lang="zh-CN" altLang="en-US" dirty="0"/>
+              <a:t>工作分類</a:t>
+            </a:r>
+            <a:r>
+              <a:rPr lang="en-US" altLang="zh-CN" dirty="0"/>
+              <a:t>)</a:t>
+            </a:r>
+            <a:endParaRPr lang="zh-TW" altLang="en-US" dirty="0"/>
+          </a:p>
+        </p:txBody>
+      </p:sp>
+      <p:sp>
+        <p:nvSpPr>
+          <p:cNvPr id="3" name="文字版面配置區 2">
+            <a:extLst>
+              <a:ext uri="{FF2B5EF4-FFF2-40B4-BE49-F238E27FC236}">
+                <a16:creationId xmlns:a16="http://schemas.microsoft.com/office/drawing/2014/main" id="{945B33CF-4874-4669-9C3C-3C3A8DB57C40}"/>
+              </a:ext>
+            </a:extLst>
+          </p:cNvPr>
+          <p:cNvSpPr>
+            <a:spLocks noGrp="1"/>
+          </p:cNvSpPr>
+          <p:nvPr>
+            <p:ph type="body" idx="1"/>
+          </p:nvPr>
+        </p:nvSpPr>
+        <p:spPr/>
+        <p:txBody>
+          <a:bodyPr>
+            <a:normAutofit fontScale="92500" lnSpcReduction="20000"/>
+          </a:bodyPr>
+          <a:lstStyle/>
+          <a:p>
+            <a:r>
+              <a:rPr lang="en-US" altLang="zh-CN" dirty="0"/>
+              <a:t>RPI</a:t>
+            </a:r>
+            <a:r>
+              <a:rPr lang="zh-CN" altLang="en-US" dirty="0"/>
+              <a:t>資料格式處理：</a:t>
+            </a:r>
+            <a:endParaRPr lang="en-US" altLang="zh-CN" dirty="0"/>
+          </a:p>
+          <a:p>
+            <a:pPr lvl="1">
+              <a:buFont typeface="+mj-lt"/>
+              <a:buAutoNum type="arabicPeriod"/>
+            </a:pPr>
+            <a:r>
+              <a:rPr lang="en-US" altLang="zh-CN" dirty="0"/>
+              <a:t>Excel</a:t>
+            </a:r>
+            <a:r>
+              <a:rPr lang="zh-CN" altLang="en-US" dirty="0"/>
+              <a:t>轉</a:t>
+            </a:r>
+            <a:r>
+              <a:rPr lang="en-US" altLang="zh-CN" dirty="0"/>
+              <a:t>json.py</a:t>
+            </a:r>
+          </a:p>
+          <a:p>
+            <a:pPr lvl="1">
+              <a:buFont typeface="+mj-lt"/>
+              <a:buAutoNum type="arabicPeriod"/>
+            </a:pPr>
+            <a:r>
+              <a:rPr lang="en-US" altLang="zh-CN" dirty="0"/>
+              <a:t>8bit</a:t>
+            </a:r>
+            <a:r>
+              <a:rPr lang="zh-CN" altLang="en-US" dirty="0"/>
+              <a:t>轉</a:t>
+            </a:r>
+            <a:r>
+              <a:rPr lang="en-US" altLang="zh-CN" dirty="0"/>
+              <a:t>json.py</a:t>
+            </a:r>
+          </a:p>
+          <a:p>
+            <a:pPr lvl="1">
+              <a:buFont typeface="+mj-lt"/>
+              <a:buAutoNum type="arabicPeriod"/>
+            </a:pPr>
+            <a:r>
+              <a:rPr lang="en-US" altLang="zh-CN" dirty="0"/>
+              <a:t>json</a:t>
+            </a:r>
+            <a:r>
+              <a:rPr lang="zh-CN" altLang="en-US" dirty="0"/>
+              <a:t>產生圖表</a:t>
+            </a:r>
+            <a:r>
+              <a:rPr lang="en-US" altLang="zh-CN" dirty="0"/>
+              <a:t>.</a:t>
+            </a:r>
+            <a:r>
+              <a:rPr lang="en-US" altLang="zh-CN" dirty="0" err="1"/>
+              <a:t>py</a:t>
+            </a:r>
+            <a:endParaRPr lang="en-US" altLang="zh-CN" dirty="0"/>
+          </a:p>
+          <a:p>
+            <a:r>
+              <a:rPr lang="en-US" altLang="zh-CN" dirty="0"/>
+              <a:t>SPI</a:t>
+            </a:r>
+            <a:r>
+              <a:rPr lang="zh-CN" altLang="en-US" dirty="0"/>
+              <a:t>資料傳送：</a:t>
+            </a:r>
+            <a:endParaRPr lang="en-US" altLang="zh-CN" dirty="0"/>
+          </a:p>
+          <a:p>
+            <a:pPr marL="939800" lvl="1" indent="-342900">
+              <a:buFont typeface="+mj-lt"/>
+              <a:buAutoNum type="arabicPeriod"/>
+            </a:pPr>
+            <a:r>
+              <a:rPr lang="en-US" altLang="zh-CN" dirty="0"/>
+              <a:t>SPI</a:t>
+            </a:r>
+            <a:r>
+              <a:rPr lang="zh-CN" altLang="en-US" dirty="0"/>
+              <a:t>資料接收與傳送</a:t>
+            </a:r>
+            <a:r>
+              <a:rPr lang="en-US" altLang="zh-CN" dirty="0"/>
+              <a:t>.</a:t>
+            </a:r>
+            <a:r>
+              <a:rPr lang="en-US" altLang="zh-CN" dirty="0" err="1"/>
+              <a:t>py</a:t>
+            </a:r>
+            <a:endParaRPr lang="en-US" altLang="zh-CN" dirty="0"/>
+          </a:p>
+          <a:p>
+            <a:pPr marL="939800" lvl="1" indent="-342900">
+              <a:buFont typeface="+mj-lt"/>
+              <a:buAutoNum type="arabicPeriod"/>
+            </a:pPr>
+            <a:r>
+              <a:rPr lang="en-US" altLang="zh-CN" dirty="0"/>
+              <a:t>SPI</a:t>
+            </a:r>
+            <a:r>
+              <a:rPr lang="zh-CN" altLang="en-US" dirty="0"/>
+              <a:t>資料傳送</a:t>
+            </a:r>
+            <a:r>
+              <a:rPr lang="en-US" altLang="zh-CN" dirty="0"/>
+              <a:t>.v</a:t>
+            </a:r>
+          </a:p>
+          <a:p>
+            <a:r>
+              <a:rPr lang="en-US" altLang="zh-CN" dirty="0"/>
+              <a:t>FPGA</a:t>
+            </a:r>
+            <a:r>
+              <a:rPr lang="zh-CN" altLang="en-US" dirty="0"/>
+              <a:t>資料處理：</a:t>
+            </a:r>
+            <a:endParaRPr lang="en-US" altLang="zh-CN" dirty="0"/>
+          </a:p>
+          <a:p>
+            <a:pPr marL="939800" lvl="1" indent="-342900">
+              <a:buFont typeface="+mj-lt"/>
+              <a:buAutoNum type="arabicPeriod"/>
+            </a:pPr>
+            <a:r>
+              <a:rPr lang="zh-CN" altLang="en-US" dirty="0"/>
+              <a:t>暫存器</a:t>
+            </a:r>
+            <a:r>
+              <a:rPr lang="en-US" altLang="zh-CN" dirty="0"/>
+              <a:t>.v</a:t>
+            </a:r>
+          </a:p>
+          <a:p>
+            <a:pPr marL="939800" lvl="1" indent="-342900">
+              <a:buFont typeface="+mj-lt"/>
+              <a:buAutoNum type="arabicPeriod"/>
+            </a:pPr>
+            <a:r>
+              <a:rPr lang="zh-CN" altLang="en-US" dirty="0"/>
+              <a:t>資料分類</a:t>
+            </a:r>
+            <a:r>
+              <a:rPr lang="en-US" altLang="zh-CN" dirty="0"/>
+              <a:t>.v</a:t>
+            </a:r>
+          </a:p>
+          <a:p>
+            <a:pPr marL="939800" lvl="1" indent="-342900">
+              <a:buFont typeface="+mj-lt"/>
+              <a:buAutoNum type="arabicPeriod"/>
+            </a:pPr>
+            <a:r>
+              <a:rPr lang="zh-CN" altLang="en-US" dirty="0"/>
+              <a:t>資料處理</a:t>
+            </a:r>
+            <a:r>
+              <a:rPr lang="en-US" altLang="zh-CN" dirty="0"/>
+              <a:t>.v</a:t>
+            </a:r>
+          </a:p>
+          <a:p>
+            <a:pPr marL="939800" lvl="1" indent="-342900">
+              <a:buFont typeface="+mj-lt"/>
+              <a:buAutoNum type="arabicPeriod"/>
+            </a:pPr>
+            <a:r>
+              <a:rPr lang="zh-CN" altLang="en-US" dirty="0"/>
+              <a:t>理想</a:t>
+            </a:r>
+            <a:r>
+              <a:rPr lang="en-US" altLang="zh-CN" dirty="0"/>
+              <a:t>/</a:t>
+            </a:r>
+            <a:r>
+              <a:rPr lang="zh-CN" altLang="en-US" dirty="0"/>
+              <a:t>量測比較</a:t>
+            </a:r>
+            <a:r>
+              <a:rPr lang="en-US" altLang="zh-CN" dirty="0"/>
+              <a:t>.v</a:t>
+            </a:r>
+          </a:p>
+          <a:p>
+            <a:r>
+              <a:rPr lang="zh-CN" altLang="en-US" dirty="0"/>
+              <a:t>整合測試</a:t>
+            </a:r>
+            <a:endParaRPr lang="en-US" altLang="zh-CN" dirty="0"/>
+          </a:p>
+          <a:p>
+            <a:pPr marL="939800" lvl="1" indent="-342900">
+              <a:buFont typeface="+mj-lt"/>
+              <a:buAutoNum type="arabicPeriod"/>
+            </a:pPr>
+            <a:r>
+              <a:rPr lang="en-US" altLang="zh-CN" dirty="0"/>
+              <a:t>RPI</a:t>
+            </a:r>
+            <a:r>
+              <a:rPr lang="zh-CN" altLang="en-US" dirty="0"/>
+              <a:t>與</a:t>
+            </a:r>
+            <a:r>
+              <a:rPr lang="en-US" altLang="zh-CN" dirty="0"/>
+              <a:t>FPGA</a:t>
+            </a:r>
+            <a:r>
+              <a:rPr lang="zh-CN" altLang="en-US" dirty="0"/>
+              <a:t>資料傳輸測試</a:t>
+            </a:r>
+            <a:endParaRPr lang="en-US" altLang="zh-CN" dirty="0"/>
+          </a:p>
+          <a:p>
+            <a:pPr marL="939800" lvl="1" indent="-342900">
+              <a:buFont typeface="+mj-lt"/>
+              <a:buAutoNum type="arabicPeriod"/>
+            </a:pPr>
+            <a:r>
+              <a:rPr lang="en-US" altLang="zh-CN" dirty="0"/>
+              <a:t>RPI</a:t>
+            </a:r>
+            <a:r>
+              <a:rPr lang="zh-CN" altLang="en-US" dirty="0"/>
+              <a:t>資料顯示測試</a:t>
+            </a:r>
+            <a:endParaRPr lang="en-US" altLang="zh-CN" dirty="0"/>
+          </a:p>
+          <a:p>
+            <a:pPr marL="596900" lvl="1" indent="0">
+              <a:buNone/>
+            </a:pPr>
+            <a:endParaRPr lang="en-US" altLang="zh-CN" dirty="0"/>
+          </a:p>
+        </p:txBody>
+      </p:sp>
+    </p:spTree>
+    <p:extLst>
+      <p:ext uri="{BB962C8B-B14F-4D97-AF65-F5344CB8AC3E}">
+        <p14:creationId xmlns:p14="http://schemas.microsoft.com/office/powerpoint/2010/main" val="141069464"/>
+      </p:ext>
+    </p:extLst>
+  </p:cSld>
+  <p:clrMapOvr>
+    <a:masterClrMapping/>
+  </p:clrMapOvr>
+</p:sld>
+</file>
+
+<file path=ppt/slides/slide11.xml><?xml version="1.0" encoding="utf-8"?>
+<p:sld xmlns:a="http://schemas.openxmlformats.org/drawingml/2006/main" xmlns:r="http://schemas.openxmlformats.org/officeDocument/2006/relationships" xmlns:p="http://schemas.openxmlformats.org/presentationml/2006/main">
+  <p:cSld>
+    <p:spTree>
+      <p:nvGrpSpPr>
+        <p:cNvPr id="1" name=""/>
+        <p:cNvGrpSpPr/>
+        <p:nvPr/>
+      </p:nvGrpSpPr>
+      <p:grpSpPr>
+        <a:xfrm>
+          <a:off x="0" y="0"/>
+          <a:ext cx="0" cy="0"/>
+          <a:chOff x="0" y="0"/>
+          <a:chExt cx="0" cy="0"/>
+        </a:xfrm>
+      </p:grpSpPr>
+      <p:sp>
+        <p:nvSpPr>
+          <p:cNvPr id="2" name="標題 1">
+            <a:extLst>
+              <a:ext uri="{FF2B5EF4-FFF2-40B4-BE49-F238E27FC236}">
+                <a16:creationId xmlns:a16="http://schemas.microsoft.com/office/drawing/2014/main" id="{9B6B89A8-8E97-4F69-A067-BC21D736A11B}"/>
+              </a:ext>
+            </a:extLst>
+          </p:cNvPr>
+          <p:cNvSpPr>
+            <a:spLocks noGrp="1"/>
+          </p:cNvSpPr>
+          <p:nvPr>
+            <p:ph type="title"/>
+          </p:nvPr>
+        </p:nvSpPr>
+        <p:spPr/>
+        <p:txBody>
+          <a:bodyPr>
+            <a:normAutofit fontScale="90000"/>
+          </a:bodyPr>
+          <a:lstStyle/>
+          <a:p>
+            <a:r>
+              <a:rPr lang="zh-CN" altLang="en-US" dirty="0"/>
+              <a:t>時間規劃表</a:t>
+            </a:r>
+            <a:r>
+              <a:rPr lang="en-US" altLang="zh-CN" dirty="0"/>
+              <a:t>(</a:t>
+            </a:r>
+            <a:r>
+              <a:rPr lang="zh-CN" altLang="en-US" dirty="0"/>
+              <a:t>工作排程</a:t>
+            </a:r>
+            <a:r>
+              <a:rPr lang="en-US" altLang="zh-CN" dirty="0"/>
+              <a:t>)</a:t>
+            </a:r>
+            <a:endParaRPr lang="zh-TW" altLang="en-US" dirty="0"/>
+          </a:p>
+        </p:txBody>
+      </p:sp>
+      <p:pic>
+        <p:nvPicPr>
+          <p:cNvPr id="5" name="圖片 4">
+            <a:extLst>
+              <a:ext uri="{FF2B5EF4-FFF2-40B4-BE49-F238E27FC236}">
+                <a16:creationId xmlns:a16="http://schemas.microsoft.com/office/drawing/2014/main" id="{878CFB62-6E1A-4100-AFBC-D231FA1A7EBA}"/>
+              </a:ext>
+            </a:extLst>
+          </p:cNvPr>
+          <p:cNvPicPr>
+            <a:picLocks noChangeAspect="1"/>
+          </p:cNvPicPr>
+          <p:nvPr/>
+        </p:nvPicPr>
+        <p:blipFill>
+          <a:blip r:embed="rId2"/>
+          <a:stretch>
+            <a:fillRect/>
+          </a:stretch>
+        </p:blipFill>
+        <p:spPr>
+          <a:xfrm>
+            <a:off x="860443" y="887116"/>
+            <a:ext cx="7423113" cy="4176486"/>
+          </a:xfrm>
+          <a:prstGeom prst="rect">
+            <a:avLst/>
+          </a:prstGeom>
+          <a:ln>
+            <a:solidFill>
+              <a:schemeClr val="tx1"/>
+            </a:solidFill>
+          </a:ln>
+        </p:spPr>
+      </p:pic>
+    </p:spTree>
+    <p:extLst>
+      <p:ext uri="{BB962C8B-B14F-4D97-AF65-F5344CB8AC3E}">
+        <p14:creationId xmlns:p14="http://schemas.microsoft.com/office/powerpoint/2010/main" val="2752061454"/>
+      </p:ext>
+    </p:extLst>
+  </p:cSld>
+  <p:clrMapOvr>
+    <a:masterClrMapping/>
+  </p:clrMapOvr>
+</p:sld>
+</file>
+
+<file path=ppt/slides/slide12.xml><?xml version="1.0" encoding="utf-8"?>
+<p:sld xmlns:a="http://schemas.openxmlformats.org/drawingml/2006/main" xmlns:r="http://schemas.openxmlformats.org/officeDocument/2006/relationships" xmlns:p="http://schemas.openxmlformats.org/presentationml/2006/main">
+  <p:cSld>
+    <p:spTree>
+      <p:nvGrpSpPr>
+        <p:cNvPr id="1" name=""/>
+        <p:cNvGrpSpPr/>
+        <p:nvPr/>
+      </p:nvGrpSpPr>
+      <p:grpSpPr>
+        <a:xfrm>
+          <a:off x="0" y="0"/>
+          <a:ext cx="0" cy="0"/>
+          <a:chOff x="0" y="0"/>
+          <a:chExt cx="0" cy="0"/>
+        </a:xfrm>
+      </p:grpSpPr>
+      <p:sp>
+        <p:nvSpPr>
+          <p:cNvPr id="2" name="標題 1">
+            <a:extLst>
+              <a:ext uri="{FF2B5EF4-FFF2-40B4-BE49-F238E27FC236}">
+                <a16:creationId xmlns:a16="http://schemas.microsoft.com/office/drawing/2014/main" id="{9B6B89A8-8E97-4F69-A067-BC21D736A11B}"/>
+              </a:ext>
+            </a:extLst>
+          </p:cNvPr>
+          <p:cNvSpPr>
+            <a:spLocks noGrp="1"/>
+          </p:cNvSpPr>
+          <p:nvPr>
+            <p:ph type="title"/>
+          </p:nvPr>
+        </p:nvSpPr>
+        <p:spPr/>
+        <p:txBody>
+          <a:bodyPr>
+            <a:normAutofit fontScale="90000"/>
+          </a:bodyPr>
+          <a:lstStyle/>
+          <a:p>
+            <a:r>
+              <a:rPr lang="zh-CN" altLang="en-US" dirty="0"/>
+              <a:t>時間規劃表</a:t>
+            </a:r>
+            <a:r>
+              <a:rPr lang="en-US" altLang="zh-CN" dirty="0"/>
+              <a:t>(</a:t>
+            </a:r>
+            <a:r>
+              <a:rPr lang="zh-CN" altLang="en-US" dirty="0"/>
+              <a:t>工作排程</a:t>
+            </a:r>
+            <a:r>
+              <a:rPr lang="en-US" altLang="zh-CN" dirty="0"/>
+              <a:t>)</a:t>
+            </a:r>
+            <a:endParaRPr lang="zh-TW" altLang="en-US" dirty="0"/>
+          </a:p>
+        </p:txBody>
+      </p:sp>
+      <p:pic>
+        <p:nvPicPr>
+          <p:cNvPr id="4" name="圖片 3">
+            <a:extLst>
+              <a:ext uri="{FF2B5EF4-FFF2-40B4-BE49-F238E27FC236}">
+                <a16:creationId xmlns:a16="http://schemas.microsoft.com/office/drawing/2014/main" id="{849BF2B2-463A-43B9-9979-D3FFD2015255}"/>
+              </a:ext>
+            </a:extLst>
+          </p:cNvPr>
+          <p:cNvPicPr>
+            <a:picLocks noChangeAspect="1"/>
+          </p:cNvPicPr>
+          <p:nvPr/>
+        </p:nvPicPr>
+        <p:blipFill>
+          <a:blip r:embed="rId2"/>
+          <a:stretch>
+            <a:fillRect/>
+          </a:stretch>
+        </p:blipFill>
+        <p:spPr>
+          <a:xfrm>
+            <a:off x="1249525" y="1017725"/>
+            <a:ext cx="6644949" cy="4108034"/>
+          </a:xfrm>
+          <a:prstGeom prst="rect">
+            <a:avLst/>
+          </a:prstGeom>
+          <a:ln>
+            <a:solidFill>
+              <a:schemeClr val="tx1"/>
+            </a:solidFill>
+          </a:ln>
+        </p:spPr>
+      </p:pic>
+      <p:pic>
+        <p:nvPicPr>
+          <p:cNvPr id="7" name="圖片 6">
+            <a:extLst>
+              <a:ext uri="{FF2B5EF4-FFF2-40B4-BE49-F238E27FC236}">
+                <a16:creationId xmlns:a16="http://schemas.microsoft.com/office/drawing/2014/main" id="{EF1E96B6-A10E-4507-A0D0-5E6E9492AC36}"/>
+              </a:ext>
+            </a:extLst>
+          </p:cNvPr>
+          <p:cNvPicPr>
+            <a:picLocks noChangeAspect="1"/>
+          </p:cNvPicPr>
+          <p:nvPr/>
+        </p:nvPicPr>
+        <p:blipFill>
+          <a:blip r:embed="rId3"/>
+          <a:stretch>
+            <a:fillRect/>
+          </a:stretch>
+        </p:blipFill>
+        <p:spPr>
+          <a:xfrm>
+            <a:off x="1730696" y="1017725"/>
+            <a:ext cx="639235" cy="358595"/>
+          </a:xfrm>
+          <a:prstGeom prst="rect">
+            <a:avLst/>
+          </a:prstGeom>
+        </p:spPr>
+      </p:pic>
+    </p:spTree>
+    <p:extLst>
+      <p:ext uri="{BB962C8B-B14F-4D97-AF65-F5344CB8AC3E}">
+        <p14:creationId xmlns:p14="http://schemas.microsoft.com/office/powerpoint/2010/main" val="1375566668"/>
+      </p:ext>
+    </p:extLst>
+  </p:cSld>
+  <p:clrMapOvr>
+    <a:masterClrMapping/>
+  </p:clrMapOvr>
+</p:sld>
+</file>
+
+<file path=ppt/slides/slide13.xml><?xml version="1.0" encoding="utf-8"?>
+<p:sld xmlns:a="http://schemas.openxmlformats.org/drawingml/2006/main" xmlns:r="http://schemas.openxmlformats.org/officeDocument/2006/relationships" xmlns:p="http://schemas.openxmlformats.org/presentationml/2006/main">
+  <p:cSld>
+    <p:spTree>
+      <p:nvGrpSpPr>
+        <p:cNvPr id="1" name=""/>
+        <p:cNvGrpSpPr/>
+        <p:nvPr/>
+      </p:nvGrpSpPr>
+      <p:grpSpPr>
+        <a:xfrm>
+          <a:off x="0" y="0"/>
+          <a:ext cx="0" cy="0"/>
+          <a:chOff x="0" y="0"/>
+          <a:chExt cx="0" cy="0"/>
+        </a:xfrm>
+      </p:grpSpPr>
+      <p:sp>
+        <p:nvSpPr>
+          <p:cNvPr id="2" name="標題 1">
+            <a:extLst>
+              <a:ext uri="{FF2B5EF4-FFF2-40B4-BE49-F238E27FC236}">
+                <a16:creationId xmlns:a16="http://schemas.microsoft.com/office/drawing/2014/main" id="{95195A1B-9EA9-466F-99FF-8E51D88A7B31}"/>
+              </a:ext>
+            </a:extLst>
+          </p:cNvPr>
+          <p:cNvSpPr>
+            <a:spLocks noGrp="1"/>
+          </p:cNvSpPr>
+          <p:nvPr>
+            <p:ph type="title"/>
+          </p:nvPr>
+        </p:nvSpPr>
+        <p:spPr/>
+        <p:txBody>
+          <a:bodyPr>
+            <a:normAutofit fontScale="90000"/>
+          </a:bodyPr>
+          <a:lstStyle/>
+          <a:p>
+            <a:r>
+              <a:rPr lang="zh-CN" altLang="en-US" dirty="0"/>
+              <a:t>測試資料集</a:t>
+            </a:r>
+            <a:endParaRPr lang="zh-TW" altLang="en-US" dirty="0"/>
+          </a:p>
+        </p:txBody>
+      </p:sp>
+      <p:sp>
+        <p:nvSpPr>
+          <p:cNvPr id="3" name="文字版面配置區 2">
+            <a:extLst>
+              <a:ext uri="{FF2B5EF4-FFF2-40B4-BE49-F238E27FC236}">
+                <a16:creationId xmlns:a16="http://schemas.microsoft.com/office/drawing/2014/main" id="{6EDC0676-18E2-4874-8945-46431823746F}"/>
+              </a:ext>
+            </a:extLst>
+          </p:cNvPr>
+          <p:cNvSpPr>
+            <a:spLocks noGrp="1"/>
+          </p:cNvSpPr>
+          <p:nvPr>
+            <p:ph type="body" idx="1"/>
+          </p:nvPr>
+        </p:nvSpPr>
+        <p:spPr/>
+        <p:txBody>
+          <a:bodyPr/>
+          <a:lstStyle/>
+          <a:p>
+            <a:endParaRPr lang="zh-TW" altLang="en-US"/>
+          </a:p>
+        </p:txBody>
+      </p:sp>
+      <p:pic>
+        <p:nvPicPr>
+          <p:cNvPr id="5" name="圖片 4" descr="一張含有 桌 的圖片&#10;&#10;自動產生的描述">
+            <a:extLst>
+              <a:ext uri="{FF2B5EF4-FFF2-40B4-BE49-F238E27FC236}">
+                <a16:creationId xmlns:a16="http://schemas.microsoft.com/office/drawing/2014/main" id="{4D6069C2-3274-4F14-8FC5-AA8D6C303F15}"/>
+              </a:ext>
+            </a:extLst>
+          </p:cNvPr>
+          <p:cNvPicPr>
+            <a:picLocks noChangeAspect="1"/>
+          </p:cNvPicPr>
+          <p:nvPr/>
+        </p:nvPicPr>
+        <p:blipFill>
+          <a:blip r:embed="rId2"/>
+          <a:stretch>
+            <a:fillRect/>
+          </a:stretch>
+        </p:blipFill>
+        <p:spPr>
+          <a:xfrm>
+            <a:off x="195493" y="1017725"/>
+            <a:ext cx="3935092" cy="2413964"/>
+          </a:xfrm>
+          <a:prstGeom prst="rect">
+            <a:avLst/>
+          </a:prstGeom>
+        </p:spPr>
+      </p:pic>
+      <p:pic>
+        <p:nvPicPr>
+          <p:cNvPr id="7" name="圖片 6" descr="一張含有 桌 的圖片&#10;&#10;自動產生的描述">
+            <a:extLst>
+              <a:ext uri="{FF2B5EF4-FFF2-40B4-BE49-F238E27FC236}">
+                <a16:creationId xmlns:a16="http://schemas.microsoft.com/office/drawing/2014/main" id="{5056CBB6-EAD5-4C39-BD6D-DA93BD401A6C}"/>
+              </a:ext>
+            </a:extLst>
+          </p:cNvPr>
+          <p:cNvPicPr>
+            <a:picLocks noChangeAspect="1"/>
+          </p:cNvPicPr>
+          <p:nvPr/>
+        </p:nvPicPr>
+        <p:blipFill>
+          <a:blip r:embed="rId3"/>
+          <a:stretch>
+            <a:fillRect/>
+          </a:stretch>
+        </p:blipFill>
+        <p:spPr>
+          <a:xfrm>
+            <a:off x="3108959" y="1841341"/>
+            <a:ext cx="5927464" cy="3180696"/>
+          </a:xfrm>
+          <a:prstGeom prst="rect">
+            <a:avLst/>
+          </a:prstGeom>
+        </p:spPr>
+      </p:pic>
+    </p:spTree>
+    <p:extLst>
+      <p:ext uri="{BB962C8B-B14F-4D97-AF65-F5344CB8AC3E}">
+        <p14:creationId xmlns:p14="http://schemas.microsoft.com/office/powerpoint/2010/main" val="2472137991"/>
+      </p:ext>
+    </p:extLst>
+  </p:cSld>
+  <p:clrMapOvr>
+    <a:masterClrMapping/>
+  </p:clrMapOvr>
+</p:sld>
+</file>
+
+<file path=ppt/slides/slide14.xml><?xml version="1.0" encoding="utf-8"?>
+<p:sld xmlns:a="http://schemas.openxmlformats.org/drawingml/2006/main" xmlns:r="http://schemas.openxmlformats.org/officeDocument/2006/relationships" xmlns:p="http://schemas.openxmlformats.org/presentationml/2006/main">
+  <p:cSld>
+    <p:spTree>
+      <p:nvGrpSpPr>
+        <p:cNvPr id="1" name="Shape 128"/>
+        <p:cNvGrpSpPr/>
+        <p:nvPr/>
+      </p:nvGrpSpPr>
+      <p:grpSpPr>
+        <a:xfrm>
+          <a:off x="0" y="0"/>
+          <a:ext cx="0" cy="0"/>
+          <a:chOff x="0" y="0"/>
+          <a:chExt cx="0" cy="0"/>
+        </a:xfrm>
+      </p:grpSpPr>
+      <p:sp>
+        <p:nvSpPr>
+          <p:cNvPr id="129" name="Google Shape;129;p24"/>
+          <p:cNvSpPr txBox="1">
+            <a:spLocks noGrp="1"/>
+          </p:cNvSpPr>
           <p:nvPr>
             <p:ph type="title"/>
           </p:nvPr>
@@ -6682,12 +7391,12 @@
           </a:prstGeom>
         </p:spPr>
         <p:txBody>
-          <a:bodyPr anchorCtr="0" anchor="t" bIns="91425" lIns="91425" spcFirstLastPara="1" rIns="91425" wrap="square" tIns="91425">
+          <a:bodyPr spcFirstLastPara="1" wrap="square" lIns="91425" tIns="91425" rIns="91425" bIns="91425" anchor="t" anchorCtr="0">
             <a:normAutofit fontScale="90000"/>
           </a:bodyPr>
           <a:lstStyle/>
           <a:p>
-            <a:pPr indent="0" lvl="0" marL="0" rtl="0" algn="l">
+            <a:pPr marL="0" lvl="0" indent="0" algn="l" rtl="0">
               <a:spcBef>
                 <a:spcPts val="0"/>
               </a:spcBef>
@@ -6697,19 +7406,31 @@
               <a:buNone/>
             </a:pPr>
             <a:r>
-              <a:rPr lang="zh-TW"/>
-              <a:t>架構圖</a:t>
-            </a:r>
-            <a:endParaRPr/>
+              <a:rPr lang="zh-TW">
+                <a:latin typeface="Times New Roman"/>
+                <a:ea typeface="Times New Roman"/>
+                <a:cs typeface="Times New Roman"/>
+                <a:sym typeface="Times New Roman"/>
+              </a:rPr>
+              <a:t>Reference</a:t>
+            </a:r>
+            <a:endParaRPr>
+              <a:latin typeface="Times New Roman"/>
+              <a:ea typeface="Times New Roman"/>
+              <a:cs typeface="Times New Roman"/>
+              <a:sym typeface="Times New Roman"/>
+            </a:endParaRPr>
           </a:p>
         </p:txBody>
       </p:sp>
       <p:sp>
         <p:nvSpPr>
-          <p:cNvPr id="118" name="Google Shape;118;p22"/>
-          <p:cNvSpPr txBox="1"/>
+          <p:cNvPr id="130" name="Google Shape;130;p24"/>
+          <p:cNvSpPr txBox="1">
+            <a:spLocks noGrp="1"/>
+          </p:cNvSpPr>
           <p:nvPr>
-            <p:ph idx="1" type="body"/>
+            <p:ph type="body" idx="1"/>
           </p:nvPr>
         </p:nvSpPr>
         <p:spPr>
@@ -6722,12 +7443,12 @@
           </a:prstGeom>
         </p:spPr>
         <p:txBody>
-          <a:bodyPr anchorCtr="0" anchor="t" bIns="91425" lIns="91425" spcFirstLastPara="1" rIns="91425" wrap="square" tIns="91425">
+          <a:bodyPr spcFirstLastPara="1" wrap="square" lIns="91425" tIns="91425" rIns="91425" bIns="91425" anchor="t" anchorCtr="0">
             <a:normAutofit/>
           </a:bodyPr>
           <a:lstStyle/>
           <a:p>
-            <a:pPr indent="0" lvl="0" marL="0" rtl="0" algn="l">
+            <a:pPr marL="0" lvl="0" indent="0" algn="l" rtl="0">
               <a:spcBef>
                 <a:spcPts val="0"/>
               </a:spcBef>
@@ -6737,9 +7458,31 @@
               <a:buNone/>
             </a:pPr>
             <a:r>
-              <a:t/>
-            </a:r>
-            <a:endParaRPr/>
+              <a:rPr lang="zh-TW"/>
+              <a:t>[1] </a:t>
+            </a:r>
+            <a:r>
+              <a:rPr lang="zh-TW" u="sng">
+                <a:solidFill>
+                  <a:schemeClr val="hlink"/>
+                </a:solidFill>
+                <a:highlight>
+                  <a:srgbClr val="FCFCFC"/>
+                </a:highlight>
+                <a:latin typeface="Times New Roman"/>
+                <a:ea typeface="Times New Roman"/>
+                <a:cs typeface="Times New Roman"/>
+                <a:sym typeface="Times New Roman"/>
+                <a:hlinkClick r:id="rId3"/>
+              </a:rPr>
+              <a:t>Beginning FPGA: Programming Metal  p347-366</a:t>
+            </a:r>
+            <a:endParaRPr>
+              <a:latin typeface="Times New Roman"/>
+              <a:ea typeface="Times New Roman"/>
+              <a:cs typeface="Times New Roman"/>
+              <a:sym typeface="Times New Roman"/>
+            </a:endParaRPr>
           </a:p>
         </p:txBody>
       </p:sp>
@@ -6751,12 +7494,12 @@
 </p:sld>
 </file>
 
-<file path=ppt/slides/slide11.xml><?xml version="1.0" encoding="utf-8"?>
-<p:sld xmlns:a="http://schemas.openxmlformats.org/drawingml/2006/main" xmlns:r="http://schemas.openxmlformats.org/officeDocument/2006/relationships" xmlns:mc="http://schemas.openxmlformats.org/markup-compatibility/2006" xmlns:mv="urn:schemas-microsoft-com:mac:vml" xmlns:p="http://schemas.openxmlformats.org/presentationml/2006/main" xmlns:c="http://schemas.openxmlformats.org/drawingml/2006/chart" xmlns:dgm="http://schemas.openxmlformats.org/drawingml/2006/diagram" xmlns:o="urn:schemas-microsoft-com:office:office" xmlns:v="urn:schemas-microsoft-com:vml" xmlns:pvml="urn:schemas-microsoft-com:office:powerpoint" xmlns:com="http://schemas.openxmlformats.org/drawingml/2006/compatibility" xmlns:p14="http://schemas.microsoft.com/office/powerpoint/2010/main" xmlns:p15="http://schemas.microsoft.com/office/powerpoint/2012/main" xmlns:ahyp="http://schemas.microsoft.com/office/drawing/2018/hyperlinkcolor">
+<file path=ppt/slides/slide2.xml><?xml version="1.0" encoding="utf-8"?>
+<p:sld xmlns:a="http://schemas.openxmlformats.org/drawingml/2006/main" xmlns:r="http://schemas.openxmlformats.org/officeDocument/2006/relationships" xmlns:p="http://schemas.openxmlformats.org/presentationml/2006/main">
   <p:cSld>
     <p:spTree>
       <p:nvGrpSpPr>
-        <p:cNvPr id="122" name="Shape 122"/>
+        <p:cNvPr id="1" name="Shape 59"/>
         <p:cNvGrpSpPr/>
         <p:nvPr/>
       </p:nvGrpSpPr>
@@ -6770,8 +7513,10 @@
       </p:grpSpPr>
       <p:sp>
         <p:nvSpPr>
-          <p:cNvPr id="123" name="Google Shape;123;p23"/>
-          <p:cNvSpPr txBox="1"/>
+          <p:cNvPr id="60" name="Google Shape;60;p14"/>
+          <p:cNvSpPr txBox="1">
+            <a:spLocks noGrp="1"/>
+          </p:cNvSpPr>
           <p:nvPr>
             <p:ph type="title"/>
           </p:nvPr>
@@ -6786,12 +7531,12 @@
           </a:prstGeom>
         </p:spPr>
         <p:txBody>
-          <a:bodyPr anchorCtr="0" anchor="t" bIns="91425" lIns="91425" spcFirstLastPara="1" rIns="91425" wrap="square" tIns="91425">
+          <a:bodyPr spcFirstLastPara="1" wrap="square" lIns="91425" tIns="91425" rIns="91425" bIns="91425" anchor="t" anchorCtr="0">
             <a:normAutofit fontScale="90000"/>
           </a:bodyPr>
           <a:lstStyle/>
           <a:p>
-            <a:pPr indent="0" lvl="0" marL="0" rtl="0" algn="l">
+            <a:pPr marL="0" lvl="0" indent="0" algn="l" rtl="0">
               <a:spcBef>
                 <a:spcPts val="0"/>
               </a:spcBef>
@@ -6801,8 +7546,17 @@
               <a:buNone/>
             </a:pPr>
             <a:r>
+              <a:rPr lang="zh-TW">
+                <a:latin typeface="Times New Roman"/>
+                <a:ea typeface="Times New Roman"/>
+                <a:cs typeface="Times New Roman"/>
+                <a:sym typeface="Times New Roman"/>
+              </a:rPr>
+              <a:t>TDC</a:t>
+            </a:r>
+            <a:r>
               <a:rPr lang="zh-TW"/>
-              <a:t>API</a:t>
+              <a:t>電路圖</a:t>
             </a:r>
             <a:endParaRPr/>
           </a:p>
@@ -6810,10 +7564,12 @@
       </p:sp>
       <p:sp>
         <p:nvSpPr>
-          <p:cNvPr id="124" name="Google Shape;124;p23"/>
-          <p:cNvSpPr txBox="1"/>
+          <p:cNvPr id="61" name="Google Shape;61;p14"/>
+          <p:cNvSpPr txBox="1">
+            <a:spLocks noGrp="1"/>
+          </p:cNvSpPr>
           <p:nvPr>
-            <p:ph idx="1" type="body"/>
+            <p:ph type="body" idx="1"/>
           </p:nvPr>
         </p:nvSpPr>
         <p:spPr>
@@ -6826,12 +7582,12 @@
           </a:prstGeom>
         </p:spPr>
         <p:txBody>
-          <a:bodyPr anchorCtr="0" anchor="t" bIns="91425" lIns="91425" spcFirstLastPara="1" rIns="91425" wrap="square" tIns="91425">
+          <a:bodyPr spcFirstLastPara="1" wrap="square" lIns="91425" tIns="91425" rIns="91425" bIns="91425" anchor="t" anchorCtr="0">
             <a:normAutofit/>
           </a:bodyPr>
           <a:lstStyle/>
           <a:p>
-            <a:pPr indent="0" lvl="0" marL="0" rtl="0" algn="l">
+            <a:pPr marL="0" lvl="0" indent="0" algn="l" rtl="0">
               <a:spcBef>
                 <a:spcPts val="0"/>
               </a:spcBef>
@@ -6840,258 +7596,6 @@
               </a:spcAft>
               <a:buNone/>
             </a:pPr>
-            <a:r>
-              <a:t/>
-            </a:r>
-            <a:endParaRPr/>
-          </a:p>
-        </p:txBody>
-      </p:sp>
-    </p:spTree>
-  </p:cSld>
-  <p:clrMapOvr>
-    <a:masterClrMapping/>
-  </p:clrMapOvr>
-</p:sld>
-</file>
-
-<file path=ppt/slides/slide12.xml><?xml version="1.0" encoding="utf-8"?>
-<p:sld xmlns:a="http://schemas.openxmlformats.org/drawingml/2006/main" xmlns:r="http://schemas.openxmlformats.org/officeDocument/2006/relationships" xmlns:mc="http://schemas.openxmlformats.org/markup-compatibility/2006" xmlns:mv="urn:schemas-microsoft-com:mac:vml" xmlns:p="http://schemas.openxmlformats.org/presentationml/2006/main" xmlns:c="http://schemas.openxmlformats.org/drawingml/2006/chart" xmlns:dgm="http://schemas.openxmlformats.org/drawingml/2006/diagram" xmlns:o="urn:schemas-microsoft-com:office:office" xmlns:v="urn:schemas-microsoft-com:vml" xmlns:pvml="urn:schemas-microsoft-com:office:powerpoint" xmlns:com="http://schemas.openxmlformats.org/drawingml/2006/compatibility" xmlns:p14="http://schemas.microsoft.com/office/powerpoint/2010/main" xmlns:p15="http://schemas.microsoft.com/office/powerpoint/2012/main" xmlns:ahyp="http://schemas.microsoft.com/office/drawing/2018/hyperlinkcolor">
-  <p:cSld>
-    <p:spTree>
-      <p:nvGrpSpPr>
-        <p:cNvPr id="128" name="Shape 128"/>
-        <p:cNvGrpSpPr/>
-        <p:nvPr/>
-      </p:nvGrpSpPr>
-      <p:grpSpPr>
-        <a:xfrm>
-          <a:off x="0" y="0"/>
-          <a:ext cx="0" cy="0"/>
-          <a:chOff x="0" y="0"/>
-          <a:chExt cx="0" cy="0"/>
-        </a:xfrm>
-      </p:grpSpPr>
-      <p:sp>
-        <p:nvSpPr>
-          <p:cNvPr id="129" name="Google Shape;129;p24"/>
-          <p:cNvSpPr txBox="1"/>
-          <p:nvPr>
-            <p:ph type="title"/>
-          </p:nvPr>
-        </p:nvSpPr>
-        <p:spPr>
-          <a:xfrm>
-            <a:off x="311700" y="445025"/>
-            <a:ext cx="8520600" cy="572700"/>
-          </a:xfrm>
-          <a:prstGeom prst="rect">
-            <a:avLst/>
-          </a:prstGeom>
-        </p:spPr>
-        <p:txBody>
-          <a:bodyPr anchorCtr="0" anchor="t" bIns="91425" lIns="91425" spcFirstLastPara="1" rIns="91425" wrap="square" tIns="91425">
-            <a:normAutofit fontScale="90000"/>
-          </a:bodyPr>
-          <a:lstStyle/>
-          <a:p>
-            <a:pPr indent="0" lvl="0" marL="0" rtl="0" algn="l">
-              <a:spcBef>
-                <a:spcPts val="0"/>
-              </a:spcBef>
-              <a:spcAft>
-                <a:spcPts val="0"/>
-              </a:spcAft>
-              <a:buNone/>
-            </a:pPr>
-            <a:r>
-              <a:rPr lang="zh-TW">
-                <a:latin typeface="Times New Roman"/>
-                <a:ea typeface="Times New Roman"/>
-                <a:cs typeface="Times New Roman"/>
-                <a:sym typeface="Times New Roman"/>
-              </a:rPr>
-              <a:t>Reference</a:t>
-            </a:r>
-            <a:endParaRPr>
-              <a:latin typeface="Times New Roman"/>
-              <a:ea typeface="Times New Roman"/>
-              <a:cs typeface="Times New Roman"/>
-              <a:sym typeface="Times New Roman"/>
-            </a:endParaRPr>
-          </a:p>
-        </p:txBody>
-      </p:sp>
-      <p:sp>
-        <p:nvSpPr>
-          <p:cNvPr id="130" name="Google Shape;130;p24"/>
-          <p:cNvSpPr txBox="1"/>
-          <p:nvPr>
-            <p:ph idx="1" type="body"/>
-          </p:nvPr>
-        </p:nvSpPr>
-        <p:spPr>
-          <a:xfrm>
-            <a:off x="311700" y="1152475"/>
-            <a:ext cx="8520600" cy="3416400"/>
-          </a:xfrm>
-          <a:prstGeom prst="rect">
-            <a:avLst/>
-          </a:prstGeom>
-        </p:spPr>
-        <p:txBody>
-          <a:bodyPr anchorCtr="0" anchor="t" bIns="91425" lIns="91425" spcFirstLastPara="1" rIns="91425" wrap="square" tIns="91425">
-            <a:normAutofit/>
-          </a:bodyPr>
-          <a:lstStyle/>
-          <a:p>
-            <a:pPr indent="0" lvl="0" marL="0" rtl="0" algn="l">
-              <a:spcBef>
-                <a:spcPts val="0"/>
-              </a:spcBef>
-              <a:spcAft>
-                <a:spcPts val="1200"/>
-              </a:spcAft>
-              <a:buNone/>
-            </a:pPr>
-            <a:r>
-              <a:rPr lang="zh-TW"/>
-              <a:t>[1] </a:t>
-            </a:r>
-            <a:r>
-              <a:rPr lang="zh-TW" u="sng">
-                <a:solidFill>
-                  <a:schemeClr val="hlink"/>
-                </a:solidFill>
-                <a:highlight>
-                  <a:srgbClr val="FCFCFC"/>
-                </a:highlight>
-                <a:latin typeface="Times New Roman"/>
-                <a:ea typeface="Times New Roman"/>
-                <a:cs typeface="Times New Roman"/>
-                <a:sym typeface="Times New Roman"/>
-                <a:hlinkClick r:id="rId3"/>
-              </a:rPr>
-              <a:t>Beginning FPGA: Programming Metal  p347-366</a:t>
-            </a:r>
-            <a:endParaRPr>
-              <a:latin typeface="Times New Roman"/>
-              <a:ea typeface="Times New Roman"/>
-              <a:cs typeface="Times New Roman"/>
-              <a:sym typeface="Times New Roman"/>
-            </a:endParaRPr>
-          </a:p>
-        </p:txBody>
-      </p:sp>
-    </p:spTree>
-  </p:cSld>
-  <p:clrMapOvr>
-    <a:masterClrMapping/>
-  </p:clrMapOvr>
-</p:sld>
-</file>
-
-<file path=ppt/slides/slide2.xml><?xml version="1.0" encoding="utf-8"?>
-<p:sld xmlns:a="http://schemas.openxmlformats.org/drawingml/2006/main" xmlns:r="http://schemas.openxmlformats.org/officeDocument/2006/relationships" xmlns:mc="http://schemas.openxmlformats.org/markup-compatibility/2006" xmlns:mv="urn:schemas-microsoft-com:mac:vml" xmlns:p="http://schemas.openxmlformats.org/presentationml/2006/main" xmlns:c="http://schemas.openxmlformats.org/drawingml/2006/chart" xmlns:dgm="http://schemas.openxmlformats.org/drawingml/2006/diagram" xmlns:o="urn:schemas-microsoft-com:office:office" xmlns:v="urn:schemas-microsoft-com:vml" xmlns:pvml="urn:schemas-microsoft-com:office:powerpoint" xmlns:com="http://schemas.openxmlformats.org/drawingml/2006/compatibility" xmlns:p14="http://schemas.microsoft.com/office/powerpoint/2010/main" xmlns:p15="http://schemas.microsoft.com/office/powerpoint/2012/main" xmlns:ahyp="http://schemas.microsoft.com/office/drawing/2018/hyperlinkcolor">
-  <p:cSld>
-    <p:spTree>
-      <p:nvGrpSpPr>
-        <p:cNvPr id="59" name="Shape 59"/>
-        <p:cNvGrpSpPr/>
-        <p:nvPr/>
-      </p:nvGrpSpPr>
-      <p:grpSpPr>
-        <a:xfrm>
-          <a:off x="0" y="0"/>
-          <a:ext cx="0" cy="0"/>
-          <a:chOff x="0" y="0"/>
-          <a:chExt cx="0" cy="0"/>
-        </a:xfrm>
-      </p:grpSpPr>
-      <p:sp>
-        <p:nvSpPr>
-          <p:cNvPr id="60" name="Google Shape;60;p14"/>
-          <p:cNvSpPr txBox="1"/>
-          <p:nvPr>
-            <p:ph type="title"/>
-          </p:nvPr>
-        </p:nvSpPr>
-        <p:spPr>
-          <a:xfrm>
-            <a:off x="311700" y="445025"/>
-            <a:ext cx="8520600" cy="572700"/>
-          </a:xfrm>
-          <a:prstGeom prst="rect">
-            <a:avLst/>
-          </a:prstGeom>
-        </p:spPr>
-        <p:txBody>
-          <a:bodyPr anchorCtr="0" anchor="t" bIns="91425" lIns="91425" spcFirstLastPara="1" rIns="91425" wrap="square" tIns="91425">
-            <a:normAutofit fontScale="90000"/>
-          </a:bodyPr>
-          <a:lstStyle/>
-          <a:p>
-            <a:pPr indent="0" lvl="0" marL="0" rtl="0" algn="l">
-              <a:spcBef>
-                <a:spcPts val="0"/>
-              </a:spcBef>
-              <a:spcAft>
-                <a:spcPts val="0"/>
-              </a:spcAft>
-              <a:buNone/>
-            </a:pPr>
-            <a:r>
-              <a:rPr lang="zh-TW">
-                <a:latin typeface="Times New Roman"/>
-                <a:ea typeface="Times New Roman"/>
-                <a:cs typeface="Times New Roman"/>
-                <a:sym typeface="Times New Roman"/>
-              </a:rPr>
-              <a:t>TDC</a:t>
-            </a:r>
-            <a:r>
-              <a:rPr lang="zh-TW"/>
-              <a:t>電路圖</a:t>
-            </a:r>
-            <a:endParaRPr/>
-          </a:p>
-        </p:txBody>
-      </p:sp>
-      <p:sp>
-        <p:nvSpPr>
-          <p:cNvPr id="61" name="Google Shape;61;p14"/>
-          <p:cNvSpPr txBox="1"/>
-          <p:nvPr>
-            <p:ph idx="1" type="body"/>
-          </p:nvPr>
-        </p:nvSpPr>
-        <p:spPr>
-          <a:xfrm>
-            <a:off x="311700" y="1152475"/>
-            <a:ext cx="8520600" cy="3416400"/>
-          </a:xfrm>
-          <a:prstGeom prst="rect">
-            <a:avLst/>
-          </a:prstGeom>
-        </p:spPr>
-        <p:txBody>
-          <a:bodyPr anchorCtr="0" anchor="t" bIns="91425" lIns="91425" spcFirstLastPara="1" rIns="91425" wrap="square" tIns="91425">
-            <a:normAutofit/>
-          </a:bodyPr>
-          <a:lstStyle/>
-          <a:p>
-            <a:pPr indent="0" lvl="0" marL="0" rtl="0" algn="l">
-              <a:spcBef>
-                <a:spcPts val="0"/>
-              </a:spcBef>
-              <a:spcAft>
-                <a:spcPts val="1200"/>
-              </a:spcAft>
-              <a:buNone/>
-            </a:pPr>
-            <a:r>
-              <a:t/>
-            </a:r>
             <a:endParaRPr/>
           </a:p>
         </p:txBody>
@@ -7119,14 +7623,14 @@
             <a:avLst/>
           </a:prstGeom>
           <a:noFill/>
-          <a:ln cap="flat" cmpd="sng" w="9525">
+          <a:ln w="9525" cap="flat" cmpd="sng">
             <a:solidFill>
               <a:schemeClr val="dk1"/>
             </a:solidFill>
             <a:prstDash val="solid"/>
             <a:round/>
-            <a:headEnd len="sm" w="sm" type="none"/>
-            <a:tailEnd len="sm" w="sm" type="none"/>
+            <a:headEnd type="none" w="sm" len="sm"/>
+            <a:tailEnd type="none" w="sm" len="sm"/>
           </a:ln>
         </p:spPr>
       </p:pic>
@@ -7150,12 +7654,12 @@
           </a:ln>
         </p:spPr>
         <p:txBody>
-          <a:bodyPr anchorCtr="0" anchor="t" bIns="91425" lIns="91425" spcFirstLastPara="1" rIns="91425" wrap="square" tIns="91425">
+          <a:bodyPr spcFirstLastPara="1" wrap="square" lIns="91425" tIns="91425" rIns="91425" bIns="91425" anchor="t" anchorCtr="0">
             <a:spAutoFit/>
           </a:bodyPr>
           <a:lstStyle/>
           <a:p>
-            <a:pPr indent="0" lvl="0" marL="0" rtl="0" algn="l">
+            <a:pPr marL="0" lvl="0" indent="0" algn="l" rtl="0">
               <a:spcBef>
                 <a:spcPts val="0"/>
               </a:spcBef>
@@ -7208,12 +7712,12 @@
           </a:ln>
         </p:spPr>
         <p:txBody>
-          <a:bodyPr anchorCtr="0" anchor="t" bIns="91425" lIns="91425" spcFirstLastPara="1" rIns="91425" wrap="square" tIns="91425">
+          <a:bodyPr spcFirstLastPara="1" wrap="square" lIns="91425" tIns="91425" rIns="91425" bIns="91425" anchor="t" anchorCtr="0">
             <a:spAutoFit/>
           </a:bodyPr>
           <a:lstStyle/>
           <a:p>
-            <a:pPr indent="0" lvl="0" marL="0" rtl="0" algn="l">
+            <a:pPr marL="0" lvl="0" indent="0" algn="l" rtl="0">
               <a:spcBef>
                 <a:spcPts val="0"/>
               </a:spcBef>
@@ -7222,9 +7726,6 @@
               </a:spcAft>
               <a:buNone/>
             </a:pPr>
-            <a:r>
-              <a:t/>
-            </a:r>
             <a:endParaRPr/>
           </a:p>
         </p:txBody>
@@ -7238,11 +7739,11 @@
 </file>
 
 <file path=ppt/slides/slide3.xml><?xml version="1.0" encoding="utf-8"?>
-<p:sld xmlns:a="http://schemas.openxmlformats.org/drawingml/2006/main" xmlns:r="http://schemas.openxmlformats.org/officeDocument/2006/relationships" xmlns:mc="http://schemas.openxmlformats.org/markup-compatibility/2006" xmlns:mv="urn:schemas-microsoft-com:mac:vml" xmlns:p="http://schemas.openxmlformats.org/presentationml/2006/main" xmlns:c="http://schemas.openxmlformats.org/drawingml/2006/chart" xmlns:dgm="http://schemas.openxmlformats.org/drawingml/2006/diagram" xmlns:o="urn:schemas-microsoft-com:office:office" xmlns:v="urn:schemas-microsoft-com:vml" xmlns:pvml="urn:schemas-microsoft-com:office:powerpoint" xmlns:com="http://schemas.openxmlformats.org/drawingml/2006/compatibility" xmlns:p14="http://schemas.microsoft.com/office/powerpoint/2010/main" xmlns:p15="http://schemas.microsoft.com/office/powerpoint/2012/main" xmlns:ahyp="http://schemas.microsoft.com/office/drawing/2018/hyperlinkcolor">
+<p:sld xmlns:a="http://schemas.openxmlformats.org/drawingml/2006/main" xmlns:r="http://schemas.openxmlformats.org/officeDocument/2006/relationships" xmlns:p="http://schemas.openxmlformats.org/presentationml/2006/main">
   <p:cSld>
     <p:spTree>
       <p:nvGrpSpPr>
-        <p:cNvPr id="68" name="Shape 68"/>
+        <p:cNvPr id="1" name="Shape 68"/>
         <p:cNvGrpSpPr/>
         <p:nvPr/>
       </p:nvGrpSpPr>
@@ -7257,7 +7758,9 @@
       <p:sp>
         <p:nvSpPr>
           <p:cNvPr id="69" name="Google Shape;69;p15"/>
-          <p:cNvSpPr txBox="1"/>
+          <p:cNvSpPr txBox="1">
+            <a:spLocks noGrp="1"/>
+          </p:cNvSpPr>
           <p:nvPr>
             <p:ph type="title"/>
           </p:nvPr>
@@ -7272,12 +7775,12 @@
           </a:prstGeom>
         </p:spPr>
         <p:txBody>
-          <a:bodyPr anchorCtr="0" anchor="t" bIns="91425" lIns="91425" spcFirstLastPara="1" rIns="91425" wrap="square" tIns="91425">
+          <a:bodyPr spcFirstLastPara="1" wrap="square" lIns="91425" tIns="91425" rIns="91425" bIns="91425" anchor="t" anchorCtr="0">
             <a:normAutofit fontScale="90000"/>
           </a:bodyPr>
           <a:lstStyle/>
           <a:p>
-            <a:pPr indent="0" lvl="0" marL="0" rtl="0" algn="l">
+            <a:pPr marL="0" lvl="0" indent="0" algn="l" rtl="0">
               <a:spcBef>
                 <a:spcPts val="0"/>
               </a:spcBef>
@@ -7297,9 +7800,11 @@
       <p:sp>
         <p:nvSpPr>
           <p:cNvPr id="70" name="Google Shape;70;p15"/>
-          <p:cNvSpPr txBox="1"/>
+          <p:cNvSpPr txBox="1">
+            <a:spLocks noGrp="1"/>
+          </p:cNvSpPr>
           <p:nvPr>
-            <p:ph idx="1" type="body"/>
+            <p:ph type="body" idx="1"/>
           </p:nvPr>
         </p:nvSpPr>
         <p:spPr>
@@ -7312,12 +7817,12 @@
           </a:prstGeom>
         </p:spPr>
         <p:txBody>
-          <a:bodyPr anchorCtr="0" anchor="t" bIns="91425" lIns="91425" spcFirstLastPara="1" rIns="91425" wrap="square" tIns="91425">
+          <a:bodyPr spcFirstLastPara="1" wrap="square" lIns="91425" tIns="91425" rIns="91425" bIns="91425" anchor="t" anchorCtr="0">
             <a:normAutofit/>
           </a:bodyPr>
           <a:lstStyle/>
           <a:p>
-            <a:pPr indent="0" lvl="0" marL="0" rtl="0" algn="l">
+            <a:pPr marL="0" lvl="0" indent="0" algn="l" rtl="0">
               <a:spcBef>
                 <a:spcPts val="0"/>
               </a:spcBef>
@@ -7326,9 +7831,6 @@
               </a:spcAft>
               <a:buNone/>
             </a:pPr>
-            <a:r>
-              <a:t/>
-            </a:r>
             <a:endParaRPr/>
           </a:p>
         </p:txBody>
@@ -7370,11 +7872,11 @@
 </file>
 
 <file path=ppt/slides/slide4.xml><?xml version="1.0" encoding="utf-8"?>
-<p:sld xmlns:a="http://schemas.openxmlformats.org/drawingml/2006/main" xmlns:r="http://schemas.openxmlformats.org/officeDocument/2006/relationships" xmlns:mc="http://schemas.openxmlformats.org/markup-compatibility/2006" xmlns:mv="urn:schemas-microsoft-com:mac:vml" xmlns:p="http://schemas.openxmlformats.org/presentationml/2006/main" xmlns:c="http://schemas.openxmlformats.org/drawingml/2006/chart" xmlns:dgm="http://schemas.openxmlformats.org/drawingml/2006/diagram" xmlns:o="urn:schemas-microsoft-com:office:office" xmlns:v="urn:schemas-microsoft-com:vml" xmlns:pvml="urn:schemas-microsoft-com:office:powerpoint" xmlns:com="http://schemas.openxmlformats.org/drawingml/2006/compatibility" xmlns:p14="http://schemas.microsoft.com/office/powerpoint/2010/main" xmlns:p15="http://schemas.microsoft.com/office/powerpoint/2012/main" xmlns:ahyp="http://schemas.microsoft.com/office/drawing/2018/hyperlinkcolor">
+<p:sld xmlns:a="http://schemas.openxmlformats.org/drawingml/2006/main" xmlns:r="http://schemas.openxmlformats.org/officeDocument/2006/relationships" xmlns:p="http://schemas.openxmlformats.org/presentationml/2006/main">
   <p:cSld>
     <p:spTree>
       <p:nvGrpSpPr>
-        <p:cNvPr id="75" name="Shape 75"/>
+        <p:cNvPr id="1" name="Shape 75"/>
         <p:cNvGrpSpPr/>
         <p:nvPr/>
       </p:nvGrpSpPr>
@@ -7389,7 +7891,9 @@
       <p:sp>
         <p:nvSpPr>
           <p:cNvPr id="76" name="Google Shape;76;p16"/>
-          <p:cNvSpPr txBox="1"/>
+          <p:cNvSpPr txBox="1">
+            <a:spLocks noGrp="1"/>
+          </p:cNvSpPr>
           <p:nvPr>
             <p:ph type="title"/>
           </p:nvPr>
@@ -7404,12 +7908,12 @@
           </a:prstGeom>
         </p:spPr>
         <p:txBody>
-          <a:bodyPr anchorCtr="0" anchor="t" bIns="91425" lIns="91425" spcFirstLastPara="1" rIns="91425" wrap="square" tIns="91425">
+          <a:bodyPr spcFirstLastPara="1" wrap="square" lIns="91425" tIns="91425" rIns="91425" bIns="91425" anchor="t" anchorCtr="0">
             <a:normAutofit fontScale="90000"/>
           </a:bodyPr>
           <a:lstStyle/>
           <a:p>
-            <a:pPr indent="0" lvl="0" marL="0" rtl="0" algn="l">
+            <a:pPr marL="0" lvl="0" indent="0" algn="l" rtl="0">
               <a:spcBef>
                 <a:spcPts val="0"/>
               </a:spcBef>
@@ -7439,7 +7943,7 @@
             <a:endParaRPr/>
           </a:p>
           <a:p>
-            <a:pPr indent="0" lvl="0" marL="0" rtl="0" algn="l">
+            <a:pPr marL="0" lvl="0" indent="0" algn="l" rtl="0">
               <a:spcBef>
                 <a:spcPts val="0"/>
               </a:spcBef>
@@ -7448,9 +7952,6 @@
               </a:spcAft>
               <a:buNone/>
             </a:pPr>
-            <a:r>
-              <a:t/>
-            </a:r>
             <a:endParaRPr/>
           </a:p>
         </p:txBody>
@@ -7458,9 +7959,11 @@
       <p:sp>
         <p:nvSpPr>
           <p:cNvPr id="77" name="Google Shape;77;p16"/>
-          <p:cNvSpPr txBox="1"/>
+          <p:cNvSpPr txBox="1">
+            <a:spLocks noGrp="1"/>
+          </p:cNvSpPr>
           <p:nvPr>
-            <p:ph idx="1" type="body"/>
+            <p:ph type="body" idx="1"/>
           </p:nvPr>
         </p:nvSpPr>
         <p:spPr>
@@ -7473,12 +7976,12 @@
           </a:prstGeom>
         </p:spPr>
         <p:txBody>
-          <a:bodyPr anchorCtr="0" anchor="t" bIns="91425" lIns="91425" spcFirstLastPara="1" rIns="91425" wrap="square" tIns="91425">
+          <a:bodyPr spcFirstLastPara="1" wrap="square" lIns="91425" tIns="91425" rIns="91425" bIns="91425" anchor="t" anchorCtr="0">
             <a:normAutofit/>
           </a:bodyPr>
           <a:lstStyle/>
           <a:p>
-            <a:pPr indent="0" lvl="0" marL="0" rtl="0" algn="l">
+            <a:pPr marL="0" lvl="0" indent="0" algn="l" rtl="0">
               <a:spcBef>
                 <a:spcPts val="0"/>
               </a:spcBef>
@@ -7487,9 +7990,6 @@
               </a:spcAft>
               <a:buNone/>
             </a:pPr>
-            <a:r>
-              <a:t/>
-            </a:r>
             <a:endParaRPr/>
           </a:p>
         </p:txBody>
@@ -7542,12 +8042,12 @@
           </a:ln>
         </p:spPr>
         <p:txBody>
-          <a:bodyPr anchorCtr="0" anchor="t" bIns="91425" lIns="91425" spcFirstLastPara="1" rIns="91425" wrap="square" tIns="91425">
+          <a:bodyPr spcFirstLastPara="1" wrap="square" lIns="91425" tIns="91425" rIns="91425" bIns="91425" anchor="t" anchorCtr="0">
             <a:spAutoFit/>
           </a:bodyPr>
           <a:lstStyle/>
           <a:p>
-            <a:pPr indent="0" lvl="0" marL="0" rtl="0" algn="l">
+            <a:pPr marL="0" lvl="0" indent="0" algn="l" rtl="0">
               <a:spcBef>
                 <a:spcPts val="0"/>
               </a:spcBef>
@@ -7571,11 +8071,7 @@
             </a:r>
             <a:r>
               <a:rPr lang="zh-TW"/>
-              <a:t>)</a:t>
-            </a:r>
-            <a:r>
-              <a:rPr lang="zh-TW"/>
-              <a:t>矯正前</a:t>
+              <a:t>)矯正前</a:t>
             </a:r>
             <a:endParaRPr/>
           </a:p>
@@ -7601,12 +8097,12 @@
           </a:ln>
         </p:spPr>
         <p:txBody>
-          <a:bodyPr anchorCtr="0" anchor="t" bIns="91425" lIns="91425" spcFirstLastPara="1" rIns="91425" wrap="square" tIns="91425">
+          <a:bodyPr spcFirstLastPara="1" wrap="square" lIns="91425" tIns="91425" rIns="91425" bIns="91425" anchor="t" anchorCtr="0">
             <a:spAutoFit/>
           </a:bodyPr>
           <a:lstStyle/>
           <a:p>
-            <a:pPr indent="0" lvl="0" marL="0" rtl="0" algn="l">
+            <a:pPr marL="0" lvl="0" indent="0" algn="l" rtl="0">
               <a:spcBef>
                 <a:spcPts val="0"/>
               </a:spcBef>
@@ -7630,11 +8126,7 @@
             </a:r>
             <a:r>
               <a:rPr lang="zh-TW"/>
-              <a:t>)</a:t>
-            </a:r>
-            <a:r>
-              <a:rPr lang="zh-TW"/>
-              <a:t>矯正後</a:t>
+              <a:t>)矯正後</a:t>
             </a:r>
             <a:endParaRPr/>
           </a:p>
@@ -7649,11 +8141,11 @@
 </file>
 
 <file path=ppt/slides/slide5.xml><?xml version="1.0" encoding="utf-8"?>
-<p:sld xmlns:a="http://schemas.openxmlformats.org/drawingml/2006/main" xmlns:r="http://schemas.openxmlformats.org/officeDocument/2006/relationships" xmlns:mc="http://schemas.openxmlformats.org/markup-compatibility/2006" xmlns:mv="urn:schemas-microsoft-com:mac:vml" xmlns:p="http://schemas.openxmlformats.org/presentationml/2006/main" xmlns:c="http://schemas.openxmlformats.org/drawingml/2006/chart" xmlns:dgm="http://schemas.openxmlformats.org/drawingml/2006/diagram" xmlns:o="urn:schemas-microsoft-com:office:office" xmlns:v="urn:schemas-microsoft-com:vml" xmlns:pvml="urn:schemas-microsoft-com:office:powerpoint" xmlns:com="http://schemas.openxmlformats.org/drawingml/2006/compatibility" xmlns:p14="http://schemas.microsoft.com/office/powerpoint/2010/main" xmlns:p15="http://schemas.microsoft.com/office/powerpoint/2012/main" xmlns:ahyp="http://schemas.microsoft.com/office/drawing/2018/hyperlinkcolor">
+<p:sld xmlns:a="http://schemas.openxmlformats.org/drawingml/2006/main" xmlns:r="http://schemas.openxmlformats.org/officeDocument/2006/relationships" xmlns:p="http://schemas.openxmlformats.org/presentationml/2006/main">
   <p:cSld>
     <p:spTree>
       <p:nvGrpSpPr>
-        <p:cNvPr id="84" name="Shape 84"/>
+        <p:cNvPr id="1" name="Shape 90"/>
         <p:cNvGrpSpPr/>
         <p:nvPr/>
       </p:nvGrpSpPr>
@@ -7667,8 +8159,10 @@
       </p:grpSpPr>
       <p:sp>
         <p:nvSpPr>
-          <p:cNvPr id="85" name="Google Shape;85;p17"/>
-          <p:cNvSpPr txBox="1"/>
+          <p:cNvPr id="91" name="Google Shape;91;p18"/>
+          <p:cNvSpPr txBox="1">
+            <a:spLocks noGrp="1"/>
+          </p:cNvSpPr>
           <p:nvPr>
             <p:ph type="title"/>
           </p:nvPr>
@@ -7683,12 +8177,12 @@
           </a:prstGeom>
         </p:spPr>
         <p:txBody>
-          <a:bodyPr anchorCtr="0" anchor="t" bIns="91425" lIns="91425" spcFirstLastPara="1" rIns="91425" wrap="square" tIns="91425">
+          <a:bodyPr spcFirstLastPara="1" wrap="square" lIns="91425" tIns="91425" rIns="91425" bIns="91425" anchor="t" anchorCtr="0">
             <a:normAutofit fontScale="90000"/>
           </a:bodyPr>
           <a:lstStyle/>
           <a:p>
-            <a:pPr indent="0" lvl="0" marL="0" rtl="0" algn="l">
+            <a:pPr marL="0" lvl="0" indent="0" algn="l" rtl="0">
               <a:spcBef>
                 <a:spcPts val="0"/>
               </a:spcBef>
@@ -7699,11 +8193,7 @@
             </a:pPr>
             <a:r>
               <a:rPr lang="zh-TW"/>
-              <a:t>RGB &amp; LBP</a:t>
-            </a:r>
-            <a:r>
-              <a:rPr lang="zh-TW"/>
-              <a:t>重新定義</a:t>
+              <a:t>功能需求</a:t>
             </a:r>
             <a:endParaRPr/>
           </a:p>
@@ -7711,10 +8201,12 @@
       </p:sp>
       <p:sp>
         <p:nvSpPr>
-          <p:cNvPr id="86" name="Google Shape;86;p17"/>
-          <p:cNvSpPr txBox="1"/>
+          <p:cNvPr id="92" name="Google Shape;92;p18"/>
+          <p:cNvSpPr txBox="1">
+            <a:spLocks noGrp="1"/>
+          </p:cNvSpPr>
           <p:nvPr>
-            <p:ph idx="1" type="body"/>
+            <p:ph type="body" idx="1"/>
           </p:nvPr>
         </p:nvSpPr>
         <p:spPr>
@@ -7727,22 +8219,116 @@
           </a:prstGeom>
         </p:spPr>
         <p:txBody>
-          <a:bodyPr anchorCtr="0" anchor="t" bIns="91425" lIns="91425" spcFirstLastPara="1" rIns="91425" wrap="square" tIns="91425">
+          <a:bodyPr spcFirstLastPara="1" wrap="square" lIns="91425" tIns="91425" rIns="91425" bIns="91425" anchor="t" anchorCtr="0">
             <a:normAutofit/>
           </a:bodyPr>
           <a:lstStyle/>
           <a:p>
-            <a:pPr indent="0" lvl="0" marL="0" rtl="0" algn="l">
-              <a:spcBef>
-                <a:spcPts val="0"/>
-              </a:spcBef>
-              <a:spcAft>
-                <a:spcPts val="1200"/>
-              </a:spcAft>
-              <a:buNone/>
+            <a:pPr marL="457200" lvl="0" indent="-342900" algn="l" rtl="0">
+              <a:spcBef>
+                <a:spcPts val="0"/>
+              </a:spcBef>
+              <a:spcAft>
+                <a:spcPts val="0"/>
+              </a:spcAft>
+              <a:buSzPts val="1800"/>
+              <a:buAutoNum type="arabicPeriod"/>
             </a:pPr>
             <a:r>
-              <a:t/>
+              <a:rPr lang="zh-TW"/>
+              <a:t>可重建理想IC特性波形圖(理想值預測)</a:t>
+            </a:r>
+            <a:endParaRPr/>
+          </a:p>
+          <a:p>
+            <a:pPr marL="457200" lvl="0" indent="-342900" algn="l" rtl="0">
+              <a:spcBef>
+                <a:spcPts val="0"/>
+              </a:spcBef>
+              <a:spcAft>
+                <a:spcPts val="0"/>
+              </a:spcAft>
+              <a:buSzPts val="1800"/>
+              <a:buAutoNum type="arabicPeriod"/>
+            </a:pPr>
+            <a:r>
+              <a:rPr lang="zh-TW"/>
+              <a:t>判讀量測值與理想值差異程度</a:t>
+            </a:r>
+            <a:endParaRPr/>
+          </a:p>
+          <a:p>
+            <a:pPr marL="457200" lvl="0" indent="-342900" algn="l" rtl="0">
+              <a:spcBef>
+                <a:spcPts val="0"/>
+              </a:spcBef>
+              <a:spcAft>
+                <a:spcPts val="0"/>
+              </a:spcAft>
+              <a:buSzPts val="1800"/>
+              <a:buAutoNum type="arabicPeriod"/>
+            </a:pPr>
+            <a:r>
+              <a:rPr lang="zh-TW"/>
+              <a:t>將</a:t>
+            </a:r>
+            <a:r>
+              <a:rPr lang="zh-TW" b="1"/>
+              <a:t>時間</a:t>
+            </a:r>
+            <a:r>
+              <a:rPr lang="zh-TW"/>
+              <a:t>、</a:t>
+            </a:r>
+            <a:r>
+              <a:rPr lang="zh-TW" b="1"/>
+              <a:t>數位值</a:t>
+            </a:r>
+            <a:r>
+              <a:rPr lang="zh-TW"/>
+              <a:t>、</a:t>
+            </a:r>
+            <a:r>
+              <a:rPr lang="zh-TW" b="1"/>
+              <a:t>溫度</a:t>
+            </a:r>
+            <a:r>
+              <a:rPr lang="zh-TW"/>
+              <a:t>作可視化（3維資料化爲圖表or畫面）</a:t>
+            </a:r>
+            <a:endParaRPr/>
+          </a:p>
+          <a:p>
+            <a:pPr marL="457200" lvl="0" indent="-342900" algn="l" rtl="0">
+              <a:spcBef>
+                <a:spcPts val="0"/>
+              </a:spcBef>
+              <a:spcAft>
+                <a:spcPts val="0"/>
+              </a:spcAft>
+              <a:buSzPts val="1800"/>
+              <a:buAutoNum type="arabicPeriod"/>
+            </a:pPr>
+            <a:r>
+              <a:rPr lang="zh-TW"/>
+              <a:t>電壓線性度分析(電路穩定度)</a:t>
+            </a:r>
+            <a:endParaRPr/>
+          </a:p>
+          <a:p>
+            <a:pPr marL="457200" lvl="0" indent="-342900" algn="l" rtl="0">
+              <a:spcBef>
+                <a:spcPts val="0"/>
+              </a:spcBef>
+              <a:spcAft>
+                <a:spcPts val="0"/>
+              </a:spcAft>
+              <a:buSzPts val="1800"/>
+              <a:buAutoNum type="arabicPeriod"/>
+            </a:pPr>
+            <a:r>
+              <a:rPr lang="zh-TW"/>
+              <a:t>電壓、溫度變異度分析(與理想值的差異)</a:t>
             </a:r>
             <a:endParaRPr/>
           </a:p>
@@ -7757,11 +8343,11 @@
 </file>
 
 <file path=ppt/slides/slide6.xml><?xml version="1.0" encoding="utf-8"?>
-<p:sld xmlns:a="http://schemas.openxmlformats.org/drawingml/2006/main" xmlns:r="http://schemas.openxmlformats.org/officeDocument/2006/relationships" xmlns:mc="http://schemas.openxmlformats.org/markup-compatibility/2006" xmlns:mv="urn:schemas-microsoft-com:mac:vml" xmlns:p="http://schemas.openxmlformats.org/presentationml/2006/main" xmlns:c="http://schemas.openxmlformats.org/drawingml/2006/chart" xmlns:dgm="http://schemas.openxmlformats.org/drawingml/2006/diagram" xmlns:o="urn:schemas-microsoft-com:office:office" xmlns:v="urn:schemas-microsoft-com:vml" xmlns:pvml="urn:schemas-microsoft-com:office:powerpoint" xmlns:com="http://schemas.openxmlformats.org/drawingml/2006/compatibility" xmlns:p14="http://schemas.microsoft.com/office/powerpoint/2010/main" xmlns:p15="http://schemas.microsoft.com/office/powerpoint/2012/main" xmlns:ahyp="http://schemas.microsoft.com/office/drawing/2018/hyperlinkcolor">
+<p:sld xmlns:a="http://schemas.openxmlformats.org/drawingml/2006/main" xmlns:r="http://schemas.openxmlformats.org/officeDocument/2006/relationships" xmlns:p="http://schemas.openxmlformats.org/presentationml/2006/main">
   <p:cSld>
     <p:spTree>
       <p:nvGrpSpPr>
-        <p:cNvPr id="90" name="Shape 90"/>
+        <p:cNvPr id="1" name="Shape 96"/>
         <p:cNvGrpSpPr/>
         <p:nvPr/>
       </p:nvGrpSpPr>
@@ -7775,8 +8361,10 @@
       </p:grpSpPr>
       <p:sp>
         <p:nvSpPr>
-          <p:cNvPr id="91" name="Google Shape;91;p18"/>
-          <p:cNvSpPr txBox="1"/>
+          <p:cNvPr id="97" name="Google Shape;97;p19"/>
+          <p:cNvSpPr txBox="1">
+            <a:spLocks noGrp="1"/>
+          </p:cNvSpPr>
           <p:nvPr>
             <p:ph type="title"/>
           </p:nvPr>
@@ -7791,12 +8379,12 @@
           </a:prstGeom>
         </p:spPr>
         <p:txBody>
-          <a:bodyPr anchorCtr="0" anchor="t" bIns="91425" lIns="91425" spcFirstLastPara="1" rIns="91425" wrap="square" tIns="91425">
+          <a:bodyPr spcFirstLastPara="1" wrap="square" lIns="91425" tIns="91425" rIns="91425" bIns="91425" anchor="t" anchorCtr="0">
             <a:normAutofit fontScale="90000"/>
           </a:bodyPr>
           <a:lstStyle/>
           <a:p>
-            <a:pPr indent="0" lvl="0" marL="0" rtl="0" algn="l">
+            <a:pPr marL="0" lvl="0" indent="0" algn="l" rtl="0">
               <a:spcBef>
                 <a:spcPts val="0"/>
               </a:spcBef>
@@ -7807,7 +8395,7 @@
             </a:pPr>
             <a:r>
               <a:rPr lang="zh-TW"/>
-              <a:t>功能需求</a:t>
+              <a:t>功能分析</a:t>
             </a:r>
             <a:endParaRPr/>
           </a:p>
@@ -7815,10 +8403,12 @@
       </p:sp>
       <p:sp>
         <p:nvSpPr>
-          <p:cNvPr id="92" name="Google Shape;92;p18"/>
-          <p:cNvSpPr txBox="1"/>
+          <p:cNvPr id="98" name="Google Shape;98;p19"/>
+          <p:cNvSpPr txBox="1">
+            <a:spLocks noGrp="1"/>
+          </p:cNvSpPr>
           <p:nvPr>
-            <p:ph idx="1" type="body"/>
+            <p:ph type="body" idx="1"/>
           </p:nvPr>
         </p:nvSpPr>
         <p:spPr>
@@ -7831,225 +8421,20 @@
           </a:prstGeom>
         </p:spPr>
         <p:txBody>
-          <a:bodyPr anchorCtr="0" anchor="t" bIns="91425" lIns="91425" spcFirstLastPara="1" rIns="91425" wrap="square" tIns="91425">
+          <a:bodyPr spcFirstLastPara="1" wrap="square" lIns="91425" tIns="91425" rIns="91425" bIns="91425" anchor="t" anchorCtr="0">
             <a:normAutofit/>
           </a:bodyPr>
           <a:lstStyle/>
           <a:p>
-            <a:pPr indent="-342900" lvl="0" marL="457200" rtl="0" algn="l">
-              <a:spcBef>
-                <a:spcPts val="0"/>
-              </a:spcBef>
-              <a:spcAft>
-                <a:spcPts val="0"/>
-              </a:spcAft>
-              <a:buSzPts val="1800"/>
-              <a:buAutoNum type="arabicPeriod"/>
+            <a:pPr marL="0" lvl="0" indent="0" algn="l" rtl="0">
+              <a:spcBef>
+                <a:spcPts val="0"/>
+              </a:spcBef>
+              <a:spcAft>
+                <a:spcPts val="1200"/>
+              </a:spcAft>
+              <a:buNone/>
             </a:pPr>
-            <a:r>
-              <a:rPr lang="zh-TW"/>
-              <a:t>可</a:t>
-            </a:r>
-            <a:r>
-              <a:rPr lang="zh-TW"/>
-              <a:t>重建理想IC特性波形圖(理想值預測)</a:t>
-            </a:r>
-            <a:endParaRPr/>
-          </a:p>
-          <a:p>
-            <a:pPr indent="-342900" lvl="0" marL="457200" rtl="0" algn="l">
-              <a:spcBef>
-                <a:spcPts val="0"/>
-              </a:spcBef>
-              <a:spcAft>
-                <a:spcPts val="0"/>
-              </a:spcAft>
-              <a:buSzPts val="1800"/>
-              <a:buAutoNum type="arabicPeriod"/>
-            </a:pPr>
-            <a:r>
-              <a:rPr lang="zh-TW"/>
-              <a:t>判讀量測值與理想值差異程度</a:t>
-            </a:r>
-            <a:endParaRPr/>
-          </a:p>
-          <a:p>
-            <a:pPr indent="-342900" lvl="0" marL="457200" rtl="0" algn="l">
-              <a:spcBef>
-                <a:spcPts val="0"/>
-              </a:spcBef>
-              <a:spcAft>
-                <a:spcPts val="0"/>
-              </a:spcAft>
-              <a:buSzPts val="1800"/>
-              <a:buAutoNum type="arabicPeriod"/>
-            </a:pPr>
-            <a:r>
-              <a:rPr lang="zh-TW"/>
-              <a:t>將</a:t>
-            </a:r>
-            <a:r>
-              <a:rPr b="1" lang="zh-TW"/>
-              <a:t>時間</a:t>
-            </a:r>
-            <a:r>
-              <a:rPr lang="zh-TW"/>
-              <a:t>、</a:t>
-            </a:r>
-            <a:r>
-              <a:rPr b="1" lang="zh-TW"/>
-              <a:t>數位值</a:t>
-            </a:r>
-            <a:r>
-              <a:rPr lang="zh-TW"/>
-              <a:t>、</a:t>
-            </a:r>
-            <a:r>
-              <a:rPr b="1" lang="zh-TW"/>
-              <a:t>溫度</a:t>
-            </a:r>
-            <a:r>
-              <a:rPr lang="zh-TW"/>
-              <a:t>作可視化（3維資料化爲圖表or畫面）</a:t>
-            </a:r>
-            <a:endParaRPr/>
-          </a:p>
-          <a:p>
-            <a:pPr indent="-342900" lvl="0" marL="457200" rtl="0" algn="l">
-              <a:spcBef>
-                <a:spcPts val="0"/>
-              </a:spcBef>
-              <a:spcAft>
-                <a:spcPts val="0"/>
-              </a:spcAft>
-              <a:buSzPts val="1800"/>
-              <a:buAutoNum type="arabicPeriod"/>
-            </a:pPr>
-            <a:r>
-              <a:rPr lang="zh-TW"/>
-              <a:t>電壓線性度分析(電路穩定度)</a:t>
-            </a:r>
-            <a:endParaRPr/>
-          </a:p>
-          <a:p>
-            <a:pPr indent="-342900" lvl="0" marL="457200" rtl="0" algn="l">
-              <a:spcBef>
-                <a:spcPts val="0"/>
-              </a:spcBef>
-              <a:spcAft>
-                <a:spcPts val="0"/>
-              </a:spcAft>
-              <a:buSzPts val="1800"/>
-              <a:buAutoNum type="arabicPeriod"/>
-            </a:pPr>
-            <a:r>
-              <a:rPr lang="zh-TW"/>
-              <a:t>電壓、溫度變異度分析(與理想值的差異)</a:t>
-            </a:r>
-            <a:endParaRPr/>
-          </a:p>
-        </p:txBody>
-      </p:sp>
-    </p:spTree>
-  </p:cSld>
-  <p:clrMapOvr>
-    <a:masterClrMapping/>
-  </p:clrMapOvr>
-</p:sld>
-</file>
-
-<file path=ppt/slides/slide7.xml><?xml version="1.0" encoding="utf-8"?>
-<p:sld xmlns:a="http://schemas.openxmlformats.org/drawingml/2006/main" xmlns:r="http://schemas.openxmlformats.org/officeDocument/2006/relationships" xmlns:mc="http://schemas.openxmlformats.org/markup-compatibility/2006" xmlns:mv="urn:schemas-microsoft-com:mac:vml" xmlns:p="http://schemas.openxmlformats.org/presentationml/2006/main" xmlns:c="http://schemas.openxmlformats.org/drawingml/2006/chart" xmlns:dgm="http://schemas.openxmlformats.org/drawingml/2006/diagram" xmlns:o="urn:schemas-microsoft-com:office:office" xmlns:v="urn:schemas-microsoft-com:vml" xmlns:pvml="urn:schemas-microsoft-com:office:powerpoint" xmlns:com="http://schemas.openxmlformats.org/drawingml/2006/compatibility" xmlns:p14="http://schemas.microsoft.com/office/powerpoint/2010/main" xmlns:p15="http://schemas.microsoft.com/office/powerpoint/2012/main" xmlns:ahyp="http://schemas.microsoft.com/office/drawing/2018/hyperlinkcolor">
-  <p:cSld>
-    <p:spTree>
-      <p:nvGrpSpPr>
-        <p:cNvPr id="96" name="Shape 96"/>
-        <p:cNvGrpSpPr/>
-        <p:nvPr/>
-      </p:nvGrpSpPr>
-      <p:grpSpPr>
-        <a:xfrm>
-          <a:off x="0" y="0"/>
-          <a:ext cx="0" cy="0"/>
-          <a:chOff x="0" y="0"/>
-          <a:chExt cx="0" cy="0"/>
-        </a:xfrm>
-      </p:grpSpPr>
-      <p:sp>
-        <p:nvSpPr>
-          <p:cNvPr id="97" name="Google Shape;97;p19"/>
-          <p:cNvSpPr txBox="1"/>
-          <p:nvPr>
-            <p:ph type="title"/>
-          </p:nvPr>
-        </p:nvSpPr>
-        <p:spPr>
-          <a:xfrm>
-            <a:off x="311700" y="445025"/>
-            <a:ext cx="8520600" cy="572700"/>
-          </a:xfrm>
-          <a:prstGeom prst="rect">
-            <a:avLst/>
-          </a:prstGeom>
-        </p:spPr>
-        <p:txBody>
-          <a:bodyPr anchorCtr="0" anchor="t" bIns="91425" lIns="91425" spcFirstLastPara="1" rIns="91425" wrap="square" tIns="91425">
-            <a:normAutofit fontScale="90000"/>
-          </a:bodyPr>
-          <a:lstStyle/>
-          <a:p>
-            <a:pPr indent="0" lvl="0" marL="0" rtl="0" algn="l">
-              <a:spcBef>
-                <a:spcPts val="0"/>
-              </a:spcBef>
-              <a:spcAft>
-                <a:spcPts val="0"/>
-              </a:spcAft>
-              <a:buNone/>
-            </a:pPr>
-            <a:r>
-              <a:rPr lang="zh-TW"/>
-              <a:t>功能分析</a:t>
-            </a:r>
-            <a:endParaRPr/>
-          </a:p>
-        </p:txBody>
-      </p:sp>
-      <p:sp>
-        <p:nvSpPr>
-          <p:cNvPr id="98" name="Google Shape;98;p19"/>
-          <p:cNvSpPr txBox="1"/>
-          <p:nvPr>
-            <p:ph idx="1" type="body"/>
-          </p:nvPr>
-        </p:nvSpPr>
-        <p:spPr>
-          <a:xfrm>
-            <a:off x="311700" y="1152475"/>
-            <a:ext cx="8520600" cy="3416400"/>
-          </a:xfrm>
-          <a:prstGeom prst="rect">
-            <a:avLst/>
-          </a:prstGeom>
-        </p:spPr>
-        <p:txBody>
-          <a:bodyPr anchorCtr="0" anchor="t" bIns="91425" lIns="91425" spcFirstLastPara="1" rIns="91425" wrap="square" tIns="91425">
-            <a:normAutofit/>
-          </a:bodyPr>
-          <a:lstStyle/>
-          <a:p>
-            <a:pPr indent="0" lvl="0" marL="0" rtl="0" algn="l">
-              <a:spcBef>
-                <a:spcPts val="0"/>
-              </a:spcBef>
-              <a:spcAft>
-                <a:spcPts val="1200"/>
-              </a:spcAft>
-              <a:buNone/>
-            </a:pPr>
-            <a:r>
-              <a:t/>
-            </a:r>
             <a:endParaRPr/>
           </a:p>
         </p:txBody>
@@ -8090,12 +8475,12 @@
 </p:sld>
 </file>
 
-<file path=ppt/slides/slide8.xml><?xml version="1.0" encoding="utf-8"?>
-<p:sld xmlns:a="http://schemas.openxmlformats.org/drawingml/2006/main" xmlns:r="http://schemas.openxmlformats.org/officeDocument/2006/relationships" xmlns:mc="http://schemas.openxmlformats.org/markup-compatibility/2006" xmlns:mv="urn:schemas-microsoft-com:mac:vml" xmlns:p="http://schemas.openxmlformats.org/presentationml/2006/main" xmlns:c="http://schemas.openxmlformats.org/drawingml/2006/chart" xmlns:dgm="http://schemas.openxmlformats.org/drawingml/2006/diagram" xmlns:o="urn:schemas-microsoft-com:office:office" xmlns:v="urn:schemas-microsoft-com:vml" xmlns:pvml="urn:schemas-microsoft-com:office:powerpoint" xmlns:com="http://schemas.openxmlformats.org/drawingml/2006/compatibility" xmlns:p14="http://schemas.microsoft.com/office/powerpoint/2010/main" xmlns:p15="http://schemas.microsoft.com/office/powerpoint/2012/main" xmlns:ahyp="http://schemas.microsoft.com/office/drawing/2018/hyperlinkcolor">
+<file path=ppt/slides/slide7.xml><?xml version="1.0" encoding="utf-8"?>
+<p:sld xmlns:a="http://schemas.openxmlformats.org/drawingml/2006/main" xmlns:r="http://schemas.openxmlformats.org/officeDocument/2006/relationships" xmlns:p="http://schemas.openxmlformats.org/presentationml/2006/main">
   <p:cSld>
     <p:spTree>
       <p:nvGrpSpPr>
-        <p:cNvPr id="103" name="Shape 103"/>
+        <p:cNvPr id="1" name="Shape 103"/>
         <p:cNvGrpSpPr/>
         <p:nvPr/>
       </p:nvGrpSpPr>
@@ -8110,7 +8495,9 @@
       <p:sp>
         <p:nvSpPr>
           <p:cNvPr id="104" name="Google Shape;104;p20"/>
-          <p:cNvSpPr txBox="1"/>
+          <p:cNvSpPr txBox="1">
+            <a:spLocks noGrp="1"/>
+          </p:cNvSpPr>
           <p:nvPr>
             <p:ph type="title"/>
           </p:nvPr>
@@ -8125,12 +8512,12 @@
           </a:prstGeom>
         </p:spPr>
         <p:txBody>
-          <a:bodyPr anchorCtr="0" anchor="t" bIns="91425" lIns="91425" spcFirstLastPara="1" rIns="91425" wrap="square" tIns="91425">
+          <a:bodyPr spcFirstLastPara="1" wrap="square" lIns="91425" tIns="91425" rIns="91425" bIns="91425" anchor="t" anchorCtr="0">
             <a:normAutofit fontScale="90000"/>
           </a:bodyPr>
           <a:lstStyle/>
           <a:p>
-            <a:pPr indent="0" lvl="0" marL="0" rtl="0" algn="l">
+            <a:pPr marL="0" lvl="0" indent="0" algn="l" rtl="0">
               <a:spcBef>
                 <a:spcPts val="0"/>
               </a:spcBef>
@@ -8150,9 +8537,11 @@
       <p:sp>
         <p:nvSpPr>
           <p:cNvPr id="105" name="Google Shape;105;p20"/>
-          <p:cNvSpPr txBox="1"/>
+          <p:cNvSpPr txBox="1">
+            <a:spLocks noGrp="1"/>
+          </p:cNvSpPr>
           <p:nvPr>
-            <p:ph idx="1" type="body"/>
+            <p:ph type="body" idx="1"/>
           </p:nvPr>
         </p:nvSpPr>
         <p:spPr>
@@ -8165,12 +8554,12 @@
           </a:prstGeom>
         </p:spPr>
         <p:txBody>
-          <a:bodyPr anchorCtr="0" anchor="t" bIns="91425" lIns="91425" spcFirstLastPara="1" rIns="91425" wrap="square" tIns="91425">
-            <a:normAutofit fontScale="70000" lnSpcReduction="20000"/>
+          <a:bodyPr spcFirstLastPara="1" wrap="square" lIns="91425" tIns="91425" rIns="91425" bIns="91425" anchor="t" anchorCtr="0">
+            <a:normAutofit fontScale="62500" lnSpcReduction="20000"/>
           </a:bodyPr>
           <a:lstStyle/>
           <a:p>
-            <a:pPr indent="0" lvl="0" marL="0" rtl="0" algn="l">
+            <a:pPr marL="0" lvl="0" indent="0" algn="l" rtl="0">
               <a:spcBef>
                 <a:spcPts val="0"/>
               </a:spcBef>
@@ -8186,7 +8575,7 @@
             <a:endParaRPr/>
           </a:p>
           <a:p>
-            <a:pPr indent="-308610" lvl="0" marL="457200" rtl="0" algn="l">
+            <a:pPr marL="457200" lvl="0" indent="-308610" algn="l" rtl="0">
               <a:spcBef>
                 <a:spcPts val="1200"/>
               </a:spcBef>
@@ -8214,7 +8603,7 @@
             </a:endParaRPr>
           </a:p>
           <a:p>
-            <a:pPr indent="-308610" lvl="0" marL="457200" rtl="0" algn="l">
+            <a:pPr marL="457200" lvl="0" indent="-308610" algn="l" rtl="0">
               <a:spcBef>
                 <a:spcPts val="0"/>
               </a:spcBef>
@@ -8240,7 +8629,7 @@
             <a:endParaRPr/>
           </a:p>
           <a:p>
-            <a:pPr indent="-308610" lvl="0" marL="457200" rtl="0" algn="l">
+            <a:pPr marL="457200" lvl="0" indent="-308610" algn="l" rtl="0">
               <a:spcBef>
                 <a:spcPts val="0"/>
               </a:spcBef>
@@ -8257,7 +8646,7 @@
             <a:endParaRPr/>
           </a:p>
           <a:p>
-            <a:pPr indent="0" lvl="0" marL="0" rtl="0" algn="l">
+            <a:pPr marL="0" lvl="0" indent="0" algn="l" rtl="0">
               <a:spcBef>
                 <a:spcPts val="1200"/>
               </a:spcBef>
@@ -8273,7 +8662,7 @@
             <a:endParaRPr/>
           </a:p>
           <a:p>
-            <a:pPr indent="-308610" lvl="0" marL="457200" rtl="0" algn="l">
+            <a:pPr marL="457200" lvl="0" indent="-308610" algn="l" rtl="0">
               <a:spcBef>
                 <a:spcPts val="1200"/>
               </a:spcBef>
@@ -8301,7 +8690,7 @@
             </a:endParaRPr>
           </a:p>
           <a:p>
-            <a:pPr indent="-308610" lvl="0" marL="457200" rtl="0" algn="l">
+            <a:pPr marL="457200" lvl="0" indent="-308610" algn="l" rtl="0">
               <a:spcBef>
                 <a:spcPts val="0"/>
               </a:spcBef>
@@ -8329,7 +8718,7 @@
             </a:endParaRPr>
           </a:p>
           <a:p>
-            <a:pPr indent="0" lvl="0" marL="0" rtl="0" algn="l">
+            <a:pPr marL="0" lvl="0" indent="0" algn="l" rtl="0">
               <a:spcBef>
                 <a:spcPts val="1200"/>
               </a:spcBef>
@@ -8345,7 +8734,7 @@
             <a:endParaRPr/>
           </a:p>
           <a:p>
-            <a:pPr indent="0" lvl="0" marL="457200" rtl="0" algn="l">
+            <a:pPr marL="457200" lvl="0" indent="0" algn="l" rtl="0">
               <a:spcBef>
                 <a:spcPts val="1200"/>
               </a:spcBef>
@@ -8371,7 +8760,7 @@
             </a:endParaRPr>
           </a:p>
           <a:p>
-            <a:pPr indent="0" lvl="0" marL="0" rtl="0" algn="l">
+            <a:pPr marL="0" lvl="0" indent="0" algn="l" rtl="0">
               <a:spcBef>
                 <a:spcPts val="1200"/>
               </a:spcBef>
@@ -8397,7 +8786,7 @@
             </a:endParaRPr>
           </a:p>
           <a:p>
-            <a:pPr indent="0" lvl="0" marL="0" rtl="0" algn="l">
+            <a:pPr marL="0" lvl="0" indent="0" algn="l" rtl="0">
               <a:spcBef>
                 <a:spcPts val="1200"/>
               </a:spcBef>
@@ -8422,12 +8811,12 @@
 </p:sld>
 </file>
 
-<file path=ppt/slides/slide9.xml><?xml version="1.0" encoding="utf-8"?>
-<p:sld xmlns:a="http://schemas.openxmlformats.org/drawingml/2006/main" xmlns:r="http://schemas.openxmlformats.org/officeDocument/2006/relationships" xmlns:mc="http://schemas.openxmlformats.org/markup-compatibility/2006" xmlns:mv="urn:schemas-microsoft-com:mac:vml" xmlns:p="http://schemas.openxmlformats.org/presentationml/2006/main" xmlns:c="http://schemas.openxmlformats.org/drawingml/2006/chart" xmlns:dgm="http://schemas.openxmlformats.org/drawingml/2006/diagram" xmlns:o="urn:schemas-microsoft-com:office:office" xmlns:v="urn:schemas-microsoft-com:vml" xmlns:pvml="urn:schemas-microsoft-com:office:powerpoint" xmlns:com="http://schemas.openxmlformats.org/drawingml/2006/compatibility" xmlns:p14="http://schemas.microsoft.com/office/powerpoint/2010/main" xmlns:p15="http://schemas.microsoft.com/office/powerpoint/2012/main" xmlns:ahyp="http://schemas.microsoft.com/office/drawing/2018/hyperlinkcolor">
+<file path=ppt/slides/slide8.xml><?xml version="1.0" encoding="utf-8"?>
+<p:sld xmlns:a="http://schemas.openxmlformats.org/drawingml/2006/main" xmlns:r="http://schemas.openxmlformats.org/officeDocument/2006/relationships" xmlns:p="http://schemas.openxmlformats.org/presentationml/2006/main">
   <p:cSld>
     <p:spTree>
       <p:nvGrpSpPr>
-        <p:cNvPr id="109" name="Shape 109"/>
+        <p:cNvPr id="1" name="Shape 109"/>
         <p:cNvGrpSpPr/>
         <p:nvPr/>
       </p:nvGrpSpPr>
@@ -8442,7 +8831,9 @@
       <p:sp>
         <p:nvSpPr>
           <p:cNvPr id="110" name="Google Shape;110;p21"/>
-          <p:cNvSpPr txBox="1"/>
+          <p:cNvSpPr txBox="1">
+            <a:spLocks noGrp="1"/>
+          </p:cNvSpPr>
           <p:nvPr>
             <p:ph type="title"/>
           </p:nvPr>
@@ -8457,12 +8848,12 @@
           </a:prstGeom>
         </p:spPr>
         <p:txBody>
-          <a:bodyPr anchorCtr="0" anchor="t" bIns="91425" lIns="91425" spcFirstLastPara="1" rIns="91425" wrap="square" tIns="91425">
+          <a:bodyPr spcFirstLastPara="1" wrap="square" lIns="91425" tIns="91425" rIns="91425" bIns="91425" anchor="t" anchorCtr="0">
             <a:normAutofit fontScale="90000"/>
           </a:bodyPr>
           <a:lstStyle/>
           <a:p>
-            <a:pPr indent="0" lvl="0" marL="0" rtl="0" algn="l">
+            <a:pPr marL="0" lvl="0" indent="0" algn="l" rtl="0">
               <a:spcBef>
                 <a:spcPts val="0"/>
               </a:spcBef>
@@ -8482,9 +8873,11 @@
       <p:sp>
         <p:nvSpPr>
           <p:cNvPr id="111" name="Google Shape;111;p21"/>
-          <p:cNvSpPr txBox="1"/>
+          <p:cNvSpPr txBox="1">
+            <a:spLocks noGrp="1"/>
+          </p:cNvSpPr>
           <p:nvPr>
-            <p:ph idx="1" type="body"/>
+            <p:ph type="body" idx="1"/>
           </p:nvPr>
         </p:nvSpPr>
         <p:spPr>
@@ -8497,12 +8890,12 @@
           </a:prstGeom>
         </p:spPr>
         <p:txBody>
-          <a:bodyPr anchorCtr="0" anchor="t" bIns="91425" lIns="91425" spcFirstLastPara="1" rIns="91425" wrap="square" tIns="91425">
+          <a:bodyPr spcFirstLastPara="1" wrap="square" lIns="91425" tIns="91425" rIns="91425" bIns="91425" anchor="t" anchorCtr="0">
             <a:normAutofit/>
           </a:bodyPr>
           <a:lstStyle/>
           <a:p>
-            <a:pPr indent="0" lvl="0" marL="0" rtl="0" algn="l">
+            <a:pPr marL="0" lvl="0" indent="0" algn="l" rtl="0">
               <a:spcBef>
                 <a:spcPts val="0"/>
               </a:spcBef>
@@ -8511,9 +8904,6 @@
               </a:spcAft>
               <a:buNone/>
             </a:pPr>
-            <a:r>
-              <a:t/>
-            </a:r>
             <a:endParaRPr/>
           </a:p>
         </p:txBody>
@@ -8554,8 +8944,143 @@
 </p:sld>
 </file>
 
+<file path=ppt/slides/slide9.xml><?xml version="1.0" encoding="utf-8"?>
+<p:sld xmlns:a="http://schemas.openxmlformats.org/drawingml/2006/main" xmlns:r="http://schemas.openxmlformats.org/officeDocument/2006/relationships" xmlns:p="http://schemas.openxmlformats.org/presentationml/2006/main">
+  <p:cSld>
+    <p:spTree>
+      <p:nvGrpSpPr>
+        <p:cNvPr id="1" name="Shape 116"/>
+        <p:cNvGrpSpPr/>
+        <p:nvPr/>
+      </p:nvGrpSpPr>
+      <p:grpSpPr>
+        <a:xfrm>
+          <a:off x="0" y="0"/>
+          <a:ext cx="0" cy="0"/>
+          <a:chOff x="0" y="0"/>
+          <a:chExt cx="0" cy="0"/>
+        </a:xfrm>
+      </p:grpSpPr>
+      <p:sp>
+        <p:nvSpPr>
+          <p:cNvPr id="117" name="Google Shape;117;p22"/>
+          <p:cNvSpPr txBox="1">
+            <a:spLocks noGrp="1"/>
+          </p:cNvSpPr>
+          <p:nvPr>
+            <p:ph type="title"/>
+          </p:nvPr>
+        </p:nvSpPr>
+        <p:spPr>
+          <a:xfrm>
+            <a:off x="311700" y="445025"/>
+            <a:ext cx="8520600" cy="572700"/>
+          </a:xfrm>
+          <a:prstGeom prst="rect">
+            <a:avLst/>
+          </a:prstGeom>
+        </p:spPr>
+        <p:txBody>
+          <a:bodyPr spcFirstLastPara="1" wrap="square" lIns="91425" tIns="91425" rIns="91425" bIns="91425" anchor="t" anchorCtr="0">
+            <a:normAutofit fontScale="90000"/>
+          </a:bodyPr>
+          <a:lstStyle/>
+          <a:p>
+            <a:pPr marL="0" lvl="0" indent="0" algn="l" rtl="0">
+              <a:spcBef>
+                <a:spcPts val="0"/>
+              </a:spcBef>
+              <a:spcAft>
+                <a:spcPts val="0"/>
+              </a:spcAft>
+              <a:buNone/>
+            </a:pPr>
+            <a:r>
+              <a:rPr lang="zh-TW" dirty="0"/>
+              <a:t>架構圖</a:t>
+            </a:r>
+            <a:endParaRPr dirty="0"/>
+          </a:p>
+        </p:txBody>
+      </p:sp>
+      <p:sp>
+        <p:nvSpPr>
+          <p:cNvPr id="118" name="Google Shape;118;p22"/>
+          <p:cNvSpPr txBox="1">
+            <a:spLocks noGrp="1"/>
+          </p:cNvSpPr>
+          <p:nvPr>
+            <p:ph type="body" idx="1"/>
+          </p:nvPr>
+        </p:nvSpPr>
+        <p:spPr>
+          <a:xfrm>
+            <a:off x="311700" y="1152475"/>
+            <a:ext cx="8520600" cy="3416400"/>
+          </a:xfrm>
+          <a:prstGeom prst="rect">
+            <a:avLst/>
+          </a:prstGeom>
+        </p:spPr>
+        <p:txBody>
+          <a:bodyPr spcFirstLastPara="1" wrap="square" lIns="91425" tIns="91425" rIns="91425" bIns="91425" anchor="t" anchorCtr="0">
+            <a:normAutofit/>
+          </a:bodyPr>
+          <a:lstStyle/>
+          <a:p>
+            <a:pPr marL="0" lvl="0" indent="0" algn="l" rtl="0">
+              <a:spcBef>
+                <a:spcPts val="0"/>
+              </a:spcBef>
+              <a:spcAft>
+                <a:spcPts val="1200"/>
+              </a:spcAft>
+              <a:buNone/>
+            </a:pPr>
+            <a:endParaRPr dirty="0"/>
+          </a:p>
+        </p:txBody>
+      </p:sp>
+      <p:pic>
+        <p:nvPicPr>
+          <p:cNvPr id="3" name="圖片 2">
+            <a:extLst>
+              <a:ext uri="{FF2B5EF4-FFF2-40B4-BE49-F238E27FC236}">
+                <a16:creationId xmlns:a16="http://schemas.microsoft.com/office/drawing/2014/main" id="{9980918C-0477-47CB-977C-6F83AC957456}"/>
+              </a:ext>
+            </a:extLst>
+          </p:cNvPr>
+          <p:cNvPicPr>
+            <a:picLocks noChangeAspect="1"/>
+          </p:cNvPicPr>
+          <p:nvPr/>
+        </p:nvPicPr>
+        <p:blipFill>
+          <a:blip r:embed="rId3"/>
+          <a:stretch>
+            <a:fillRect/>
+          </a:stretch>
+        </p:blipFill>
+        <p:spPr>
+          <a:xfrm>
+            <a:off x="311700" y="1095375"/>
+            <a:ext cx="8401050" cy="4048125"/>
+          </a:xfrm>
+          <a:prstGeom prst="rect">
+            <a:avLst/>
+          </a:prstGeom>
+        </p:spPr>
+      </p:pic>
+    </p:spTree>
+  </p:cSld>
+  <p:clrMapOvr>
+    <a:masterClrMapping/>
+  </p:clrMapOvr>
+</p:sld>
+</file>
+
 <file path=ppt/theme/theme1.xml><?xml version="1.0" encoding="utf-8"?>
-<a:theme xmlns:a="http://schemas.openxmlformats.org/drawingml/2006/main" xmlns:r="http://schemas.openxmlformats.org/officeDocument/2006/relationships" name="Simple Light">
+<a:theme xmlns:a="http://schemas.openxmlformats.org/drawingml/2006/main" name="Simple Light">
   <a:themeElements>
     <a:clrScheme name="Simple Light">
       <a:dk1>
@@ -8830,11 +9355,13 @@
       </a:bgFillStyleLst>
     </a:fmtScheme>
   </a:themeElements>
+  <a:objectDefaults/>
+  <a:extraClrSchemeLst/>
 </a:theme>
 </file>
 
 <file path=ppt/theme/theme2.xml><?xml version="1.0" encoding="utf-8"?>
-<a:theme xmlns:a="http://schemas.openxmlformats.org/drawingml/2006/main" xmlns:r="http://schemas.openxmlformats.org/officeDocument/2006/relationships">
+<a:theme xmlns:a="http://schemas.openxmlformats.org/drawingml/2006/main">
   <a:themeElements>
     <a:clrScheme name="Default">
       <a:dk1>
@@ -9109,5 +9636,7 @@
       </a:bgFillStyleLst>
     </a:fmtScheme>
   </a:themeElements>
+  <a:objectDefaults/>
+  <a:extraClrSchemeLst/>
 </a:theme>
 </file>